--- a/meterials/slides/ch03-wechat-dev-env-and-debug tools.pptx
+++ b/meterials/slides/ch03-wechat-dev-env-and-debug tools.pptx
@@ -17,11 +17,11 @@
   <p:sldIdLst>
     <p:sldId id="257" r:id="rId6"/>
     <p:sldId id="446" r:id="rId7"/>
-    <p:sldId id="452" r:id="rId8"/>
-    <p:sldId id="468" r:id="rId9"/>
-    <p:sldId id="470" r:id="rId10"/>
-    <p:sldId id="469" r:id="rId11"/>
-    <p:sldId id="492" r:id="rId12"/>
+    <p:sldId id="498" r:id="rId8"/>
+    <p:sldId id="452" r:id="rId9"/>
+    <p:sldId id="468" r:id="rId10"/>
+    <p:sldId id="470" r:id="rId11"/>
+    <p:sldId id="469" r:id="rId12"/>
     <p:sldId id="496" r:id="rId13"/>
     <p:sldId id="457" r:id="rId14"/>
     <p:sldId id="484" r:id="rId15"/>
@@ -201,6 +201,10 @@
 </p:cmAuthorLst>
 </file>
 
+<file path=ppt/revisionInfo.xml><?xml version="1.0" encoding="utf-8"?>
+<p1510:revInfo xmlns:a="http://schemas.openxmlformats.org/drawingml/2006/main" xmlns:r="http://schemas.openxmlformats.org/officeDocument/2006/relationships" xmlns:p1510="http://schemas.microsoft.com/office/powerpoint/2015/10/main"/>
+</file>
+
 <file path=ppt/handoutMasters/handoutMaster1.xml><?xml version="1.0" encoding="utf-8"?>
 <p:handoutMaster xmlns:a="http://schemas.openxmlformats.org/drawingml/2006/main" xmlns:r="http://schemas.openxmlformats.org/officeDocument/2006/relationships" xmlns:p="http://schemas.openxmlformats.org/presentationml/2006/main">
   <p:cSld>
@@ -283,7 +287,7 @@
           <a:p>
             <a:fld id="{2B71C804-97F5-4B36-A7AC-EEEC7F44F6C2}" type="datetimeFigureOut">
               <a:rPr lang="zh-CN" altLang="en-US" smtClean="0"/>
-              <a:t>2017/8/17</a:t>
+              <a:t>2017/9/7</a:t>
             </a:fld>
             <a:endParaRPr lang="zh-CN" altLang="en-US"/>
           </a:p>
@@ -449,7 +453,7 @@
           <a:p>
             <a:fld id="{0568D9C6-D8DC-4CC3-8480-E0C4DBA1CC07}" type="datetimeFigureOut">
               <a:rPr lang="zh-CN" altLang="en-US" smtClean="0"/>
-              <a:t>2017/8/17</a:t>
+              <a:t>2017/9/7</a:t>
             </a:fld>
             <a:endParaRPr lang="zh-CN" altLang="en-US"/>
           </a:p>
@@ -1230,7 +1234,7 @@
           <a:p>
             <a:fld id="{DB9D664F-4C68-42D2-B189-678958EFAFDA}" type="datetime1">
               <a:rPr lang="zh-CN" altLang="en-US" smtClean="0"/>
-              <a:t>2017/8/17</a:t>
+              <a:t>2017/9/7</a:t>
             </a:fld>
             <a:endParaRPr lang="zh-CN" altLang="en-US"/>
           </a:p>
@@ -2212,7 +2216,7 @@
           <a:p>
             <a:fld id="{ED5513C8-E3A4-4D78-B249-887659A958FF}" type="datetime1">
               <a:rPr lang="en-US" altLang="zh-CN" smtClean="0"/>
-              <a:t>8/17/2017</a:t>
+              <a:t>9/7/2017</a:t>
             </a:fld>
             <a:endParaRPr lang="en-US"/>
           </a:p>
@@ -2390,7 +2394,7 @@
           <a:p>
             <a:fld id="{EBEDA52C-3EEE-4289-818C-901C0A7814FE}" type="datetime1">
               <a:rPr lang="en-US" altLang="zh-CN" smtClean="0"/>
-              <a:t>8/17/2017</a:t>
+              <a:t>9/7/2017</a:t>
             </a:fld>
             <a:endParaRPr lang="en-US"/>
           </a:p>
@@ -2644,7 +2648,7 @@
           <a:p>
             <a:fld id="{09EF5D7F-EA15-485C-85DD-8FDC010A62D4}" type="datetime1">
               <a:rPr lang="en-US" altLang="zh-CN" smtClean="0"/>
-              <a:t>8/17/2017</a:t>
+              <a:t>9/7/2017</a:t>
             </a:fld>
             <a:endParaRPr lang="en-US"/>
           </a:p>
@@ -2884,7 +2888,7 @@
           <a:p>
             <a:fld id="{9541C2B2-0BAB-4CD4-83EE-25F1A7138896}" type="datetime1">
               <a:rPr lang="en-US" altLang="zh-CN" smtClean="0"/>
-              <a:t>8/17/2017</a:t>
+              <a:t>9/7/2017</a:t>
             </a:fld>
             <a:endParaRPr lang="en-US"/>
           </a:p>
@@ -3259,7 +3263,7 @@
           <a:p>
             <a:fld id="{7DEA23E7-D0FC-41DC-8745-BE6FC447B182}" type="datetime1">
               <a:rPr lang="en-US" altLang="zh-CN" smtClean="0"/>
-              <a:t>8/17/2017</a:t>
+              <a:t>9/7/2017</a:t>
             </a:fld>
             <a:endParaRPr lang="en-US"/>
           </a:p>
@@ -4044,7 +4048,7 @@
           <a:p>
             <a:fld id="{5DEA8378-5F33-490B-8120-8DE6B7EE2781}" type="datetime1">
               <a:rPr lang="en-US" altLang="zh-CN" smtClean="0"/>
-              <a:t>8/17/2017</a:t>
+              <a:t>9/7/2017</a:t>
             </a:fld>
             <a:endParaRPr lang="en-US"/>
           </a:p>
@@ -4298,7 +4302,7 @@
           <a:p>
             <a:fld id="{38DD30CF-78A7-4C73-91B4-38D3E3317745}" type="datetime1">
               <a:rPr lang="en-US" altLang="zh-CN" smtClean="0"/>
-              <a:t>8/17/2017</a:t>
+              <a:t>9/7/2017</a:t>
             </a:fld>
             <a:endParaRPr lang="en-US"/>
           </a:p>
@@ -4401,7 +4405,7 @@
           <a:p>
             <a:fld id="{A1BE0A72-8501-4974-A7B7-5BD248ABBAFC}" type="datetime1">
               <a:rPr lang="zh-CN" altLang="en-US" smtClean="0"/>
-              <a:t>2017/8/17</a:t>
+              <a:t>2017/9/7</a:t>
             </a:fld>
             <a:endParaRPr lang="zh-CN" altLang="en-US"/>
           </a:p>
@@ -4662,7 +4666,7 @@
           <a:p>
             <a:fld id="{0B7E01DD-16D0-4DBA-9C1A-51468BA0B73A}" type="datetime1">
               <a:rPr lang="en-US" altLang="zh-CN" smtClean="0"/>
-              <a:t>8/17/2017</a:t>
+              <a:t>9/7/2017</a:t>
             </a:fld>
             <a:endParaRPr lang="en-US"/>
           </a:p>
@@ -4840,7 +4844,7 @@
           <a:p>
             <a:fld id="{B587E63F-0E62-4A50-901F-E071D77F7634}" type="datetime1">
               <a:rPr lang="en-US" altLang="zh-CN" smtClean="0"/>
-              <a:t>8/17/2017</a:t>
+              <a:t>9/7/2017</a:t>
             </a:fld>
             <a:endParaRPr lang="en-US"/>
           </a:p>
@@ -5028,7 +5032,7 @@
           <a:p>
             <a:fld id="{BD8521E8-9297-400B-AD8C-0A4D05699D33}" type="datetime1">
               <a:rPr lang="en-US" altLang="zh-CN" smtClean="0"/>
-              <a:t>8/17/2017</a:t>
+              <a:t>9/7/2017</a:t>
             </a:fld>
             <a:endParaRPr lang="en-US"/>
           </a:p>
@@ -5259,7 +5263,7 @@
           <a:p>
             <a:fld id="{ED5513C8-E3A4-4D78-B249-887659A958FF}" type="datetime1">
               <a:rPr lang="en-US" altLang="zh-CN" smtClean="0"/>
-              <a:t>8/17/2017</a:t>
+              <a:t>9/7/2017</a:t>
             </a:fld>
             <a:endParaRPr lang="en-US"/>
           </a:p>
@@ -5437,7 +5441,7 @@
           <a:p>
             <a:fld id="{EBEDA52C-3EEE-4289-818C-901C0A7814FE}" type="datetime1">
               <a:rPr lang="en-US" altLang="zh-CN" smtClean="0"/>
-              <a:t>8/17/2017</a:t>
+              <a:t>9/7/2017</a:t>
             </a:fld>
             <a:endParaRPr lang="en-US"/>
           </a:p>
@@ -5691,7 +5695,7 @@
           <a:p>
             <a:fld id="{09EF5D7F-EA15-485C-85DD-8FDC010A62D4}" type="datetime1">
               <a:rPr lang="en-US" altLang="zh-CN" smtClean="0"/>
-              <a:t>8/17/2017</a:t>
+              <a:t>9/7/2017</a:t>
             </a:fld>
             <a:endParaRPr lang="en-US"/>
           </a:p>
@@ -5931,7 +5935,7 @@
           <a:p>
             <a:fld id="{9541C2B2-0BAB-4CD4-83EE-25F1A7138896}" type="datetime1">
               <a:rPr lang="en-US" altLang="zh-CN" smtClean="0"/>
-              <a:t>8/17/2017</a:t>
+              <a:t>9/7/2017</a:t>
             </a:fld>
             <a:endParaRPr lang="en-US"/>
           </a:p>
@@ -6306,7 +6310,7 @@
           <a:p>
             <a:fld id="{7DEA23E7-D0FC-41DC-8745-BE6FC447B182}" type="datetime1">
               <a:rPr lang="en-US" altLang="zh-CN" smtClean="0"/>
-              <a:t>8/17/2017</a:t>
+              <a:t>9/7/2017</a:t>
             </a:fld>
             <a:endParaRPr lang="en-US"/>
           </a:p>
@@ -7091,7 +7095,7 @@
           <a:p>
             <a:fld id="{A1BE0A72-8501-4974-A7B7-5BD248ABBAFC}" type="datetime1">
               <a:rPr lang="zh-CN" altLang="en-US" smtClean="0"/>
-              <a:t>2017/8/17</a:t>
+              <a:t>2017/9/7</a:t>
             </a:fld>
             <a:endParaRPr lang="zh-CN" altLang="en-US"/>
           </a:p>
@@ -7144,7 +7148,7 @@
           <a:p>
             <a:fld id="{5DEA8378-5F33-490B-8120-8DE6B7EE2781}" type="datetime1">
               <a:rPr lang="en-US" altLang="zh-CN" smtClean="0"/>
-              <a:t>8/17/2017</a:t>
+              <a:t>9/7/2017</a:t>
             </a:fld>
             <a:endParaRPr lang="en-US"/>
           </a:p>
@@ -7398,7 +7402,7 @@
           <a:p>
             <a:fld id="{38DD30CF-78A7-4C73-91B4-38D3E3317745}" type="datetime1">
               <a:rPr lang="en-US" altLang="zh-CN" smtClean="0"/>
-              <a:t>8/17/2017</a:t>
+              <a:t>9/7/2017</a:t>
             </a:fld>
             <a:endParaRPr lang="en-US"/>
           </a:p>
@@ -7663,7 +7667,7 @@
           <a:p>
             <a:fld id="{0B7E01DD-16D0-4DBA-9C1A-51468BA0B73A}" type="datetime1">
               <a:rPr lang="en-US" altLang="zh-CN" smtClean="0"/>
-              <a:t>8/17/2017</a:t>
+              <a:t>9/7/2017</a:t>
             </a:fld>
             <a:endParaRPr lang="en-US"/>
           </a:p>
@@ -7841,7 +7845,7 @@
           <a:p>
             <a:fld id="{B587E63F-0E62-4A50-901F-E071D77F7634}" type="datetime1">
               <a:rPr lang="en-US" altLang="zh-CN" smtClean="0"/>
-              <a:t>8/17/2017</a:t>
+              <a:t>9/7/2017</a:t>
             </a:fld>
             <a:endParaRPr lang="en-US"/>
           </a:p>
@@ -8029,7 +8033,7 @@
           <a:p>
             <a:fld id="{BD8521E8-9297-400B-AD8C-0A4D05699D33}" type="datetime1">
               <a:rPr lang="en-US" altLang="zh-CN" smtClean="0"/>
-              <a:t>8/17/2017</a:t>
+              <a:t>9/7/2017</a:t>
             </a:fld>
             <a:endParaRPr lang="en-US"/>
           </a:p>
@@ -8132,7 +8136,7 @@
           <a:p>
             <a:fld id="{EF452D9C-F9EB-4417-9C3A-C876C2AF9415}" type="datetime1">
               <a:rPr lang="zh-CN" altLang="en-US" smtClean="0"/>
-              <a:t>2017/8/17</a:t>
+              <a:t>2017/9/7</a:t>
             </a:fld>
             <a:endParaRPr lang="zh-CN" altLang="en-US"/>
           </a:p>
@@ -8318,7 +8322,7 @@
           <a:p>
             <a:fld id="{2F2E9289-9B4C-49AE-BDDA-70D6EDC89D17}" type="datetime1">
               <a:rPr lang="zh-CN" altLang="en-US" smtClean="0"/>
-              <a:t>2017/8/17</a:t>
+              <a:t>2017/9/7</a:t>
             </a:fld>
             <a:endParaRPr lang="zh-CN" altLang="en-US"/>
           </a:p>
@@ -8488,7 +8492,7 @@
           <a:p>
             <a:fld id="{2F2E9289-9B4C-49AE-BDDA-70D6EDC89D17}" type="datetime1">
               <a:rPr lang="zh-CN" altLang="en-US" smtClean="0"/>
-              <a:t>2017/8/17</a:t>
+              <a:t>2017/9/7</a:t>
             </a:fld>
             <a:endParaRPr lang="zh-CN" altLang="en-US"/>
           </a:p>
@@ -8724,7 +8728,7 @@
           <a:p>
             <a:fld id="{8C5BA751-A251-47D6-8494-C134D9EBED5F}" type="datetime1">
               <a:rPr lang="zh-CN" altLang="en-US" smtClean="0"/>
-              <a:t>2017/8/17</a:t>
+              <a:t>2017/9/7</a:t>
             </a:fld>
             <a:endParaRPr lang="zh-CN" altLang="en-US"/>
           </a:p>
@@ -9080,7 +9084,7 @@
           <a:p>
             <a:fld id="{C46E2078-F302-4651-A2A2-2FC6C4E1A3F1}" type="datetime1">
               <a:rPr lang="zh-CN" altLang="en-US" smtClean="0"/>
-              <a:t>2017/8/17</a:t>
+              <a:t>2017/9/7</a:t>
             </a:fld>
             <a:endParaRPr lang="zh-CN" altLang="en-US"/>
           </a:p>
@@ -9202,7 +9206,7 @@
               <a:pPr>
                 <a:defRPr/>
               </a:pPr>
-              <a:t>2017/8/17</a:t>
+              <a:t>2017/9/7</a:t>
             </a:fld>
             <a:endParaRPr lang="zh-CN" altLang="en-US"/>
           </a:p>
@@ -9350,7 +9354,7 @@
           <a:p>
             <a:fld id="{A1BE0A72-8501-4974-A7B7-5BD248ABBAFC}" type="datetime1">
               <a:rPr lang="zh-CN" altLang="en-US" smtClean="0"/>
-              <a:t>2017/8/17</a:t>
+              <a:t>2017/9/7</a:t>
             </a:fld>
             <a:endParaRPr lang="zh-CN" altLang="en-US"/>
           </a:p>
@@ -9864,7 +9868,7 @@
           <a:p>
             <a:fld id="{A1BE0A72-8501-4974-A7B7-5BD248ABBAFC}" type="datetime1">
               <a:rPr lang="zh-CN" altLang="en-US" smtClean="0"/>
-              <a:t>2017/8/17</a:t>
+              <a:t>2017/9/7</a:t>
             </a:fld>
             <a:endParaRPr lang="zh-CN" altLang="en-US"/>
           </a:p>
@@ -10470,7 +10474,7 @@
           <a:p>
             <a:fld id="{7A78726F-0AD2-4A20-BC72-263D2D3F3A2F}" type="datetime1">
               <a:rPr lang="en-US" altLang="zh-CN" smtClean="0"/>
-              <a:t>8/17/2017</a:t>
+              <a:t>9/7/2017</a:t>
             </a:fld>
             <a:endParaRPr lang="en-US"/>
           </a:p>
@@ -11451,7 +11455,7 @@
           <a:p>
             <a:fld id="{A1BE0A72-8501-4974-A7B7-5BD248ABBAFC}" type="datetime1">
               <a:rPr lang="zh-CN" altLang="en-US" smtClean="0"/>
-              <a:t>2017/8/17</a:t>
+              <a:t>2017/9/7</a:t>
             </a:fld>
             <a:endParaRPr lang="zh-CN" altLang="en-US"/>
           </a:p>
@@ -12057,7 +12061,7 @@
           <a:p>
             <a:fld id="{7A78726F-0AD2-4A20-BC72-263D2D3F3A2F}" type="datetime1">
               <a:rPr lang="en-US" altLang="zh-CN" smtClean="0"/>
-              <a:t>8/17/2017</a:t>
+              <a:t>9/7/2017</a:t>
             </a:fld>
             <a:endParaRPr lang="en-US"/>
           </a:p>
@@ -12928,7 +12932,7 @@
           <a:lstStyle/>
           <a:p>
             <a:r>
-              <a:rPr lang="zh-CN" altLang="en-US" dirty="0" smtClean="0"/>
+              <a:rPr lang="zh-CN" altLang="en-US" dirty="0"/>
               <a:t>第</a:t>
             </a:r>
             <a:r>
@@ -12936,10 +12940,9 @@
               <a:t>3</a:t>
             </a:r>
             <a:r>
-              <a:rPr lang="zh-CN" altLang="en-US" dirty="0" smtClean="0"/>
+              <a:rPr lang="zh-CN" altLang="en-US" dirty="0"/>
               <a:t>讲 微信开发环境与调试工具</a:t>
             </a:r>
-            <a:endParaRPr lang="zh-CN" altLang="en-US" dirty="0"/>
           </a:p>
         </p:txBody>
       </p:sp>
@@ -12992,13 +12995,6 @@
   <p:clrMapOvr>
     <a:masterClrMapping/>
   </p:clrMapOvr>
-  <p:timing>
-    <p:tnLst>
-      <p:par>
-        <p:cTn id="1" dur="indefinite" restart="never" nodeType="tmRoot"/>
-      </p:par>
-    </p:tnLst>
-  </p:timing>
 </p:sld>
 </file>
 
@@ -13035,11 +13031,11 @@
           <a:lstStyle/>
           <a:p>
             <a:r>
-              <a:rPr lang="zh-CN" altLang="en-US" b="0" dirty="0" smtClean="0"/>
+              <a:rPr lang="zh-CN" altLang="en-US" b="0" dirty="0"/>
               <a:t>什么是</a:t>
             </a:r>
             <a:r>
-              <a:rPr lang="en-US" altLang="zh-CN" b="0" dirty="0" smtClean="0"/>
+              <a:rPr lang="en-US" altLang="zh-CN" b="0" dirty="0"/>
               <a:t>Token</a:t>
             </a:r>
             <a:endParaRPr lang="zh-CN" altLang="en-US" b="0" dirty="0"/>
@@ -13076,13 +13072,13 @@
               <a:buChar char="•"/>
             </a:pPr>
             <a:r>
-              <a:rPr lang="zh-CN" altLang="en-US" sz="2000" dirty="0" smtClean="0">
+              <a:rPr lang="zh-CN" altLang="en-US" sz="2000" dirty="0">
                 <a:latin typeface="微软雅黑" panose="020B0503020204020204" pitchFamily="34" charset="-122"/>
                 <a:ea typeface="微软雅黑" panose="020B0503020204020204" pitchFamily="34" charset="-122"/>
               </a:rPr>
               <a:t>信息安全中的一个术语。</a:t>
             </a:r>
-            <a:endParaRPr lang="en-US" altLang="zh-CN" sz="2000" dirty="0" smtClean="0">
+            <a:endParaRPr lang="en-US" altLang="zh-CN" sz="2000" dirty="0">
               <a:latin typeface="微软雅黑" panose="020B0503020204020204" pitchFamily="34" charset="-122"/>
               <a:ea typeface="微软雅黑" panose="020B0503020204020204" pitchFamily="34" charset="-122"/>
             </a:endParaRPr>
@@ -13100,16 +13096,9 @@
                 <a:latin typeface="微软雅黑" panose="020B0503020204020204" pitchFamily="34" charset="-122"/>
                 <a:ea typeface="微软雅黑" panose="020B0503020204020204" pitchFamily="34" charset="-122"/>
               </a:rPr>
-              <a:t>在</a:t>
-            </a:r>
-            <a:r>
-              <a:rPr lang="zh-CN" altLang="en-US" sz="2000" dirty="0" smtClean="0">
-                <a:latin typeface="微软雅黑" panose="020B0503020204020204" pitchFamily="34" charset="-122"/>
-                <a:ea typeface="微软雅黑" panose="020B0503020204020204" pitchFamily="34" charset="-122"/>
-              </a:rPr>
-              <a:t>计算机通信过程的身份认证中，是‘令牌’的意思。</a:t>
-            </a:r>
-            <a:endParaRPr lang="en-US" altLang="zh-CN" sz="2000" dirty="0" smtClean="0">
+              <a:t>在计算机通信过程的身份认证中，是‘令牌’的意思。</a:t>
+            </a:r>
+            <a:endParaRPr lang="en-US" altLang="zh-CN" sz="2000" dirty="0">
               <a:latin typeface="微软雅黑" panose="020B0503020204020204" pitchFamily="34" charset="-122"/>
               <a:ea typeface="微软雅黑" panose="020B0503020204020204" pitchFamily="34" charset="-122"/>
             </a:endParaRPr>
@@ -13123,13 +13112,13 @@
               <a:buChar char="•"/>
             </a:pPr>
             <a:r>
-              <a:rPr lang="zh-CN" altLang="en-US" sz="2000" dirty="0" smtClean="0">
+              <a:rPr lang="zh-CN" altLang="en-US" sz="2000" dirty="0">
                 <a:latin typeface="微软雅黑" panose="020B0503020204020204" pitchFamily="34" charset="-122"/>
                 <a:ea typeface="微软雅黑" panose="020B0503020204020204" pitchFamily="34" charset="-122"/>
               </a:rPr>
               <a:t>更通俗的解释：暗号。</a:t>
             </a:r>
-            <a:endParaRPr lang="en-US" altLang="zh-CN" sz="2000" dirty="0" smtClean="0">
+            <a:endParaRPr lang="en-US" altLang="zh-CN" sz="2000" dirty="0">
               <a:latin typeface="微软雅黑" panose="020B0503020204020204" pitchFamily="34" charset="-122"/>
               <a:ea typeface="微软雅黑" panose="020B0503020204020204" pitchFamily="34" charset="-122"/>
             </a:endParaRPr>
@@ -13143,13 +13132,13 @@
               <a:buChar char="•"/>
             </a:pPr>
             <a:r>
-              <a:rPr lang="zh-CN" altLang="en-US" sz="2000" dirty="0" smtClean="0">
+              <a:rPr lang="zh-CN" altLang="en-US" sz="2000" dirty="0">
                 <a:latin typeface="微软雅黑" panose="020B0503020204020204" pitchFamily="34" charset="-122"/>
                 <a:ea typeface="微软雅黑" panose="020B0503020204020204" pitchFamily="34" charset="-122"/>
               </a:rPr>
               <a:t>使用的方式与模式有很多种。</a:t>
             </a:r>
-            <a:endParaRPr lang="en-US" altLang="zh-CN" sz="2000" dirty="0" smtClean="0">
+            <a:endParaRPr lang="en-US" altLang="zh-CN" sz="2000" dirty="0">
               <a:latin typeface="微软雅黑" panose="020B0503020204020204" pitchFamily="34" charset="-122"/>
               <a:ea typeface="微软雅黑" panose="020B0503020204020204" pitchFamily="34" charset="-122"/>
             </a:endParaRPr>
@@ -13163,44 +13152,40 @@
               <a:buChar char="•"/>
             </a:pPr>
             <a:r>
-              <a:rPr lang="zh-CN" altLang="en-US" sz="2000" dirty="0" smtClean="0">
+              <a:rPr lang="zh-CN" altLang="en-US" sz="2000" dirty="0">
                 <a:latin typeface="微软雅黑" panose="020B0503020204020204" pitchFamily="34" charset="-122"/>
                 <a:ea typeface="微软雅黑" panose="020B0503020204020204" pitchFamily="34" charset="-122"/>
               </a:rPr>
               <a:t>这里所使用的就像是双方约定好的一个暗号，微信服务器使用暗号</a:t>
             </a:r>
             <a:r>
-              <a:rPr lang="en-US" altLang="zh-CN" sz="2000" dirty="0" smtClean="0">
+              <a:rPr lang="en-US" altLang="zh-CN" sz="2000" dirty="0">
                 <a:latin typeface="微软雅黑" panose="020B0503020204020204" pitchFamily="34" charset="-122"/>
                 <a:ea typeface="微软雅黑" panose="020B0503020204020204" pitchFamily="34" charset="-122"/>
               </a:rPr>
               <a:t>+</a:t>
             </a:r>
             <a:r>
-              <a:rPr lang="zh-CN" altLang="en-US" sz="2000" dirty="0" smtClean="0">
+              <a:rPr lang="zh-CN" altLang="en-US" sz="2000" dirty="0">
                 <a:latin typeface="微软雅黑" panose="020B0503020204020204" pitchFamily="34" charset="-122"/>
                 <a:ea typeface="微软雅黑" panose="020B0503020204020204" pitchFamily="34" charset="-122"/>
               </a:rPr>
               <a:t>时间值</a:t>
             </a:r>
             <a:r>
-              <a:rPr lang="en-US" altLang="zh-CN" sz="2000" dirty="0" smtClean="0">
+              <a:rPr lang="en-US" altLang="zh-CN" sz="2000" dirty="0">
                 <a:latin typeface="微软雅黑" panose="020B0503020204020204" pitchFamily="34" charset="-122"/>
                 <a:ea typeface="微软雅黑" panose="020B0503020204020204" pitchFamily="34" charset="-122"/>
               </a:rPr>
               <a:t>+</a:t>
             </a:r>
             <a:r>
-              <a:rPr lang="zh-CN" altLang="en-US" sz="2000" dirty="0" smtClean="0">
+              <a:rPr lang="zh-CN" altLang="en-US" sz="2000" dirty="0">
                 <a:latin typeface="微软雅黑" panose="020B0503020204020204" pitchFamily="34" charset="-122"/>
                 <a:ea typeface="微软雅黑" panose="020B0503020204020204" pitchFamily="34" charset="-122"/>
               </a:rPr>
               <a:t>随机数进行加密后传输，开发者服务器也使用暗号加上传递过来的时间值与随机数参数进行加密，对比加密后的结果即可进行验证。加密方式相同，只有暗号相同才会保证加密结果相同。</a:t>
             </a:r>
-            <a:endParaRPr lang="zh-CN" altLang="en-US" sz="2000" dirty="0">
-              <a:latin typeface="微软雅黑" panose="020B0503020204020204" pitchFamily="34" charset="-122"/>
-              <a:ea typeface="微软雅黑" panose="020B0503020204020204" pitchFamily="34" charset="-122"/>
-            </a:endParaRPr>
           </a:p>
         </p:txBody>
       </p:sp>
@@ -13256,14 +13241,10 @@
           <a:p>
             <a:r>
               <a:rPr lang="zh-CN" altLang="en-US" b="0" dirty="0"/>
-              <a:t>开发</a:t>
-            </a:r>
-            <a:r>
-              <a:rPr lang="zh-CN" altLang="en-US" b="0" dirty="0" smtClean="0"/>
-              <a:t>者</a:t>
-            </a:r>
-            <a:r>
-              <a:rPr lang="en-US" altLang="zh-CN" b="0" dirty="0" smtClean="0"/>
+              <a:t>开发者</a:t>
+            </a:r>
+            <a:r>
+              <a:rPr lang="en-US" altLang="zh-CN" b="0" dirty="0"/>
               <a:t>URL</a:t>
             </a:r>
             <a:r>
@@ -13303,7 +13284,7 @@
               <a:buChar char="•"/>
             </a:pPr>
             <a:r>
-              <a:rPr lang="zh-CN" altLang="en-US" sz="2000" dirty="0" smtClean="0">
+              <a:rPr lang="zh-CN" altLang="en-US" sz="2000" dirty="0">
                 <a:latin typeface="微软雅黑" panose="020B0503020204020204" pitchFamily="34" charset="-122"/>
                 <a:ea typeface="微软雅黑" panose="020B0503020204020204" pitchFamily="34" charset="-122"/>
               </a:rPr>
@@ -13322,17 +13303,9 @@
                 <a:ea typeface="微软雅黑" panose="020B0503020204020204" pitchFamily="34" charset="-122"/>
                 <a:hlinkClick r:id="rId2"/>
               </a:rPr>
-              <a:t>https://</a:t>
-            </a:r>
-            <a:r>
-              <a:rPr lang="en-US" altLang="zh-CN" sz="2000" dirty="0" smtClean="0">
-                <a:latin typeface="微软雅黑" panose="020B0503020204020204" pitchFamily="34" charset="-122"/>
-                <a:ea typeface="微软雅黑" panose="020B0503020204020204" pitchFamily="34" charset="-122"/>
-                <a:hlinkClick r:id="rId2"/>
-              </a:rPr>
-              <a:t>mp.weixin.qq.com/wiki?t=resource/res_main&amp;id=mp1421135319</a:t>
-            </a:r>
-            <a:endParaRPr lang="en-US" altLang="zh-CN" sz="2000" dirty="0" smtClean="0">
+              <a:t>https://mp.weixin.qq.com/wiki?t=resource/res_main&amp;id=mp1421135319</a:t>
+            </a:r>
+            <a:endParaRPr lang="en-US" altLang="zh-CN" sz="2000" dirty="0">
               <a:latin typeface="微软雅黑" panose="020B0503020204020204" pitchFamily="34" charset="-122"/>
               <a:ea typeface="微软雅黑" panose="020B0503020204020204" pitchFamily="34" charset="-122"/>
             </a:endParaRPr>
@@ -13350,114 +13323,93 @@
                 <a:latin typeface="微软雅黑" panose="020B0503020204020204" pitchFamily="34" charset="-122"/>
                 <a:ea typeface="微软雅黑" panose="020B0503020204020204" pitchFamily="34" charset="-122"/>
               </a:rPr>
-              <a:t>微</a:t>
-            </a:r>
-            <a:r>
-              <a:rPr lang="zh-CN" altLang="en-US" sz="2000" dirty="0" smtClean="0">
-                <a:latin typeface="微软雅黑" panose="020B0503020204020204" pitchFamily="34" charset="-122"/>
-                <a:ea typeface="微软雅黑" panose="020B0503020204020204" pitchFamily="34" charset="-122"/>
-              </a:rPr>
-              <a:t>信服务器会</a:t>
+              <a:t>微信服务器会使用</a:t>
+            </a:r>
+            <a:r>
+              <a:rPr lang="en-US" altLang="zh-CN" sz="2000" dirty="0">
+                <a:latin typeface="微软雅黑" panose="020B0503020204020204" pitchFamily="34" charset="-122"/>
+                <a:ea typeface="微软雅黑" panose="020B0503020204020204" pitchFamily="34" charset="-122"/>
+              </a:rPr>
+              <a:t>GET</a:t>
             </a:r>
             <a:r>
               <a:rPr lang="zh-CN" altLang="en-US" sz="2000" dirty="0">
                 <a:latin typeface="微软雅黑" panose="020B0503020204020204" pitchFamily="34" charset="-122"/>
                 <a:ea typeface="微软雅黑" panose="020B0503020204020204" pitchFamily="34" charset="-122"/>
               </a:rPr>
-              <a:t>使用</a:t>
+              <a:t>请求把</a:t>
             </a:r>
             <a:r>
               <a:rPr lang="en-US" altLang="zh-CN" sz="2000" dirty="0">
                 <a:latin typeface="微软雅黑" panose="020B0503020204020204" pitchFamily="34" charset="-122"/>
                 <a:ea typeface="微软雅黑" panose="020B0503020204020204" pitchFamily="34" charset="-122"/>
               </a:rPr>
-              <a:t>GET</a:t>
+              <a:t>signature</a:t>
             </a:r>
             <a:r>
               <a:rPr lang="zh-CN" altLang="en-US" sz="2000" dirty="0">
                 <a:latin typeface="微软雅黑" panose="020B0503020204020204" pitchFamily="34" charset="-122"/>
                 <a:ea typeface="微软雅黑" panose="020B0503020204020204" pitchFamily="34" charset="-122"/>
               </a:rPr>
-              <a:t>请求</a:t>
-            </a:r>
-            <a:r>
-              <a:rPr lang="zh-CN" altLang="en-US" sz="2000" dirty="0" smtClean="0">
-                <a:latin typeface="微软雅黑" panose="020B0503020204020204" pitchFamily="34" charset="-122"/>
-                <a:ea typeface="微软雅黑" panose="020B0503020204020204" pitchFamily="34" charset="-122"/>
-              </a:rPr>
-              <a:t>把</a:t>
-            </a:r>
-            <a:r>
-              <a:rPr lang="en-US" altLang="zh-CN" sz="2000" dirty="0" smtClean="0">
-                <a:latin typeface="微软雅黑" panose="020B0503020204020204" pitchFamily="34" charset="-122"/>
-                <a:ea typeface="微软雅黑" panose="020B0503020204020204" pitchFamily="34" charset="-122"/>
-              </a:rPr>
-              <a:t>signature</a:t>
-            </a:r>
-            <a:r>
-              <a:rPr lang="zh-CN" altLang="en-US" sz="2000" dirty="0" smtClean="0">
-                <a:latin typeface="微软雅黑" panose="020B0503020204020204" pitchFamily="34" charset="-122"/>
-                <a:ea typeface="微软雅黑" panose="020B0503020204020204" pitchFamily="34" charset="-122"/>
-              </a:rPr>
               <a:t>，</a:t>
             </a:r>
             <a:r>
-              <a:rPr lang="en-US" altLang="zh-CN" sz="2000" dirty="0" err="1" smtClean="0">
+              <a:rPr lang="en-US" altLang="zh-CN" sz="2000" dirty="0" err="1">
                 <a:latin typeface="微软雅黑" panose="020B0503020204020204" pitchFamily="34" charset="-122"/>
                 <a:ea typeface="微软雅黑" panose="020B0503020204020204" pitchFamily="34" charset="-122"/>
               </a:rPr>
               <a:t>timestramp</a:t>
             </a:r>
             <a:r>
-              <a:rPr lang="zh-CN" altLang="en-US" sz="2000" dirty="0" smtClean="0">
+              <a:rPr lang="zh-CN" altLang="en-US" sz="2000" dirty="0">
                 <a:latin typeface="微软雅黑" panose="020B0503020204020204" pitchFamily="34" charset="-122"/>
                 <a:ea typeface="微软雅黑" panose="020B0503020204020204" pitchFamily="34" charset="-122"/>
               </a:rPr>
               <a:t>，</a:t>
             </a:r>
             <a:r>
-              <a:rPr lang="en-US" altLang="zh-CN" sz="2000" dirty="0" smtClean="0">
+              <a:rPr lang="en-US" altLang="zh-CN" sz="2000" dirty="0">
                 <a:latin typeface="微软雅黑" panose="020B0503020204020204" pitchFamily="34" charset="-122"/>
                 <a:ea typeface="微软雅黑" panose="020B0503020204020204" pitchFamily="34" charset="-122"/>
               </a:rPr>
               <a:t>nonce</a:t>
             </a:r>
             <a:r>
-              <a:rPr lang="zh-CN" altLang="en-US" sz="2000" dirty="0" smtClean="0">
+              <a:rPr lang="zh-CN" altLang="en-US" sz="2000" dirty="0">
                 <a:latin typeface="微软雅黑" panose="020B0503020204020204" pitchFamily="34" charset="-122"/>
                 <a:ea typeface="微软雅黑" panose="020B0503020204020204" pitchFamily="34" charset="-122"/>
               </a:rPr>
               <a:t>，</a:t>
             </a:r>
             <a:r>
-              <a:rPr lang="en-US" altLang="zh-CN" sz="2000" dirty="0" err="1" smtClean="0">
+              <a:rPr lang="en-US" altLang="zh-CN" sz="2000" dirty="0" err="1">
                 <a:latin typeface="微软雅黑" panose="020B0503020204020204" pitchFamily="34" charset="-122"/>
                 <a:ea typeface="微软雅黑" panose="020B0503020204020204" pitchFamily="34" charset="-122"/>
               </a:rPr>
               <a:t>echostr</a:t>
             </a:r>
             <a:r>
-              <a:rPr lang="zh-CN" altLang="en-US" sz="2000" dirty="0" smtClean="0">
+              <a:rPr lang="zh-CN" altLang="en-US" sz="2000" dirty="0">
                 <a:latin typeface="微软雅黑" panose="020B0503020204020204" pitchFamily="34" charset="-122"/>
                 <a:ea typeface="微软雅黑" panose="020B0503020204020204" pitchFamily="34" charset="-122"/>
               </a:rPr>
               <a:t>几个参数发送到开发者提交的</a:t>
             </a:r>
             <a:r>
-              <a:rPr lang="en-US" altLang="zh-CN" sz="2000" dirty="0" smtClean="0">
+              <a:rPr lang="en-US" altLang="zh-CN" sz="2000" dirty="0">
                 <a:latin typeface="微软雅黑" panose="020B0503020204020204" pitchFamily="34" charset="-122"/>
                 <a:ea typeface="微软雅黑" panose="020B0503020204020204" pitchFamily="34" charset="-122"/>
               </a:rPr>
               <a:t>URL</a:t>
             </a:r>
             <a:r>
-              <a:rPr lang="zh-CN" altLang="en-US" sz="2000" dirty="0" smtClean="0">
+              <a:rPr lang="zh-CN" altLang="en-US" sz="2000" dirty="0">
                 <a:latin typeface="微软雅黑" panose="020B0503020204020204" pitchFamily="34" charset="-122"/>
                 <a:ea typeface="微软雅黑" panose="020B0503020204020204" pitchFamily="34" charset="-122"/>
               </a:rPr>
               <a:t>。</a:t>
             </a:r>
-            <a:endParaRPr lang="en-US" altLang="zh-CN" sz="2000" dirty="0" smtClean="0">
+            <a:endParaRPr lang="en-US" altLang="zh-CN" sz="2000" dirty="0">
               <a:latin typeface="微软雅黑" panose="020B0503020204020204" pitchFamily="34" charset="-122"/>
               <a:ea typeface="微软雅黑" panose="020B0503020204020204" pitchFamily="34" charset="-122"/>
             </a:endParaRPr>
@@ -13475,16 +13427,9 @@
                 <a:latin typeface="微软雅黑" panose="020B0503020204020204" pitchFamily="34" charset="-122"/>
                 <a:ea typeface="微软雅黑" panose="020B0503020204020204" pitchFamily="34" charset="-122"/>
               </a:rPr>
-              <a:t>开发</a:t>
-            </a:r>
-            <a:r>
-              <a:rPr lang="zh-CN" altLang="en-US" sz="2000" dirty="0" smtClean="0">
-                <a:latin typeface="微软雅黑" panose="020B0503020204020204" pitchFamily="34" charset="-122"/>
-                <a:ea typeface="微软雅黑" panose="020B0503020204020204" pitchFamily="34" charset="-122"/>
-              </a:rPr>
-              <a:t>者服务器校验过程：</a:t>
-            </a:r>
-            <a:endParaRPr lang="en-US" altLang="zh-CN" sz="2000" dirty="0" smtClean="0">
+              <a:t>开发者服务器校验过程：</a:t>
+            </a:r>
+            <a:endParaRPr lang="en-US" altLang="zh-CN" sz="2000" dirty="0">
               <a:latin typeface="微软雅黑" panose="020B0503020204020204" pitchFamily="34" charset="-122"/>
               <a:ea typeface="微软雅黑" panose="020B0503020204020204" pitchFamily="34" charset="-122"/>
             </a:endParaRPr>
@@ -13667,19 +13612,9 @@
                   </a:schemeClr>
                 </a:solidFill>
               </a:rPr>
-              <a:t>对比，标识该请求来源于微</a:t>
-            </a:r>
-            <a:r>
-              <a:rPr lang="zh-CN" altLang="en-US" sz="2000" dirty="0" smtClean="0">
-                <a:solidFill>
-                  <a:schemeClr val="accent6">
-                    <a:lumMod val="75000"/>
-                  </a:schemeClr>
-                </a:solidFill>
-              </a:rPr>
-              <a:t>信</a:t>
-            </a:r>
-            <a:endParaRPr lang="en-US" altLang="zh-CN" sz="2000" dirty="0" smtClean="0">
+              <a:t>对比，标识该请求来源于微信</a:t>
+            </a:r>
+            <a:endParaRPr lang="en-US" altLang="zh-CN" sz="2000" dirty="0">
               <a:solidFill>
                 <a:schemeClr val="accent6">
                   <a:lumMod val="75000"/>
@@ -13694,7 +13629,7 @@
               </a:lnSpc>
             </a:pPr>
             <a:r>
-              <a:rPr lang="en-US" altLang="zh-CN" sz="2000" dirty="0" smtClean="0">
+              <a:rPr lang="en-US" altLang="zh-CN" sz="2000" dirty="0">
                 <a:solidFill>
                   <a:schemeClr val="accent6">
                     <a:lumMod val="75000"/>
@@ -13702,16 +13637,6 @@
                 </a:solidFill>
               </a:rPr>
               <a:t>4</a:t>
-            </a:r>
-            <a:r>
-              <a:rPr lang="zh-CN" altLang="en-US" sz="2000" dirty="0" smtClean="0">
-                <a:solidFill>
-                  <a:schemeClr val="accent6">
-                    <a:lumMod val="75000"/>
-                  </a:schemeClr>
-                </a:solidFill>
-              </a:rPr>
-              <a:t>）正确则</a:t>
             </a:r>
             <a:r>
               <a:rPr lang="zh-CN" altLang="en-US" sz="2000" dirty="0">
@@ -13721,7 +13646,7 @@
                   </a:schemeClr>
                 </a:solidFill>
               </a:rPr>
-              <a:t>原样返回</a:t>
+              <a:t>）正确则原样返回</a:t>
             </a:r>
             <a:r>
               <a:rPr lang="en-US" altLang="zh-CN" sz="2000" dirty="0" err="1">
@@ -13750,16 +13675,12 @@
               <a:buChar char="•"/>
             </a:pPr>
             <a:r>
-              <a:rPr lang="zh-CN" altLang="en-US" sz="2000" dirty="0" smtClean="0">
+              <a:rPr lang="zh-CN" altLang="en-US" sz="2000" dirty="0">
                 <a:latin typeface="微软雅黑" panose="020B0503020204020204" pitchFamily="34" charset="-122"/>
                 <a:ea typeface="微软雅黑" panose="020B0503020204020204" pitchFamily="34" charset="-122"/>
               </a:rPr>
               <a:t>注意：验证过程和通信过程互斥。验证只需要一次，通过以后，就不再需要验证。</a:t>
             </a:r>
-            <a:endParaRPr lang="zh-CN" altLang="en-US" sz="2000" dirty="0">
-              <a:latin typeface="微软雅黑" panose="020B0503020204020204" pitchFamily="34" charset="-122"/>
-              <a:ea typeface="微软雅黑" panose="020B0503020204020204" pitchFamily="34" charset="-122"/>
-            </a:endParaRPr>
           </a:p>
         </p:txBody>
       </p:sp>
@@ -13773,13 +13694,6 @@
   <p:clrMapOvr>
     <a:masterClrMapping/>
   </p:clrMapOvr>
-  <p:timing>
-    <p:tnLst>
-      <p:par>
-        <p:cTn id="1" dur="indefinite" restart="never" nodeType="tmRoot"/>
-      </p:par>
-    </p:tnLst>
-  </p:timing>
 </p:sld>
 </file>
 
@@ -13850,55 +13764,41 @@
               </a:lnSpc>
             </a:pPr>
             <a:r>
-              <a:rPr lang="en-US" altLang="zh-CN" sz="2000" dirty="0" smtClean="0">
-                <a:latin typeface="微软雅黑" panose="020B0503020204020204" pitchFamily="34" charset="-122"/>
-                <a:ea typeface="微软雅黑" panose="020B0503020204020204" pitchFamily="34" charset="-122"/>
-              </a:rPr>
-              <a:t>token=‘hello’;  nonce=1023;  timestamp</a:t>
-            </a:r>
-            <a:r>
               <a:rPr lang="en-US" altLang="zh-CN" sz="2000" dirty="0">
                 <a:latin typeface="微软雅黑" panose="020B0503020204020204" pitchFamily="34" charset="-122"/>
                 <a:ea typeface="微软雅黑" panose="020B0503020204020204" pitchFamily="34" charset="-122"/>
               </a:rPr>
-              <a:t>= </a:t>
-            </a:r>
-            <a:r>
-              <a:rPr lang="en-US" altLang="zh-CN" sz="2000" dirty="0" smtClean="0">
-                <a:latin typeface="微软雅黑" panose="020B0503020204020204" pitchFamily="34" charset="-122"/>
-                <a:ea typeface="微软雅黑" panose="020B0503020204020204" pitchFamily="34" charset="-122"/>
-              </a:rPr>
-              <a:t>‘1498629517’;  </a:t>
-            </a:r>
-            <a:r>
-              <a:rPr lang="en-US" altLang="zh-CN" sz="2000" dirty="0" err="1" smtClean="0">
+              <a:t>token=‘hello’;  nonce=1023;  timestamp= ‘1498629517’;  </a:t>
+            </a:r>
+            <a:r>
+              <a:rPr lang="en-US" altLang="zh-CN" sz="2000" dirty="0" err="1">
                 <a:latin typeface="微软雅黑" panose="020B0503020204020204" pitchFamily="34" charset="-122"/>
                 <a:ea typeface="微软雅黑" panose="020B0503020204020204" pitchFamily="34" charset="-122"/>
               </a:rPr>
               <a:t>echoStr</a:t>
             </a:r>
             <a:r>
-              <a:rPr lang="en-US" altLang="zh-CN" sz="2000" dirty="0" smtClean="0">
+              <a:rPr lang="en-US" altLang="zh-CN" sz="2000" dirty="0">
                 <a:latin typeface="微软雅黑" panose="020B0503020204020204" pitchFamily="34" charset="-122"/>
                 <a:ea typeface="微软雅黑" panose="020B0503020204020204" pitchFamily="34" charset="-122"/>
               </a:rPr>
               <a:t>=‘</a:t>
             </a:r>
             <a:r>
-              <a:rPr lang="en-US" altLang="zh-CN" sz="2000" dirty="0" err="1" smtClean="0">
+              <a:rPr lang="en-US" altLang="zh-CN" sz="2000" dirty="0" err="1">
                 <a:latin typeface="微软雅黑" panose="020B0503020204020204" pitchFamily="34" charset="-122"/>
                 <a:ea typeface="微软雅黑" panose="020B0503020204020204" pitchFamily="34" charset="-122"/>
               </a:rPr>
               <a:t>asdfg</a:t>
             </a:r>
             <a:r>
-              <a:rPr lang="en-US" altLang="zh-CN" sz="2000" dirty="0" smtClean="0">
+              <a:rPr lang="en-US" altLang="zh-CN" sz="2000" dirty="0">
                 <a:latin typeface="微软雅黑" panose="020B0503020204020204" pitchFamily="34" charset="-122"/>
                 <a:ea typeface="微软雅黑" panose="020B0503020204020204" pitchFamily="34" charset="-122"/>
               </a:rPr>
               <a:t>’;</a:t>
             </a:r>
-            <a:endParaRPr lang="en-US" altLang="zh-CN" dirty="0" smtClean="0"/>
+            <a:endParaRPr lang="en-US" altLang="zh-CN" dirty="0"/>
           </a:p>
           <a:p>
             <a:pPr>
@@ -13907,14 +13807,14 @@
               </a:lnSpc>
             </a:pPr>
             <a:r>
-              <a:rPr lang="zh-CN" altLang="en-US" sz="2000" dirty="0" smtClean="0">
+              <a:rPr lang="zh-CN" altLang="en-US" sz="2000" dirty="0">
                 <a:latin typeface="微软雅黑" panose="020B0503020204020204" pitchFamily="34" charset="-122"/>
                 <a:ea typeface="微软雅黑" panose="020B0503020204020204" pitchFamily="34" charset="-122"/>
               </a:rPr>
               <a:t>经过以上步骤操作后得到</a:t>
             </a:r>
             <a:r>
-              <a:rPr lang="en-US" altLang="zh-CN" sz="2000" dirty="0" smtClean="0">
+              <a:rPr lang="en-US" altLang="zh-CN" sz="2000" dirty="0">
                 <a:latin typeface="微软雅黑" panose="020B0503020204020204" pitchFamily="34" charset="-122"/>
                 <a:ea typeface="微软雅黑" panose="020B0503020204020204" pitchFamily="34" charset="-122"/>
               </a:rPr>
@@ -13925,16 +13825,12 @@
               <a:t>a9b915c2be2f9ecda24053f590b93f0dd85eb91b</a:t>
             </a:r>
             <a:r>
-              <a:rPr lang="en-US" altLang="zh-CN" sz="2000" dirty="0" smtClean="0">
+              <a:rPr lang="en-US" altLang="zh-CN" sz="2000" dirty="0">
                 <a:latin typeface="微软雅黑" panose="020B0503020204020204" pitchFamily="34" charset="-122"/>
                 <a:ea typeface="微软雅黑" panose="020B0503020204020204" pitchFamily="34" charset="-122"/>
               </a:rPr>
               <a:t>’;</a:t>
             </a:r>
-            <a:endParaRPr lang="en-US" altLang="zh-CN" sz="2000" dirty="0">
-              <a:latin typeface="微软雅黑" panose="020B0503020204020204" pitchFamily="34" charset="-122"/>
-              <a:ea typeface="微软雅黑" panose="020B0503020204020204" pitchFamily="34" charset="-122"/>
-            </a:endParaRPr>
           </a:p>
           <a:p>
             <a:pPr marL="342900" indent="-342900">
@@ -13949,16 +13845,9 @@
                 <a:latin typeface="微软雅黑" panose="020B0503020204020204" pitchFamily="34" charset="-122"/>
                 <a:ea typeface="微软雅黑" panose="020B0503020204020204" pitchFamily="34" charset="-122"/>
               </a:rPr>
-              <a:t>微</a:t>
-            </a:r>
-            <a:r>
-              <a:rPr lang="zh-CN" altLang="en-US" sz="2000" dirty="0" smtClean="0">
-                <a:latin typeface="微软雅黑" panose="020B0503020204020204" pitchFamily="34" charset="-122"/>
-                <a:ea typeface="微软雅黑" panose="020B0503020204020204" pitchFamily="34" charset="-122"/>
-              </a:rPr>
-              <a:t>信服务器发送的请求就是：</a:t>
-            </a:r>
-            <a:endParaRPr lang="en-US" altLang="zh-CN" sz="2000" dirty="0" smtClean="0">
+              <a:t>微信服务器发送的请求就是：</a:t>
+            </a:r>
+            <a:endParaRPr lang="en-US" altLang="zh-CN" sz="2000" dirty="0">
               <a:latin typeface="微软雅黑" panose="020B0503020204020204" pitchFamily="34" charset="-122"/>
               <a:ea typeface="微软雅黑" panose="020B0503020204020204" pitchFamily="34" charset="-122"/>
             </a:endParaRPr>
@@ -13970,7 +13859,7 @@
               </a:lnSpc>
             </a:pPr>
             <a:r>
-              <a:rPr lang="en-US" altLang="zh-CN" sz="2000" dirty="0" smtClean="0">
+              <a:rPr lang="en-US" altLang="zh-CN" sz="2000" dirty="0">
                 <a:latin typeface="微软雅黑" panose="020B0503020204020204" pitchFamily="34" charset="-122"/>
                 <a:ea typeface="微软雅黑" panose="020B0503020204020204" pitchFamily="34" charset="-122"/>
               </a:rPr>
@@ -13981,42 +13870,42 @@
               <a:t> </a:t>
             </a:r>
             <a:r>
-              <a:rPr lang="en-US" altLang="zh-CN" sz="2000" dirty="0" smtClean="0">
+              <a:rPr lang="en-US" altLang="zh-CN" sz="2000" dirty="0">
                 <a:latin typeface="微软雅黑" panose="020B0503020204020204" pitchFamily="34" charset="-122"/>
                 <a:ea typeface="微软雅黑" panose="020B0503020204020204" pitchFamily="34" charset="-122"/>
               </a:rPr>
               <a:t>a9b915c2be2f9ecda24053f590b93f0dd85eb91b</a:t>
             </a:r>
             <a:r>
-              <a:rPr lang="en-US" altLang="zh-CN" sz="2000" dirty="0" smtClean="0"/>
+              <a:rPr lang="en-US" altLang="zh-CN" sz="2000" dirty="0"/>
               <a:t>&amp;</a:t>
             </a:r>
             <a:r>
-              <a:rPr lang="en-US" altLang="zh-CN" sz="2000" dirty="0" smtClean="0">
+              <a:rPr lang="en-US" altLang="zh-CN" sz="2000" dirty="0">
                 <a:latin typeface="微软雅黑" panose="020B0503020204020204" pitchFamily="34" charset="-122"/>
                 <a:ea typeface="微软雅黑" panose="020B0503020204020204" pitchFamily="34" charset="-122"/>
               </a:rPr>
               <a:t>timestamp</a:t>
             </a:r>
             <a:r>
-              <a:rPr lang="en-US" altLang="zh-CN" sz="2000" dirty="0" smtClean="0"/>
+              <a:rPr lang="en-US" altLang="zh-CN" sz="2000" dirty="0"/>
               <a:t>=</a:t>
             </a:r>
             <a:r>
-              <a:rPr lang="en-US" altLang="zh-CN" sz="2000" dirty="0" smtClean="0">
+              <a:rPr lang="en-US" altLang="zh-CN" sz="2000" dirty="0">
                 <a:latin typeface="微软雅黑" panose="020B0503020204020204" pitchFamily="34" charset="-122"/>
                 <a:ea typeface="微软雅黑" panose="020B0503020204020204" pitchFamily="34" charset="-122"/>
               </a:rPr>
               <a:t>1498629517&amp;nonce=1023&amp;echoStr=</a:t>
             </a:r>
             <a:r>
-              <a:rPr lang="en-US" altLang="zh-CN" sz="2000" dirty="0" err="1" smtClean="0">
+              <a:rPr lang="en-US" altLang="zh-CN" sz="2000" dirty="0" err="1">
                 <a:latin typeface="微软雅黑" panose="020B0503020204020204" pitchFamily="34" charset="-122"/>
                 <a:ea typeface="微软雅黑" panose="020B0503020204020204" pitchFamily="34" charset="-122"/>
               </a:rPr>
               <a:t>asdfg</a:t>
             </a:r>
-            <a:endParaRPr lang="en-US" altLang="zh-CN" sz="2000" dirty="0" smtClean="0">
+            <a:endParaRPr lang="en-US" altLang="zh-CN" sz="2000" dirty="0">
               <a:latin typeface="微软雅黑" panose="020B0503020204020204" pitchFamily="34" charset="-122"/>
               <a:ea typeface="微软雅黑" panose="020B0503020204020204" pitchFamily="34" charset="-122"/>
             </a:endParaRPr>
@@ -14034,45 +13923,38 @@
                 <a:latin typeface="微软雅黑" panose="020B0503020204020204" pitchFamily="34" charset="-122"/>
                 <a:ea typeface="微软雅黑" panose="020B0503020204020204" pitchFamily="34" charset="-122"/>
               </a:rPr>
-              <a:t>开发</a:t>
-            </a:r>
-            <a:r>
-              <a:rPr lang="zh-CN" altLang="en-US" sz="2000" dirty="0" smtClean="0">
-                <a:latin typeface="微软雅黑" panose="020B0503020204020204" pitchFamily="34" charset="-122"/>
-                <a:ea typeface="微软雅黑" panose="020B0503020204020204" pitchFamily="34" charset="-122"/>
-              </a:rPr>
-              <a:t>者服务器根据配置好的</a:t>
-            </a:r>
-            <a:r>
-              <a:rPr lang="en-US" altLang="zh-CN" sz="2000" dirty="0" smtClean="0">
+              <a:t>开发者服务器根据配置好的</a:t>
+            </a:r>
+            <a:r>
+              <a:rPr lang="en-US" altLang="zh-CN" sz="2000" dirty="0">
                 <a:latin typeface="微软雅黑" panose="020B0503020204020204" pitchFamily="34" charset="-122"/>
                 <a:ea typeface="微软雅黑" panose="020B0503020204020204" pitchFamily="34" charset="-122"/>
               </a:rPr>
               <a:t>token</a:t>
             </a:r>
             <a:r>
-              <a:rPr lang="zh-CN" altLang="en-US" sz="2000" dirty="0" smtClean="0">
+              <a:rPr lang="zh-CN" altLang="en-US" sz="2000" dirty="0">
                 <a:latin typeface="微软雅黑" panose="020B0503020204020204" pitchFamily="34" charset="-122"/>
                 <a:ea typeface="微软雅黑" panose="020B0503020204020204" pitchFamily="34" charset="-122"/>
               </a:rPr>
               <a:t>使用相同的处理过程计算后与</a:t>
             </a:r>
             <a:r>
-              <a:rPr lang="en-US" altLang="zh-CN" sz="2000" dirty="0" smtClean="0">
+              <a:rPr lang="en-US" altLang="zh-CN" sz="2000" dirty="0">
                 <a:latin typeface="微软雅黑" panose="020B0503020204020204" pitchFamily="34" charset="-122"/>
                 <a:ea typeface="微软雅黑" panose="020B0503020204020204" pitchFamily="34" charset="-122"/>
               </a:rPr>
               <a:t>GET</a:t>
             </a:r>
             <a:r>
-              <a:rPr lang="zh-CN" altLang="en-US" sz="2000" dirty="0" smtClean="0">
+              <a:rPr lang="zh-CN" altLang="en-US" sz="2000" dirty="0">
                 <a:latin typeface="微软雅黑" panose="020B0503020204020204" pitchFamily="34" charset="-122"/>
                 <a:ea typeface="微软雅黑" panose="020B0503020204020204" pitchFamily="34" charset="-122"/>
               </a:rPr>
               <a:t>参数</a:t>
             </a:r>
             <a:r>
-              <a:rPr lang="en-US" altLang="zh-CN" sz="2000" dirty="0" smtClean="0">
+              <a:rPr lang="en-US" altLang="zh-CN" sz="2000" dirty="0">
                 <a:latin typeface="微软雅黑" panose="020B0503020204020204" pitchFamily="34" charset="-122"/>
                 <a:ea typeface="微软雅黑" panose="020B0503020204020204" pitchFamily="34" charset="-122"/>
               </a:rPr>
@@ -14083,30 +13965,23 @@
                 <a:latin typeface="微软雅黑" panose="020B0503020204020204" pitchFamily="34" charset="-122"/>
                 <a:ea typeface="微软雅黑" panose="020B0503020204020204" pitchFamily="34" charset="-122"/>
               </a:rPr>
-              <a:t>判断</a:t>
-            </a:r>
-            <a:r>
-              <a:rPr lang="zh-CN" altLang="en-US" sz="2000" dirty="0" smtClean="0">
-                <a:latin typeface="微软雅黑" panose="020B0503020204020204" pitchFamily="34" charset="-122"/>
-                <a:ea typeface="微软雅黑" panose="020B0503020204020204" pitchFamily="34" charset="-122"/>
-              </a:rPr>
-              <a:t>是不是相同，相同返回</a:t>
-            </a:r>
-            <a:r>
-              <a:rPr lang="en-US" altLang="zh-CN" sz="2000" dirty="0" err="1" smtClean="0">
+              <a:t>判断是不是相同，相同返回</a:t>
+            </a:r>
+            <a:r>
+              <a:rPr lang="en-US" altLang="zh-CN" sz="2000" dirty="0" err="1">
                 <a:latin typeface="微软雅黑" panose="020B0503020204020204" pitchFamily="34" charset="-122"/>
                 <a:ea typeface="微软雅黑" panose="020B0503020204020204" pitchFamily="34" charset="-122"/>
               </a:rPr>
               <a:t>asdfg</a:t>
             </a:r>
             <a:r>
-              <a:rPr lang="zh-CN" altLang="en-US" sz="2000" dirty="0" smtClean="0">
+              <a:rPr lang="zh-CN" altLang="en-US" sz="2000" dirty="0">
                 <a:latin typeface="微软雅黑" panose="020B0503020204020204" pitchFamily="34" charset="-122"/>
                 <a:ea typeface="微软雅黑" panose="020B0503020204020204" pitchFamily="34" charset="-122"/>
               </a:rPr>
               <a:t>否则返回空值。</a:t>
             </a:r>
-            <a:endParaRPr lang="en-US" altLang="zh-CN" sz="2000" dirty="0" smtClean="0">
+            <a:endParaRPr lang="en-US" altLang="zh-CN" sz="2000" dirty="0">
               <a:latin typeface="微软雅黑" panose="020B0503020204020204" pitchFamily="34" charset="-122"/>
               <a:ea typeface="微软雅黑" panose="020B0503020204020204" pitchFamily="34" charset="-122"/>
             </a:endParaRPr>
@@ -14123,13 +13998,6 @@
   <p:clrMapOvr>
     <a:masterClrMapping/>
   </p:clrMapOvr>
-  <p:timing>
-    <p:tnLst>
-      <p:par>
-        <p:cTn id="1" dur="indefinite" restart="never" nodeType="tmRoot"/>
-      </p:par>
-    </p:tnLst>
-  </p:timing>
 </p:sld>
 </file>
 
@@ -14171,18 +14039,17 @@
           <a:lstStyle/>
           <a:p>
             <a:r>
-              <a:rPr lang="zh-CN" altLang="en-US" b="0" dirty="0" smtClean="0"/>
+              <a:rPr lang="zh-CN" altLang="en-US" b="0" dirty="0"/>
               <a:t>开发者服务器</a:t>
             </a:r>
             <a:r>
-              <a:rPr lang="en-US" altLang="zh-CN" b="0" dirty="0" smtClean="0"/>
+              <a:rPr lang="en-US" altLang="zh-CN" b="0" dirty="0"/>
               <a:t>URL</a:t>
             </a:r>
             <a:r>
-              <a:rPr lang="zh-CN" altLang="en-US" b="0" dirty="0" smtClean="0"/>
+              <a:rPr lang="zh-CN" altLang="en-US" b="0" dirty="0"/>
               <a:t>验证代码</a:t>
             </a:r>
-            <a:endParaRPr lang="zh-CN" altLang="en-US" b="0" dirty="0"/>
           </a:p>
         </p:txBody>
       </p:sp>
@@ -14194,8 +14061,8 @@
         </p:nvSpPr>
         <p:spPr>
           <a:xfrm>
-            <a:off x="1054099" y="1600200"/>
-            <a:ext cx="5643562" cy="5065297"/>
+            <a:off x="1054098" y="1600200"/>
+            <a:ext cx="6310263" cy="4708981"/>
           </a:xfrm>
           <a:prstGeom prst="rect">
             <a:avLst/>
@@ -14210,26 +14077,26 @@
           <a:p>
             <a:pPr>
               <a:lnSpc>
-                <a:spcPts val="2600"/>
+                <a:spcPts val="2400"/>
               </a:lnSpc>
             </a:pPr>
             <a:r>
               <a:rPr lang="en-US" altLang="zh-CN" dirty="0">
-                <a:latin typeface="微软雅黑" panose="020B0503020204020204" pitchFamily="34" charset="-122"/>
+                <a:latin typeface="Consolas" panose="020B0609020204030204" pitchFamily="49" charset="0"/>
                 <a:ea typeface="微软雅黑" panose="020B0503020204020204" pitchFamily="34" charset="-122"/>
               </a:rPr>
               <a:t>private function </a:t>
             </a:r>
             <a:r>
               <a:rPr lang="en-US" altLang="zh-CN" dirty="0" err="1">
-                <a:latin typeface="微软雅黑" panose="020B0503020204020204" pitchFamily="34" charset="-122"/>
+                <a:latin typeface="Consolas" panose="020B0609020204030204" pitchFamily="49" charset="0"/>
                 <a:ea typeface="微软雅黑" panose="020B0503020204020204" pitchFamily="34" charset="-122"/>
               </a:rPr>
               <a:t>checkSignature</a:t>
             </a:r>
             <a:r>
-              <a:rPr lang="en-US" altLang="zh-CN" dirty="0" smtClean="0">
-                <a:latin typeface="微软雅黑" panose="020B0503020204020204" pitchFamily="34" charset="-122"/>
+              <a:rPr lang="en-US" altLang="zh-CN" dirty="0">
+                <a:latin typeface="Consolas" panose="020B0609020204030204" pitchFamily="49" charset="0"/>
                 <a:ea typeface="微软雅黑" panose="020B0503020204020204" pitchFamily="34" charset="-122"/>
               </a:rPr>
               <a:t>() { </a:t>
@@ -14238,451 +14105,334 @@
           <a:p>
             <a:pPr>
               <a:lnSpc>
-                <a:spcPts val="2600"/>
+                <a:spcPts val="2400"/>
               </a:lnSpc>
             </a:pPr>
             <a:r>
-              <a:rPr lang="en-US" altLang="zh-CN" dirty="0" smtClean="0">
-                <a:latin typeface="微软雅黑" panose="020B0503020204020204" pitchFamily="34" charset="-122"/>
+              <a:rPr lang="en-US" altLang="zh-CN" dirty="0">
+                <a:latin typeface="Consolas" panose="020B0609020204030204" pitchFamily="49" charset="0"/>
+                <a:ea typeface="微软雅黑" panose="020B0503020204020204" pitchFamily="34" charset="-122"/>
+              </a:rPr>
+              <a:t>    $signature = $_GET["signature"]; </a:t>
+            </a:r>
+          </a:p>
+          <a:p>
+            <a:pPr>
+              <a:lnSpc>
+                <a:spcPts val="2400"/>
+              </a:lnSpc>
+            </a:pPr>
+            <a:r>
+              <a:rPr lang="en-US" altLang="zh-CN" dirty="0">
+                <a:latin typeface="Consolas" panose="020B0609020204030204" pitchFamily="49" charset="0"/>
+                <a:ea typeface="微软雅黑" panose="020B0503020204020204" pitchFamily="34" charset="-122"/>
+              </a:rPr>
+              <a:t>    $timestamp = $_GET["timestamp"];        </a:t>
+            </a:r>
+          </a:p>
+          <a:p>
+            <a:pPr>
+              <a:lnSpc>
+                <a:spcPts val="2400"/>
+              </a:lnSpc>
+            </a:pPr>
+            <a:r>
+              <a:rPr lang="en-US" altLang="zh-CN" dirty="0">
+                <a:latin typeface="Consolas" panose="020B0609020204030204" pitchFamily="49" charset="0"/>
+                <a:ea typeface="微软雅黑" panose="020B0503020204020204" pitchFamily="34" charset="-122"/>
+              </a:rPr>
+              <a:t>    $nonce = $_GET["nonce"];	</a:t>
+            </a:r>
+          </a:p>
+          <a:p>
+            <a:pPr>
+              <a:lnSpc>
+                <a:spcPts val="2400"/>
+              </a:lnSpc>
+            </a:pPr>
+            <a:r>
+              <a:rPr lang="en-US" altLang="zh-CN" dirty="0">
+                <a:latin typeface="Consolas" panose="020B0609020204030204" pitchFamily="49" charset="0"/>
+                <a:ea typeface="微软雅黑" panose="020B0503020204020204" pitchFamily="34" charset="-122"/>
+              </a:rPr>
+              <a:t>    $token = $this-&gt;_token; //</a:t>
+            </a:r>
+            <a:r>
+              <a:rPr lang="zh-CN" altLang="en-US" dirty="0">
+                <a:latin typeface="Consolas" panose="020B0609020204030204" pitchFamily="49" charset="0"/>
+                <a:ea typeface="微软雅黑" panose="020B0503020204020204" pitchFamily="34" charset="-122"/>
+              </a:rPr>
+              <a:t>你设置的</a:t>
+            </a:r>
+            <a:r>
+              <a:rPr lang="en-US" altLang="zh-CN" dirty="0">
+                <a:latin typeface="Consolas" panose="020B0609020204030204" pitchFamily="49" charset="0"/>
+                <a:ea typeface="微软雅黑" panose="020B0503020204020204" pitchFamily="34" charset="-122"/>
+              </a:rPr>
+              <a:t>Token</a:t>
+            </a:r>
+          </a:p>
+          <a:p>
+            <a:pPr>
+              <a:lnSpc>
+                <a:spcPts val="2400"/>
+              </a:lnSpc>
+            </a:pPr>
+            <a:r>
+              <a:rPr lang="en-US" altLang="zh-CN" dirty="0">
+                <a:latin typeface="Consolas" panose="020B0609020204030204" pitchFamily="49" charset="0"/>
                 <a:ea typeface="微软雅黑" panose="020B0503020204020204" pitchFamily="34" charset="-122"/>
               </a:rPr>
               <a:t>    $</a:t>
             </a:r>
             <a:r>
+              <a:rPr lang="en-US" altLang="zh-CN" dirty="0" err="1">
+                <a:latin typeface="Consolas" panose="020B0609020204030204" pitchFamily="49" charset="0"/>
+                <a:ea typeface="微软雅黑" panose="020B0503020204020204" pitchFamily="34" charset="-122"/>
+              </a:rPr>
+              <a:t>tmpArr</a:t>
+            </a:r>
+            <a:r>
               <a:rPr lang="en-US" altLang="zh-CN" dirty="0">
-                <a:latin typeface="微软雅黑" panose="020B0503020204020204" pitchFamily="34" charset="-122"/>
-                <a:ea typeface="微软雅黑" panose="020B0503020204020204" pitchFamily="34" charset="-122"/>
-              </a:rPr>
-              <a:t>signature = $_GET["signature"]; </a:t>
-            </a:r>
-            <a:endParaRPr lang="en-US" altLang="zh-CN" dirty="0" smtClean="0">
-              <a:latin typeface="微软雅黑" panose="020B0503020204020204" pitchFamily="34" charset="-122"/>
+                <a:latin typeface="Consolas" panose="020B0609020204030204" pitchFamily="49" charset="0"/>
+                <a:ea typeface="微软雅黑" panose="020B0503020204020204" pitchFamily="34" charset="-122"/>
+              </a:rPr>
+              <a:t> = array($token, $timestamp, $nonce);</a:t>
+            </a:r>
+          </a:p>
+          <a:p>
+            <a:pPr>
+              <a:lnSpc>
+                <a:spcPts val="2400"/>
+              </a:lnSpc>
+            </a:pPr>
+            <a:r>
+              <a:rPr lang="en-US" altLang="zh-CN" dirty="0">
+                <a:latin typeface="Consolas" panose="020B0609020204030204" pitchFamily="49" charset="0"/>
+                <a:ea typeface="微软雅黑" panose="020B0503020204020204" pitchFamily="34" charset="-122"/>
+              </a:rPr>
+              <a:t>    sort($</a:t>
+            </a:r>
+            <a:r>
+              <a:rPr lang="en-US" altLang="zh-CN" dirty="0" err="1">
+                <a:latin typeface="Consolas" panose="020B0609020204030204" pitchFamily="49" charset="0"/>
+                <a:ea typeface="微软雅黑" panose="020B0503020204020204" pitchFamily="34" charset="-122"/>
+              </a:rPr>
+              <a:t>tmpArr</a:t>
+            </a:r>
+            <a:r>
+              <a:rPr lang="en-US" altLang="zh-CN" dirty="0">
+                <a:latin typeface="Consolas" panose="020B0609020204030204" pitchFamily="49" charset="0"/>
+                <a:ea typeface="微软雅黑" panose="020B0503020204020204" pitchFamily="34" charset="-122"/>
+              </a:rPr>
+              <a:t>);   //</a:t>
+            </a:r>
+            <a:r>
+              <a:rPr lang="zh-CN" altLang="en-US" dirty="0">
+                <a:latin typeface="Consolas" panose="020B0609020204030204" pitchFamily="49" charset="0"/>
+                <a:ea typeface="微软雅黑" panose="020B0503020204020204" pitchFamily="34" charset="-122"/>
+              </a:rPr>
+              <a:t>字典排序</a:t>
+            </a:r>
+            <a:endParaRPr lang="en-US" altLang="zh-CN" dirty="0">
+              <a:latin typeface="Consolas" panose="020B0609020204030204" pitchFamily="49" charset="0"/>
               <a:ea typeface="微软雅黑" panose="020B0503020204020204" pitchFamily="34" charset="-122"/>
             </a:endParaRPr>
           </a:p>
           <a:p>
             <a:pPr>
               <a:lnSpc>
-                <a:spcPts val="2600"/>
+                <a:spcPts val="2400"/>
               </a:lnSpc>
             </a:pPr>
             <a:r>
-              <a:rPr lang="en-US" altLang="zh-CN" dirty="0" smtClean="0">
-                <a:latin typeface="微软雅黑" panose="020B0503020204020204" pitchFamily="34" charset="-122"/>
+              <a:rPr lang="en-US" altLang="zh-CN" dirty="0">
+                <a:latin typeface="Consolas" panose="020B0609020204030204" pitchFamily="49" charset="0"/>
                 <a:ea typeface="微软雅黑" panose="020B0503020204020204" pitchFamily="34" charset="-122"/>
               </a:rPr>
               <a:t>    $</a:t>
             </a:r>
             <a:r>
+              <a:rPr lang="en-US" altLang="zh-CN" dirty="0" err="1">
+                <a:latin typeface="Consolas" panose="020B0609020204030204" pitchFamily="49" charset="0"/>
+                <a:ea typeface="微软雅黑" panose="020B0503020204020204" pitchFamily="34" charset="-122"/>
+              </a:rPr>
+              <a:t>tmpStr</a:t>
+            </a:r>
+            <a:r>
               <a:rPr lang="en-US" altLang="zh-CN" dirty="0">
-                <a:latin typeface="微软雅黑" panose="020B0503020204020204" pitchFamily="34" charset="-122"/>
-                <a:ea typeface="微软雅黑" panose="020B0503020204020204" pitchFamily="34" charset="-122"/>
-              </a:rPr>
-              <a:t>timestamp = $_GET["timestamp"];        </a:t>
-            </a:r>
-            <a:endParaRPr lang="en-US" altLang="zh-CN" dirty="0" smtClean="0">
-              <a:latin typeface="微软雅黑" panose="020B0503020204020204" pitchFamily="34" charset="-122"/>
+                <a:latin typeface="Consolas" panose="020B0609020204030204" pitchFamily="49" charset="0"/>
+                <a:ea typeface="微软雅黑" panose="020B0503020204020204" pitchFamily="34" charset="-122"/>
+              </a:rPr>
+              <a:t> = implode( $</a:t>
+            </a:r>
+            <a:r>
+              <a:rPr lang="en-US" altLang="zh-CN" dirty="0" err="1">
+                <a:latin typeface="Consolas" panose="020B0609020204030204" pitchFamily="49" charset="0"/>
+                <a:ea typeface="微软雅黑" panose="020B0503020204020204" pitchFamily="34" charset="-122"/>
+              </a:rPr>
+              <a:t>tmpArr</a:t>
+            </a:r>
+            <a:r>
+              <a:rPr lang="en-US" altLang="zh-CN" dirty="0">
+                <a:latin typeface="Consolas" panose="020B0609020204030204" pitchFamily="49" charset="0"/>
+                <a:ea typeface="微软雅黑" panose="020B0503020204020204" pitchFamily="34" charset="-122"/>
+              </a:rPr>
+              <a:t> );</a:t>
+            </a:r>
+          </a:p>
+          <a:p>
+            <a:pPr>
+              <a:lnSpc>
+                <a:spcPts val="2400"/>
+              </a:lnSpc>
+            </a:pPr>
+            <a:r>
+              <a:rPr lang="en-US" altLang="zh-CN" dirty="0">
+                <a:latin typeface="Consolas" panose="020B0609020204030204" pitchFamily="49" charset="0"/>
+                <a:ea typeface="微软雅黑" panose="020B0503020204020204" pitchFamily="34" charset="-122"/>
+              </a:rPr>
+              <a:t>    $</a:t>
+            </a:r>
+            <a:r>
+              <a:rPr lang="en-US" altLang="zh-CN" dirty="0" err="1">
+                <a:latin typeface="Consolas" panose="020B0609020204030204" pitchFamily="49" charset="0"/>
+                <a:ea typeface="微软雅黑" panose="020B0503020204020204" pitchFamily="34" charset="-122"/>
+              </a:rPr>
+              <a:t>tmpStr</a:t>
+            </a:r>
+            <a:r>
+              <a:rPr lang="en-US" altLang="zh-CN" dirty="0">
+                <a:latin typeface="Consolas" panose="020B0609020204030204" pitchFamily="49" charset="0"/>
+                <a:ea typeface="微软雅黑" panose="020B0503020204020204" pitchFamily="34" charset="-122"/>
+              </a:rPr>
+              <a:t> = sha1( $</a:t>
+            </a:r>
+            <a:r>
+              <a:rPr lang="en-US" altLang="zh-CN" dirty="0" err="1">
+                <a:latin typeface="Consolas" panose="020B0609020204030204" pitchFamily="49" charset="0"/>
+                <a:ea typeface="微软雅黑" panose="020B0503020204020204" pitchFamily="34" charset="-122"/>
+              </a:rPr>
+              <a:t>tmpStr</a:t>
+            </a:r>
+            <a:r>
+              <a:rPr lang="en-US" altLang="zh-CN" dirty="0">
+                <a:latin typeface="Consolas" panose="020B0609020204030204" pitchFamily="49" charset="0"/>
+                <a:ea typeface="微软雅黑" panose="020B0503020204020204" pitchFamily="34" charset="-122"/>
+              </a:rPr>
+              <a:t> );  //</a:t>
+            </a:r>
+            <a:r>
+              <a:rPr lang="zh-CN" altLang="en-US" dirty="0">
+                <a:latin typeface="Consolas" panose="020B0609020204030204" pitchFamily="49" charset="0"/>
+                <a:ea typeface="微软雅黑" panose="020B0503020204020204" pitchFamily="34" charset="-122"/>
+              </a:rPr>
+              <a:t>加密</a:t>
+            </a:r>
+            <a:endParaRPr lang="en-US" altLang="zh-CN" dirty="0">
+              <a:latin typeface="Consolas" panose="020B0609020204030204" pitchFamily="49" charset="0"/>
               <a:ea typeface="微软雅黑" panose="020B0503020204020204" pitchFamily="34" charset="-122"/>
             </a:endParaRPr>
           </a:p>
           <a:p>
             <a:pPr>
               <a:lnSpc>
-                <a:spcPts val="2600"/>
+                <a:spcPts val="2400"/>
               </a:lnSpc>
             </a:pPr>
             <a:r>
-              <a:rPr lang="en-US" altLang="zh-CN" dirty="0" smtClean="0">
-                <a:latin typeface="微软雅黑" panose="020B0503020204020204" pitchFamily="34" charset="-122"/>
-                <a:ea typeface="微软雅黑" panose="020B0503020204020204" pitchFamily="34" charset="-122"/>
-              </a:rPr>
-              <a:t>    $</a:t>
-            </a:r>
-            <a:r>
               <a:rPr lang="en-US" altLang="zh-CN" dirty="0">
-                <a:latin typeface="微软雅黑" panose="020B0503020204020204" pitchFamily="34" charset="-122"/>
-                <a:ea typeface="微软雅黑" panose="020B0503020204020204" pitchFamily="34" charset="-122"/>
-              </a:rPr>
-              <a:t>nonce = $_GET["nonce"];	</a:t>
-            </a:r>
-            <a:endParaRPr lang="en-US" altLang="zh-CN" dirty="0" smtClean="0">
-              <a:latin typeface="微软雅黑" panose="020B0503020204020204" pitchFamily="34" charset="-122"/>
-              <a:ea typeface="微软雅黑" panose="020B0503020204020204" pitchFamily="34" charset="-122"/>
-            </a:endParaRPr>
+                <a:latin typeface="Consolas" panose="020B0609020204030204" pitchFamily="49" charset="0"/>
+                <a:ea typeface="微软雅黑" panose="020B0503020204020204" pitchFamily="34" charset="-122"/>
+              </a:rPr>
+              <a:t>    if( $</a:t>
+            </a:r>
+            <a:r>
+              <a:rPr lang="en-US" altLang="zh-CN" dirty="0" err="1">
+                <a:latin typeface="Consolas" panose="020B0609020204030204" pitchFamily="49" charset="0"/>
+                <a:ea typeface="微软雅黑" panose="020B0503020204020204" pitchFamily="34" charset="-122"/>
+              </a:rPr>
+              <a:t>tmpStr</a:t>
+            </a:r>
+            <a:r>
+              <a:rPr lang="en-US" altLang="zh-CN" dirty="0">
+                <a:latin typeface="Consolas" panose="020B0609020204030204" pitchFamily="49" charset="0"/>
+                <a:ea typeface="微软雅黑" panose="020B0503020204020204" pitchFamily="34" charset="-122"/>
+              </a:rPr>
+              <a:t> == $signature ){</a:t>
+            </a:r>
           </a:p>
           <a:p>
             <a:pPr>
               <a:lnSpc>
-                <a:spcPts val="2600"/>
+                <a:spcPts val="2400"/>
               </a:lnSpc>
             </a:pPr>
             <a:r>
-              <a:rPr lang="en-US" altLang="zh-CN" dirty="0" smtClean="0">
-                <a:latin typeface="微软雅黑" panose="020B0503020204020204" pitchFamily="34" charset="-122"/>
-                <a:ea typeface="微软雅黑" panose="020B0503020204020204" pitchFamily="34" charset="-122"/>
-              </a:rPr>
-              <a:t>    $</a:t>
-            </a:r>
-            <a:r>
               <a:rPr lang="en-US" altLang="zh-CN" dirty="0">
-                <a:latin typeface="微软雅黑" panose="020B0503020204020204" pitchFamily="34" charset="-122"/>
-                <a:ea typeface="微软雅黑" panose="020B0503020204020204" pitchFamily="34" charset="-122"/>
-              </a:rPr>
-              <a:t>token = $this-&gt;_token</a:t>
-            </a:r>
-            <a:r>
-              <a:rPr lang="en-US" altLang="zh-CN" dirty="0" smtClean="0">
-                <a:latin typeface="微软雅黑" panose="020B0503020204020204" pitchFamily="34" charset="-122"/>
-                <a:ea typeface="微软雅黑" panose="020B0503020204020204" pitchFamily="34" charset="-122"/>
-              </a:rPr>
-              <a:t>; //</a:t>
-            </a:r>
-            <a:r>
-              <a:rPr lang="zh-CN" altLang="en-US" dirty="0" smtClean="0">
-                <a:latin typeface="微软雅黑" panose="020B0503020204020204" pitchFamily="34" charset="-122"/>
-                <a:ea typeface="微软雅黑" panose="020B0503020204020204" pitchFamily="34" charset="-122"/>
-              </a:rPr>
-              <a:t>你设置的</a:t>
-            </a:r>
-            <a:r>
-              <a:rPr lang="en-US" altLang="zh-CN" dirty="0" smtClean="0">
-                <a:latin typeface="微软雅黑" panose="020B0503020204020204" pitchFamily="34" charset="-122"/>
-                <a:ea typeface="微软雅黑" panose="020B0503020204020204" pitchFamily="34" charset="-122"/>
-              </a:rPr>
-              <a:t>Token</a:t>
+                <a:latin typeface="Consolas" panose="020B0609020204030204" pitchFamily="49" charset="0"/>
+                <a:ea typeface="微软雅黑" panose="020B0503020204020204" pitchFamily="34" charset="-122"/>
+              </a:rPr>
+              <a:t>        return true;</a:t>
             </a:r>
           </a:p>
           <a:p>
             <a:pPr>
               <a:lnSpc>
-                <a:spcPts val="2600"/>
+                <a:spcPts val="2400"/>
               </a:lnSpc>
             </a:pPr>
             <a:r>
-              <a:rPr lang="en-US" altLang="zh-CN" dirty="0" smtClean="0">
-                <a:latin typeface="微软雅黑" panose="020B0503020204020204" pitchFamily="34" charset="-122"/>
-                <a:ea typeface="微软雅黑" panose="020B0503020204020204" pitchFamily="34" charset="-122"/>
-              </a:rPr>
-              <a:t>    $</a:t>
-            </a:r>
-            <a:r>
-              <a:rPr lang="en-US" altLang="zh-CN" dirty="0" err="1">
-                <a:latin typeface="微软雅黑" panose="020B0503020204020204" pitchFamily="34" charset="-122"/>
-                <a:ea typeface="微软雅黑" panose="020B0503020204020204" pitchFamily="34" charset="-122"/>
-              </a:rPr>
-              <a:t>tmpArr</a:t>
-            </a:r>
-            <a:r>
               <a:rPr lang="en-US" altLang="zh-CN" dirty="0">
-                <a:latin typeface="微软雅黑" panose="020B0503020204020204" pitchFamily="34" charset="-122"/>
-                <a:ea typeface="微软雅黑" panose="020B0503020204020204" pitchFamily="34" charset="-122"/>
-              </a:rPr>
-              <a:t> = array($token, $timestamp, $nonce</a:t>
-            </a:r>
-            <a:r>
-              <a:rPr lang="en-US" altLang="zh-CN" dirty="0" smtClean="0">
-                <a:latin typeface="微软雅黑" panose="020B0503020204020204" pitchFamily="34" charset="-122"/>
-                <a:ea typeface="微软雅黑" panose="020B0503020204020204" pitchFamily="34" charset="-122"/>
-              </a:rPr>
-              <a:t>);</a:t>
+                <a:latin typeface="Consolas" panose="020B0609020204030204" pitchFamily="49" charset="0"/>
+                <a:ea typeface="微软雅黑" panose="020B0503020204020204" pitchFamily="34" charset="-122"/>
+              </a:rPr>
+              <a:t>    }else{</a:t>
             </a:r>
           </a:p>
           <a:p>
             <a:pPr>
               <a:lnSpc>
-                <a:spcPts val="2600"/>
+                <a:spcPts val="2400"/>
               </a:lnSpc>
             </a:pPr>
             <a:r>
-              <a:rPr lang="en-US" altLang="zh-CN" dirty="0" smtClean="0">
-                <a:latin typeface="微软雅黑" panose="020B0503020204020204" pitchFamily="34" charset="-122"/>
-                <a:ea typeface="微软雅黑" panose="020B0503020204020204" pitchFamily="34" charset="-122"/>
-              </a:rPr>
-              <a:t>    sort($</a:t>
-            </a:r>
-            <a:r>
-              <a:rPr lang="en-US" altLang="zh-CN" dirty="0" err="1" smtClean="0">
-                <a:latin typeface="微软雅黑" panose="020B0503020204020204" pitchFamily="34" charset="-122"/>
-                <a:ea typeface="微软雅黑" panose="020B0503020204020204" pitchFamily="34" charset="-122"/>
-              </a:rPr>
-              <a:t>tmpArr</a:t>
-            </a:r>
-            <a:r>
               <a:rPr lang="en-US" altLang="zh-CN" dirty="0">
-                <a:latin typeface="微软雅黑" panose="020B0503020204020204" pitchFamily="34" charset="-122"/>
-                <a:ea typeface="微软雅黑" panose="020B0503020204020204" pitchFamily="34" charset="-122"/>
-              </a:rPr>
-              <a:t>); </a:t>
-            </a:r>
-            <a:r>
-              <a:rPr lang="en-US" altLang="zh-CN" dirty="0" smtClean="0">
-                <a:latin typeface="微软雅黑" panose="020B0503020204020204" pitchFamily="34" charset="-122"/>
-                <a:ea typeface="微软雅黑" panose="020B0503020204020204" pitchFamily="34" charset="-122"/>
-              </a:rPr>
-              <a:t>  //</a:t>
-            </a:r>
-            <a:r>
-              <a:rPr lang="zh-CN" altLang="en-US" dirty="0">
-                <a:latin typeface="微软雅黑" panose="020B0503020204020204" pitchFamily="34" charset="-122"/>
-                <a:ea typeface="微软雅黑" panose="020B0503020204020204" pitchFamily="34" charset="-122"/>
-              </a:rPr>
-              <a:t>字典排序</a:t>
-            </a:r>
-            <a:endParaRPr lang="en-US" altLang="zh-CN" dirty="0" smtClean="0">
-              <a:latin typeface="微软雅黑" panose="020B0503020204020204" pitchFamily="34" charset="-122"/>
-              <a:ea typeface="微软雅黑" panose="020B0503020204020204" pitchFamily="34" charset="-122"/>
-            </a:endParaRPr>
+                <a:latin typeface="Consolas" panose="020B0609020204030204" pitchFamily="49" charset="0"/>
+                <a:ea typeface="微软雅黑" panose="020B0503020204020204" pitchFamily="34" charset="-122"/>
+              </a:rPr>
+              <a:t>        return false;</a:t>
+            </a:r>
           </a:p>
           <a:p>
             <a:pPr>
               <a:lnSpc>
-                <a:spcPts val="2600"/>
+                <a:spcPts val="2400"/>
               </a:lnSpc>
             </a:pPr>
             <a:r>
-              <a:rPr lang="en-US" altLang="zh-CN" dirty="0" smtClean="0">
-                <a:latin typeface="微软雅黑" panose="020B0503020204020204" pitchFamily="34" charset="-122"/>
-                <a:ea typeface="微软雅黑" panose="020B0503020204020204" pitchFamily="34" charset="-122"/>
-              </a:rPr>
-              <a:t>    $</a:t>
-            </a:r>
-            <a:r>
-              <a:rPr lang="en-US" altLang="zh-CN" dirty="0" err="1">
-                <a:latin typeface="微软雅黑" panose="020B0503020204020204" pitchFamily="34" charset="-122"/>
-                <a:ea typeface="微软雅黑" panose="020B0503020204020204" pitchFamily="34" charset="-122"/>
-              </a:rPr>
-              <a:t>tmpStr</a:t>
-            </a:r>
-            <a:r>
               <a:rPr lang="en-US" altLang="zh-CN" dirty="0">
-                <a:latin typeface="微软雅黑" panose="020B0503020204020204" pitchFamily="34" charset="-122"/>
-                <a:ea typeface="微软雅黑" panose="020B0503020204020204" pitchFamily="34" charset="-122"/>
-              </a:rPr>
-              <a:t> = implode( $</a:t>
-            </a:r>
-            <a:r>
-              <a:rPr lang="en-US" altLang="zh-CN" dirty="0" err="1">
-                <a:latin typeface="微软雅黑" panose="020B0503020204020204" pitchFamily="34" charset="-122"/>
-                <a:ea typeface="微软雅黑" panose="020B0503020204020204" pitchFamily="34" charset="-122"/>
-              </a:rPr>
-              <a:t>tmpArr</a:t>
-            </a:r>
-            <a:r>
-              <a:rPr lang="en-US" altLang="zh-CN" dirty="0">
-                <a:latin typeface="微软雅黑" panose="020B0503020204020204" pitchFamily="34" charset="-122"/>
-                <a:ea typeface="微软雅黑" panose="020B0503020204020204" pitchFamily="34" charset="-122"/>
-              </a:rPr>
-              <a:t> </a:t>
-            </a:r>
-            <a:r>
-              <a:rPr lang="en-US" altLang="zh-CN" dirty="0" smtClean="0">
-                <a:latin typeface="微软雅黑" panose="020B0503020204020204" pitchFamily="34" charset="-122"/>
-                <a:ea typeface="微软雅黑" panose="020B0503020204020204" pitchFamily="34" charset="-122"/>
-              </a:rPr>
-              <a:t>);</a:t>
+                <a:latin typeface="Consolas" panose="020B0609020204030204" pitchFamily="49" charset="0"/>
+                <a:ea typeface="微软雅黑" panose="020B0503020204020204" pitchFamily="34" charset="-122"/>
+              </a:rPr>
+              <a:t>    }</a:t>
             </a:r>
           </a:p>
           <a:p>
             <a:pPr>
               <a:lnSpc>
-                <a:spcPts val="2600"/>
+                <a:spcPts val="2400"/>
               </a:lnSpc>
             </a:pPr>
             <a:r>
-              <a:rPr lang="en-US" altLang="zh-CN" dirty="0" smtClean="0">
-                <a:latin typeface="微软雅黑" panose="020B0503020204020204" pitchFamily="34" charset="-122"/>
-                <a:ea typeface="微软雅黑" panose="020B0503020204020204" pitchFamily="34" charset="-122"/>
-              </a:rPr>
-              <a:t>    $</a:t>
-            </a:r>
-            <a:r>
-              <a:rPr lang="en-US" altLang="zh-CN" dirty="0" err="1">
-                <a:latin typeface="微软雅黑" panose="020B0503020204020204" pitchFamily="34" charset="-122"/>
-                <a:ea typeface="微软雅黑" panose="020B0503020204020204" pitchFamily="34" charset="-122"/>
-              </a:rPr>
-              <a:t>tmpStr</a:t>
-            </a:r>
-            <a:r>
               <a:rPr lang="en-US" altLang="zh-CN" dirty="0">
-                <a:latin typeface="微软雅黑" panose="020B0503020204020204" pitchFamily="34" charset="-122"/>
-                <a:ea typeface="微软雅黑" panose="020B0503020204020204" pitchFamily="34" charset="-122"/>
-              </a:rPr>
-              <a:t> = sha1( $</a:t>
-            </a:r>
-            <a:r>
-              <a:rPr lang="en-US" altLang="zh-CN" dirty="0" err="1">
-                <a:latin typeface="微软雅黑" panose="020B0503020204020204" pitchFamily="34" charset="-122"/>
-                <a:ea typeface="微软雅黑" panose="020B0503020204020204" pitchFamily="34" charset="-122"/>
-              </a:rPr>
-              <a:t>tmpStr</a:t>
-            </a:r>
-            <a:r>
-              <a:rPr lang="en-US" altLang="zh-CN" dirty="0">
-                <a:latin typeface="微软雅黑" panose="020B0503020204020204" pitchFamily="34" charset="-122"/>
-                <a:ea typeface="微软雅黑" panose="020B0503020204020204" pitchFamily="34" charset="-122"/>
-              </a:rPr>
-              <a:t> </a:t>
-            </a:r>
-            <a:r>
-              <a:rPr lang="en-US" altLang="zh-CN" dirty="0" smtClean="0">
-                <a:latin typeface="微软雅黑" panose="020B0503020204020204" pitchFamily="34" charset="-122"/>
-                <a:ea typeface="微软雅黑" panose="020B0503020204020204" pitchFamily="34" charset="-122"/>
-              </a:rPr>
-              <a:t>);  //</a:t>
-            </a:r>
-            <a:r>
-              <a:rPr lang="zh-CN" altLang="en-US" dirty="0" smtClean="0">
-                <a:latin typeface="微软雅黑" panose="020B0503020204020204" pitchFamily="34" charset="-122"/>
-                <a:ea typeface="微软雅黑" panose="020B0503020204020204" pitchFamily="34" charset="-122"/>
-              </a:rPr>
-              <a:t>加密</a:t>
-            </a:r>
-            <a:endParaRPr lang="en-US" altLang="zh-CN" dirty="0" smtClean="0">
-              <a:latin typeface="微软雅黑" panose="020B0503020204020204" pitchFamily="34" charset="-122"/>
-              <a:ea typeface="微软雅黑" panose="020B0503020204020204" pitchFamily="34" charset="-122"/>
-            </a:endParaRPr>
-          </a:p>
-          <a:p>
-            <a:pPr>
-              <a:lnSpc>
-                <a:spcPts val="2600"/>
-              </a:lnSpc>
-            </a:pPr>
-            <a:r>
-              <a:rPr lang="en-US" altLang="zh-CN" dirty="0" smtClean="0">
-                <a:latin typeface="微软雅黑" panose="020B0503020204020204" pitchFamily="34" charset="-122"/>
-                <a:ea typeface="微软雅黑" panose="020B0503020204020204" pitchFamily="34" charset="-122"/>
-              </a:rPr>
-              <a:t>    if</a:t>
-            </a:r>
-            <a:r>
-              <a:rPr lang="en-US" altLang="zh-CN" dirty="0">
-                <a:latin typeface="微软雅黑" panose="020B0503020204020204" pitchFamily="34" charset="-122"/>
-                <a:ea typeface="微软雅黑" panose="020B0503020204020204" pitchFamily="34" charset="-122"/>
-              </a:rPr>
-              <a:t>( $</a:t>
-            </a:r>
-            <a:r>
-              <a:rPr lang="en-US" altLang="zh-CN" dirty="0" err="1">
-                <a:latin typeface="微软雅黑" panose="020B0503020204020204" pitchFamily="34" charset="-122"/>
-                <a:ea typeface="微软雅黑" panose="020B0503020204020204" pitchFamily="34" charset="-122"/>
-              </a:rPr>
-              <a:t>tmpStr</a:t>
-            </a:r>
-            <a:r>
-              <a:rPr lang="en-US" altLang="zh-CN" dirty="0">
-                <a:latin typeface="微软雅黑" panose="020B0503020204020204" pitchFamily="34" charset="-122"/>
-                <a:ea typeface="微软雅黑" panose="020B0503020204020204" pitchFamily="34" charset="-122"/>
-              </a:rPr>
-              <a:t> == $signature </a:t>
-            </a:r>
-            <a:r>
-              <a:rPr lang="en-US" altLang="zh-CN" dirty="0" smtClean="0">
-                <a:latin typeface="微软雅黑" panose="020B0503020204020204" pitchFamily="34" charset="-122"/>
-                <a:ea typeface="微软雅黑" panose="020B0503020204020204" pitchFamily="34" charset="-122"/>
-              </a:rPr>
-              <a:t>){</a:t>
-            </a:r>
-          </a:p>
-          <a:p>
-            <a:pPr>
-              <a:lnSpc>
-                <a:spcPts val="2600"/>
-              </a:lnSpc>
-            </a:pPr>
-            <a:r>
-              <a:rPr lang="en-US" altLang="zh-CN" dirty="0" smtClean="0">
-                <a:latin typeface="微软雅黑" panose="020B0503020204020204" pitchFamily="34" charset="-122"/>
-                <a:ea typeface="微软雅黑" panose="020B0503020204020204" pitchFamily="34" charset="-122"/>
-              </a:rPr>
-              <a:t>        return </a:t>
-            </a:r>
-            <a:r>
-              <a:rPr lang="en-US" altLang="zh-CN" dirty="0">
-                <a:latin typeface="微软雅黑" panose="020B0503020204020204" pitchFamily="34" charset="-122"/>
-                <a:ea typeface="微软雅黑" panose="020B0503020204020204" pitchFamily="34" charset="-122"/>
-              </a:rPr>
-              <a:t>true</a:t>
-            </a:r>
-            <a:r>
-              <a:rPr lang="en-US" altLang="zh-CN" dirty="0" smtClean="0">
-                <a:latin typeface="微软雅黑" panose="020B0503020204020204" pitchFamily="34" charset="-122"/>
-                <a:ea typeface="微软雅黑" panose="020B0503020204020204" pitchFamily="34" charset="-122"/>
-              </a:rPr>
-              <a:t>;</a:t>
-            </a:r>
-          </a:p>
-          <a:p>
-            <a:pPr>
-              <a:lnSpc>
-                <a:spcPts val="2600"/>
-              </a:lnSpc>
-            </a:pPr>
-            <a:r>
-              <a:rPr lang="en-US" altLang="zh-CN" dirty="0" smtClean="0">
-                <a:latin typeface="微软雅黑" panose="020B0503020204020204" pitchFamily="34" charset="-122"/>
-                <a:ea typeface="微软雅黑" panose="020B0503020204020204" pitchFamily="34" charset="-122"/>
-              </a:rPr>
-              <a:t>    }else{</a:t>
-            </a:r>
-          </a:p>
-          <a:p>
-            <a:pPr>
-              <a:lnSpc>
-                <a:spcPts val="2600"/>
-              </a:lnSpc>
-            </a:pPr>
-            <a:r>
-              <a:rPr lang="en-US" altLang="zh-CN" dirty="0" smtClean="0">
-                <a:latin typeface="微软雅黑" panose="020B0503020204020204" pitchFamily="34" charset="-122"/>
-                <a:ea typeface="微软雅黑" panose="020B0503020204020204" pitchFamily="34" charset="-122"/>
-              </a:rPr>
-              <a:t>        return </a:t>
-            </a:r>
-            <a:r>
-              <a:rPr lang="en-US" altLang="zh-CN" dirty="0">
-                <a:latin typeface="微软雅黑" panose="020B0503020204020204" pitchFamily="34" charset="-122"/>
-                <a:ea typeface="微软雅黑" panose="020B0503020204020204" pitchFamily="34" charset="-122"/>
-              </a:rPr>
-              <a:t>false</a:t>
-            </a:r>
-            <a:r>
-              <a:rPr lang="en-US" altLang="zh-CN" dirty="0" smtClean="0">
-                <a:latin typeface="微软雅黑" panose="020B0503020204020204" pitchFamily="34" charset="-122"/>
-                <a:ea typeface="微软雅黑" panose="020B0503020204020204" pitchFamily="34" charset="-122"/>
-              </a:rPr>
-              <a:t>;</a:t>
-            </a:r>
-          </a:p>
-          <a:p>
-            <a:pPr>
-              <a:lnSpc>
-                <a:spcPts val="2600"/>
-              </a:lnSpc>
-            </a:pPr>
-            <a:r>
-              <a:rPr lang="en-US" altLang="zh-CN" dirty="0" smtClean="0">
-                <a:latin typeface="微软雅黑" panose="020B0503020204020204" pitchFamily="34" charset="-122"/>
-                <a:ea typeface="微软雅黑" panose="020B0503020204020204" pitchFamily="34" charset="-122"/>
-              </a:rPr>
-              <a:t>    }</a:t>
-            </a:r>
-          </a:p>
-          <a:p>
-            <a:pPr>
-              <a:lnSpc>
-                <a:spcPts val="2600"/>
-              </a:lnSpc>
-            </a:pPr>
-            <a:r>
-              <a:rPr lang="en-US" altLang="zh-CN" dirty="0" smtClean="0">
-                <a:latin typeface="微软雅黑" panose="020B0503020204020204" pitchFamily="34" charset="-122"/>
+                <a:latin typeface="Consolas" panose="020B0609020204030204" pitchFamily="49" charset="0"/>
                 <a:ea typeface="微软雅黑" panose="020B0503020204020204" pitchFamily="34" charset="-122"/>
               </a:rPr>
               <a:t>}</a:t>
             </a:r>
             <a:endParaRPr lang="zh-CN" altLang="en-US" dirty="0">
-              <a:latin typeface="微软雅黑" panose="020B0503020204020204" pitchFamily="34" charset="-122"/>
+              <a:latin typeface="Consolas" panose="020B0609020204030204" pitchFamily="49" charset="0"/>
               <a:ea typeface="微软雅黑" panose="020B0503020204020204" pitchFamily="34" charset="-122"/>
             </a:endParaRPr>
           </a:p>
@@ -14696,8 +14446,8 @@
         </p:nvSpPr>
         <p:spPr>
           <a:xfrm>
-            <a:off x="7215188" y="1800225"/>
-            <a:ext cx="4286250" cy="1938992"/>
+            <a:off x="7561005" y="4254910"/>
+            <a:ext cx="4406540" cy="1754326"/>
           </a:xfrm>
           <a:prstGeom prst="rect">
             <a:avLst/>
@@ -14711,86 +14461,68 @@
           <a:lstStyle/>
           <a:p>
             <a:r>
-              <a:rPr lang="en-US" altLang="zh-CN" sz="2000" dirty="0">
-                <a:latin typeface="微软雅黑" panose="020B0503020204020204" pitchFamily="34" charset="-122"/>
-                <a:ea typeface="微软雅黑" panose="020B0503020204020204" pitchFamily="34" charset="-122"/>
-              </a:rPr>
-              <a:t>public function valid()  </a:t>
-            </a:r>
-            <a:r>
-              <a:rPr lang="en-US" altLang="zh-CN" sz="2000" dirty="0" smtClean="0">
-                <a:latin typeface="微软雅黑" panose="020B0503020204020204" pitchFamily="34" charset="-122"/>
-                <a:ea typeface="微软雅黑" panose="020B0503020204020204" pitchFamily="34" charset="-122"/>
-              </a:rPr>
-              <a:t>{</a:t>
-            </a:r>
-          </a:p>
-          <a:p>
-            <a:r>
-              <a:rPr lang="en-US" altLang="zh-CN" sz="2000" dirty="0" smtClean="0">
-                <a:latin typeface="微软雅黑" panose="020B0503020204020204" pitchFamily="34" charset="-122"/>
+              <a:rPr lang="en-US" altLang="zh-CN" dirty="0">
+                <a:latin typeface="Consolas" panose="020B0609020204030204" pitchFamily="49" charset="0"/>
+                <a:ea typeface="微软雅黑" panose="020B0503020204020204" pitchFamily="34" charset="-122"/>
+              </a:rPr>
+              <a:t>public function valid()  {</a:t>
+            </a:r>
+          </a:p>
+          <a:p>
+            <a:r>
+              <a:rPr lang="en-US" altLang="zh-CN" dirty="0">
+                <a:latin typeface="Consolas" panose="020B0609020204030204" pitchFamily="49" charset="0"/>
                 <a:ea typeface="微软雅黑" panose="020B0503020204020204" pitchFamily="34" charset="-122"/>
               </a:rPr>
               <a:t>    $</a:t>
             </a:r>
             <a:r>
-              <a:rPr lang="en-US" altLang="zh-CN" sz="2000" dirty="0" err="1">
-                <a:latin typeface="微软雅黑" panose="020B0503020204020204" pitchFamily="34" charset="-122"/>
+              <a:rPr lang="en-US" altLang="zh-CN" dirty="0" err="1">
+                <a:latin typeface="Consolas" panose="020B0609020204030204" pitchFamily="49" charset="0"/>
                 <a:ea typeface="微软雅黑" panose="020B0503020204020204" pitchFamily="34" charset="-122"/>
               </a:rPr>
               <a:t>echoStr</a:t>
             </a:r>
             <a:r>
-              <a:rPr lang="en-US" altLang="zh-CN" sz="2000" dirty="0">
-                <a:latin typeface="微软雅黑" panose="020B0503020204020204" pitchFamily="34" charset="-122"/>
+              <a:rPr lang="en-US" altLang="zh-CN" dirty="0">
+                <a:latin typeface="Consolas" panose="020B0609020204030204" pitchFamily="49" charset="0"/>
                 <a:ea typeface="微软雅黑" panose="020B0503020204020204" pitchFamily="34" charset="-122"/>
               </a:rPr>
               <a:t> = $_GET["</a:t>
             </a:r>
             <a:r>
-              <a:rPr lang="en-US" altLang="zh-CN" sz="2000" dirty="0" err="1">
-                <a:latin typeface="微软雅黑" panose="020B0503020204020204" pitchFamily="34" charset="-122"/>
+              <a:rPr lang="en-US" altLang="zh-CN" dirty="0" err="1">
+                <a:latin typeface="Consolas" panose="020B0609020204030204" pitchFamily="49" charset="0"/>
                 <a:ea typeface="微软雅黑" panose="020B0503020204020204" pitchFamily="34" charset="-122"/>
               </a:rPr>
               <a:t>echostr</a:t>
             </a:r>
             <a:r>
-              <a:rPr lang="en-US" altLang="zh-CN" sz="2000" dirty="0">
-                <a:latin typeface="微软雅黑" panose="020B0503020204020204" pitchFamily="34" charset="-122"/>
+              <a:rPr lang="en-US" altLang="zh-CN" dirty="0">
+                <a:latin typeface="Consolas" panose="020B0609020204030204" pitchFamily="49" charset="0"/>
                 <a:ea typeface="微软雅黑" panose="020B0503020204020204" pitchFamily="34" charset="-122"/>
               </a:rPr>
               <a:t>"]; </a:t>
             </a:r>
-            <a:endParaRPr lang="en-US" altLang="zh-CN" sz="2000" dirty="0" smtClean="0">
-              <a:latin typeface="微软雅黑" panose="020B0503020204020204" pitchFamily="34" charset="-122"/>
-              <a:ea typeface="微软雅黑" panose="020B0503020204020204" pitchFamily="34" charset="-122"/>
-            </a:endParaRPr>
-          </a:p>
-          <a:p>
-            <a:r>
-              <a:rPr lang="en-US" altLang="zh-CN" sz="2000" dirty="0" smtClean="0">
-                <a:latin typeface="微软雅黑" panose="020B0503020204020204" pitchFamily="34" charset="-122"/>
-                <a:ea typeface="微软雅黑" panose="020B0503020204020204" pitchFamily="34" charset="-122"/>
-              </a:rPr>
-              <a:t>    if</a:t>
-            </a:r>
-            <a:r>
-              <a:rPr lang="en-US" altLang="zh-CN" sz="2000" dirty="0">
-                <a:latin typeface="微软雅黑" panose="020B0503020204020204" pitchFamily="34" charset="-122"/>
-                <a:ea typeface="微软雅黑" panose="020B0503020204020204" pitchFamily="34" charset="-122"/>
-              </a:rPr>
-              <a:t>($this-&gt;</a:t>
-            </a:r>
-            <a:r>
-              <a:rPr lang="en-US" altLang="zh-CN" sz="2000" dirty="0" err="1">
-                <a:latin typeface="微软雅黑" panose="020B0503020204020204" pitchFamily="34" charset="-122"/>
+          </a:p>
+          <a:p>
+            <a:r>
+              <a:rPr lang="en-US" altLang="zh-CN" dirty="0">
+                <a:latin typeface="Consolas" panose="020B0609020204030204" pitchFamily="49" charset="0"/>
+                <a:ea typeface="微软雅黑" panose="020B0503020204020204" pitchFamily="34" charset="-122"/>
+              </a:rPr>
+              <a:t>    if($this-&gt;</a:t>
+            </a:r>
+            <a:r>
+              <a:rPr lang="en-US" altLang="zh-CN" dirty="0" err="1">
+                <a:latin typeface="Consolas" panose="020B0609020204030204" pitchFamily="49" charset="0"/>
                 <a:ea typeface="微软雅黑" panose="020B0503020204020204" pitchFamily="34" charset="-122"/>
               </a:rPr>
               <a:t>checkSignature</a:t>
             </a:r>
             <a:r>
-              <a:rPr lang="en-US" altLang="zh-CN" sz="2000" dirty="0" smtClean="0">
-                <a:latin typeface="微软雅黑" panose="020B0503020204020204" pitchFamily="34" charset="-122"/>
+              <a:rPr lang="en-US" altLang="zh-CN" dirty="0">
+                <a:latin typeface="Consolas" panose="020B0609020204030204" pitchFamily="49" charset="0"/>
                 <a:ea typeface="微软雅黑" panose="020B0503020204020204" pitchFamily="34" charset="-122"/>
               </a:rPr>
               <a:t>()) {</a:t>
@@ -14798,29 +14530,22 @@
           </a:p>
           <a:p>
             <a:r>
-              <a:rPr lang="en-US" altLang="zh-CN" sz="2000" dirty="0" smtClean="0">
-                <a:latin typeface="微软雅黑" panose="020B0503020204020204" pitchFamily="34" charset="-122"/>
-                <a:ea typeface="微软雅黑" panose="020B0503020204020204" pitchFamily="34" charset="-122"/>
-              </a:rPr>
-              <a:t>        exit</a:t>
-            </a:r>
-            <a:r>
-              <a:rPr lang="en-US" altLang="zh-CN" sz="2000" dirty="0">
-                <a:latin typeface="微软雅黑" panose="020B0503020204020204" pitchFamily="34" charset="-122"/>
-                <a:ea typeface="微软雅黑" panose="020B0503020204020204" pitchFamily="34" charset="-122"/>
-              </a:rPr>
-              <a:t>($</a:t>
-            </a:r>
-            <a:r>
-              <a:rPr lang="en-US" altLang="zh-CN" sz="2000" dirty="0" err="1">
-                <a:latin typeface="微软雅黑" panose="020B0503020204020204" pitchFamily="34" charset="-122"/>
+              <a:rPr lang="en-US" altLang="zh-CN" dirty="0">
+                <a:latin typeface="Consolas" panose="020B0609020204030204" pitchFamily="49" charset="0"/>
+                <a:ea typeface="微软雅黑" panose="020B0503020204020204" pitchFamily="34" charset="-122"/>
+              </a:rPr>
+              <a:t>        exit($</a:t>
+            </a:r>
+            <a:r>
+              <a:rPr lang="en-US" altLang="zh-CN" dirty="0" err="1">
+                <a:latin typeface="Consolas" panose="020B0609020204030204" pitchFamily="49" charset="0"/>
                 <a:ea typeface="微软雅黑" panose="020B0503020204020204" pitchFamily="34" charset="-122"/>
               </a:rPr>
               <a:t>echoStr</a:t>
             </a:r>
             <a:r>
-              <a:rPr lang="en-US" altLang="zh-CN" sz="2000" dirty="0" smtClean="0">
-                <a:latin typeface="微软雅黑" panose="020B0503020204020204" pitchFamily="34" charset="-122"/>
+              <a:rPr lang="en-US" altLang="zh-CN" dirty="0">
+                <a:latin typeface="Consolas" panose="020B0609020204030204" pitchFamily="49" charset="0"/>
                 <a:ea typeface="微软雅黑" panose="020B0503020204020204" pitchFamily="34" charset="-122"/>
               </a:rPr>
               <a:t>);</a:t>
@@ -14828,8 +14553,8 @@
           </a:p>
           <a:p>
             <a:r>
-              <a:rPr lang="en-US" altLang="zh-CN" sz="2000" dirty="0" smtClean="0">
-                <a:latin typeface="微软雅黑" panose="020B0503020204020204" pitchFamily="34" charset="-122"/>
+              <a:rPr lang="en-US" altLang="zh-CN" dirty="0">
+                <a:latin typeface="Consolas" panose="020B0609020204030204" pitchFamily="49" charset="0"/>
                 <a:ea typeface="微软雅黑" panose="020B0503020204020204" pitchFamily="34" charset="-122"/>
               </a:rPr>
               <a:t>    }</a:t>
@@ -14837,14 +14562,14 @@
           </a:p>
           <a:p>
             <a:r>
-              <a:rPr lang="en-US" altLang="zh-CN" sz="2000" dirty="0" smtClean="0">
-                <a:latin typeface="微软雅黑" panose="020B0503020204020204" pitchFamily="34" charset="-122"/>
+              <a:rPr lang="en-US" altLang="zh-CN" dirty="0">
+                <a:latin typeface="Consolas" panose="020B0609020204030204" pitchFamily="49" charset="0"/>
                 <a:ea typeface="微软雅黑" panose="020B0503020204020204" pitchFamily="34" charset="-122"/>
               </a:rPr>
               <a:t>}</a:t>
             </a:r>
-            <a:endParaRPr lang="zh-CN" altLang="en-US" sz="2000" dirty="0">
-              <a:latin typeface="微软雅黑" panose="020B0503020204020204" pitchFamily="34" charset="-122"/>
+            <a:endParaRPr lang="zh-CN" altLang="en-US" dirty="0">
+              <a:latin typeface="Consolas" panose="020B0609020204030204" pitchFamily="49" charset="0"/>
               <a:ea typeface="微软雅黑" panose="020B0503020204020204" pitchFamily="34" charset="-122"/>
             </a:endParaRPr>
           </a:p>
@@ -14860,13 +14585,6 @@
   <p:clrMapOvr>
     <a:masterClrMapping/>
   </p:clrMapOvr>
-  <p:timing>
-    <p:tnLst>
-      <p:par>
-        <p:cTn id="1" dur="indefinite" restart="never" nodeType="tmRoot"/>
-      </p:par>
-    </p:tnLst>
-  </p:timing>
 </p:sld>
 </file>
 
@@ -14903,10 +14621,9 @@
           <a:lstStyle/>
           <a:p>
             <a:r>
-              <a:rPr lang="zh-CN" altLang="en-US" b="0" dirty="0" smtClean="0"/>
+              <a:rPr lang="zh-CN" altLang="en-US" b="0" dirty="0"/>
               <a:t>完整的验证文件</a:t>
             </a:r>
-            <a:endParaRPr lang="zh-CN" altLang="en-US" b="0" dirty="0"/>
           </a:p>
         </p:txBody>
       </p:sp>
@@ -14940,7 +14657,7 @@
               <a:buChar char="•"/>
             </a:pPr>
             <a:r>
-              <a:rPr lang="zh-CN" altLang="en-US" sz="2400" dirty="0" smtClean="0">
+              <a:rPr lang="zh-CN" altLang="en-US" sz="2400" dirty="0">
                 <a:latin typeface="微软雅黑" panose="020B0503020204020204" pitchFamily="34" charset="-122"/>
                 <a:ea typeface="微软雅黑" panose="020B0503020204020204" pitchFamily="34" charset="-122"/>
               </a:rPr>
@@ -14952,17 +14669,9 @@
                 <a:ea typeface="微软雅黑" panose="020B0503020204020204" pitchFamily="34" charset="-122"/>
                 <a:hlinkClick r:id="rId2"/>
               </a:rPr>
-              <a:t>https://</a:t>
-            </a:r>
-            <a:r>
-              <a:rPr lang="en-US" altLang="zh-CN" sz="2400" dirty="0" smtClean="0">
-                <a:latin typeface="微软雅黑" panose="020B0503020204020204" pitchFamily="34" charset="-122"/>
-                <a:ea typeface="微软雅黑" panose="020B0503020204020204" pitchFamily="34" charset="-122"/>
-                <a:hlinkClick r:id="rId2"/>
-              </a:rPr>
-              <a:t>pan.baidu.com/s/1kVQJZoF</a:t>
-            </a:r>
-            <a:endParaRPr lang="en-US" altLang="zh-CN" sz="2400" dirty="0" smtClean="0">
+              <a:t>https://pan.baidu.com/s/1kVQJZoF</a:t>
+            </a:r>
+            <a:endParaRPr lang="en-US" altLang="zh-CN" sz="2400" dirty="0">
               <a:latin typeface="微软雅黑" panose="020B0503020204020204" pitchFamily="34" charset="-122"/>
               <a:ea typeface="微软雅黑" panose="020B0503020204020204" pitchFamily="34" charset="-122"/>
             </a:endParaRPr>
@@ -14976,7 +14685,7 @@
               <a:buChar char="•"/>
             </a:pPr>
             <a:r>
-              <a:rPr lang="zh-CN" altLang="en-US" sz="2400" dirty="0" smtClean="0">
+              <a:rPr lang="zh-CN" altLang="en-US" sz="2400" dirty="0">
                 <a:latin typeface="微软雅黑" panose="020B0503020204020204" pitchFamily="34" charset="-122"/>
                 <a:ea typeface="微软雅黑" panose="020B0503020204020204" pitchFamily="34" charset="-122"/>
               </a:rPr>
@@ -14989,10 +14698,6 @@
               </a:rPr>
               <a:t>tay7</a:t>
             </a:r>
-            <a:endParaRPr lang="en-US" altLang="zh-CN" sz="2400" dirty="0" smtClean="0">
-              <a:latin typeface="微软雅黑" panose="020B0503020204020204" pitchFamily="34" charset="-122"/>
-              <a:ea typeface="微软雅黑" panose="020B0503020204020204" pitchFamily="34" charset="-122"/>
-            </a:endParaRPr>
           </a:p>
           <a:p>
             <a:pPr marL="285750" indent="-285750">
@@ -15003,30 +14708,26 @@
               <a:buChar char="•"/>
             </a:pPr>
             <a:r>
-              <a:rPr lang="zh-CN" altLang="en-US" sz="2400" dirty="0" smtClean="0">
+              <a:rPr lang="zh-CN" altLang="en-US" sz="2400" dirty="0">
                 <a:latin typeface="微软雅黑" panose="020B0503020204020204" pitchFamily="34" charset="-122"/>
                 <a:ea typeface="微软雅黑" panose="020B0503020204020204" pitchFamily="34" charset="-122"/>
               </a:rPr>
               <a:t>下载文件后填写自己定义的</a:t>
             </a:r>
             <a:r>
-              <a:rPr lang="en-US" altLang="zh-CN" sz="2400" dirty="0" smtClean="0">
+              <a:rPr lang="en-US" altLang="zh-CN" sz="2400" dirty="0">
                 <a:latin typeface="微软雅黑" panose="020B0503020204020204" pitchFamily="34" charset="-122"/>
                 <a:ea typeface="微软雅黑" panose="020B0503020204020204" pitchFamily="34" charset="-122"/>
               </a:rPr>
               <a:t>Token</a:t>
             </a:r>
             <a:r>
-              <a:rPr lang="zh-CN" altLang="en-US" sz="2400" dirty="0" smtClean="0">
+              <a:rPr lang="zh-CN" altLang="en-US" sz="2400" dirty="0">
                 <a:latin typeface="微软雅黑" panose="020B0503020204020204" pitchFamily="34" charset="-122"/>
                 <a:ea typeface="微软雅黑" panose="020B0503020204020204" pitchFamily="34" charset="-122"/>
               </a:rPr>
               <a:t>，上传至申请的虚拟主机。</a:t>
             </a:r>
-            <a:endParaRPr lang="zh-CN" altLang="en-US" sz="2400" dirty="0">
-              <a:latin typeface="微软雅黑" panose="020B0503020204020204" pitchFamily="34" charset="-122"/>
-              <a:ea typeface="微软雅黑" panose="020B0503020204020204" pitchFamily="34" charset="-122"/>
-            </a:endParaRPr>
           </a:p>
         </p:txBody>
       </p:sp>
@@ -15040,13 +14741,6 @@
   <p:clrMapOvr>
     <a:masterClrMapping/>
   </p:clrMapOvr>
-  <p:timing>
-    <p:tnLst>
-      <p:par>
-        <p:cTn id="1" dur="indefinite" restart="never" nodeType="tmRoot"/>
-      </p:par>
-    </p:tnLst>
-  </p:timing>
 </p:sld>
 </file>
 
@@ -15083,10 +14777,9 @@
           <a:lstStyle/>
           <a:p>
             <a:r>
-              <a:rPr lang="zh-CN" altLang="en-US" b="0" dirty="0" smtClean="0"/>
+              <a:rPr lang="zh-CN" altLang="en-US" b="0" dirty="0"/>
               <a:t>验证失败的问题</a:t>
             </a:r>
-            <a:endParaRPr lang="zh-CN" altLang="en-US" b="0" dirty="0"/>
           </a:p>
         </p:txBody>
       </p:sp>
@@ -15120,20 +14813,20 @@
               <a:buChar char="•"/>
             </a:pPr>
             <a:r>
-              <a:rPr lang="en-US" altLang="zh-CN" sz="2000" dirty="0" smtClean="0">
+              <a:rPr lang="en-US" altLang="zh-CN" sz="2000" dirty="0">
                 <a:latin typeface="微软雅黑" panose="020B0503020204020204" pitchFamily="34" charset="-122"/>
                 <a:ea typeface="微软雅黑" panose="020B0503020204020204" pitchFamily="34" charset="-122"/>
               </a:rPr>
               <a:t>URL</a:t>
             </a:r>
             <a:r>
-              <a:rPr lang="zh-CN" altLang="en-US" sz="2000" dirty="0" smtClean="0">
+              <a:rPr lang="zh-CN" altLang="en-US" sz="2000" dirty="0">
                 <a:latin typeface="微软雅黑" panose="020B0503020204020204" pitchFamily="34" charset="-122"/>
                 <a:ea typeface="微软雅黑" panose="020B0503020204020204" pitchFamily="34" charset="-122"/>
               </a:rPr>
               <a:t>路径填写有误</a:t>
             </a:r>
-            <a:endParaRPr lang="en-US" altLang="zh-CN" sz="2000" dirty="0" smtClean="0">
+            <a:endParaRPr lang="en-US" altLang="zh-CN" sz="2000" dirty="0">
               <a:latin typeface="微软雅黑" panose="020B0503020204020204" pitchFamily="34" charset="-122"/>
               <a:ea typeface="微软雅黑" panose="020B0503020204020204" pitchFamily="34" charset="-122"/>
             </a:endParaRPr>
@@ -15147,20 +14840,20 @@
               <a:buChar char="•"/>
             </a:pPr>
             <a:r>
-              <a:rPr lang="en-US" altLang="zh-CN" sz="2000" dirty="0" smtClean="0">
+              <a:rPr lang="en-US" altLang="zh-CN" sz="2000" dirty="0">
                 <a:latin typeface="微软雅黑" panose="020B0503020204020204" pitchFamily="34" charset="-122"/>
                 <a:ea typeface="微软雅黑" panose="020B0503020204020204" pitchFamily="34" charset="-122"/>
               </a:rPr>
               <a:t>Token</a:t>
             </a:r>
             <a:r>
-              <a:rPr lang="zh-CN" altLang="en-US" sz="2000" dirty="0" smtClean="0">
+              <a:rPr lang="zh-CN" altLang="en-US" sz="2000" dirty="0">
                 <a:latin typeface="微软雅黑" panose="020B0503020204020204" pitchFamily="34" charset="-122"/>
                 <a:ea typeface="微软雅黑" panose="020B0503020204020204" pitchFamily="34" charset="-122"/>
               </a:rPr>
               <a:t>不一致</a:t>
             </a:r>
-            <a:endParaRPr lang="en-US" altLang="zh-CN" sz="2000" dirty="0" smtClean="0">
+            <a:endParaRPr lang="en-US" altLang="zh-CN" sz="2000" dirty="0">
               <a:latin typeface="微软雅黑" panose="020B0503020204020204" pitchFamily="34" charset="-122"/>
               <a:ea typeface="微软雅黑" panose="020B0503020204020204" pitchFamily="34" charset="-122"/>
             </a:endParaRPr>
@@ -15174,19 +14867,19 @@
               <a:buChar char="•"/>
             </a:pPr>
             <a:r>
-              <a:rPr lang="zh-CN" altLang="en-US" sz="2000" dirty="0" smtClean="0">
+              <a:rPr lang="zh-CN" altLang="en-US" sz="2000" dirty="0">
                 <a:latin typeface="微软雅黑" panose="020B0503020204020204" pitchFamily="34" charset="-122"/>
                 <a:ea typeface="微软雅黑" panose="020B0503020204020204" pitchFamily="34" charset="-122"/>
               </a:rPr>
               <a:t>代码存在错误</a:t>
             </a:r>
-            <a:endParaRPr lang="en-US" altLang="zh-CN" sz="2000" dirty="0" smtClean="0">
+            <a:endParaRPr lang="en-US" altLang="zh-CN" sz="2000" dirty="0">
               <a:latin typeface="微软雅黑" panose="020B0503020204020204" pitchFamily="34" charset="-122"/>
               <a:ea typeface="微软雅黑" panose="020B0503020204020204" pitchFamily="34" charset="-122"/>
             </a:endParaRPr>
           </a:p>
           <a:p>
-            <a:endParaRPr lang="en-US" altLang="zh-CN" dirty="0" smtClean="0"/>
+            <a:endParaRPr lang="en-US" altLang="zh-CN" dirty="0"/>
           </a:p>
         </p:txBody>
       </p:sp>
@@ -15241,10 +14934,9 @@
           <a:lstStyle/>
           <a:p>
             <a:r>
-              <a:rPr lang="zh-CN" altLang="en-US" b="0" dirty="0" smtClean="0"/>
+              <a:rPr lang="zh-CN" altLang="en-US" b="0" dirty="0"/>
               <a:t>验证完成后的操作</a:t>
             </a:r>
-            <a:endParaRPr lang="zh-CN" altLang="en-US" b="0" dirty="0"/>
           </a:p>
         </p:txBody>
       </p:sp>
@@ -15278,20 +14970,20 @@
               <a:buChar char="•"/>
             </a:pPr>
             <a:r>
-              <a:rPr lang="en-US" altLang="zh-CN" sz="2000" dirty="0" smtClean="0">
+              <a:rPr lang="en-US" altLang="zh-CN" sz="2000" dirty="0">
                 <a:latin typeface="微软雅黑" panose="020B0503020204020204" pitchFamily="34" charset="-122"/>
                 <a:ea typeface="微软雅黑" panose="020B0503020204020204" pitchFamily="34" charset="-122"/>
               </a:rPr>
               <a:t>URL</a:t>
             </a:r>
             <a:r>
-              <a:rPr lang="zh-CN" altLang="en-US" sz="2000" dirty="0" smtClean="0">
+              <a:rPr lang="zh-CN" altLang="en-US" sz="2000" dirty="0">
                 <a:latin typeface="微软雅黑" panose="020B0503020204020204" pitchFamily="34" charset="-122"/>
                 <a:ea typeface="微软雅黑" panose="020B0503020204020204" pitchFamily="34" charset="-122"/>
               </a:rPr>
               <a:t>验证成功以后，就要把执行验证过程的代码注释掉：</a:t>
             </a:r>
-            <a:endParaRPr lang="en-US" altLang="zh-CN" sz="2000" dirty="0" smtClean="0">
+            <a:endParaRPr lang="en-US" altLang="zh-CN" sz="2000" dirty="0">
               <a:latin typeface="微软雅黑" panose="020B0503020204020204" pitchFamily="34" charset="-122"/>
               <a:ea typeface="微软雅黑" panose="020B0503020204020204" pitchFamily="34" charset="-122"/>
             </a:endParaRPr>
@@ -15303,16 +14995,12 @@
               </a:lnSpc>
             </a:pPr>
             <a:r>
-              <a:rPr lang="zh-CN" altLang="en-US" sz="2000" dirty="0" smtClean="0">
+              <a:rPr lang="zh-CN" altLang="en-US" sz="2000" dirty="0">
                 <a:latin typeface="微软雅黑" panose="020B0503020204020204" pitchFamily="34" charset="-122"/>
                 <a:ea typeface="微软雅黑" panose="020B0503020204020204" pitchFamily="34" charset="-122"/>
               </a:rPr>
               <a:t>处理消息的流程与验证的流程是互斥的，如果不注释掉。那么当微信服务器转发消息时，开发者服务器还在进行验证流程的处理，就会出现错误。</a:t>
             </a:r>
-            <a:endParaRPr lang="zh-CN" altLang="en-US" sz="2000" dirty="0">
-              <a:latin typeface="微软雅黑" panose="020B0503020204020204" pitchFamily="34" charset="-122"/>
-              <a:ea typeface="微软雅黑" panose="020B0503020204020204" pitchFamily="34" charset="-122"/>
-            </a:endParaRPr>
           </a:p>
         </p:txBody>
       </p:sp>
@@ -15398,7 +15086,7 @@
               <a:buAutoNum type="ea1JpnChsDbPeriod"/>
             </a:pPr>
             <a:r>
-              <a:rPr lang="zh-CN" altLang="en-US" sz="2400" dirty="0" smtClean="0">
+              <a:rPr lang="zh-CN" altLang="en-US" sz="2400" dirty="0">
                 <a:solidFill>
                   <a:schemeClr val="tx2">
                     <a:lumMod val="60000"/>
@@ -15439,19 +15127,7 @@
                 <a:latin typeface="微软雅黑" panose="020B0503020204020204" pitchFamily="34" charset="-122"/>
                 <a:ea typeface="微软雅黑" panose="020B0503020204020204" pitchFamily="34" charset="-122"/>
               </a:rPr>
-              <a:t>第一</a:t>
-            </a:r>
-            <a:r>
-              <a:rPr lang="zh-CN" altLang="en-US" sz="2800" dirty="0" smtClean="0">
-                <a:solidFill>
-                  <a:schemeClr val="accent6">
-                    <a:lumMod val="75000"/>
-                  </a:schemeClr>
-                </a:solidFill>
-                <a:latin typeface="微软雅黑" panose="020B0503020204020204" pitchFamily="34" charset="-122"/>
-                <a:ea typeface="微软雅黑" panose="020B0503020204020204" pitchFamily="34" charset="-122"/>
-              </a:rPr>
-              <a:t>个微信应用程序</a:t>
+              <a:t>第一个微信应用程序</a:t>
             </a:r>
             <a:endParaRPr lang="en-US" altLang="zh-CN" sz="2800" dirty="0">
               <a:solidFill>
@@ -15482,20 +15158,7 @@
                 <a:latin typeface="微软雅黑" panose="020B0503020204020204" pitchFamily="34" charset="-122"/>
                 <a:ea typeface="微软雅黑" panose="020B0503020204020204" pitchFamily="34" charset="-122"/>
               </a:rPr>
-              <a:t>微信</a:t>
-            </a:r>
-            <a:r>
-              <a:rPr lang="zh-CN" altLang="en-US" sz="2400" dirty="0" smtClean="0">
-                <a:solidFill>
-                  <a:schemeClr val="tx2">
-                    <a:lumMod val="60000"/>
-                    <a:lumOff val="40000"/>
-                  </a:schemeClr>
-                </a:solidFill>
-                <a:latin typeface="微软雅黑" panose="020B0503020204020204" pitchFamily="34" charset="-122"/>
-                <a:ea typeface="微软雅黑" panose="020B0503020204020204" pitchFamily="34" charset="-122"/>
-              </a:rPr>
-              <a:t>调试工具</a:t>
+              <a:t>微信调试工具</a:t>
             </a:r>
             <a:endParaRPr lang="en-US" altLang="zh-CN" sz="2400" dirty="0">
               <a:solidFill>
@@ -15520,13 +15183,6 @@
   <p:clrMapOvr>
     <a:masterClrMapping/>
   </p:clrMapOvr>
-  <p:timing>
-    <p:tnLst>
-      <p:par>
-        <p:cTn id="1" dur="indefinite" restart="never" nodeType="tmRoot"/>
-      </p:par>
-    </p:tnLst>
-  </p:timing>
 </p:sld>
 </file>
 
@@ -15568,10 +15224,9 @@
           <a:lstStyle/>
           <a:p>
             <a:r>
-              <a:rPr lang="zh-CN" altLang="en-US" b="0" dirty="0" smtClean="0"/>
+              <a:rPr lang="zh-CN" altLang="en-US" b="0" dirty="0"/>
               <a:t>微信服务器转发消息的格式</a:t>
             </a:r>
-            <a:endParaRPr lang="zh-CN" altLang="en-US" b="0" dirty="0"/>
           </a:p>
         </p:txBody>
       </p:sp>
@@ -15603,18 +15258,11 @@
               </a:lnSpc>
             </a:pPr>
             <a:r>
-              <a:rPr lang="en-US" altLang="zh-CN" sz="2000" dirty="0" smtClean="0">
-                <a:latin typeface="微软雅黑" panose="020B0503020204020204" pitchFamily="34" charset="-122"/>
-                <a:ea typeface="微软雅黑" panose="020B0503020204020204" pitchFamily="34" charset="-122"/>
-              </a:rPr>
-              <a:t>&lt;</a:t>
-            </a:r>
-            <a:r>
               <a:rPr lang="en-US" altLang="zh-CN" sz="2000" dirty="0">
                 <a:latin typeface="微软雅黑" panose="020B0503020204020204" pitchFamily="34" charset="-122"/>
                 <a:ea typeface="微软雅黑" panose="020B0503020204020204" pitchFamily="34" charset="-122"/>
               </a:rPr>
-              <a:t>xml&gt;</a:t>
+              <a:t>&lt;xml&gt;</a:t>
             </a:r>
             <a:br>
               <a:rPr lang="en-US" altLang="zh-CN" sz="2000" dirty="0">
@@ -15836,14 +15484,7 @@
                 <a:latin typeface="微软雅黑" panose="020B0503020204020204" pitchFamily="34" charset="-122"/>
                 <a:ea typeface="微软雅黑" panose="020B0503020204020204" pitchFamily="34" charset="-122"/>
               </a:rPr>
-              <a:t>]]&gt;&lt;/Content</a:t>
-            </a:r>
-            <a:r>
-              <a:rPr lang="en-US" altLang="zh-CN" sz="2000" dirty="0" smtClean="0">
-                <a:latin typeface="微软雅黑" panose="020B0503020204020204" pitchFamily="34" charset="-122"/>
-                <a:ea typeface="微软雅黑" panose="020B0503020204020204" pitchFamily="34" charset="-122"/>
-              </a:rPr>
-              <a:t>&gt;</a:t>
+              <a:t>]]&gt;&lt;/Content&gt;</a:t>
             </a:r>
           </a:p>
           <a:p>
@@ -15853,14 +15494,14 @@
               </a:lnSpc>
             </a:pPr>
             <a:r>
-              <a:rPr lang="en-US" altLang="zh-CN" sz="2000" dirty="0" smtClean="0">
+              <a:rPr lang="en-US" altLang="zh-CN" sz="2000" dirty="0">
                 <a:latin typeface="微软雅黑" panose="020B0503020204020204" pitchFamily="34" charset="-122"/>
                 <a:ea typeface="微软雅黑" panose="020B0503020204020204" pitchFamily="34" charset="-122"/>
               </a:rPr>
               <a:t> </a:t>
             </a:r>
             <a:r>
-              <a:rPr lang="en-US" altLang="zh-CN" sz="2000" dirty="0" smtClean="0">
+              <a:rPr lang="en-US" altLang="zh-CN" sz="2000" dirty="0">
                 <a:solidFill>
                   <a:schemeClr val="accent6"/>
                 </a:solidFill>
@@ -15909,13 +15550,6 @@
               </a:rPr>
               <a:t>&gt;</a:t>
             </a:r>
-            <a:r>
-              <a:rPr lang="en-US" altLang="zh-CN" sz="2000" dirty="0">
-                <a:latin typeface="微软雅黑" panose="020B0503020204020204" pitchFamily="34" charset="-122"/>
-                <a:ea typeface="微软雅黑" panose="020B0503020204020204" pitchFamily="34" charset="-122"/>
-              </a:rPr>
-              <a:t/>
-            </a:r>
             <a:br>
               <a:rPr lang="en-US" altLang="zh-CN" sz="2000" dirty="0">
                 <a:latin typeface="微软雅黑" panose="020B0503020204020204" pitchFamily="34" charset="-122"/>
@@ -15923,27 +15557,13 @@
               </a:rPr>
             </a:br>
             <a:r>
-              <a:rPr lang="en-US" altLang="zh-CN" sz="2000" dirty="0" smtClean="0">
-                <a:latin typeface="微软雅黑" panose="020B0503020204020204" pitchFamily="34" charset="-122"/>
-                <a:ea typeface="微软雅黑" panose="020B0503020204020204" pitchFamily="34" charset="-122"/>
-              </a:rPr>
-              <a:t>&lt;/</a:t>
-            </a:r>
-            <a:r>
               <a:rPr lang="en-US" altLang="zh-CN" sz="2000" dirty="0">
                 <a:latin typeface="微软雅黑" panose="020B0503020204020204" pitchFamily="34" charset="-122"/>
                 <a:ea typeface="微软雅黑" panose="020B0503020204020204" pitchFamily="34" charset="-122"/>
               </a:rPr>
-              <a:t>xml</a:t>
-            </a:r>
-            <a:r>
-              <a:rPr lang="en-US" altLang="zh-CN" sz="2000" dirty="0" smtClean="0">
-                <a:latin typeface="微软雅黑" panose="020B0503020204020204" pitchFamily="34" charset="-122"/>
-                <a:ea typeface="微软雅黑" panose="020B0503020204020204" pitchFamily="34" charset="-122"/>
-              </a:rPr>
-              <a:t>&gt;</a:t>
-            </a:r>
-            <a:endParaRPr lang="en-US" altLang="zh-CN" dirty="0" smtClean="0"/>
+              <a:t>&lt;/xml&gt;</a:t>
+            </a:r>
+            <a:endParaRPr lang="en-US" altLang="zh-CN" dirty="0"/>
           </a:p>
           <a:p>
             <a:pPr marL="285750" indent="-285750">
@@ -15958,73 +15578,66 @@
                 <a:latin typeface="微软雅黑" panose="020B0503020204020204" pitchFamily="34" charset="-122"/>
                 <a:ea typeface="微软雅黑" panose="020B0503020204020204" pitchFamily="34" charset="-122"/>
               </a:rPr>
-              <a:t>微信</a:t>
-            </a:r>
-            <a:r>
-              <a:rPr lang="zh-CN" altLang="en-US" sz="2000" dirty="0" smtClean="0">
-                <a:latin typeface="微软雅黑" panose="020B0503020204020204" pitchFamily="34" charset="-122"/>
-                <a:ea typeface="微软雅黑" panose="020B0503020204020204" pitchFamily="34" charset="-122"/>
-              </a:rPr>
-              <a:t>服务器转发的时候加上了</a:t>
-            </a:r>
-            <a:r>
-              <a:rPr lang="en-US" altLang="zh-CN" sz="2000" dirty="0" err="1" smtClean="0">
+              <a:t>微信服务器转发的时候加上了</a:t>
+            </a:r>
+            <a:r>
+              <a:rPr lang="en-US" altLang="zh-CN" sz="2000" dirty="0" err="1">
                 <a:latin typeface="微软雅黑" panose="020B0503020204020204" pitchFamily="34" charset="-122"/>
                 <a:ea typeface="微软雅黑" panose="020B0503020204020204" pitchFamily="34" charset="-122"/>
               </a:rPr>
               <a:t>MsgId</a:t>
             </a:r>
             <a:r>
-              <a:rPr lang="zh-CN" altLang="en-US" sz="2000" dirty="0" smtClean="0">
+              <a:rPr lang="zh-CN" altLang="en-US" sz="2000" dirty="0">
                 <a:latin typeface="微软雅黑" panose="020B0503020204020204" pitchFamily="34" charset="-122"/>
                 <a:ea typeface="微软雅黑" panose="020B0503020204020204" pitchFamily="34" charset="-122"/>
               </a:rPr>
               <a:t>字段，这个字段表示微信消息的唯一</a:t>
             </a:r>
             <a:r>
-              <a:rPr lang="en-US" altLang="zh-CN" sz="2000" dirty="0" smtClean="0">
+              <a:rPr lang="en-US" altLang="zh-CN" sz="2000" dirty="0">
                 <a:latin typeface="微软雅黑" panose="020B0503020204020204" pitchFamily="34" charset="-122"/>
                 <a:ea typeface="微软雅黑" panose="020B0503020204020204" pitchFamily="34" charset="-122"/>
               </a:rPr>
               <a:t>ID</a:t>
             </a:r>
             <a:r>
-              <a:rPr lang="zh-CN" altLang="en-US" sz="2000" dirty="0" smtClean="0">
+              <a:rPr lang="zh-CN" altLang="en-US" sz="2000" dirty="0">
                 <a:latin typeface="微软雅黑" panose="020B0503020204020204" pitchFamily="34" charset="-122"/>
                 <a:ea typeface="微软雅黑" panose="020B0503020204020204" pitchFamily="34" charset="-122"/>
               </a:rPr>
               <a:t>，通过这个</a:t>
             </a:r>
             <a:r>
-              <a:rPr lang="en-US" altLang="zh-CN" sz="2000" dirty="0" smtClean="0">
+              <a:rPr lang="en-US" altLang="zh-CN" sz="2000" dirty="0">
                 <a:latin typeface="微软雅黑" panose="020B0503020204020204" pitchFamily="34" charset="-122"/>
                 <a:ea typeface="微软雅黑" panose="020B0503020204020204" pitchFamily="34" charset="-122"/>
               </a:rPr>
               <a:t>ID</a:t>
             </a:r>
             <a:r>
-              <a:rPr lang="zh-CN" altLang="en-US" sz="2000" dirty="0" smtClean="0">
+              <a:rPr lang="zh-CN" altLang="en-US" sz="2000" dirty="0">
                 <a:latin typeface="微软雅黑" panose="020B0503020204020204" pitchFamily="34" charset="-122"/>
                 <a:ea typeface="微软雅黑" panose="020B0503020204020204" pitchFamily="34" charset="-122"/>
               </a:rPr>
               <a:t>就可以查到这条消息的具体信息。</a:t>
             </a:r>
             <a:r>
-              <a:rPr lang="en-US" altLang="zh-CN" sz="2000" dirty="0" err="1" smtClean="0">
+              <a:rPr lang="en-US" altLang="zh-CN" sz="2000" dirty="0" err="1">
                 <a:latin typeface="微软雅黑" panose="020B0503020204020204" pitchFamily="34" charset="-122"/>
                 <a:ea typeface="微软雅黑" panose="020B0503020204020204" pitchFamily="34" charset="-122"/>
               </a:rPr>
               <a:t>MsgId</a:t>
             </a:r>
             <a:r>
-              <a:rPr lang="zh-CN" altLang="en-US" sz="2000" dirty="0" smtClean="0">
+              <a:rPr lang="zh-CN" altLang="en-US" sz="2000" dirty="0">
                 <a:latin typeface="微软雅黑" panose="020B0503020204020204" pitchFamily="34" charset="-122"/>
                 <a:ea typeface="微软雅黑" panose="020B0503020204020204" pitchFamily="34" charset="-122"/>
               </a:rPr>
               <a:t>是微信服务器生成的，这些信息会存储在微信服务器的数据库中，而</a:t>
             </a:r>
             <a:r>
-              <a:rPr lang="en-US" altLang="zh-CN" sz="2000" dirty="0" err="1" smtClean="0">
+              <a:rPr lang="en-US" altLang="zh-CN" sz="2000" dirty="0" err="1">
                 <a:latin typeface="微软雅黑" panose="020B0503020204020204" pitchFamily="34" charset="-122"/>
                 <a:ea typeface="微软雅黑" panose="020B0503020204020204" pitchFamily="34" charset="-122"/>
               </a:rPr>
@@ -16035,19 +15648,8 @@
                 <a:latin typeface="微软雅黑" panose="020B0503020204020204" pitchFamily="34" charset="-122"/>
                 <a:ea typeface="微软雅黑" panose="020B0503020204020204" pitchFamily="34" charset="-122"/>
               </a:rPr>
-              <a:t>在</a:t>
-            </a:r>
-            <a:r>
-              <a:rPr lang="zh-CN" altLang="en-US" sz="2000" dirty="0" smtClean="0">
-                <a:latin typeface="微软雅黑" panose="020B0503020204020204" pitchFamily="34" charset="-122"/>
-                <a:ea typeface="微软雅黑" panose="020B0503020204020204" pitchFamily="34" charset="-122"/>
-              </a:rPr>
-              <a:t>整个数据库中是唯一的。</a:t>
-            </a:r>
-            <a:endParaRPr lang="zh-CN" altLang="en-US" sz="2000" dirty="0">
-              <a:latin typeface="微软雅黑" panose="020B0503020204020204" pitchFamily="34" charset="-122"/>
-              <a:ea typeface="微软雅黑" panose="020B0503020204020204" pitchFamily="34" charset="-122"/>
-            </a:endParaRPr>
+              <a:t>在整个数据库中是唯一的。</a:t>
+            </a:r>
           </a:p>
         </p:txBody>
       </p:sp>
@@ -16102,10 +15704,9 @@
           <a:lstStyle/>
           <a:p>
             <a:r>
-              <a:rPr lang="zh-CN" altLang="en-US" b="0" dirty="0" smtClean="0"/>
+              <a:rPr lang="zh-CN" altLang="en-US" b="0" dirty="0"/>
               <a:t>开发者服务器如何回复</a:t>
             </a:r>
-            <a:endParaRPr lang="zh-CN" altLang="en-US" b="0" dirty="0"/>
           </a:p>
         </p:txBody>
       </p:sp>
@@ -16139,13 +15740,13 @@
               <a:buChar char="•"/>
             </a:pPr>
             <a:r>
-              <a:rPr lang="zh-CN" altLang="en-US" sz="2000" dirty="0" smtClean="0">
+              <a:rPr lang="zh-CN" altLang="en-US" sz="2000" dirty="0">
                 <a:latin typeface="微软雅黑" panose="020B0503020204020204" pitchFamily="34" charset="-122"/>
                 <a:ea typeface="微软雅黑" panose="020B0503020204020204" pitchFamily="34" charset="-122"/>
               </a:rPr>
               <a:t>回复文本消息的格式</a:t>
             </a:r>
-            <a:endParaRPr lang="en-US" altLang="zh-CN" sz="2000" dirty="0" smtClean="0">
+            <a:endParaRPr lang="en-US" altLang="zh-CN" sz="2000" dirty="0">
               <a:latin typeface="微软雅黑" panose="020B0503020204020204" pitchFamily="34" charset="-122"/>
               <a:ea typeface="微软雅黑" panose="020B0503020204020204" pitchFamily="34" charset="-122"/>
             </a:endParaRPr>
@@ -16157,18 +15758,11 @@
               </a:lnSpc>
             </a:pPr>
             <a:r>
-              <a:rPr lang="en-US" altLang="zh-CN" dirty="0" smtClean="0">
-                <a:latin typeface="微软雅黑" panose="020B0503020204020204" pitchFamily="34" charset="-122"/>
-                <a:ea typeface="微软雅黑" panose="020B0503020204020204" pitchFamily="34" charset="-122"/>
-              </a:rPr>
-              <a:t>&lt;</a:t>
-            </a:r>
-            <a:r>
               <a:rPr lang="en-US" altLang="zh-CN" dirty="0">
                 <a:latin typeface="微软雅黑" panose="020B0503020204020204" pitchFamily="34" charset="-122"/>
                 <a:ea typeface="微软雅黑" panose="020B0503020204020204" pitchFamily="34" charset="-122"/>
               </a:rPr>
-              <a:t>xml&gt;</a:t>
+              <a:t>&lt;xml&gt;</a:t>
             </a:r>
           </a:p>
           <a:p>
@@ -16409,14 +16003,7 @@
                 <a:latin typeface="微软雅黑" panose="020B0503020204020204" pitchFamily="34" charset="-122"/>
                 <a:ea typeface="微软雅黑" panose="020B0503020204020204" pitchFamily="34" charset="-122"/>
               </a:rPr>
-              <a:t>&lt;/xml</a:t>
-            </a:r>
-            <a:r>
-              <a:rPr lang="en-US" altLang="zh-CN" dirty="0" smtClean="0">
-                <a:latin typeface="微软雅黑" panose="020B0503020204020204" pitchFamily="34" charset="-122"/>
-                <a:ea typeface="微软雅黑" panose="020B0503020204020204" pitchFamily="34" charset="-122"/>
-              </a:rPr>
-              <a:t>&gt;</a:t>
+              <a:t>&lt;/xml&gt;</a:t>
             </a:r>
           </a:p>
           <a:p>
@@ -16428,35 +16015,35 @@
               <a:buChar char="•"/>
             </a:pPr>
             <a:r>
-              <a:rPr lang="zh-CN" altLang="en-US" sz="2000" dirty="0" smtClean="0">
+              <a:rPr lang="zh-CN" altLang="en-US" sz="2000" dirty="0">
                 <a:latin typeface="微软雅黑" panose="020B0503020204020204" pitchFamily="34" charset="-122"/>
                 <a:ea typeface="微软雅黑" panose="020B0503020204020204" pitchFamily="34" charset="-122"/>
               </a:rPr>
               <a:t>开发者服务器在收到消息后，回复时，把收到消息的</a:t>
             </a:r>
             <a:r>
-              <a:rPr lang="en-US" altLang="zh-CN" sz="2000" dirty="0" err="1" smtClean="0">
+              <a:rPr lang="en-US" altLang="zh-CN" sz="2000" dirty="0" err="1">
                 <a:latin typeface="微软雅黑" panose="020B0503020204020204" pitchFamily="34" charset="-122"/>
                 <a:ea typeface="微软雅黑" panose="020B0503020204020204" pitchFamily="34" charset="-122"/>
               </a:rPr>
               <a:t>ToUserName</a:t>
             </a:r>
             <a:r>
-              <a:rPr lang="zh-CN" altLang="en-US" sz="2000" dirty="0" smtClean="0">
+              <a:rPr lang="zh-CN" altLang="en-US" sz="2000" dirty="0">
                 <a:latin typeface="微软雅黑" panose="020B0503020204020204" pitchFamily="34" charset="-122"/>
                 <a:ea typeface="微软雅黑" panose="020B0503020204020204" pitchFamily="34" charset="-122"/>
               </a:rPr>
               <a:t>与</a:t>
             </a:r>
             <a:r>
-              <a:rPr lang="en-US" altLang="zh-CN" sz="2000" dirty="0" err="1" smtClean="0">
+              <a:rPr lang="en-US" altLang="zh-CN" sz="2000" dirty="0" err="1">
                 <a:latin typeface="微软雅黑" panose="020B0503020204020204" pitchFamily="34" charset="-122"/>
                 <a:ea typeface="微软雅黑" panose="020B0503020204020204" pitchFamily="34" charset="-122"/>
               </a:rPr>
               <a:t>FromUserName</a:t>
             </a:r>
             <a:r>
-              <a:rPr lang="zh-CN" altLang="en-US" sz="2000" dirty="0" smtClean="0">
+              <a:rPr lang="zh-CN" altLang="en-US" sz="2000" dirty="0">
                 <a:latin typeface="微软雅黑" panose="020B0503020204020204" pitchFamily="34" charset="-122"/>
                 <a:ea typeface="微软雅黑" panose="020B0503020204020204" pitchFamily="34" charset="-122"/>
               </a:rPr>
@@ -16482,13 +16069,6 @@
   <p:clrMapOvr>
     <a:masterClrMapping/>
   </p:clrMapOvr>
-  <p:timing>
-    <p:tnLst>
-      <p:par>
-        <p:cTn id="1" dur="indefinite" restart="never" nodeType="tmRoot"/>
-      </p:par>
-    </p:tnLst>
-  </p:timing>
 </p:sld>
 </file>
 
@@ -16525,10 +16105,9 @@
           <a:lstStyle/>
           <a:p>
             <a:r>
-              <a:rPr lang="zh-CN" altLang="en-US" b="0" dirty="0" smtClean="0"/>
+              <a:rPr lang="zh-CN" altLang="en-US" b="0" dirty="0"/>
               <a:t>本次课程目录</a:t>
             </a:r>
-            <a:endParaRPr lang="zh-CN" altLang="en-US" b="0" dirty="0"/>
           </a:p>
         </p:txBody>
       </p:sp>
@@ -16562,7 +16141,7 @@
               <a:buAutoNum type="ea1JpnChsDbPeriod"/>
             </a:pPr>
             <a:r>
-              <a:rPr lang="zh-CN" altLang="en-US" sz="2800" dirty="0" smtClean="0">
+              <a:rPr lang="zh-CN" altLang="en-US" sz="2800" dirty="0">
                 <a:solidFill>
                   <a:schemeClr val="bg2">
                     <a:lumMod val="25000"/>
@@ -16601,19 +16180,7 @@
                 <a:latin typeface="微软雅黑" panose="020B0503020204020204" pitchFamily="34" charset="-122"/>
                 <a:ea typeface="微软雅黑" panose="020B0503020204020204" pitchFamily="34" charset="-122"/>
               </a:rPr>
-              <a:t>第一</a:t>
-            </a:r>
-            <a:r>
-              <a:rPr lang="zh-CN" altLang="en-US" sz="2800" dirty="0" smtClean="0">
-                <a:solidFill>
-                  <a:schemeClr val="bg2">
-                    <a:lumMod val="25000"/>
-                  </a:schemeClr>
-                </a:solidFill>
-                <a:latin typeface="微软雅黑" panose="020B0503020204020204" pitchFamily="34" charset="-122"/>
-                <a:ea typeface="微软雅黑" panose="020B0503020204020204" pitchFamily="34" charset="-122"/>
-              </a:rPr>
-              <a:t>个微信应用程序</a:t>
+              <a:t>第一个微信应用程序</a:t>
             </a:r>
             <a:endParaRPr lang="en-US" altLang="zh-CN" sz="2800" dirty="0">
               <a:solidFill>
@@ -16643,19 +16210,7 @@
                 <a:latin typeface="微软雅黑" panose="020B0503020204020204" pitchFamily="34" charset="-122"/>
                 <a:ea typeface="微软雅黑" panose="020B0503020204020204" pitchFamily="34" charset="-122"/>
               </a:rPr>
-              <a:t>微信</a:t>
-            </a:r>
-            <a:r>
-              <a:rPr lang="zh-CN" altLang="en-US" sz="2800" dirty="0" smtClean="0">
-                <a:solidFill>
-                  <a:schemeClr val="bg2">
-                    <a:lumMod val="25000"/>
-                  </a:schemeClr>
-                </a:solidFill>
-                <a:latin typeface="微软雅黑" panose="020B0503020204020204" pitchFamily="34" charset="-122"/>
-                <a:ea typeface="微软雅黑" panose="020B0503020204020204" pitchFamily="34" charset="-122"/>
-              </a:rPr>
-              <a:t>调试工具</a:t>
+              <a:t>微信调试工具</a:t>
             </a:r>
             <a:endParaRPr lang="en-US" altLang="zh-CN" sz="2800" dirty="0">
               <a:solidFill>
@@ -16679,13 +16234,6 @@
   <p:clrMapOvr>
     <a:masterClrMapping/>
   </p:clrMapOvr>
-  <p:timing>
-    <p:tnLst>
-      <p:par>
-        <p:cTn id="1" dur="indefinite" restart="never" nodeType="tmRoot"/>
-      </p:par>
-    </p:tnLst>
-  </p:timing>
 </p:sld>
 </file>
 
@@ -16727,10 +16275,9 @@
           <a:lstStyle/>
           <a:p>
             <a:r>
-              <a:rPr lang="zh-CN" altLang="en-US" b="0" dirty="0" smtClean="0"/>
+              <a:rPr lang="zh-CN" altLang="en-US" b="0" dirty="0"/>
               <a:t>实现返回原始数据的功能</a:t>
             </a:r>
-            <a:endParaRPr lang="zh-CN" altLang="en-US" b="0" dirty="0"/>
           </a:p>
         </p:txBody>
       </p:sp>
@@ -16764,13 +16311,13 @@
               <a:buChar char="•"/>
             </a:pPr>
             <a:r>
-              <a:rPr lang="zh-CN" altLang="en-US" sz="2000" dirty="0" smtClean="0">
+              <a:rPr lang="zh-CN" altLang="en-US" sz="2000" dirty="0">
                 <a:latin typeface="微软雅黑" panose="020B0503020204020204" pitchFamily="34" charset="-122"/>
                 <a:ea typeface="微软雅黑" panose="020B0503020204020204" pitchFamily="34" charset="-122"/>
               </a:rPr>
               <a:t>第一个程序达到的效果：用户发送什么内容，程序就返回什么内容。</a:t>
             </a:r>
-            <a:endParaRPr lang="en-US" altLang="zh-CN" sz="2000" dirty="0" smtClean="0">
+            <a:endParaRPr lang="en-US" altLang="zh-CN" sz="2000" dirty="0">
               <a:latin typeface="微软雅黑" panose="020B0503020204020204" pitchFamily="34" charset="-122"/>
               <a:ea typeface="微软雅黑" panose="020B0503020204020204" pitchFamily="34" charset="-122"/>
             </a:endParaRPr>
@@ -16784,13 +16331,13 @@
               <a:buChar char="•"/>
             </a:pPr>
             <a:r>
-              <a:rPr lang="zh-CN" altLang="en-US" sz="2000" dirty="0" smtClean="0">
+              <a:rPr lang="zh-CN" altLang="en-US" sz="2000" dirty="0">
                 <a:latin typeface="微软雅黑" panose="020B0503020204020204" pitchFamily="34" charset="-122"/>
                 <a:ea typeface="微软雅黑" panose="020B0503020204020204" pitchFamily="34" charset="-122"/>
               </a:rPr>
               <a:t>程序处理过程：</a:t>
             </a:r>
-            <a:endParaRPr lang="en-US" altLang="zh-CN" sz="2000" dirty="0" smtClean="0">
+            <a:endParaRPr lang="en-US" altLang="zh-CN" sz="2000" dirty="0">
               <a:latin typeface="微软雅黑" panose="020B0503020204020204" pitchFamily="34" charset="-122"/>
               <a:ea typeface="微软雅黑" panose="020B0503020204020204" pitchFamily="34" charset="-122"/>
             </a:endParaRPr>
@@ -16804,42 +16351,42 @@
               <a:buAutoNum type="arabicPeriod"/>
             </a:pPr>
             <a:r>
-              <a:rPr lang="zh-CN" altLang="en-US" dirty="0" smtClean="0">
+              <a:rPr lang="zh-CN" altLang="en-US" dirty="0">
                 <a:latin typeface="微软雅黑" panose="020B0503020204020204" pitchFamily="34" charset="-122"/>
                 <a:ea typeface="微软雅黑" panose="020B0503020204020204" pitchFamily="34" charset="-122"/>
               </a:rPr>
               <a:t>获取</a:t>
             </a:r>
             <a:r>
-              <a:rPr lang="en-US" altLang="zh-CN" dirty="0" smtClean="0">
+              <a:rPr lang="en-US" altLang="zh-CN" dirty="0">
                 <a:latin typeface="微软雅黑" panose="020B0503020204020204" pitchFamily="34" charset="-122"/>
                 <a:ea typeface="微软雅黑" panose="020B0503020204020204" pitchFamily="34" charset="-122"/>
               </a:rPr>
               <a:t>POST</a:t>
             </a:r>
             <a:r>
-              <a:rPr lang="zh-CN" altLang="en-US" dirty="0" smtClean="0">
+              <a:rPr lang="zh-CN" altLang="en-US" dirty="0">
                 <a:latin typeface="微软雅黑" panose="020B0503020204020204" pitchFamily="34" charset="-122"/>
                 <a:ea typeface="微软雅黑" panose="020B0503020204020204" pitchFamily="34" charset="-122"/>
               </a:rPr>
               <a:t>数据，使用</a:t>
             </a:r>
             <a:r>
-              <a:rPr lang="en-US" altLang="zh-CN" dirty="0" err="1" smtClean="0">
+              <a:rPr lang="en-US" altLang="zh-CN" dirty="0" err="1">
                 <a:latin typeface="微软雅黑" panose="020B0503020204020204" pitchFamily="34" charset="-122"/>
                 <a:ea typeface="微软雅黑" panose="020B0503020204020204" pitchFamily="34" charset="-122"/>
               </a:rPr>
               <a:t>simplexml_load_string</a:t>
             </a:r>
             <a:r>
-              <a:rPr lang="zh-CN" altLang="en-US" dirty="0" smtClean="0">
+              <a:rPr lang="zh-CN" altLang="en-US" dirty="0">
                 <a:latin typeface="微软雅黑" panose="020B0503020204020204" pitchFamily="34" charset="-122"/>
                 <a:ea typeface="微软雅黑" panose="020B0503020204020204" pitchFamily="34" charset="-122"/>
               </a:rPr>
               <a:t>函数把</a:t>
             </a:r>
             <a:r>
-              <a:rPr lang="en-US" altLang="zh-CN" dirty="0" smtClean="0">
+              <a:rPr lang="en-US" altLang="zh-CN" dirty="0">
                 <a:latin typeface="微软雅黑" panose="020B0503020204020204" pitchFamily="34" charset="-122"/>
                 <a:ea typeface="微软雅黑" panose="020B0503020204020204" pitchFamily="34" charset="-122"/>
               </a:rPr>
@@ -16850,65 +16397,51 @@
                 <a:latin typeface="微软雅黑" panose="020B0503020204020204" pitchFamily="34" charset="-122"/>
                 <a:ea typeface="微软雅黑" panose="020B0503020204020204" pitchFamily="34" charset="-122"/>
               </a:rPr>
-              <a:t>格式</a:t>
-            </a:r>
-            <a:r>
-              <a:rPr lang="zh-CN" altLang="en-US" dirty="0" smtClean="0">
-                <a:latin typeface="微软雅黑" panose="020B0503020204020204" pitchFamily="34" charset="-122"/>
-                <a:ea typeface="微软雅黑" panose="020B0503020204020204" pitchFamily="34" charset="-122"/>
-              </a:rPr>
-              <a:t>的字符串转换成</a:t>
-            </a:r>
-            <a:r>
-              <a:rPr lang="en-US" altLang="zh-CN" dirty="0" err="1" smtClean="0">
+              <a:t>格式的字符串转换成</a:t>
+            </a:r>
+            <a:r>
+              <a:rPr lang="en-US" altLang="zh-CN" dirty="0" err="1">
                 <a:latin typeface="微软雅黑" panose="020B0503020204020204" pitchFamily="34" charset="-122"/>
                 <a:ea typeface="微软雅黑" panose="020B0503020204020204" pitchFamily="34" charset="-122"/>
               </a:rPr>
               <a:t>php</a:t>
             </a:r>
             <a:r>
-              <a:rPr lang="zh-CN" altLang="en-US" dirty="0" smtClean="0">
+              <a:rPr lang="zh-CN" altLang="en-US" dirty="0">
                 <a:latin typeface="微软雅黑" panose="020B0503020204020204" pitchFamily="34" charset="-122"/>
                 <a:ea typeface="微软雅黑" panose="020B0503020204020204" pitchFamily="34" charset="-122"/>
               </a:rPr>
               <a:t>对象，</a:t>
             </a:r>
             <a:r>
-              <a:rPr lang="en-US" altLang="zh-CN" dirty="0" err="1" smtClean="0">
+              <a:rPr lang="en-US" altLang="zh-CN" dirty="0" err="1">
                 <a:latin typeface="微软雅黑" panose="020B0503020204020204" pitchFamily="34" charset="-122"/>
                 <a:ea typeface="微软雅黑" panose="020B0503020204020204" pitchFamily="34" charset="-122"/>
               </a:rPr>
               <a:t>get_object_vars</a:t>
             </a:r>
             <a:r>
-              <a:rPr lang="zh-CN" altLang="en-US" dirty="0" smtClean="0">
+              <a:rPr lang="zh-CN" altLang="en-US" dirty="0">
                 <a:latin typeface="微软雅黑" panose="020B0503020204020204" pitchFamily="34" charset="-122"/>
                 <a:ea typeface="微软雅黑" panose="020B0503020204020204" pitchFamily="34" charset="-122"/>
               </a:rPr>
               <a:t>可以把</a:t>
             </a:r>
             <a:r>
-              <a:rPr lang="en-US" altLang="zh-CN" dirty="0" smtClean="0">
+              <a:rPr lang="en-US" altLang="zh-CN" dirty="0">
                 <a:latin typeface="微软雅黑" panose="020B0503020204020204" pitchFamily="34" charset="-122"/>
                 <a:ea typeface="微软雅黑" panose="020B0503020204020204" pitchFamily="34" charset="-122"/>
               </a:rPr>
               <a:t>PHP</a:t>
             </a:r>
             <a:r>
-              <a:rPr lang="zh-CN" altLang="en-US" dirty="0" smtClean="0">
-                <a:latin typeface="微软雅黑" panose="020B0503020204020204" pitchFamily="34" charset="-122"/>
-                <a:ea typeface="微软雅黑" panose="020B0503020204020204" pitchFamily="34" charset="-122"/>
-              </a:rPr>
-              <a:t>对象的属性转换成数组</a:t>
-            </a:r>
-            <a:r>
-              <a:rPr lang="zh-CN" altLang="en-US" dirty="0" smtClean="0">
-                <a:latin typeface="微软雅黑" panose="020B0503020204020204" pitchFamily="34" charset="-122"/>
-                <a:ea typeface="微软雅黑" panose="020B0503020204020204" pitchFamily="34" charset="-122"/>
-              </a:rPr>
-              <a:t>。</a:t>
-            </a:r>
-            <a:endParaRPr lang="en-US" altLang="zh-CN" dirty="0" smtClean="0">
+              <a:rPr lang="zh-CN" altLang="en-US" dirty="0">
+                <a:latin typeface="微软雅黑" panose="020B0503020204020204" pitchFamily="34" charset="-122"/>
+                <a:ea typeface="微软雅黑" panose="020B0503020204020204" pitchFamily="34" charset="-122"/>
+              </a:rPr>
+              <a:t>对象的属性转换成数组。</a:t>
+            </a:r>
+            <a:endParaRPr lang="en-US" altLang="zh-CN" dirty="0">
               <a:latin typeface="微软雅黑" panose="020B0503020204020204" pitchFamily="34" charset="-122"/>
               <a:ea typeface="微软雅黑" panose="020B0503020204020204" pitchFamily="34" charset="-122"/>
             </a:endParaRPr>
@@ -16922,55 +16455,55 @@
               <a:buAutoNum type="arabicPeriod"/>
             </a:pPr>
             <a:r>
-              <a:rPr lang="zh-CN" altLang="en-US" dirty="0" smtClean="0">
+              <a:rPr lang="zh-CN" altLang="en-US" dirty="0">
                 <a:latin typeface="微软雅黑" panose="020B0503020204020204" pitchFamily="34" charset="-122"/>
                 <a:ea typeface="微软雅黑" panose="020B0503020204020204" pitchFamily="34" charset="-122"/>
               </a:rPr>
               <a:t>获取每个字段的值，判断</a:t>
             </a:r>
             <a:r>
-              <a:rPr lang="en-US" altLang="zh-CN" dirty="0" err="1" smtClean="0">
+              <a:rPr lang="en-US" altLang="zh-CN" dirty="0" err="1">
                 <a:latin typeface="微软雅黑" panose="020B0503020204020204" pitchFamily="34" charset="-122"/>
                 <a:ea typeface="微软雅黑" panose="020B0503020204020204" pitchFamily="34" charset="-122"/>
               </a:rPr>
               <a:t>MsgType</a:t>
             </a:r>
             <a:r>
-              <a:rPr lang="zh-CN" altLang="en-US" dirty="0" smtClean="0">
+              <a:rPr lang="zh-CN" altLang="en-US" dirty="0">
                 <a:latin typeface="微软雅黑" panose="020B0503020204020204" pitchFamily="34" charset="-122"/>
                 <a:ea typeface="微软雅黑" panose="020B0503020204020204" pitchFamily="34" charset="-122"/>
               </a:rPr>
               <a:t>字段是不是</a:t>
             </a:r>
             <a:r>
-              <a:rPr lang="en-US" altLang="zh-CN" dirty="0" smtClean="0">
+              <a:rPr lang="en-US" altLang="zh-CN" dirty="0">
                 <a:latin typeface="微软雅黑" panose="020B0503020204020204" pitchFamily="34" charset="-122"/>
                 <a:ea typeface="微软雅黑" panose="020B0503020204020204" pitchFamily="34" charset="-122"/>
               </a:rPr>
               <a:t>text</a:t>
             </a:r>
             <a:r>
-              <a:rPr lang="zh-CN" altLang="en-US" dirty="0" smtClean="0">
+              <a:rPr lang="zh-CN" altLang="en-US" dirty="0">
                 <a:latin typeface="微软雅黑" panose="020B0503020204020204" pitchFamily="34" charset="-122"/>
                 <a:ea typeface="微软雅黑" panose="020B0503020204020204" pitchFamily="34" charset="-122"/>
               </a:rPr>
               <a:t>，是的话获取</a:t>
             </a:r>
             <a:r>
-              <a:rPr lang="en-US" altLang="zh-CN" dirty="0" smtClean="0">
+              <a:rPr lang="en-US" altLang="zh-CN" dirty="0">
                 <a:latin typeface="微软雅黑" panose="020B0503020204020204" pitchFamily="34" charset="-122"/>
                 <a:ea typeface="微软雅黑" panose="020B0503020204020204" pitchFamily="34" charset="-122"/>
               </a:rPr>
               <a:t>Content</a:t>
             </a:r>
             <a:r>
-              <a:rPr lang="zh-CN" altLang="en-US" dirty="0" smtClean="0">
+              <a:rPr lang="zh-CN" altLang="en-US" dirty="0">
                 <a:latin typeface="微软雅黑" panose="020B0503020204020204" pitchFamily="34" charset="-122"/>
                 <a:ea typeface="微软雅黑" panose="020B0503020204020204" pitchFamily="34" charset="-122"/>
               </a:rPr>
               <a:t>内容。</a:t>
             </a:r>
-            <a:endParaRPr lang="en-US" altLang="zh-CN" dirty="0" smtClean="0">
+            <a:endParaRPr lang="en-US" altLang="zh-CN" dirty="0">
               <a:latin typeface="微软雅黑" panose="020B0503020204020204" pitchFamily="34" charset="-122"/>
               <a:ea typeface="微软雅黑" panose="020B0503020204020204" pitchFamily="34" charset="-122"/>
             </a:endParaRPr>
@@ -16984,111 +16517,111 @@
               <a:buAutoNum type="arabicPeriod"/>
             </a:pPr>
             <a:r>
-              <a:rPr lang="zh-CN" altLang="en-US" dirty="0" smtClean="0">
+              <a:rPr lang="zh-CN" altLang="en-US" dirty="0">
                 <a:latin typeface="微软雅黑" panose="020B0503020204020204" pitchFamily="34" charset="-122"/>
                 <a:ea typeface="微软雅黑" panose="020B0503020204020204" pitchFamily="34" charset="-122"/>
               </a:rPr>
               <a:t>使用构造的</a:t>
             </a:r>
             <a:r>
-              <a:rPr lang="en-US" altLang="zh-CN" dirty="0" smtClean="0">
+              <a:rPr lang="en-US" altLang="zh-CN" dirty="0">
                 <a:latin typeface="微软雅黑" panose="020B0503020204020204" pitchFamily="34" charset="-122"/>
                 <a:ea typeface="微软雅黑" panose="020B0503020204020204" pitchFamily="34" charset="-122"/>
               </a:rPr>
               <a:t>XML</a:t>
             </a:r>
             <a:r>
-              <a:rPr lang="zh-CN" altLang="en-US" dirty="0" smtClean="0">
+              <a:rPr lang="zh-CN" altLang="en-US" dirty="0">
                 <a:latin typeface="微软雅黑" panose="020B0503020204020204" pitchFamily="34" charset="-122"/>
                 <a:ea typeface="微软雅黑" panose="020B0503020204020204" pitchFamily="34" charset="-122"/>
               </a:rPr>
               <a:t>格式的消息回复字符串，把收到的</a:t>
             </a:r>
             <a:r>
-              <a:rPr lang="en-US" altLang="zh-CN" dirty="0" err="1" smtClean="0">
+              <a:rPr lang="en-US" altLang="zh-CN" dirty="0" err="1">
                 <a:latin typeface="微软雅黑" panose="020B0503020204020204" pitchFamily="34" charset="-122"/>
                 <a:ea typeface="微软雅黑" panose="020B0503020204020204" pitchFamily="34" charset="-122"/>
               </a:rPr>
               <a:t>FromUserName</a:t>
             </a:r>
             <a:r>
-              <a:rPr lang="zh-CN" altLang="en-US" dirty="0" smtClean="0">
+              <a:rPr lang="zh-CN" altLang="en-US" dirty="0">
                 <a:latin typeface="微软雅黑" panose="020B0503020204020204" pitchFamily="34" charset="-122"/>
                 <a:ea typeface="微软雅黑" panose="020B0503020204020204" pitchFamily="34" charset="-122"/>
               </a:rPr>
               <a:t>作为</a:t>
             </a:r>
             <a:r>
-              <a:rPr lang="en-US" altLang="zh-CN" dirty="0" err="1" smtClean="0">
+              <a:rPr lang="en-US" altLang="zh-CN" dirty="0" err="1">
                 <a:latin typeface="微软雅黑" panose="020B0503020204020204" pitchFamily="34" charset="-122"/>
                 <a:ea typeface="微软雅黑" panose="020B0503020204020204" pitchFamily="34" charset="-122"/>
               </a:rPr>
               <a:t>ToUserName</a:t>
             </a:r>
             <a:r>
-              <a:rPr lang="zh-CN" altLang="en-US" dirty="0" smtClean="0">
+              <a:rPr lang="zh-CN" altLang="en-US" dirty="0">
                 <a:latin typeface="微软雅黑" panose="020B0503020204020204" pitchFamily="34" charset="-122"/>
                 <a:ea typeface="微软雅黑" panose="020B0503020204020204" pitchFamily="34" charset="-122"/>
               </a:rPr>
               <a:t>，收到消息的</a:t>
             </a:r>
             <a:r>
-              <a:rPr lang="en-US" altLang="zh-CN" dirty="0" err="1" smtClean="0">
+              <a:rPr lang="en-US" altLang="zh-CN" dirty="0" err="1">
                 <a:latin typeface="微软雅黑" panose="020B0503020204020204" pitchFamily="34" charset="-122"/>
                 <a:ea typeface="微软雅黑" panose="020B0503020204020204" pitchFamily="34" charset="-122"/>
               </a:rPr>
               <a:t>ToUserName</a:t>
             </a:r>
             <a:r>
-              <a:rPr lang="zh-CN" altLang="en-US" dirty="0" smtClean="0">
+              <a:rPr lang="zh-CN" altLang="en-US" dirty="0">
                 <a:latin typeface="微软雅黑" panose="020B0503020204020204" pitchFamily="34" charset="-122"/>
                 <a:ea typeface="微软雅黑" panose="020B0503020204020204" pitchFamily="34" charset="-122"/>
               </a:rPr>
               <a:t>作为</a:t>
             </a:r>
             <a:r>
-              <a:rPr lang="en-US" altLang="zh-CN" dirty="0" err="1" smtClean="0">
+              <a:rPr lang="en-US" altLang="zh-CN" dirty="0" err="1">
                 <a:latin typeface="微软雅黑" panose="020B0503020204020204" pitchFamily="34" charset="-122"/>
                 <a:ea typeface="微软雅黑" panose="020B0503020204020204" pitchFamily="34" charset="-122"/>
               </a:rPr>
               <a:t>FromUserName</a:t>
             </a:r>
             <a:r>
-              <a:rPr lang="zh-CN" altLang="en-US" dirty="0" smtClean="0">
+              <a:rPr lang="zh-CN" altLang="en-US" dirty="0">
                 <a:latin typeface="微软雅黑" panose="020B0503020204020204" pitchFamily="34" charset="-122"/>
                 <a:ea typeface="微软雅黑" panose="020B0503020204020204" pitchFamily="34" charset="-122"/>
               </a:rPr>
               <a:t>，</a:t>
             </a:r>
             <a:r>
-              <a:rPr lang="en-US" altLang="zh-CN" dirty="0" smtClean="0">
+              <a:rPr lang="en-US" altLang="zh-CN" dirty="0">
                 <a:latin typeface="微软雅黑" panose="020B0503020204020204" pitchFamily="34" charset="-122"/>
                 <a:ea typeface="微软雅黑" panose="020B0503020204020204" pitchFamily="34" charset="-122"/>
               </a:rPr>
               <a:t>Content</a:t>
             </a:r>
             <a:r>
-              <a:rPr lang="zh-CN" altLang="en-US" dirty="0" smtClean="0">
+              <a:rPr lang="zh-CN" altLang="en-US" dirty="0">
                 <a:latin typeface="微软雅黑" panose="020B0503020204020204" pitchFamily="34" charset="-122"/>
                 <a:ea typeface="微软雅黑" panose="020B0503020204020204" pitchFamily="34" charset="-122"/>
               </a:rPr>
               <a:t>内容为收到的消息内容，使用</a:t>
             </a:r>
             <a:r>
-              <a:rPr lang="en-US" altLang="zh-CN" dirty="0" err="1" smtClean="0">
+              <a:rPr lang="en-US" altLang="zh-CN" dirty="0" err="1">
                 <a:latin typeface="微软雅黑" panose="020B0503020204020204" pitchFamily="34" charset="-122"/>
                 <a:ea typeface="微软雅黑" panose="020B0503020204020204" pitchFamily="34" charset="-122"/>
               </a:rPr>
               <a:t>sprintf</a:t>
             </a:r>
             <a:r>
-              <a:rPr lang="zh-CN" altLang="en-US" dirty="0" smtClean="0">
+              <a:rPr lang="zh-CN" altLang="en-US" dirty="0">
                 <a:latin typeface="微软雅黑" panose="020B0503020204020204" pitchFamily="34" charset="-122"/>
                 <a:ea typeface="微软雅黑" panose="020B0503020204020204" pitchFamily="34" charset="-122"/>
               </a:rPr>
               <a:t>把字符串格式化以后返回数据。</a:t>
             </a:r>
-            <a:endParaRPr lang="en-US" altLang="zh-CN" dirty="0" smtClean="0">
+            <a:endParaRPr lang="en-US" altLang="zh-CN" dirty="0">
               <a:latin typeface="微软雅黑" panose="020B0503020204020204" pitchFamily="34" charset="-122"/>
               <a:ea typeface="微软雅黑" panose="020B0503020204020204" pitchFamily="34" charset="-122"/>
             </a:endParaRPr>
@@ -17102,30 +16635,26 @@
               <a:buAutoNum type="arabicPeriod"/>
             </a:pPr>
             <a:r>
-              <a:rPr lang="zh-CN" altLang="en-US" dirty="0" smtClean="0">
+              <a:rPr lang="zh-CN" altLang="en-US" dirty="0">
                 <a:latin typeface="微软雅黑" panose="020B0503020204020204" pitchFamily="34" charset="-122"/>
                 <a:ea typeface="微软雅黑" panose="020B0503020204020204" pitchFamily="34" charset="-122"/>
               </a:rPr>
               <a:t>然后输出数据，微信服务器会收到</a:t>
             </a:r>
             <a:r>
-              <a:rPr lang="en-US" altLang="zh-CN" dirty="0" smtClean="0">
+              <a:rPr lang="en-US" altLang="zh-CN" dirty="0">
                 <a:latin typeface="微软雅黑" panose="020B0503020204020204" pitchFamily="34" charset="-122"/>
                 <a:ea typeface="微软雅黑" panose="020B0503020204020204" pitchFamily="34" charset="-122"/>
               </a:rPr>
               <a:t>XML</a:t>
             </a:r>
             <a:r>
-              <a:rPr lang="zh-CN" altLang="en-US" dirty="0" smtClean="0">
+              <a:rPr lang="zh-CN" altLang="en-US" dirty="0">
                 <a:latin typeface="微软雅黑" panose="020B0503020204020204" pitchFamily="34" charset="-122"/>
                 <a:ea typeface="微软雅黑" panose="020B0503020204020204" pitchFamily="34" charset="-122"/>
               </a:rPr>
               <a:t>格式的消息数据。就会转发给微信客户端用户。</a:t>
             </a:r>
-            <a:endParaRPr lang="zh-CN" altLang="en-US" dirty="0">
-              <a:latin typeface="微软雅黑" panose="020B0503020204020204" pitchFamily="34" charset="-122"/>
-              <a:ea typeface="微软雅黑" panose="020B0503020204020204" pitchFamily="34" charset="-122"/>
-            </a:endParaRPr>
           </a:p>
         </p:txBody>
       </p:sp>
@@ -17175,10 +16704,9 @@
           <a:lstStyle/>
           <a:p>
             <a:r>
-              <a:rPr lang="zh-CN" altLang="en-US" b="0" dirty="0" smtClean="0"/>
+              <a:rPr lang="zh-CN" altLang="en-US" b="0" dirty="0"/>
               <a:t>错误提示</a:t>
             </a:r>
-            <a:endParaRPr lang="zh-CN" altLang="en-US" b="0" dirty="0"/>
           </a:p>
         </p:txBody>
       </p:sp>
@@ -17212,27 +16740,13 @@
               <a:buChar char="•"/>
             </a:pPr>
             <a:r>
-              <a:rPr lang="zh-CN" altLang="en-US" sz="2000" dirty="0" smtClean="0">
-                <a:latin typeface="微软雅黑" panose="020B0503020204020204" pitchFamily="34" charset="-122"/>
-                <a:ea typeface="微软雅黑" panose="020B0503020204020204" pitchFamily="34" charset="-122"/>
-              </a:rPr>
-              <a:t>微信服务器在以下两种情况下直接提示错误信息：“</a:t>
-            </a:r>
-            <a:r>
               <a:rPr lang="zh-CN" altLang="en-US" sz="2000" dirty="0">
                 <a:latin typeface="微软雅黑" panose="020B0503020204020204" pitchFamily="34" charset="-122"/>
                 <a:ea typeface="微软雅黑" panose="020B0503020204020204" pitchFamily="34" charset="-122"/>
               </a:rPr>
-              <a:t>该公众号暂时无法提供服务，请稍后再试</a:t>
-            </a:r>
-            <a:r>
-              <a:rPr lang="zh-CN" altLang="en-US" sz="2000" dirty="0" smtClean="0">
-                <a:latin typeface="微软雅黑" panose="020B0503020204020204" pitchFamily="34" charset="-122"/>
-                <a:ea typeface="微软雅黑" panose="020B0503020204020204" pitchFamily="34" charset="-122"/>
-              </a:rPr>
-              <a:t>”</a:t>
-            </a:r>
-            <a:endParaRPr lang="en-US" altLang="zh-CN" sz="2000" dirty="0" smtClean="0">
+              <a:t>微信服务器在以下两种情况下直接提示错误信息：“该公众号暂时无法提供服务，请稍后再试”</a:t>
+            </a:r>
+            <a:endParaRPr lang="en-US" altLang="zh-CN" sz="2000" dirty="0">
               <a:latin typeface="微软雅黑" panose="020B0503020204020204" pitchFamily="34" charset="-122"/>
               <a:ea typeface="微软雅黑" panose="020B0503020204020204" pitchFamily="34" charset="-122"/>
             </a:endParaRPr>
@@ -17250,30 +16764,23 @@
                 <a:latin typeface="微软雅黑" panose="020B0503020204020204" pitchFamily="34" charset="-122"/>
                 <a:ea typeface="微软雅黑" panose="020B0503020204020204" pitchFamily="34" charset="-122"/>
               </a:rPr>
-              <a:t>开发</a:t>
-            </a:r>
-            <a:r>
-              <a:rPr lang="zh-CN" altLang="en-US" sz="2000" dirty="0" smtClean="0">
-                <a:latin typeface="微软雅黑" panose="020B0503020204020204" pitchFamily="34" charset="-122"/>
-                <a:ea typeface="微软雅黑" panose="020B0503020204020204" pitchFamily="34" charset="-122"/>
-              </a:rPr>
-              <a:t>者服务器在</a:t>
-            </a:r>
-            <a:r>
-              <a:rPr lang="en-US" altLang="zh-CN" sz="2000" dirty="0" smtClean="0">
+              <a:t>开发者服务器在</a:t>
+            </a:r>
+            <a:r>
+              <a:rPr lang="en-US" altLang="zh-CN" sz="2000" dirty="0">
                 <a:latin typeface="微软雅黑" panose="020B0503020204020204" pitchFamily="34" charset="-122"/>
                 <a:ea typeface="微软雅黑" panose="020B0503020204020204" pitchFamily="34" charset="-122"/>
               </a:rPr>
               <a:t>5</a:t>
             </a:r>
             <a:r>
-              <a:rPr lang="zh-CN" altLang="en-US" sz="2000" dirty="0" smtClean="0">
+              <a:rPr lang="zh-CN" altLang="en-US" sz="2000" dirty="0">
                 <a:latin typeface="微软雅黑" panose="020B0503020204020204" pitchFamily="34" charset="-122"/>
                 <a:ea typeface="微软雅黑" panose="020B0503020204020204" pitchFamily="34" charset="-122"/>
               </a:rPr>
               <a:t>秒内没有回复内容</a:t>
             </a:r>
-            <a:endParaRPr lang="en-US" altLang="zh-CN" sz="2000" dirty="0" smtClean="0">
+            <a:endParaRPr lang="en-US" altLang="zh-CN" sz="2000" dirty="0">
               <a:latin typeface="微软雅黑" panose="020B0503020204020204" pitchFamily="34" charset="-122"/>
               <a:ea typeface="微软雅黑" panose="020B0503020204020204" pitchFamily="34" charset="-122"/>
             </a:endParaRPr>
@@ -17291,16 +16798,9 @@
                 <a:latin typeface="微软雅黑" panose="020B0503020204020204" pitchFamily="34" charset="-122"/>
                 <a:ea typeface="微软雅黑" panose="020B0503020204020204" pitchFamily="34" charset="-122"/>
               </a:rPr>
-              <a:t>开发者</a:t>
-            </a:r>
-            <a:r>
-              <a:rPr lang="zh-CN" altLang="en-US" sz="2000" dirty="0" smtClean="0">
-                <a:latin typeface="微软雅黑" panose="020B0503020204020204" pitchFamily="34" charset="-122"/>
-                <a:ea typeface="微软雅黑" panose="020B0503020204020204" pitchFamily="34" charset="-122"/>
-              </a:rPr>
-              <a:t>服务器回复了异常数据</a:t>
-            </a:r>
-            <a:endParaRPr lang="en-US" altLang="zh-CN" sz="2000" dirty="0" smtClean="0">
+              <a:t>开发者服务器回复了异常数据</a:t>
+            </a:r>
+            <a:endParaRPr lang="en-US" altLang="zh-CN" sz="2000" dirty="0">
               <a:latin typeface="微软雅黑" panose="020B0503020204020204" pitchFamily="34" charset="-122"/>
               <a:ea typeface="微软雅黑" panose="020B0503020204020204" pitchFamily="34" charset="-122"/>
             </a:endParaRPr>
@@ -17312,7 +16812,7 @@
               </a:lnSpc>
             </a:pPr>
             <a:r>
-              <a:rPr lang="zh-CN" altLang="en-US" i="1" dirty="0" smtClean="0">
+              <a:rPr lang="zh-CN" altLang="en-US" i="1" dirty="0">
                 <a:solidFill>
                   <a:srgbClr val="FF0000"/>
                 </a:solidFill>
@@ -17322,7 +16822,7 @@
               <a:t>！开发文档被动回复消息是如此解释，在接收普通消息的解释是</a:t>
             </a:r>
             <a:r>
-              <a:rPr lang="en-US" altLang="zh-CN" i="1" dirty="0" smtClean="0">
+              <a:rPr lang="en-US" altLang="zh-CN" i="1" dirty="0">
                 <a:solidFill>
                   <a:srgbClr val="FF0000"/>
                 </a:solidFill>
@@ -17332,7 +16832,7 @@
               <a:t>5</a:t>
             </a:r>
             <a:r>
-              <a:rPr lang="zh-CN" altLang="en-US" i="1" dirty="0" smtClean="0">
+              <a:rPr lang="zh-CN" altLang="en-US" i="1" dirty="0">
                 <a:solidFill>
                   <a:srgbClr val="FF0000"/>
                 </a:solidFill>
@@ -17342,7 +16842,7 @@
               <a:t>秒内没有响应，微信会重试</a:t>
             </a:r>
             <a:r>
-              <a:rPr lang="en-US" altLang="zh-CN" i="1" dirty="0" smtClean="0">
+              <a:rPr lang="en-US" altLang="zh-CN" i="1" dirty="0">
                 <a:solidFill>
                   <a:srgbClr val="FF0000"/>
                 </a:solidFill>
@@ -17352,7 +16852,7 @@
               <a:t>3</a:t>
             </a:r>
             <a:r>
-              <a:rPr lang="zh-CN" altLang="en-US" i="1" dirty="0" smtClean="0">
+              <a:rPr lang="zh-CN" altLang="en-US" i="1" dirty="0">
                 <a:solidFill>
                   <a:srgbClr val="FF0000"/>
                 </a:solidFill>
@@ -17362,7 +16862,7 @@
               <a:t>次如果不能回复则提示错误。但是如果程序无法在</a:t>
             </a:r>
             <a:r>
-              <a:rPr lang="en-US" altLang="zh-CN" i="1" dirty="0" smtClean="0">
+              <a:rPr lang="en-US" altLang="zh-CN" i="1" dirty="0">
                 <a:solidFill>
                   <a:srgbClr val="FF0000"/>
                 </a:solidFill>
@@ -17372,7 +16872,7 @@
               <a:t>5</a:t>
             </a:r>
             <a:r>
-              <a:rPr lang="zh-CN" altLang="en-US" i="1" dirty="0" smtClean="0">
+              <a:rPr lang="zh-CN" altLang="en-US" i="1" dirty="0">
                 <a:solidFill>
                   <a:srgbClr val="FF0000"/>
                 </a:solidFill>
@@ -17381,7 +16881,7 @@
               </a:rPr>
               <a:t>秒内响应则重试多少次都不会得到响应。</a:t>
             </a:r>
-            <a:endParaRPr lang="en-US" altLang="zh-CN" i="1" dirty="0" smtClean="0">
+            <a:endParaRPr lang="en-US" altLang="zh-CN" i="1" dirty="0">
               <a:solidFill>
                 <a:srgbClr val="FF0000"/>
               </a:solidFill>
@@ -17398,28 +16898,28 @@
               <a:buChar char="•"/>
             </a:pPr>
             <a:r>
-              <a:rPr lang="zh-CN" altLang="en-US" sz="2000" dirty="0" smtClean="0">
+              <a:rPr lang="zh-CN" altLang="en-US" sz="2000" dirty="0">
                 <a:latin typeface="微软雅黑" panose="020B0503020204020204" pitchFamily="34" charset="-122"/>
                 <a:ea typeface="微软雅黑" panose="020B0503020204020204" pitchFamily="34" charset="-122"/>
               </a:rPr>
               <a:t>如果不想回复内容并且不希望有错误提示，则只需要回复空字符串或者是字符串‘</a:t>
             </a:r>
             <a:r>
-              <a:rPr lang="en-US" altLang="zh-CN" sz="2000" dirty="0" smtClean="0">
+              <a:rPr lang="en-US" altLang="zh-CN" sz="2000" dirty="0">
                 <a:latin typeface="微软雅黑" panose="020B0503020204020204" pitchFamily="34" charset="-122"/>
                 <a:ea typeface="微软雅黑" panose="020B0503020204020204" pitchFamily="34" charset="-122"/>
               </a:rPr>
               <a:t>success</a:t>
             </a:r>
             <a:r>
-              <a:rPr lang="zh-CN" altLang="en-US" sz="2000" dirty="0" smtClean="0">
+              <a:rPr lang="zh-CN" altLang="en-US" sz="2000" dirty="0">
                 <a:latin typeface="微软雅黑" panose="020B0503020204020204" pitchFamily="34" charset="-122"/>
                 <a:ea typeface="微软雅黑" panose="020B0503020204020204" pitchFamily="34" charset="-122"/>
               </a:rPr>
               <a:t>’</a:t>
             </a:r>
             <a:r>
-              <a:rPr lang="en-US" altLang="zh-CN" sz="2000" dirty="0" smtClean="0">
+              <a:rPr lang="en-US" altLang="zh-CN" sz="2000" dirty="0">
                 <a:latin typeface="微软雅黑" panose="020B0503020204020204" pitchFamily="34" charset="-122"/>
                 <a:ea typeface="微软雅黑" panose="020B0503020204020204" pitchFamily="34" charset="-122"/>
               </a:rPr>
@@ -17433,27 +16933,27 @@
               </a:lnSpc>
             </a:pPr>
             <a:r>
-              <a:rPr lang="zh-CN" altLang="en-US" sz="2000" dirty="0" smtClean="0">
+              <a:rPr lang="zh-CN" altLang="en-US" sz="2000" dirty="0">
                 <a:latin typeface="微软雅黑" panose="020B0503020204020204" pitchFamily="34" charset="-122"/>
                 <a:ea typeface="微软雅黑" panose="020B0503020204020204" pitchFamily="34" charset="-122"/>
               </a:rPr>
               <a:t>注意：这种情况不是</a:t>
             </a:r>
             <a:r>
-              <a:rPr lang="en-US" altLang="zh-CN" sz="2000" dirty="0" smtClean="0">
+              <a:rPr lang="en-US" altLang="zh-CN" sz="2000" dirty="0">
                 <a:latin typeface="微软雅黑" panose="020B0503020204020204" pitchFamily="34" charset="-122"/>
                 <a:ea typeface="微软雅黑" panose="020B0503020204020204" pitchFamily="34" charset="-122"/>
               </a:rPr>
               <a:t>XML</a:t>
             </a:r>
             <a:r>
-              <a:rPr lang="zh-CN" altLang="en-US" sz="2000" dirty="0" smtClean="0">
+              <a:rPr lang="zh-CN" altLang="en-US" sz="2000" dirty="0">
                 <a:latin typeface="微软雅黑" panose="020B0503020204020204" pitchFamily="34" charset="-122"/>
                 <a:ea typeface="微软雅黑" panose="020B0503020204020204" pitchFamily="34" charset="-122"/>
               </a:rPr>
               <a:t>格式的数据。</a:t>
             </a:r>
-            <a:endParaRPr lang="en-US" altLang="zh-CN" sz="2000" dirty="0" smtClean="0">
+            <a:endParaRPr lang="en-US" altLang="zh-CN" sz="2000" dirty="0">
               <a:latin typeface="微软雅黑" panose="020B0503020204020204" pitchFamily="34" charset="-122"/>
               <a:ea typeface="微软雅黑" panose="020B0503020204020204" pitchFamily="34" charset="-122"/>
             </a:endParaRPr>
@@ -17512,13 +17012,8 @@
           <a:p>
             <a:r>
               <a:rPr lang="zh-CN" altLang="en-US" b="0" dirty="0"/>
-              <a:t>需要注意</a:t>
-            </a:r>
-            <a:r>
-              <a:rPr lang="zh-CN" altLang="en-US" b="0" dirty="0" smtClean="0"/>
-              <a:t>的问题</a:t>
-            </a:r>
-            <a:endParaRPr lang="zh-CN" altLang="en-US" b="0" dirty="0"/>
+              <a:t>需要注意的问题</a:t>
+            </a:r>
           </a:p>
         </p:txBody>
       </p:sp>
@@ -17552,41 +17047,27 @@
               <a:buChar char="•"/>
             </a:pPr>
             <a:r>
-              <a:rPr lang="zh-CN" altLang="en-US" sz="2000" dirty="0" smtClean="0">
-                <a:latin typeface="微软雅黑" panose="020B0503020204020204" pitchFamily="34" charset="-122"/>
-                <a:ea typeface="微软雅黑" panose="020B0503020204020204" pitchFamily="34" charset="-122"/>
-              </a:rPr>
-              <a:t>首先</a:t>
-            </a:r>
-            <a:r>
               <a:rPr lang="zh-CN" altLang="en-US" sz="2000" dirty="0">
                 <a:latin typeface="微软雅黑" panose="020B0503020204020204" pitchFamily="34" charset="-122"/>
                 <a:ea typeface="微软雅黑" panose="020B0503020204020204" pitchFamily="34" charset="-122"/>
               </a:rPr>
-              <a:t>就是</a:t>
-            </a:r>
-            <a:r>
-              <a:rPr lang="zh-CN" altLang="en-US" sz="2000" dirty="0" smtClean="0">
-                <a:latin typeface="微软雅黑" panose="020B0503020204020204" pitchFamily="34" charset="-122"/>
-                <a:ea typeface="微软雅黑" panose="020B0503020204020204" pitchFamily="34" charset="-122"/>
-              </a:rPr>
-              <a:t>要获取微信服务器的</a:t>
-            </a:r>
-            <a:r>
-              <a:rPr lang="en-US" altLang="zh-CN" sz="2000" dirty="0" smtClean="0">
+              <a:t>首先就是要获取微信服务器的</a:t>
+            </a:r>
+            <a:r>
+              <a:rPr lang="en-US" altLang="zh-CN" sz="2000" dirty="0">
                 <a:latin typeface="微软雅黑" panose="020B0503020204020204" pitchFamily="34" charset="-122"/>
                 <a:ea typeface="微软雅黑" panose="020B0503020204020204" pitchFamily="34" charset="-122"/>
               </a:rPr>
               <a:t>POST</a:t>
             </a:r>
             <a:r>
-              <a:rPr lang="zh-CN" altLang="en-US" sz="2000" dirty="0" smtClean="0">
+              <a:rPr lang="zh-CN" altLang="en-US" sz="2000" dirty="0">
                 <a:latin typeface="微软雅黑" panose="020B0503020204020204" pitchFamily="34" charset="-122"/>
                 <a:ea typeface="微软雅黑" panose="020B0503020204020204" pitchFamily="34" charset="-122"/>
               </a:rPr>
               <a:t>数据流。</a:t>
             </a:r>
-            <a:endParaRPr lang="en-US" altLang="zh-CN" sz="2000" dirty="0" smtClean="0">
+            <a:endParaRPr lang="en-US" altLang="zh-CN" sz="2000" dirty="0">
               <a:latin typeface="微软雅黑" panose="020B0503020204020204" pitchFamily="34" charset="-122"/>
               <a:ea typeface="微软雅黑" panose="020B0503020204020204" pitchFamily="34" charset="-122"/>
             </a:endParaRPr>
@@ -17604,30 +17085,23 @@
                 <a:latin typeface="微软雅黑" panose="020B0503020204020204" pitchFamily="34" charset="-122"/>
                 <a:ea typeface="微软雅黑" panose="020B0503020204020204" pitchFamily="34" charset="-122"/>
               </a:rPr>
-              <a:t>获取</a:t>
-            </a:r>
-            <a:r>
-              <a:rPr lang="zh-CN" altLang="en-US" sz="2000" dirty="0" smtClean="0">
-                <a:latin typeface="微软雅黑" panose="020B0503020204020204" pitchFamily="34" charset="-122"/>
-                <a:ea typeface="微软雅黑" panose="020B0503020204020204" pitchFamily="34" charset="-122"/>
-              </a:rPr>
-              <a:t>的方式因为</a:t>
-            </a:r>
-            <a:r>
-              <a:rPr lang="en-US" altLang="zh-CN" sz="2000" dirty="0" smtClean="0">
+              <a:t>获取的方式因为</a:t>
+            </a:r>
+            <a:r>
+              <a:rPr lang="en-US" altLang="zh-CN" sz="2000" dirty="0">
                 <a:latin typeface="微软雅黑" panose="020B0503020204020204" pitchFamily="34" charset="-122"/>
                 <a:ea typeface="微软雅黑" panose="020B0503020204020204" pitchFamily="34" charset="-122"/>
               </a:rPr>
               <a:t>PHP</a:t>
             </a:r>
             <a:r>
-              <a:rPr lang="zh-CN" altLang="en-US" sz="2000" dirty="0" smtClean="0">
+              <a:rPr lang="zh-CN" altLang="en-US" sz="2000" dirty="0">
                 <a:latin typeface="微软雅黑" panose="020B0503020204020204" pitchFamily="34" charset="-122"/>
                 <a:ea typeface="微软雅黑" panose="020B0503020204020204" pitchFamily="34" charset="-122"/>
               </a:rPr>
               <a:t>版本不同而有所区别。</a:t>
             </a:r>
-            <a:endParaRPr lang="en-US" altLang="zh-CN" sz="2000" dirty="0" smtClean="0">
+            <a:endParaRPr lang="en-US" altLang="zh-CN" sz="2000" dirty="0">
               <a:latin typeface="微软雅黑" panose="020B0503020204020204" pitchFamily="34" charset="-122"/>
               <a:ea typeface="微软雅黑" panose="020B0503020204020204" pitchFamily="34" charset="-122"/>
             </a:endParaRPr>
@@ -17641,27 +17115,27 @@
               <a:buChar char="•"/>
             </a:pPr>
             <a:r>
-              <a:rPr lang="zh-CN" altLang="en-US" sz="2000" dirty="0" smtClean="0">
+              <a:rPr lang="zh-CN" altLang="en-US" sz="2000" dirty="0">
                 <a:latin typeface="微软雅黑" panose="020B0503020204020204" pitchFamily="34" charset="-122"/>
                 <a:ea typeface="微软雅黑" panose="020B0503020204020204" pitchFamily="34" charset="-122"/>
               </a:rPr>
               <a:t>注意</a:t>
             </a:r>
             <a:r>
-              <a:rPr lang="en-US" altLang="zh-CN" sz="2000" dirty="0" smtClean="0">
+              <a:rPr lang="en-US" altLang="zh-CN" sz="2000" dirty="0">
                 <a:latin typeface="微软雅黑" panose="020B0503020204020204" pitchFamily="34" charset="-122"/>
                 <a:ea typeface="微软雅黑" panose="020B0503020204020204" pitchFamily="34" charset="-122"/>
               </a:rPr>
               <a:t>PHP</a:t>
             </a:r>
             <a:r>
-              <a:rPr lang="zh-CN" altLang="en-US" sz="2000" dirty="0" smtClean="0">
+              <a:rPr lang="zh-CN" altLang="en-US" sz="2000" dirty="0">
                 <a:latin typeface="微软雅黑" panose="020B0503020204020204" pitchFamily="34" charset="-122"/>
                 <a:ea typeface="微软雅黑" panose="020B0503020204020204" pitchFamily="34" charset="-122"/>
               </a:rPr>
               <a:t>版本区别：</a:t>
             </a:r>
-            <a:endParaRPr lang="en-US" altLang="zh-CN" sz="2000" dirty="0" smtClean="0">
+            <a:endParaRPr lang="en-US" altLang="zh-CN" sz="2000" dirty="0">
               <a:latin typeface="微软雅黑" panose="020B0503020204020204" pitchFamily="34" charset="-122"/>
               <a:ea typeface="微软雅黑" panose="020B0503020204020204" pitchFamily="34" charset="-122"/>
             </a:endParaRPr>
@@ -17691,23 +17165,16 @@
                 <a:latin typeface="微软雅黑" panose="020B0503020204020204" pitchFamily="34" charset="-122"/>
                 <a:ea typeface="微软雅黑" panose="020B0503020204020204" pitchFamily="34" charset="-122"/>
               </a:rPr>
-              <a:t> = $GLOBALS</a:t>
-            </a:r>
-            <a:r>
-              <a:rPr lang="en-US" altLang="zh-CN" sz="2000" dirty="0" smtClean="0">
-                <a:latin typeface="微软雅黑" panose="020B0503020204020204" pitchFamily="34" charset="-122"/>
-                <a:ea typeface="微软雅黑" panose="020B0503020204020204" pitchFamily="34" charset="-122"/>
-              </a:rPr>
-              <a:t>[“HTTP_RAW_POST_DATA”];  //php5.6</a:t>
-            </a:r>
-            <a:r>
-              <a:rPr lang="zh-CN" altLang="en-US" sz="2000" dirty="0" smtClean="0">
+              <a:t> = $GLOBALS[“HTTP_RAW_POST_DATA”];  //php5.6</a:t>
+            </a:r>
+            <a:r>
+              <a:rPr lang="zh-CN" altLang="en-US" sz="2000" dirty="0">
                 <a:latin typeface="微软雅黑" panose="020B0503020204020204" pitchFamily="34" charset="-122"/>
                 <a:ea typeface="微软雅黑" panose="020B0503020204020204" pitchFamily="34" charset="-122"/>
               </a:rPr>
               <a:t>以前的版本</a:t>
             </a:r>
-            <a:endParaRPr lang="en-US" altLang="zh-CN" sz="2000" dirty="0" smtClean="0">
+            <a:endParaRPr lang="en-US" altLang="zh-CN" sz="2000" dirty="0">
               <a:latin typeface="微软雅黑" panose="020B0503020204020204" pitchFamily="34" charset="-122"/>
               <a:ea typeface="微软雅黑" panose="020B0503020204020204" pitchFamily="34" charset="-122"/>
             </a:endParaRPr>
@@ -17765,14 +17232,7 @@
                 <a:latin typeface="微软雅黑" panose="020B0503020204020204" pitchFamily="34" charset="-122"/>
                 <a:ea typeface="微软雅黑" panose="020B0503020204020204" pitchFamily="34" charset="-122"/>
               </a:rPr>
-              <a:t>://input', 'r</a:t>
-            </a:r>
-            <a:r>
-              <a:rPr lang="en-US" altLang="zh-CN" sz="2000" dirty="0" smtClean="0">
-                <a:latin typeface="微软雅黑" panose="020B0503020204020204" pitchFamily="34" charset="-122"/>
-                <a:ea typeface="微软雅黑" panose="020B0503020204020204" pitchFamily="34" charset="-122"/>
-              </a:rPr>
-              <a:t>'); //php7</a:t>
+              <a:t>://input', 'r'); //php7</a:t>
             </a:r>
             <a:endParaRPr lang="zh-CN" altLang="en-US" sz="2000" dirty="0">
               <a:latin typeface="微软雅黑" panose="020B0503020204020204" pitchFamily="34" charset="-122"/>
@@ -17791,13 +17251,6 @@
   <p:clrMapOvr>
     <a:masterClrMapping/>
   </p:clrMapOvr>
-  <p:timing>
-    <p:tnLst>
-      <p:par>
-        <p:cTn id="1" dur="indefinite" restart="never" nodeType="tmRoot"/>
-      </p:par>
-    </p:tnLst>
-  </p:timing>
 </p:sld>
 </file>
 
@@ -17839,10 +17292,9 @@
           <a:lstStyle/>
           <a:p>
             <a:r>
-              <a:rPr lang="zh-CN" altLang="en-US" b="0" dirty="0" smtClean="0"/>
+              <a:rPr lang="zh-CN" altLang="en-US" b="0" dirty="0"/>
               <a:t>第三节 微信调试工具</a:t>
             </a:r>
-            <a:endParaRPr lang="zh-CN" altLang="en-US" b="0" dirty="0"/>
           </a:p>
         </p:txBody>
       </p:sp>
@@ -17876,7 +17328,7 @@
               <a:buAutoNum type="ea1JpnChsDbPeriod"/>
             </a:pPr>
             <a:r>
-              <a:rPr lang="zh-CN" altLang="en-US" sz="2400" dirty="0" smtClean="0">
+              <a:rPr lang="zh-CN" altLang="en-US" sz="2400" dirty="0">
                 <a:solidFill>
                   <a:schemeClr val="tx2">
                     <a:lumMod val="60000"/>
@@ -17973,13 +17425,6 @@
   <p:clrMapOvr>
     <a:masterClrMapping/>
   </p:clrMapOvr>
-  <p:timing>
-    <p:tnLst>
-      <p:par>
-        <p:cTn id="1" dur="indefinite" restart="never" nodeType="tmRoot"/>
-      </p:par>
-    </p:tnLst>
-  </p:timing>
 </p:sld>
 </file>
 
@@ -18017,13 +17462,8 @@
           <a:p>
             <a:r>
               <a:rPr lang="zh-CN" altLang="en-US" b="0" dirty="0"/>
-              <a:t>开发</a:t>
-            </a:r>
-            <a:r>
-              <a:rPr lang="zh-CN" altLang="en-US" b="0" dirty="0" smtClean="0"/>
-              <a:t>者服务器端调试</a:t>
-            </a:r>
-            <a:endParaRPr lang="zh-CN" altLang="en-US" b="0" dirty="0"/>
+              <a:t>开发者服务器端调试</a:t>
+            </a:r>
           </a:p>
         </p:txBody>
       </p:sp>
@@ -18061,16 +17501,9 @@
                 <a:latin typeface="微软雅黑" panose="020B0503020204020204" pitchFamily="34" charset="-122"/>
                 <a:ea typeface="微软雅黑" panose="020B0503020204020204" pitchFamily="34" charset="-122"/>
               </a:rPr>
-              <a:t>微信在线调试</a:t>
-            </a:r>
-            <a:r>
-              <a:rPr lang="zh-CN" altLang="en-US" sz="2000" dirty="0" smtClean="0">
-                <a:latin typeface="微软雅黑" panose="020B0503020204020204" pitchFamily="34" charset="-122"/>
-                <a:ea typeface="微软雅黑" panose="020B0503020204020204" pitchFamily="34" charset="-122"/>
-              </a:rPr>
-              <a:t>工具。</a:t>
-            </a:r>
-            <a:endParaRPr lang="en-US" altLang="zh-CN" sz="2000" dirty="0" smtClean="0">
+              <a:t>微信在线调试工具。</a:t>
+            </a:r>
+            <a:endParaRPr lang="en-US" altLang="zh-CN" sz="2000" dirty="0">
               <a:latin typeface="微软雅黑" panose="020B0503020204020204" pitchFamily="34" charset="-122"/>
               <a:ea typeface="微软雅黑" panose="020B0503020204020204" pitchFamily="34" charset="-122"/>
             </a:endParaRPr>
@@ -18084,27 +17517,13 @@
               <a:buChar char="•"/>
             </a:pPr>
             <a:r>
-              <a:rPr lang="zh-CN" altLang="en-US" sz="2000" dirty="0" smtClean="0">
-                <a:latin typeface="微软雅黑" panose="020B0503020204020204" pitchFamily="34" charset="-122"/>
-                <a:ea typeface="微软雅黑" panose="020B0503020204020204" pitchFamily="34" charset="-122"/>
-              </a:rPr>
-              <a:t>使用</a:t>
-            </a:r>
-            <a:r>
               <a:rPr lang="zh-CN" altLang="en-US" sz="2000" dirty="0">
                 <a:latin typeface="微软雅黑" panose="020B0503020204020204" pitchFamily="34" charset="-122"/>
                 <a:ea typeface="微软雅黑" panose="020B0503020204020204" pitchFamily="34" charset="-122"/>
               </a:rPr>
-              <a:t>文件记录</a:t>
-            </a:r>
-            <a:r>
-              <a:rPr lang="zh-CN" altLang="en-US" sz="2000" dirty="0" smtClean="0">
-                <a:latin typeface="微软雅黑" panose="020B0503020204020204" pitchFamily="34" charset="-122"/>
-                <a:ea typeface="微软雅黑" panose="020B0503020204020204" pitchFamily="34" charset="-122"/>
-              </a:rPr>
-              <a:t>错误信息。</a:t>
-            </a:r>
-            <a:endParaRPr lang="en-US" altLang="zh-CN" sz="2000" dirty="0" smtClean="0">
+              <a:t>使用文件记录错误信息。</a:t>
+            </a:r>
+            <a:endParaRPr lang="en-US" altLang="zh-CN" sz="2000" dirty="0">
               <a:latin typeface="微软雅黑" panose="020B0503020204020204" pitchFamily="34" charset="-122"/>
               <a:ea typeface="微软雅黑" panose="020B0503020204020204" pitchFamily="34" charset="-122"/>
             </a:endParaRPr>
@@ -18118,27 +17537,27 @@
               <a:buChar char="•"/>
             </a:pPr>
             <a:r>
-              <a:rPr lang="zh-CN" altLang="en-US" sz="2000" dirty="0" smtClean="0">
+              <a:rPr lang="zh-CN" altLang="en-US" sz="2000" dirty="0">
                 <a:latin typeface="微软雅黑" panose="020B0503020204020204" pitchFamily="34" charset="-122"/>
                 <a:ea typeface="微软雅黑" panose="020B0503020204020204" pitchFamily="34" charset="-122"/>
               </a:rPr>
               <a:t>使用错误日志函数</a:t>
             </a:r>
             <a:r>
-              <a:rPr lang="en-US" altLang="zh-CN" sz="2000" dirty="0" err="1" smtClean="0">
+              <a:rPr lang="en-US" altLang="zh-CN" sz="2000" dirty="0" err="1">
                 <a:latin typeface="微软雅黑" panose="020B0503020204020204" pitchFamily="34" charset="-122"/>
                 <a:ea typeface="微软雅黑" panose="020B0503020204020204" pitchFamily="34" charset="-122"/>
               </a:rPr>
               <a:t>error_log</a:t>
             </a:r>
             <a:r>
-              <a:rPr lang="zh-CN" altLang="en-US" sz="2000" dirty="0" smtClean="0">
+              <a:rPr lang="zh-CN" altLang="en-US" sz="2000" dirty="0">
                 <a:latin typeface="微软雅黑" panose="020B0503020204020204" pitchFamily="34" charset="-122"/>
                 <a:ea typeface="微软雅黑" panose="020B0503020204020204" pitchFamily="34" charset="-122"/>
               </a:rPr>
               <a:t>记录信息。</a:t>
             </a:r>
-            <a:endParaRPr lang="en-US" altLang="zh-CN" sz="2000" dirty="0" smtClean="0">
+            <a:endParaRPr lang="en-US" altLang="zh-CN" sz="2000" dirty="0">
               <a:latin typeface="微软雅黑" panose="020B0503020204020204" pitchFamily="34" charset="-122"/>
               <a:ea typeface="微软雅黑" panose="020B0503020204020204" pitchFamily="34" charset="-122"/>
             </a:endParaRPr>
@@ -18152,13 +17571,13 @@
               <a:buChar char="•"/>
             </a:pPr>
             <a:r>
-              <a:rPr lang="zh-CN" altLang="en-US" sz="2000" dirty="0" smtClean="0">
+              <a:rPr lang="zh-CN" altLang="en-US" sz="2000" dirty="0">
                 <a:latin typeface="微软雅黑" panose="020B0503020204020204" pitchFamily="34" charset="-122"/>
                 <a:ea typeface="微软雅黑" panose="020B0503020204020204" pitchFamily="34" charset="-122"/>
               </a:rPr>
               <a:t>数据库记录。</a:t>
             </a:r>
-            <a:endParaRPr lang="en-US" altLang="zh-CN" sz="2000" dirty="0" smtClean="0">
+            <a:endParaRPr lang="en-US" altLang="zh-CN" sz="2000" dirty="0">
               <a:latin typeface="微软雅黑" panose="020B0503020204020204" pitchFamily="34" charset="-122"/>
               <a:ea typeface="微软雅黑" panose="020B0503020204020204" pitchFamily="34" charset="-122"/>
             </a:endParaRPr>
@@ -18172,25 +17591,18 @@
               <a:buChar char="•"/>
             </a:pPr>
             <a:r>
-              <a:rPr lang="en-US" altLang="zh-CN" sz="2000" dirty="0" smtClean="0">
+              <a:rPr lang="en-US" altLang="zh-CN" sz="2000" dirty="0">
                 <a:latin typeface="微软雅黑" panose="020B0503020204020204" pitchFamily="34" charset="-122"/>
                 <a:ea typeface="微软雅黑" panose="020B0503020204020204" pitchFamily="34" charset="-122"/>
               </a:rPr>
               <a:t>Monolog</a:t>
             </a:r>
             <a:r>
-              <a:rPr lang="zh-CN" altLang="en-US" sz="2000" dirty="0" smtClean="0">
-                <a:latin typeface="微软雅黑" panose="020B0503020204020204" pitchFamily="34" charset="-122"/>
-                <a:ea typeface="微软雅黑" panose="020B0503020204020204" pitchFamily="34" charset="-122"/>
-              </a:rPr>
-              <a:t>开源</a:t>
-            </a:r>
-            <a:r>
-              <a:rPr lang="zh-CN" altLang="en-US" sz="2000" dirty="0" smtClean="0">
-                <a:latin typeface="微软雅黑" panose="020B0503020204020204" pitchFamily="34" charset="-122"/>
-                <a:ea typeface="微软雅黑" panose="020B0503020204020204" pitchFamily="34" charset="-122"/>
-              </a:rPr>
-              <a:t>日志库</a:t>
+              <a:rPr lang="zh-CN" altLang="en-US" sz="2000" dirty="0">
+                <a:latin typeface="微软雅黑" panose="020B0503020204020204" pitchFamily="34" charset="-122"/>
+                <a:ea typeface="微软雅黑" panose="020B0503020204020204" pitchFamily="34" charset="-122"/>
+              </a:rPr>
+              <a:t>开源日志库</a:t>
             </a:r>
           </a:p>
         </p:txBody>
@@ -18205,13 +17617,6 @@
   <p:clrMapOvr>
     <a:masterClrMapping/>
   </p:clrMapOvr>
-  <p:timing>
-    <p:tnLst>
-      <p:par>
-        <p:cTn id="1" dur="indefinite" restart="never" nodeType="tmRoot"/>
-      </p:par>
-    </p:tnLst>
-  </p:timing>
 </p:sld>
 </file>
 
@@ -18253,10 +17658,9 @@
           <a:lstStyle/>
           <a:p>
             <a:r>
-              <a:rPr lang="zh-CN" altLang="en-US" dirty="0" smtClean="0"/>
+              <a:rPr lang="zh-CN" altLang="en-US" b="0" dirty="0"/>
               <a:t>与普通开发调试的区别</a:t>
             </a:r>
-            <a:endParaRPr lang="zh-CN" altLang="en-US" dirty="0"/>
           </a:p>
         </p:txBody>
       </p:sp>
@@ -18290,27 +17694,27 @@
               <a:buChar char="•"/>
             </a:pPr>
             <a:r>
-              <a:rPr lang="zh-CN" altLang="en-US" sz="2000" dirty="0" smtClean="0">
+              <a:rPr lang="zh-CN" altLang="en-US" sz="2000" dirty="0">
                 <a:latin typeface="微软雅黑" panose="020B0503020204020204" pitchFamily="34" charset="-122"/>
                 <a:ea typeface="微软雅黑" panose="020B0503020204020204" pitchFamily="34" charset="-122"/>
               </a:rPr>
               <a:t>为什么不能用</a:t>
             </a:r>
             <a:r>
-              <a:rPr lang="en-US" altLang="zh-CN" sz="2000" dirty="0" smtClean="0">
+              <a:rPr lang="en-US" altLang="zh-CN" sz="2000" dirty="0">
                 <a:latin typeface="微软雅黑" panose="020B0503020204020204" pitchFamily="34" charset="-122"/>
                 <a:ea typeface="微软雅黑" panose="020B0503020204020204" pitchFamily="34" charset="-122"/>
               </a:rPr>
               <a:t>echo</a:t>
             </a:r>
             <a:r>
-              <a:rPr lang="zh-CN" altLang="en-US" sz="2000" dirty="0" smtClean="0">
+              <a:rPr lang="zh-CN" altLang="en-US" sz="2000" dirty="0">
                 <a:latin typeface="微软雅黑" panose="020B0503020204020204" pitchFamily="34" charset="-122"/>
                 <a:ea typeface="微软雅黑" panose="020B0503020204020204" pitchFamily="34" charset="-122"/>
               </a:rPr>
               <a:t>输出错误信息的方式进行调试？</a:t>
             </a:r>
-            <a:endParaRPr lang="en-US" altLang="zh-CN" sz="2000" dirty="0" smtClean="0">
+            <a:endParaRPr lang="en-US" altLang="zh-CN" sz="2000" dirty="0">
               <a:latin typeface="微软雅黑" panose="020B0503020204020204" pitchFamily="34" charset="-122"/>
               <a:ea typeface="微软雅黑" panose="020B0503020204020204" pitchFamily="34" charset="-122"/>
             </a:endParaRPr>
@@ -18326,51 +17730,37 @@
                 <a:latin typeface="微软雅黑" panose="020B0503020204020204" pitchFamily="34" charset="-122"/>
                 <a:ea typeface="微软雅黑" panose="020B0503020204020204" pitchFamily="34" charset="-122"/>
               </a:rPr>
-              <a:t>与微</a:t>
-            </a:r>
-            <a:r>
-              <a:rPr lang="zh-CN" altLang="en-US" sz="2000" dirty="0" smtClean="0">
-                <a:latin typeface="微软雅黑" panose="020B0503020204020204" pitchFamily="34" charset="-122"/>
-                <a:ea typeface="微软雅黑" panose="020B0503020204020204" pitchFamily="34" charset="-122"/>
-              </a:rPr>
-              <a:t>信服务器通信，格式错误微信会收到错误提示</a:t>
+              <a:t>与微信服务器通信，格式错误微信会收到错误提示：</a:t>
+            </a:r>
+            <a:r>
+              <a:rPr lang="en-US" altLang="zh-CN" sz="2000" dirty="0">
+                <a:latin typeface="微软雅黑" panose="020B0503020204020204" pitchFamily="34" charset="-122"/>
+                <a:ea typeface="微软雅黑" panose="020B0503020204020204" pitchFamily="34" charset="-122"/>
+              </a:rPr>
+              <a:t>”</a:t>
             </a:r>
             <a:r>
               <a:rPr lang="zh-CN" altLang="en-US" sz="2000" dirty="0">
                 <a:latin typeface="微软雅黑" panose="020B0503020204020204" pitchFamily="34" charset="-122"/>
                 <a:ea typeface="微软雅黑" panose="020B0503020204020204" pitchFamily="34" charset="-122"/>
               </a:rPr>
-              <a:t>：</a:t>
-            </a:r>
-            <a:r>
-              <a:rPr lang="en-US" altLang="zh-CN" sz="2000" dirty="0" smtClean="0">
+              <a:t>改公众号暂时无法提供服务，请稍后再试</a:t>
+            </a:r>
+            <a:r>
+              <a:rPr lang="en-US" altLang="zh-CN" sz="2000" dirty="0">
                 <a:latin typeface="微软雅黑" panose="020B0503020204020204" pitchFamily="34" charset="-122"/>
                 <a:ea typeface="微软雅黑" panose="020B0503020204020204" pitchFamily="34" charset="-122"/>
               </a:rPr>
               <a:t>”</a:t>
             </a:r>
             <a:r>
-              <a:rPr lang="zh-CN" altLang="en-US" sz="2000" dirty="0" smtClean="0">
-                <a:latin typeface="微软雅黑" panose="020B0503020204020204" pitchFamily="34" charset="-122"/>
-                <a:ea typeface="微软雅黑" panose="020B0503020204020204" pitchFamily="34" charset="-122"/>
-              </a:rPr>
-              <a:t>改公众号暂时无法提供服务，请稍后再试</a:t>
-            </a:r>
-            <a:r>
-              <a:rPr lang="en-US" altLang="zh-CN" sz="2000" dirty="0" smtClean="0">
-                <a:latin typeface="微软雅黑" panose="020B0503020204020204" pitchFamily="34" charset="-122"/>
-                <a:ea typeface="微软雅黑" panose="020B0503020204020204" pitchFamily="34" charset="-122"/>
-              </a:rPr>
-              <a:t>”</a:t>
-            </a:r>
-            <a:r>
-              <a:rPr lang="zh-CN" altLang="en-US" sz="2000" dirty="0" smtClean="0">
+              <a:rPr lang="zh-CN" altLang="en-US" sz="2000" dirty="0">
                 <a:latin typeface="微软雅黑" panose="020B0503020204020204" pitchFamily="34" charset="-122"/>
                 <a:ea typeface="微软雅黑" panose="020B0503020204020204" pitchFamily="34" charset="-122"/>
               </a:rPr>
               <a:t>，无法查看调试信息。这时候需要把错误信息记录到本地文件上。或者是使用微信提供的调试工具。</a:t>
             </a:r>
-            <a:endParaRPr lang="en-US" altLang="zh-CN" sz="2000" dirty="0" smtClean="0">
+            <a:endParaRPr lang="en-US" altLang="zh-CN" sz="2000" dirty="0">
               <a:latin typeface="微软雅黑" panose="020B0503020204020204" pitchFamily="34" charset="-122"/>
               <a:ea typeface="微软雅黑" panose="020B0503020204020204" pitchFamily="34" charset="-122"/>
             </a:endParaRPr>
@@ -18384,13 +17774,13 @@
               <a:buChar char="•"/>
             </a:pPr>
             <a:r>
-              <a:rPr lang="zh-CN" altLang="en-US" sz="2000" dirty="0" smtClean="0">
+              <a:rPr lang="zh-CN" altLang="en-US" sz="2000" dirty="0">
                 <a:latin typeface="微软雅黑" panose="020B0503020204020204" pitchFamily="34" charset="-122"/>
                 <a:ea typeface="微软雅黑" panose="020B0503020204020204" pitchFamily="34" charset="-122"/>
               </a:rPr>
               <a:t>另一个需要注意的问题是：</a:t>
             </a:r>
-            <a:endParaRPr lang="en-US" altLang="zh-CN" sz="2000" dirty="0" smtClean="0">
+            <a:endParaRPr lang="en-US" altLang="zh-CN" sz="2000" dirty="0">
               <a:latin typeface="微软雅黑" panose="020B0503020204020204" pitchFamily="34" charset="-122"/>
               <a:ea typeface="微软雅黑" panose="020B0503020204020204" pitchFamily="34" charset="-122"/>
             </a:endParaRPr>
@@ -18402,27 +17792,13 @@
               </a:lnSpc>
             </a:pPr>
             <a:r>
-              <a:rPr lang="zh-CN" altLang="en-US" sz="2000" dirty="0" smtClean="0">
-                <a:latin typeface="微软雅黑" panose="020B0503020204020204" pitchFamily="34" charset="-122"/>
-                <a:ea typeface="微软雅黑" panose="020B0503020204020204" pitchFamily="34" charset="-122"/>
-              </a:rPr>
-              <a:t>微信接口调试工具只能调试接口问题，</a:t>
-            </a:r>
-            <a:r>
               <a:rPr lang="zh-CN" altLang="en-US" sz="2000" dirty="0">
                 <a:latin typeface="微软雅黑" panose="020B0503020204020204" pitchFamily="34" charset="-122"/>
                 <a:ea typeface="微软雅黑" panose="020B0503020204020204" pitchFamily="34" charset="-122"/>
               </a:rPr>
-              <a:t>如果是程序</a:t>
-            </a:r>
-            <a:r>
-              <a:rPr lang="zh-CN" altLang="en-US" sz="2000" dirty="0" smtClean="0">
-                <a:latin typeface="微软雅黑" panose="020B0503020204020204" pitchFamily="34" charset="-122"/>
-                <a:ea typeface="微软雅黑" panose="020B0503020204020204" pitchFamily="34" charset="-122"/>
-              </a:rPr>
-              <a:t>的其他问题，则需要其他的调试方法。</a:t>
-            </a:r>
-            <a:endParaRPr lang="en-US" altLang="zh-CN" sz="2000" dirty="0" smtClean="0">
+              <a:t>微信接口调试工具只能调试接口问题，如果是程序的其他问题，则需要其他的调试方法。</a:t>
+            </a:r>
+            <a:endParaRPr lang="en-US" altLang="zh-CN" sz="2000" dirty="0">
               <a:latin typeface="微软雅黑" panose="020B0503020204020204" pitchFamily="34" charset="-122"/>
               <a:ea typeface="微软雅黑" panose="020B0503020204020204" pitchFamily="34" charset="-122"/>
             </a:endParaRPr>
@@ -18439,13 +17815,6 @@
   <p:clrMapOvr>
     <a:masterClrMapping/>
   </p:clrMapOvr>
-  <p:timing>
-    <p:tnLst>
-      <p:par>
-        <p:cTn id="1" dur="indefinite" restart="never" nodeType="tmRoot"/>
-      </p:par>
-    </p:tnLst>
-  </p:timing>
 </p:sld>
 </file>
 
@@ -18482,10 +17851,9 @@
           <a:lstStyle/>
           <a:p>
             <a:r>
-              <a:rPr lang="zh-CN" altLang="en-US" dirty="0" smtClean="0"/>
+              <a:rPr lang="zh-CN" altLang="en-US" b="0" dirty="0"/>
               <a:t>微信在线调试工具</a:t>
             </a:r>
-            <a:endParaRPr lang="zh-CN" altLang="en-US" dirty="0"/>
           </a:p>
         </p:txBody>
       </p:sp>
@@ -18519,13 +17887,13 @@
               <a:buChar char="•"/>
             </a:pPr>
             <a:r>
-              <a:rPr lang="zh-CN" altLang="en-US" sz="2000" dirty="0" smtClean="0">
+              <a:rPr lang="zh-CN" altLang="en-US" sz="2000" dirty="0">
                 <a:latin typeface="微软雅黑" panose="020B0503020204020204" pitchFamily="34" charset="-122"/>
                 <a:ea typeface="微软雅黑" panose="020B0503020204020204" pitchFamily="34" charset="-122"/>
               </a:rPr>
               <a:t>登录微信公众平台后</a:t>
             </a:r>
-            <a:endParaRPr lang="en-US" altLang="zh-CN" sz="2000" dirty="0" smtClean="0">
+            <a:endParaRPr lang="en-US" altLang="zh-CN" sz="2000" dirty="0">
               <a:latin typeface="微软雅黑" panose="020B0503020204020204" pitchFamily="34" charset="-122"/>
               <a:ea typeface="微软雅黑" panose="020B0503020204020204" pitchFamily="34" charset="-122"/>
             </a:endParaRPr>
@@ -18539,13 +17907,13 @@
               <a:buChar char="•"/>
             </a:pPr>
             <a:r>
-              <a:rPr lang="zh-CN" altLang="en-US" sz="2000" dirty="0" smtClean="0">
+              <a:rPr lang="zh-CN" altLang="en-US" sz="2000" dirty="0">
                 <a:latin typeface="微软雅黑" panose="020B0503020204020204" pitchFamily="34" charset="-122"/>
                 <a:ea typeface="微软雅黑" panose="020B0503020204020204" pitchFamily="34" charset="-122"/>
               </a:rPr>
               <a:t>打开‘开发者工具’</a:t>
             </a:r>
-            <a:endParaRPr lang="en-US" altLang="zh-CN" sz="2000" dirty="0" smtClean="0">
+            <a:endParaRPr lang="en-US" altLang="zh-CN" sz="2000" dirty="0">
               <a:latin typeface="微软雅黑" panose="020B0503020204020204" pitchFamily="34" charset="-122"/>
               <a:ea typeface="微软雅黑" panose="020B0503020204020204" pitchFamily="34" charset="-122"/>
             </a:endParaRPr>
@@ -18563,16 +17931,9 @@
                 <a:latin typeface="微软雅黑" panose="020B0503020204020204" pitchFamily="34" charset="-122"/>
                 <a:ea typeface="微软雅黑" panose="020B0503020204020204" pitchFamily="34" charset="-122"/>
               </a:rPr>
-              <a:t>打开</a:t>
-            </a:r>
-            <a:r>
-              <a:rPr lang="zh-CN" altLang="en-US" sz="2000" dirty="0" smtClean="0">
-                <a:latin typeface="微软雅黑" panose="020B0503020204020204" pitchFamily="34" charset="-122"/>
-                <a:ea typeface="微软雅黑" panose="020B0503020204020204" pitchFamily="34" charset="-122"/>
-              </a:rPr>
-              <a:t>页面上的‘在线接口调试工具。</a:t>
-            </a:r>
-            <a:endParaRPr lang="en-US" altLang="zh-CN" sz="2000" dirty="0" smtClean="0">
+              <a:t>打开页面上的‘在线接口调试工具。</a:t>
+            </a:r>
+            <a:endParaRPr lang="en-US" altLang="zh-CN" sz="2000" dirty="0">
               <a:latin typeface="微软雅黑" panose="020B0503020204020204" pitchFamily="34" charset="-122"/>
               <a:ea typeface="微软雅黑" panose="020B0503020204020204" pitchFamily="34" charset="-122"/>
             </a:endParaRPr>
@@ -18586,16 +17947,12 @@
               <a:buChar char="•"/>
             </a:pPr>
             <a:r>
-              <a:rPr lang="zh-CN" altLang="en-US" sz="2000" dirty="0" smtClean="0">
+              <a:rPr lang="zh-CN" altLang="en-US" sz="2000" dirty="0">
                 <a:latin typeface="微软雅黑" panose="020B0503020204020204" pitchFamily="34" charset="-122"/>
                 <a:ea typeface="微软雅黑" panose="020B0503020204020204" pitchFamily="34" charset="-122"/>
               </a:rPr>
               <a:t>根据提示填写相关字段查看运行结果。</a:t>
             </a:r>
-            <a:endParaRPr lang="zh-CN" altLang="en-US" sz="2000" dirty="0">
-              <a:latin typeface="微软雅黑" panose="020B0503020204020204" pitchFamily="34" charset="-122"/>
-              <a:ea typeface="微软雅黑" panose="020B0503020204020204" pitchFamily="34" charset="-122"/>
-            </a:endParaRPr>
           </a:p>
         </p:txBody>
       </p:sp>
@@ -18639,13 +17996,6 @@
   <p:clrMapOvr>
     <a:masterClrMapping/>
   </p:clrMapOvr>
-  <p:timing>
-    <p:tnLst>
-      <p:par>
-        <p:cTn id="1" dur="indefinite" restart="never" nodeType="tmRoot"/>
-      </p:par>
-    </p:tnLst>
-  </p:timing>
 </p:sld>
 </file>
 
@@ -18687,10 +18037,9 @@
           <a:lstStyle/>
           <a:p>
             <a:r>
-              <a:rPr lang="zh-CN" altLang="en-US" dirty="0" smtClean="0"/>
+              <a:rPr lang="zh-CN" altLang="en-US" b="0" dirty="0"/>
               <a:t>创建文件记录错误信息</a:t>
             </a:r>
-            <a:endParaRPr lang="zh-CN" altLang="en-US" dirty="0"/>
           </a:p>
         </p:txBody>
       </p:sp>
@@ -18724,13 +18073,13 @@
               <a:buChar char="•"/>
             </a:pPr>
             <a:r>
-              <a:rPr lang="zh-CN" altLang="en-US" sz="2000" dirty="0" smtClean="0">
+              <a:rPr lang="zh-CN" altLang="en-US" sz="2000" dirty="0">
                 <a:latin typeface="微软雅黑" panose="020B0503020204020204" pitchFamily="34" charset="-122"/>
                 <a:ea typeface="微软雅黑" panose="020B0503020204020204" pitchFamily="34" charset="-122"/>
               </a:rPr>
               <a:t>在指定路径创建文件。</a:t>
             </a:r>
-            <a:endParaRPr lang="en-US" altLang="zh-CN" sz="2000" dirty="0" smtClean="0">
+            <a:endParaRPr lang="en-US" altLang="zh-CN" sz="2000" dirty="0">
               <a:latin typeface="微软雅黑" panose="020B0503020204020204" pitchFamily="34" charset="-122"/>
               <a:ea typeface="微软雅黑" panose="020B0503020204020204" pitchFamily="34" charset="-122"/>
             </a:endParaRPr>
@@ -18744,13 +18093,13 @@
               <a:buChar char="•"/>
             </a:pPr>
             <a:r>
-              <a:rPr lang="zh-CN" altLang="en-US" sz="2000" dirty="0" smtClean="0">
+              <a:rPr lang="zh-CN" altLang="en-US" sz="2000" dirty="0">
                 <a:latin typeface="微软雅黑" panose="020B0503020204020204" pitchFamily="34" charset="-122"/>
                 <a:ea typeface="微软雅黑" panose="020B0503020204020204" pitchFamily="34" charset="-122"/>
               </a:rPr>
               <a:t>每次把需要的信息写入文件。</a:t>
             </a:r>
-            <a:endParaRPr lang="en-US" altLang="zh-CN" sz="2000" dirty="0" smtClean="0">
+            <a:endParaRPr lang="en-US" altLang="zh-CN" sz="2000" dirty="0">
               <a:latin typeface="微软雅黑" panose="020B0503020204020204" pitchFamily="34" charset="-122"/>
               <a:ea typeface="微软雅黑" panose="020B0503020204020204" pitchFamily="34" charset="-122"/>
             </a:endParaRPr>
@@ -18764,13 +18113,13 @@
               <a:buChar char="•"/>
             </a:pPr>
             <a:r>
-              <a:rPr lang="zh-CN" altLang="en-US" sz="2000" dirty="0" smtClean="0">
+              <a:rPr lang="zh-CN" altLang="en-US" sz="2000" dirty="0">
                 <a:latin typeface="微软雅黑" panose="020B0503020204020204" pitchFamily="34" charset="-122"/>
                 <a:ea typeface="微软雅黑" panose="020B0503020204020204" pitchFamily="34" charset="-122"/>
               </a:rPr>
               <a:t>如果未发现文件或信息没有写入说明在这之前程序处理有问题。</a:t>
             </a:r>
-            <a:endParaRPr lang="en-US" altLang="zh-CN" sz="2000" dirty="0" smtClean="0">
+            <a:endParaRPr lang="en-US" altLang="zh-CN" sz="2000" dirty="0">
               <a:latin typeface="微软雅黑" panose="020B0503020204020204" pitchFamily="34" charset="-122"/>
               <a:ea typeface="微软雅黑" panose="020B0503020204020204" pitchFamily="34" charset="-122"/>
             </a:endParaRPr>
@@ -18784,41 +18133,27 @@
               <a:buChar char="•"/>
             </a:pPr>
             <a:r>
-              <a:rPr lang="zh-CN" altLang="en-US" sz="2000" dirty="0" smtClean="0">
+              <a:rPr lang="zh-CN" altLang="en-US" sz="2000" dirty="0">
                 <a:latin typeface="微软雅黑" panose="020B0503020204020204" pitchFamily="34" charset="-122"/>
                 <a:ea typeface="微软雅黑" panose="020B0503020204020204" pitchFamily="34" charset="-122"/>
               </a:rPr>
               <a:t>使用</a:t>
             </a:r>
             <a:r>
-              <a:rPr lang="en-US" altLang="zh-CN" sz="2000" dirty="0" err="1" smtClean="0">
+              <a:rPr lang="en-US" altLang="zh-CN" sz="2000" dirty="0" err="1">
                 <a:latin typeface="微软雅黑" panose="020B0503020204020204" pitchFamily="34" charset="-122"/>
                 <a:ea typeface="微软雅黑" panose="020B0503020204020204" pitchFamily="34" charset="-122"/>
               </a:rPr>
               <a:t>file_put_contents</a:t>
             </a:r>
             <a:r>
-              <a:rPr lang="zh-CN" altLang="en-US" sz="2000" dirty="0" smtClean="0">
-                <a:latin typeface="微软雅黑" panose="020B0503020204020204" pitchFamily="34" charset="-122"/>
-                <a:ea typeface="微软雅黑" panose="020B0503020204020204" pitchFamily="34" charset="-122"/>
-              </a:rPr>
-              <a:t>函数</a:t>
-            </a:r>
-            <a:r>
               <a:rPr lang="zh-CN" altLang="en-US" sz="2000" dirty="0">
                 <a:latin typeface="微软雅黑" panose="020B0503020204020204" pitchFamily="34" charset="-122"/>
                 <a:ea typeface="微软雅黑" panose="020B0503020204020204" pitchFamily="34" charset="-122"/>
               </a:rPr>
-              <a:t>写入信息</a:t>
-            </a:r>
-            <a:r>
-              <a:rPr lang="zh-CN" altLang="en-US" sz="2000" dirty="0" smtClean="0">
-                <a:latin typeface="微软雅黑" panose="020B0503020204020204" pitchFamily="34" charset="-122"/>
-                <a:ea typeface="微软雅黑" panose="020B0503020204020204" pitchFamily="34" charset="-122"/>
-              </a:rPr>
-              <a:t>。</a:t>
-            </a:r>
-            <a:endParaRPr lang="en-US" altLang="zh-CN" sz="2000" dirty="0" smtClean="0">
+              <a:t>函数写入信息。</a:t>
+            </a:r>
+            <a:endParaRPr lang="en-US" altLang="zh-CN" sz="2000" dirty="0">
               <a:latin typeface="微软雅黑" panose="020B0503020204020204" pitchFamily="34" charset="-122"/>
               <a:ea typeface="微软雅黑" panose="020B0503020204020204" pitchFamily="34" charset="-122"/>
             </a:endParaRPr>
@@ -18835,13 +18170,6 @@
   <p:clrMapOvr>
     <a:masterClrMapping/>
   </p:clrMapOvr>
-  <p:timing>
-    <p:tnLst>
-      <p:par>
-        <p:cTn id="1" dur="indefinite" restart="never" nodeType="tmRoot"/>
-      </p:par>
-    </p:tnLst>
-  </p:timing>
 </p:sld>
 </file>
 
@@ -18884,17 +18212,12 @@
           <a:p>
             <a:r>
               <a:rPr lang="en-US" altLang="zh-CN" b="0" dirty="0" err="1"/>
-              <a:t>e</a:t>
-            </a:r>
-            <a:r>
-              <a:rPr lang="en-US" altLang="zh-CN" b="0" dirty="0" err="1" smtClean="0"/>
-              <a:t>rror_log</a:t>
-            </a:r>
-            <a:r>
-              <a:rPr lang="zh-CN" altLang="en-US" b="0" dirty="0" smtClean="0"/>
+              <a:t>error_log</a:t>
+            </a:r>
+            <a:r>
+              <a:rPr lang="zh-CN" altLang="en-US" b="0" dirty="0"/>
               <a:t>错误日志函数</a:t>
             </a:r>
-            <a:endParaRPr lang="zh-CN" altLang="en-US" b="0" dirty="0"/>
           </a:p>
         </p:txBody>
       </p:sp>
@@ -18928,34 +18251,34 @@
               <a:buChar char="•"/>
             </a:pPr>
             <a:r>
-              <a:rPr lang="en-US" altLang="zh-CN" sz="2000" dirty="0" smtClean="0">
+              <a:rPr lang="en-US" altLang="zh-CN" sz="2000" dirty="0">
                 <a:latin typeface="微软雅黑" panose="020B0503020204020204" pitchFamily="34" charset="-122"/>
                 <a:ea typeface="微软雅黑" panose="020B0503020204020204" pitchFamily="34" charset="-122"/>
               </a:rPr>
               <a:t>PHP</a:t>
             </a:r>
             <a:r>
-              <a:rPr lang="zh-CN" altLang="en-US" sz="2000" dirty="0" smtClean="0">
+              <a:rPr lang="zh-CN" altLang="en-US" sz="2000" dirty="0">
                 <a:latin typeface="微软雅黑" panose="020B0503020204020204" pitchFamily="34" charset="-122"/>
                 <a:ea typeface="微软雅黑" panose="020B0503020204020204" pitchFamily="34" charset="-122"/>
               </a:rPr>
               <a:t>的</a:t>
             </a:r>
             <a:r>
-              <a:rPr lang="en-US" altLang="zh-CN" sz="2000" dirty="0" err="1" smtClean="0">
+              <a:rPr lang="en-US" altLang="zh-CN" sz="2000" dirty="0" err="1">
                 <a:latin typeface="微软雅黑" panose="020B0503020204020204" pitchFamily="34" charset="-122"/>
                 <a:ea typeface="微软雅黑" panose="020B0503020204020204" pitchFamily="34" charset="-122"/>
               </a:rPr>
               <a:t>error_log</a:t>
             </a:r>
             <a:r>
-              <a:rPr lang="zh-CN" altLang="en-US" sz="2000" dirty="0" smtClean="0">
+              <a:rPr lang="zh-CN" altLang="en-US" sz="2000" dirty="0">
                 <a:latin typeface="微软雅黑" panose="020B0503020204020204" pitchFamily="34" charset="-122"/>
                 <a:ea typeface="微软雅黑" panose="020B0503020204020204" pitchFamily="34" charset="-122"/>
               </a:rPr>
               <a:t>函数用于发送错误消息。</a:t>
             </a:r>
-            <a:endParaRPr lang="en-US" altLang="zh-CN" sz="2000" dirty="0" smtClean="0">
+            <a:endParaRPr lang="en-US" altLang="zh-CN" sz="2000" dirty="0">
               <a:latin typeface="微软雅黑" panose="020B0503020204020204" pitchFamily="34" charset="-122"/>
               <a:ea typeface="微软雅黑" panose="020B0503020204020204" pitchFamily="34" charset="-122"/>
             </a:endParaRPr>
@@ -18973,80 +18296,73 @@
                 <a:latin typeface="Malgun Gothic" panose="020B0503020000020004" pitchFamily="34" charset="-127"/>
                 <a:ea typeface="Malgun Gothic" panose="020B0503020000020004" pitchFamily="34" charset="-127"/>
               </a:rPr>
-              <a:t>b</a:t>
-            </a:r>
-            <a:r>
-              <a:rPr lang="en-US" altLang="zh-CN" dirty="0" smtClean="0">
+              <a:t>bool </a:t>
+            </a:r>
+            <a:r>
+              <a:rPr lang="en-US" altLang="zh-CN" dirty="0" err="1">
                 <a:latin typeface="Malgun Gothic" panose="020B0503020000020004" pitchFamily="34" charset="-127"/>
                 <a:ea typeface="Malgun Gothic" panose="020B0503020000020004" pitchFamily="34" charset="-127"/>
               </a:rPr>
-              <a:t>ool </a:t>
-            </a:r>
-            <a:r>
-              <a:rPr lang="en-US" altLang="zh-CN" dirty="0" err="1" smtClean="0">
+              <a:t>error_log</a:t>
+            </a:r>
+            <a:r>
+              <a:rPr lang="en-US" altLang="zh-CN" dirty="0">
                 <a:latin typeface="Malgun Gothic" panose="020B0503020000020004" pitchFamily="34" charset="-127"/>
                 <a:ea typeface="Malgun Gothic" panose="020B0503020000020004" pitchFamily="34" charset="-127"/>
               </a:rPr>
-              <a:t>error_log</a:t>
-            </a:r>
-            <a:r>
-              <a:rPr lang="en-US" altLang="zh-CN" dirty="0" smtClean="0">
+              <a:t>(string $message, </a:t>
+            </a:r>
+            <a:r>
+              <a:rPr lang="en-US" altLang="zh-CN" dirty="0" err="1">
                 <a:latin typeface="Malgun Gothic" panose="020B0503020000020004" pitchFamily="34" charset="-127"/>
                 <a:ea typeface="Malgun Gothic" panose="020B0503020000020004" pitchFamily="34" charset="-127"/>
               </a:rPr>
-              <a:t>(string $message, </a:t>
-            </a:r>
-            <a:r>
-              <a:rPr lang="en-US" altLang="zh-CN" dirty="0" err="1" smtClean="0">
+              <a:t>int</a:t>
+            </a:r>
+            <a:r>
+              <a:rPr lang="en-US" altLang="zh-CN" dirty="0">
                 <a:latin typeface="Malgun Gothic" panose="020B0503020000020004" pitchFamily="34" charset="-127"/>
                 <a:ea typeface="Malgun Gothic" panose="020B0503020000020004" pitchFamily="34" charset="-127"/>
               </a:rPr>
-              <a:t>int</a:t>
-            </a:r>
-            <a:r>
-              <a:rPr lang="en-US" altLang="zh-CN" dirty="0" smtClean="0">
+              <a:t> $</a:t>
+            </a:r>
+            <a:r>
+              <a:rPr lang="en-US" altLang="zh-CN" dirty="0" err="1">
                 <a:latin typeface="Malgun Gothic" panose="020B0503020000020004" pitchFamily="34" charset="-127"/>
                 <a:ea typeface="Malgun Gothic" panose="020B0503020000020004" pitchFamily="34" charset="-127"/>
               </a:rPr>
-              <a:t> $</a:t>
-            </a:r>
-            <a:r>
-              <a:rPr lang="en-US" altLang="zh-CN" dirty="0" err="1" smtClean="0">
+              <a:t>message_type</a:t>
+            </a:r>
+            <a:r>
+              <a:rPr lang="en-US" altLang="zh-CN" dirty="0">
                 <a:latin typeface="Malgun Gothic" panose="020B0503020000020004" pitchFamily="34" charset="-127"/>
                 <a:ea typeface="Malgun Gothic" panose="020B0503020000020004" pitchFamily="34" charset="-127"/>
               </a:rPr>
-              <a:t>message_type</a:t>
-            </a:r>
-            <a:r>
-              <a:rPr lang="en-US" altLang="zh-CN" dirty="0" smtClean="0">
+              <a:t>, string $</a:t>
+            </a:r>
+            <a:r>
+              <a:rPr lang="en-US" altLang="zh-CN" dirty="0" err="1">
                 <a:latin typeface="Malgun Gothic" panose="020B0503020000020004" pitchFamily="34" charset="-127"/>
                 <a:ea typeface="Malgun Gothic" panose="020B0503020000020004" pitchFamily="34" charset="-127"/>
               </a:rPr>
-              <a:t>, string $</a:t>
-            </a:r>
-            <a:r>
-              <a:rPr lang="en-US" altLang="zh-CN" dirty="0" err="1" smtClean="0">
+              <a:t>destination,string</a:t>
+            </a:r>
+            <a:r>
+              <a:rPr lang="en-US" altLang="zh-CN" dirty="0">
                 <a:latin typeface="Malgun Gothic" panose="020B0503020000020004" pitchFamily="34" charset="-127"/>
                 <a:ea typeface="Malgun Gothic" panose="020B0503020000020004" pitchFamily="34" charset="-127"/>
               </a:rPr>
-              <a:t>destination,string</a:t>
-            </a:r>
-            <a:r>
-              <a:rPr lang="en-US" altLang="zh-CN" dirty="0" smtClean="0">
+              <a:t> $</a:t>
+            </a:r>
+            <a:r>
+              <a:rPr lang="en-US" altLang="zh-CN" dirty="0" err="1">
                 <a:latin typeface="Malgun Gothic" panose="020B0503020000020004" pitchFamily="34" charset="-127"/>
                 <a:ea typeface="Malgun Gothic" panose="020B0503020000020004" pitchFamily="34" charset="-127"/>
               </a:rPr>
-              <a:t> $</a:t>
-            </a:r>
-            <a:r>
-              <a:rPr lang="en-US" altLang="zh-CN" dirty="0" err="1" smtClean="0">
-                <a:latin typeface="Malgun Gothic" panose="020B0503020000020004" pitchFamily="34" charset="-127"/>
-                <a:ea typeface="Malgun Gothic" panose="020B0503020000020004" pitchFamily="34" charset="-127"/>
-              </a:rPr>
               <a:t>extra_headers</a:t>
             </a:r>
             <a:r>
-              <a:rPr lang="en-US" altLang="zh-CN" dirty="0" smtClean="0">
+              <a:rPr lang="en-US" altLang="zh-CN" dirty="0">
                 <a:latin typeface="Malgun Gothic" panose="020B0503020000020004" pitchFamily="34" charset="-127"/>
                 <a:ea typeface="Malgun Gothic" panose="020B0503020000020004" pitchFamily="34" charset="-127"/>
               </a:rPr>
@@ -19062,27 +18378,27 @@
               <a:buChar char="•"/>
             </a:pPr>
             <a:r>
-              <a:rPr lang="zh-CN" altLang="en-US" sz="2000" dirty="0" smtClean="0">
+              <a:rPr lang="zh-CN" altLang="en-US" sz="2000" dirty="0">
                 <a:latin typeface="微软雅黑" panose="020B0503020204020204" pitchFamily="34" charset="-122"/>
                 <a:ea typeface="微软雅黑" panose="020B0503020204020204" pitchFamily="34" charset="-122"/>
               </a:rPr>
               <a:t>不同参数，处理类型不同，第二个参数</a:t>
             </a:r>
             <a:r>
-              <a:rPr lang="en-US" altLang="zh-CN" sz="2000" dirty="0" err="1" smtClean="0">
+              <a:rPr lang="en-US" altLang="zh-CN" sz="2000" dirty="0" err="1">
                 <a:latin typeface="微软雅黑" panose="020B0503020204020204" pitchFamily="34" charset="-122"/>
                 <a:ea typeface="微软雅黑" panose="020B0503020204020204" pitchFamily="34" charset="-122"/>
               </a:rPr>
               <a:t>messagge_type</a:t>
             </a:r>
             <a:r>
-              <a:rPr lang="zh-CN" altLang="en-US" sz="2000" dirty="0" smtClean="0">
+              <a:rPr lang="zh-CN" altLang="en-US" sz="2000" dirty="0">
                 <a:latin typeface="微软雅黑" panose="020B0503020204020204" pitchFamily="34" charset="-122"/>
                 <a:ea typeface="微软雅黑" panose="020B0503020204020204" pitchFamily="34" charset="-122"/>
               </a:rPr>
               <a:t>：</a:t>
             </a:r>
-            <a:endParaRPr lang="en-US" altLang="zh-CN" sz="2000" dirty="0" smtClean="0">
+            <a:endParaRPr lang="en-US" altLang="zh-CN" sz="2000" dirty="0">
               <a:latin typeface="微软雅黑" panose="020B0503020204020204" pitchFamily="34" charset="-122"/>
               <a:ea typeface="微软雅黑" panose="020B0503020204020204" pitchFamily="34" charset="-122"/>
             </a:endParaRPr>
@@ -19094,7 +18410,7 @@
               </a:lnSpc>
             </a:pPr>
             <a:r>
-              <a:rPr lang="en-US" altLang="zh-CN" sz="2000" dirty="0" smtClean="0">
+              <a:rPr lang="en-US" altLang="zh-CN" sz="2000" dirty="0">
                 <a:latin typeface="微软雅黑" panose="020B0503020204020204" pitchFamily="34" charset="-122"/>
                 <a:ea typeface="微软雅黑" panose="020B0503020204020204" pitchFamily="34" charset="-122"/>
               </a:rPr>
@@ -19119,16 +18435,9 @@
                 <a:latin typeface="微软雅黑" panose="020B0503020204020204" pitchFamily="34" charset="-122"/>
                 <a:ea typeface="微软雅黑" panose="020B0503020204020204" pitchFamily="34" charset="-122"/>
               </a:rPr>
-              <a:t>的系统日志，使用 操作系统的日志机制或者一个</a:t>
-            </a:r>
-            <a:r>
-              <a:rPr lang="zh-CN" altLang="en-US" sz="2000" dirty="0" smtClean="0">
-                <a:latin typeface="微软雅黑" panose="020B0503020204020204" pitchFamily="34" charset="-122"/>
-                <a:ea typeface="微软雅黑" panose="020B0503020204020204" pitchFamily="34" charset="-122"/>
-              </a:rPr>
-              <a:t>文件；</a:t>
-            </a:r>
-            <a:endParaRPr lang="en-US" altLang="zh-CN" sz="2000" dirty="0" smtClean="0">
+              <a:t>的系统日志，使用 操作系统的日志机制或者一个文件；</a:t>
+            </a:r>
+            <a:endParaRPr lang="en-US" altLang="zh-CN" sz="2000" dirty="0">
               <a:latin typeface="微软雅黑" panose="020B0503020204020204" pitchFamily="34" charset="-122"/>
               <a:ea typeface="微软雅黑" panose="020B0503020204020204" pitchFamily="34" charset="-122"/>
             </a:endParaRPr>
@@ -19140,34 +18449,34 @@
               </a:lnSpc>
             </a:pPr>
             <a:r>
-              <a:rPr lang="en-US" altLang="zh-CN" sz="2000" dirty="0" smtClean="0">
+              <a:rPr lang="en-US" altLang="zh-CN" sz="2000" dirty="0">
                 <a:latin typeface="微软雅黑" panose="020B0503020204020204" pitchFamily="34" charset="-122"/>
                 <a:ea typeface="微软雅黑" panose="020B0503020204020204" pitchFamily="34" charset="-122"/>
               </a:rPr>
               <a:t>1</a:t>
             </a:r>
             <a:r>
-              <a:rPr lang="zh-CN" altLang="en-US" sz="2000" dirty="0" smtClean="0">
+              <a:rPr lang="zh-CN" altLang="en-US" sz="2000" dirty="0">
                 <a:latin typeface="微软雅黑" panose="020B0503020204020204" pitchFamily="34" charset="-122"/>
                 <a:ea typeface="微软雅黑" panose="020B0503020204020204" pitchFamily="34" charset="-122"/>
               </a:rPr>
               <a:t>：发送到</a:t>
             </a:r>
             <a:r>
-              <a:rPr lang="en-US" altLang="zh-CN" sz="2000" dirty="0" smtClean="0">
+              <a:rPr lang="en-US" altLang="zh-CN" sz="2000" dirty="0">
                 <a:latin typeface="微软雅黑" panose="020B0503020204020204" pitchFamily="34" charset="-122"/>
                 <a:ea typeface="微软雅黑" panose="020B0503020204020204" pitchFamily="34" charset="-122"/>
               </a:rPr>
               <a:t>destination</a:t>
             </a:r>
             <a:r>
-              <a:rPr lang="zh-CN" altLang="en-US" sz="2000" dirty="0" smtClean="0">
+              <a:rPr lang="zh-CN" altLang="en-US" sz="2000" dirty="0">
                 <a:latin typeface="微软雅黑" panose="020B0503020204020204" pitchFamily="34" charset="-122"/>
                 <a:ea typeface="微软雅黑" panose="020B0503020204020204" pitchFamily="34" charset="-122"/>
               </a:rPr>
               <a:t>参数设置的邮箱；</a:t>
             </a:r>
-            <a:endParaRPr lang="en-US" altLang="zh-CN" sz="2000" dirty="0" smtClean="0">
+            <a:endParaRPr lang="en-US" altLang="zh-CN" sz="2000" dirty="0">
               <a:latin typeface="微软雅黑" panose="020B0503020204020204" pitchFamily="34" charset="-122"/>
               <a:ea typeface="微软雅黑" panose="020B0503020204020204" pitchFamily="34" charset="-122"/>
             </a:endParaRPr>
@@ -19179,20 +18488,20 @@
               </a:lnSpc>
             </a:pPr>
             <a:r>
-              <a:rPr lang="en-US" altLang="zh-CN" sz="2000" dirty="0" smtClean="0">
+              <a:rPr lang="en-US" altLang="zh-CN" sz="2000" dirty="0">
                 <a:latin typeface="微软雅黑" panose="020B0503020204020204" pitchFamily="34" charset="-122"/>
                 <a:ea typeface="微软雅黑" panose="020B0503020204020204" pitchFamily="34" charset="-122"/>
               </a:rPr>
               <a:t>3</a:t>
             </a:r>
             <a:r>
-              <a:rPr lang="zh-CN" altLang="en-US" sz="2000" dirty="0" smtClean="0">
+              <a:rPr lang="zh-CN" altLang="en-US" sz="2000" dirty="0">
                 <a:latin typeface="微软雅黑" panose="020B0503020204020204" pitchFamily="34" charset="-122"/>
                 <a:ea typeface="微软雅黑" panose="020B0503020204020204" pitchFamily="34" charset="-122"/>
               </a:rPr>
               <a:t>：消息作为新的一行被发送到一个文件里；</a:t>
             </a:r>
-            <a:endParaRPr lang="en-US" altLang="zh-CN" sz="2000" dirty="0" smtClean="0">
+            <a:endParaRPr lang="en-US" altLang="zh-CN" sz="2000" dirty="0">
               <a:latin typeface="微软雅黑" panose="020B0503020204020204" pitchFamily="34" charset="-122"/>
               <a:ea typeface="微软雅黑" panose="020B0503020204020204" pitchFamily="34" charset="-122"/>
             </a:endParaRPr>
@@ -19204,34 +18513,34 @@
               </a:lnSpc>
             </a:pPr>
             <a:r>
-              <a:rPr lang="en-US" altLang="zh-CN" sz="2000" dirty="0" smtClean="0">
+              <a:rPr lang="en-US" altLang="zh-CN" sz="2000" dirty="0">
                 <a:latin typeface="微软雅黑" panose="020B0503020204020204" pitchFamily="34" charset="-122"/>
                 <a:ea typeface="微软雅黑" panose="020B0503020204020204" pitchFamily="34" charset="-122"/>
               </a:rPr>
               <a:t>4</a:t>
             </a:r>
             <a:r>
-              <a:rPr lang="zh-CN" altLang="en-US" sz="2000" dirty="0" smtClean="0">
+              <a:rPr lang="zh-CN" altLang="en-US" sz="2000" dirty="0">
                 <a:latin typeface="微软雅黑" panose="020B0503020204020204" pitchFamily="34" charset="-122"/>
                 <a:ea typeface="微软雅黑" panose="020B0503020204020204" pitchFamily="34" charset="-122"/>
               </a:rPr>
               <a:t>：直接发送到</a:t>
             </a:r>
             <a:r>
-              <a:rPr lang="en-US" altLang="zh-CN" sz="2000" dirty="0" smtClean="0">
+              <a:rPr lang="en-US" altLang="zh-CN" sz="2000" dirty="0">
                 <a:latin typeface="微软雅黑" panose="020B0503020204020204" pitchFamily="34" charset="-122"/>
                 <a:ea typeface="微软雅黑" panose="020B0503020204020204" pitchFamily="34" charset="-122"/>
               </a:rPr>
               <a:t>SAPI</a:t>
             </a:r>
             <a:r>
-              <a:rPr lang="zh-CN" altLang="en-US" sz="2000" dirty="0" smtClean="0">
+              <a:rPr lang="zh-CN" altLang="en-US" sz="2000" dirty="0">
                 <a:latin typeface="微软雅黑" panose="020B0503020204020204" pitchFamily="34" charset="-122"/>
                 <a:ea typeface="微软雅黑" panose="020B0503020204020204" pitchFamily="34" charset="-122"/>
               </a:rPr>
               <a:t>日志处理程序；</a:t>
             </a:r>
-            <a:endParaRPr lang="en-US" altLang="zh-CN" sz="2000" dirty="0" smtClean="0">
+            <a:endParaRPr lang="en-US" altLang="zh-CN" sz="2000" dirty="0">
               <a:latin typeface="微软雅黑" panose="020B0503020204020204" pitchFamily="34" charset="-122"/>
               <a:ea typeface="微软雅黑" panose="020B0503020204020204" pitchFamily="34" charset="-122"/>
             </a:endParaRPr>
@@ -19252,13 +18561,6 @@
   <p:clrMapOvr>
     <a:masterClrMapping/>
   </p:clrMapOvr>
-  <p:timing>
-    <p:tnLst>
-      <p:par>
-        <p:cTn id="1" dur="indefinite" restart="never" nodeType="tmRoot"/>
-      </p:par>
-    </p:tnLst>
-  </p:timing>
 </p:sld>
 </file>
 
@@ -19295,11 +18597,11 @@
           <a:lstStyle/>
           <a:p>
             <a:r>
-              <a:rPr lang="zh-CN" altLang="en-US" b="0" dirty="0" smtClean="0"/>
+              <a:rPr lang="zh-CN" altLang="en-US" b="0" dirty="0"/>
               <a:t>如何使用</a:t>
             </a:r>
             <a:r>
-              <a:rPr lang="en-US" altLang="zh-CN" b="0" dirty="0" err="1" smtClean="0"/>
+              <a:rPr lang="en-US" altLang="zh-CN" b="0" dirty="0" err="1"/>
               <a:t>error_log</a:t>
             </a:r>
             <a:endParaRPr lang="zh-CN" altLang="en-US" b="0" dirty="0"/>
@@ -19333,34 +18635,34 @@
               <a:buChar char="•"/>
             </a:pPr>
             <a:r>
-              <a:rPr lang="zh-CN" altLang="en-US" sz="2400" dirty="0" smtClean="0">
+              <a:rPr lang="zh-CN" altLang="en-US" sz="2400" dirty="0">
                 <a:latin typeface="微软雅黑" panose="020B0503020204020204" pitchFamily="34" charset="-122"/>
                 <a:ea typeface="微软雅黑" panose="020B0503020204020204" pitchFamily="34" charset="-122"/>
               </a:rPr>
               <a:t>对于调试来讲，使用</a:t>
             </a:r>
             <a:r>
-              <a:rPr lang="en-US" altLang="zh-CN" sz="2400" dirty="0" err="1" smtClean="0">
+              <a:rPr lang="en-US" altLang="zh-CN" sz="2400" dirty="0" err="1">
                 <a:latin typeface="微软雅黑" panose="020B0503020204020204" pitchFamily="34" charset="-122"/>
                 <a:ea typeface="微软雅黑" panose="020B0503020204020204" pitchFamily="34" charset="-122"/>
               </a:rPr>
               <a:t>message_type</a:t>
             </a:r>
             <a:r>
-              <a:rPr lang="en-US" altLang="zh-CN" sz="2400" dirty="0" smtClean="0">
+              <a:rPr lang="en-US" altLang="zh-CN" sz="2400" dirty="0">
                 <a:latin typeface="微软雅黑" panose="020B0503020204020204" pitchFamily="34" charset="-122"/>
                 <a:ea typeface="微软雅黑" panose="020B0503020204020204" pitchFamily="34" charset="-122"/>
               </a:rPr>
               <a:t>=3 </a:t>
             </a:r>
             <a:r>
-              <a:rPr lang="zh-CN" altLang="en-US" sz="2400" dirty="0" smtClean="0">
+              <a:rPr lang="zh-CN" altLang="en-US" sz="2400" dirty="0">
                 <a:latin typeface="微软雅黑" panose="020B0503020204020204" pitchFamily="34" charset="-122"/>
                 <a:ea typeface="微软雅黑" panose="020B0503020204020204" pitchFamily="34" charset="-122"/>
               </a:rPr>
               <a:t>发送到一个文件里是最方便的选择。</a:t>
             </a:r>
-            <a:endParaRPr lang="en-US" altLang="zh-CN" sz="2400" dirty="0" smtClean="0">
+            <a:endParaRPr lang="en-US" altLang="zh-CN" sz="2400" dirty="0">
               <a:latin typeface="微软雅黑" panose="020B0503020204020204" pitchFamily="34" charset="-122"/>
               <a:ea typeface="微软雅黑" panose="020B0503020204020204" pitchFamily="34" charset="-122"/>
             </a:endParaRPr>
@@ -19371,13 +18673,13 @@
               <a:buChar char="•"/>
             </a:pPr>
             <a:r>
-              <a:rPr lang="zh-CN" altLang="en-US" sz="2400" dirty="0" smtClean="0">
+              <a:rPr lang="zh-CN" altLang="en-US" sz="2400" dirty="0">
                 <a:latin typeface="微软雅黑" panose="020B0503020204020204" pitchFamily="34" charset="-122"/>
                 <a:ea typeface="微软雅黑" panose="020B0503020204020204" pitchFamily="34" charset="-122"/>
               </a:rPr>
               <a:t>代码：</a:t>
             </a:r>
-            <a:endParaRPr lang="en-US" altLang="zh-CN" sz="2400" dirty="0" smtClean="0">
+            <a:endParaRPr lang="en-US" altLang="zh-CN" sz="2400" dirty="0">
               <a:latin typeface="微软雅黑" panose="020B0503020204020204" pitchFamily="34" charset="-122"/>
               <a:ea typeface="微软雅黑" panose="020B0503020204020204" pitchFamily="34" charset="-122"/>
             </a:endParaRPr>
@@ -19430,21 +18732,9 @@
                 <a:latin typeface="Malgun Gothic" panose="020B0503020000020004" pitchFamily="34" charset="-127"/>
                 <a:ea typeface="Malgun Gothic" panose="020B0503020000020004" pitchFamily="34" charset="-127"/>
               </a:rPr>
-              <a:t>不存在则会创建此</a:t>
-            </a:r>
-            <a:r>
-              <a:rPr lang="zh-CN" altLang="en-US" sz="2400" dirty="0" smtClean="0">
-                <a:solidFill>
-                  <a:schemeClr val="bg1">
-                    <a:lumMod val="50000"/>
-                  </a:schemeClr>
-                </a:solidFill>
-                <a:latin typeface="Malgun Gothic" panose="020B0503020000020004" pitchFamily="34" charset="-127"/>
-                <a:ea typeface="Malgun Gothic" panose="020B0503020000020004" pitchFamily="34" charset="-127"/>
-              </a:rPr>
-              <a:t>文件</a:t>
-            </a:r>
-            <a:endParaRPr lang="en-US" altLang="zh-CN" sz="2400" dirty="0" smtClean="0">
+              <a:t>不存在则会创建此文件</a:t>
+            </a:r>
+            <a:endParaRPr lang="en-US" altLang="zh-CN" sz="2400" dirty="0">
               <a:solidFill>
                 <a:schemeClr val="bg1">
                   <a:lumMod val="50000"/>
@@ -19457,14 +18747,14 @@
           <a:p>
             <a:pPr lvl="1"/>
             <a:r>
-              <a:rPr lang="en-US" altLang="zh-CN" sz="2400" dirty="0" err="1" smtClean="0">
+              <a:rPr lang="en-US" altLang="zh-CN" sz="2400" dirty="0" err="1">
                 <a:latin typeface="Malgun Gothic" panose="020B0503020000020004" pitchFamily="34" charset="-127"/>
                 <a:ea typeface="Malgun Gothic" panose="020B0503020000020004" pitchFamily="34" charset="-127"/>
               </a:rPr>
               <a:t>error_log</a:t>
             </a:r>
             <a:r>
-              <a:rPr lang="en-US" altLang="zh-CN" sz="2400" dirty="0" smtClean="0">
+              <a:rPr lang="en-US" altLang="zh-CN" sz="2400" dirty="0">
                 <a:latin typeface="Malgun Gothic" panose="020B0503020000020004" pitchFamily="34" charset="-127"/>
                 <a:ea typeface="Malgun Gothic" panose="020B0503020000020004" pitchFamily="34" charset="-127"/>
               </a:rPr>
@@ -19481,7 +18771,7 @@
           <a:p>
             <a:pPr lvl="1"/>
             <a:r>
-              <a:rPr lang="en-US" altLang="zh-CN" sz="2400" dirty="0" smtClean="0">
+              <a:rPr lang="en-US" altLang="zh-CN" sz="2400" dirty="0">
                 <a:solidFill>
                   <a:schemeClr val="bg1">
                     <a:lumMod val="50000"/>
@@ -19493,7 +18783,7 @@
               <a:t>//$error</a:t>
             </a:r>
             <a:r>
-              <a:rPr lang="zh-CN" altLang="en-US" sz="2400" dirty="0" smtClean="0">
+              <a:rPr lang="zh-CN" altLang="en-US" sz="2400" dirty="0">
                 <a:solidFill>
                   <a:schemeClr val="bg1">
                     <a:lumMod val="50000"/>
@@ -19505,7 +18795,7 @@
               <a:t>的信息会被写入到</a:t>
             </a:r>
             <a:r>
-              <a:rPr lang="en-US" altLang="zh-CN" sz="2400" dirty="0" smtClean="0">
+              <a:rPr lang="en-US" altLang="zh-CN" sz="2400" dirty="0">
                 <a:solidFill>
                   <a:schemeClr val="bg1">
                     <a:lumMod val="50000"/>
@@ -19517,7 +18807,7 @@
               <a:t>error.log</a:t>
             </a:r>
             <a:r>
-              <a:rPr lang="zh-CN" altLang="en-US" sz="2400" dirty="0" smtClean="0">
+              <a:rPr lang="zh-CN" altLang="en-US" sz="2400" dirty="0">
                 <a:solidFill>
                   <a:schemeClr val="bg1">
                     <a:lumMod val="50000"/>
@@ -19528,7 +18818,7 @@
               </a:rPr>
               <a:t>文件中</a:t>
             </a:r>
-            <a:endParaRPr lang="en-US" altLang="zh-CN" sz="2400" dirty="0" smtClean="0">
+            <a:endParaRPr lang="en-US" altLang="zh-CN" sz="2400" dirty="0">
               <a:solidFill>
                 <a:schemeClr val="bg1">
                   <a:lumMod val="50000"/>
@@ -19550,13 +18840,6 @@
   <p:clrMapOvr>
     <a:masterClrMapping/>
   </p:clrMapOvr>
-  <p:timing>
-    <p:tnLst>
-      <p:par>
-        <p:cTn id="1" dur="indefinite" restart="never" nodeType="tmRoot"/>
-      </p:par>
-    </p:tnLst>
-  </p:timing>
 </p:sld>
 </file>
 
@@ -19587,34 +18870,34 @@
             <p:ph sz="quarter" idx="13"/>
           </p:nvPr>
         </p:nvSpPr>
+        <p:spPr/>
+        <p:txBody>
+          <a:bodyPr/>
+          <a:lstStyle/>
+          <a:p>
+            <a:r>
+              <a:rPr lang="zh-CN" altLang="en-US" b="0" dirty="0"/>
+              <a:t>课程概要</a:t>
+            </a:r>
+          </a:p>
+        </p:txBody>
+      </p:sp>
+      <p:sp>
+        <p:nvSpPr>
+          <p:cNvPr id="3" name="文本框 2">
+            <a:extLst>
+              <a:ext uri="{FF2B5EF4-FFF2-40B4-BE49-F238E27FC236}">
+                <a16:creationId xmlns:a16="http://schemas.microsoft.com/office/drawing/2014/main" id="{9FBA5014-7534-44E7-91E7-1E1C25671245}"/>
+              </a:ext>
+            </a:extLst>
+          </p:cNvPr>
+          <p:cNvSpPr txBox="1"/>
+          <p:nvPr/>
+        </p:nvSpPr>
         <p:spPr>
           <a:xfrm>
-            <a:off x="1054099" y="543636"/>
-            <a:ext cx="7704139" cy="685800"/>
-          </a:xfrm>
-        </p:spPr>
-        <p:txBody>
-          <a:bodyPr/>
-          <a:lstStyle/>
-          <a:p>
-            <a:r>
-              <a:rPr lang="zh-CN" altLang="en-US" b="0" dirty="0" smtClean="0"/>
-              <a:t>第一节</a:t>
-            </a:r>
-            <a:endParaRPr lang="zh-CN" altLang="en-US" b="0" dirty="0"/>
-          </a:p>
-        </p:txBody>
-      </p:sp>
-      <p:sp>
-        <p:nvSpPr>
-          <p:cNvPr id="5" name="文本框 4"/>
-          <p:cNvSpPr txBox="1"/>
-          <p:nvPr/>
-        </p:nvSpPr>
-        <p:spPr>
-          <a:xfrm>
-            <a:off x="4058444" y="2343152"/>
-            <a:ext cx="4699794" cy="2431435"/>
+            <a:off x="1317523" y="1789471"/>
+            <a:ext cx="8554064" cy="1289905"/>
           </a:xfrm>
           <a:prstGeom prst="rect">
             <a:avLst/>
@@ -19627,144 +18910,73 @@
           </a:bodyPr>
           <a:lstStyle/>
           <a:p>
-            <a:pPr marL="514350" indent="-514350">
+            <a:pPr marL="285750" indent="-285750">
               <a:lnSpc>
-                <a:spcPct val="200000"/>
+                <a:spcPct val="150000"/>
               </a:lnSpc>
-              <a:buFont typeface="+mj-ea"/>
-              <a:buAutoNum type="ea1JpnChsDbPeriod"/>
+              <a:buFont typeface="Arial" panose="020B0604020202020204" pitchFamily="34" charset="0"/>
+              <a:buChar char="•"/>
             </a:pPr>
             <a:r>
-              <a:rPr lang="zh-CN" altLang="en-US" sz="2800" dirty="0" smtClean="0">
-                <a:solidFill>
-                  <a:schemeClr val="accent6">
-                    <a:lumMod val="75000"/>
-                  </a:schemeClr>
-                </a:solidFill>
-                <a:latin typeface="微软雅黑" panose="020B0503020204020204" pitchFamily="34" charset="-122"/>
-                <a:ea typeface="微软雅黑" panose="020B0503020204020204" pitchFamily="34" charset="-122"/>
-              </a:rPr>
-              <a:t>搭建微信开发环境</a:t>
-            </a:r>
-            <a:endParaRPr lang="en-US" altLang="zh-CN" sz="2800" dirty="0">
-              <a:solidFill>
-                <a:schemeClr val="accent6">
-                  <a:lumMod val="75000"/>
-                </a:schemeClr>
-              </a:solidFill>
+              <a:rPr lang="zh-CN" altLang="en-US" dirty="0">
+                <a:latin typeface="微软雅黑" panose="020B0503020204020204" pitchFamily="34" charset="-122"/>
+                <a:ea typeface="微软雅黑" panose="020B0503020204020204" pitchFamily="34" charset="-122"/>
+              </a:rPr>
+              <a:t>如何搭建微信开发环境</a:t>
+            </a:r>
+            <a:endParaRPr lang="en-US" altLang="zh-CN" dirty="0">
               <a:latin typeface="微软雅黑" panose="020B0503020204020204" pitchFamily="34" charset="-122"/>
               <a:ea typeface="微软雅黑" panose="020B0503020204020204" pitchFamily="34" charset="-122"/>
             </a:endParaRPr>
           </a:p>
           <a:p>
-            <a:pPr marL="514350" indent="-514350">
+            <a:pPr marL="285750" indent="-285750">
               <a:lnSpc>
-                <a:spcPct val="200000"/>
+                <a:spcPct val="150000"/>
               </a:lnSpc>
-              <a:buFont typeface="+mj-ea"/>
-              <a:buAutoNum type="ea1JpnChsDbPeriod"/>
+              <a:buFont typeface="Arial" panose="020B0604020202020204" pitchFamily="34" charset="0"/>
+              <a:buChar char="•"/>
             </a:pPr>
             <a:r>
-              <a:rPr lang="zh-CN" altLang="en-US" sz="2400" dirty="0">
-                <a:solidFill>
-                  <a:schemeClr val="tx2">
-                    <a:lumMod val="60000"/>
-                    <a:lumOff val="40000"/>
-                  </a:schemeClr>
-                </a:solidFill>
-                <a:latin typeface="微软雅黑" panose="020B0503020204020204" pitchFamily="34" charset="-122"/>
-                <a:ea typeface="微软雅黑" panose="020B0503020204020204" pitchFamily="34" charset="-122"/>
-              </a:rPr>
-              <a:t>第一</a:t>
-            </a:r>
-            <a:r>
-              <a:rPr lang="zh-CN" altLang="en-US" sz="2400" dirty="0" smtClean="0">
-                <a:solidFill>
-                  <a:schemeClr val="tx2">
-                    <a:lumMod val="60000"/>
-                    <a:lumOff val="40000"/>
-                  </a:schemeClr>
-                </a:solidFill>
-                <a:latin typeface="微软雅黑" panose="020B0503020204020204" pitchFamily="34" charset="-122"/>
-                <a:ea typeface="微软雅黑" panose="020B0503020204020204" pitchFamily="34" charset="-122"/>
-              </a:rPr>
-              <a:t>个微信应用程序</a:t>
-            </a:r>
-            <a:endParaRPr lang="en-US" altLang="zh-CN" sz="2400" dirty="0">
-              <a:solidFill>
-                <a:schemeClr val="tx2">
-                  <a:lumMod val="60000"/>
-                  <a:lumOff val="40000"/>
-                </a:schemeClr>
-              </a:solidFill>
+              <a:rPr lang="zh-CN" altLang="en-US" dirty="0">
+                <a:latin typeface="微软雅黑" panose="020B0503020204020204" pitchFamily="34" charset="-122"/>
+                <a:ea typeface="微软雅黑" panose="020B0503020204020204" pitchFamily="34" charset="-122"/>
+              </a:rPr>
+              <a:t>完成第一个简单的应用程序：回复文本消息</a:t>
+            </a:r>
+            <a:endParaRPr lang="en-US" altLang="zh-CN" dirty="0">
               <a:latin typeface="微软雅黑" panose="020B0503020204020204" pitchFamily="34" charset="-122"/>
               <a:ea typeface="微软雅黑" panose="020B0503020204020204" pitchFamily="34" charset="-122"/>
             </a:endParaRPr>
           </a:p>
           <a:p>
-            <a:pPr marL="514350" indent="-514350">
+            <a:pPr marL="285750" indent="-285750">
               <a:lnSpc>
-                <a:spcPct val="200000"/>
+                <a:spcPct val="150000"/>
               </a:lnSpc>
-              <a:buFont typeface="+mj-ea"/>
-              <a:buAutoNum type="ea1JpnChsDbPeriod"/>
+              <a:buFont typeface="Arial" panose="020B0604020202020204" pitchFamily="34" charset="0"/>
+              <a:buChar char="•"/>
             </a:pPr>
             <a:r>
-              <a:rPr lang="zh-CN" altLang="en-US" sz="2400" dirty="0">
-                <a:solidFill>
-                  <a:schemeClr val="tx2">
-                    <a:lumMod val="60000"/>
-                    <a:lumOff val="40000"/>
-                  </a:schemeClr>
-                </a:solidFill>
-                <a:latin typeface="微软雅黑" panose="020B0503020204020204" pitchFamily="34" charset="-122"/>
-                <a:ea typeface="微软雅黑" panose="020B0503020204020204" pitchFamily="34" charset="-122"/>
-              </a:rPr>
-              <a:t>微信</a:t>
-            </a:r>
-            <a:r>
-              <a:rPr lang="zh-CN" altLang="en-US" sz="2400" dirty="0" smtClean="0">
-                <a:solidFill>
-                  <a:schemeClr val="tx2">
-                    <a:lumMod val="60000"/>
-                    <a:lumOff val="40000"/>
-                  </a:schemeClr>
-                </a:solidFill>
-                <a:latin typeface="微软雅黑" panose="020B0503020204020204" pitchFamily="34" charset="-122"/>
-                <a:ea typeface="微软雅黑" panose="020B0503020204020204" pitchFamily="34" charset="-122"/>
-              </a:rPr>
-              <a:t>调试工具</a:t>
-            </a:r>
-            <a:endParaRPr lang="en-US" altLang="zh-CN" sz="2400" dirty="0">
-              <a:solidFill>
-                <a:schemeClr val="tx2">
-                  <a:lumMod val="60000"/>
-                  <a:lumOff val="40000"/>
-                </a:schemeClr>
-              </a:solidFill>
-              <a:latin typeface="微软雅黑" panose="020B0503020204020204" pitchFamily="34" charset="-122"/>
-              <a:ea typeface="微软雅黑" panose="020B0503020204020204" pitchFamily="34" charset="-122"/>
-            </a:endParaRPr>
+              <a:rPr lang="zh-CN" altLang="en-US" dirty="0">
+                <a:latin typeface="微软雅黑" panose="020B0503020204020204" pitchFamily="34" charset="-122"/>
+                <a:ea typeface="微软雅黑" panose="020B0503020204020204" pitchFamily="34" charset="-122"/>
+              </a:rPr>
+              <a:t>如何调试，几种调试工具的使用</a:t>
+            </a:r>
           </a:p>
         </p:txBody>
       </p:sp>
     </p:spTree>
     <p:extLst>
       <p:ext uri="{BB962C8B-B14F-4D97-AF65-F5344CB8AC3E}">
-        <p14:creationId xmlns:p14="http://schemas.microsoft.com/office/powerpoint/2010/main" val="4219181144"/>
+        <p14:creationId xmlns:p14="http://schemas.microsoft.com/office/powerpoint/2010/main" val="1814893498"/>
       </p:ext>
     </p:extLst>
   </p:cSld>
   <p:clrMapOvr>
     <a:masterClrMapping/>
   </p:clrMapOvr>
-  <p:timing>
-    <p:tnLst>
-      <p:par>
-        <p:cTn id="1" dur="indefinite" restart="never" nodeType="tmRoot"/>
-      </p:par>
-    </p:tnLst>
-  </p:timing>
 </p:sld>
 </file>
 
@@ -19806,10 +19018,9 @@
           <a:lstStyle/>
           <a:p>
             <a:r>
-              <a:rPr lang="zh-CN" altLang="en-US" b="0" dirty="0" smtClean="0"/>
+              <a:rPr lang="zh-CN" altLang="en-US" b="0" dirty="0"/>
               <a:t>数据库记录调试信息</a:t>
             </a:r>
-            <a:endParaRPr lang="zh-CN" altLang="en-US" b="0" dirty="0"/>
           </a:p>
         </p:txBody>
       </p:sp>
@@ -19843,13 +19054,13 @@
               <a:buChar char="•"/>
             </a:pPr>
             <a:r>
-              <a:rPr lang="zh-CN" altLang="en-US" sz="2000" dirty="0" smtClean="0">
+              <a:rPr lang="zh-CN" altLang="en-US" sz="2000" dirty="0">
                 <a:latin typeface="微软雅黑" panose="020B0503020204020204" pitchFamily="34" charset="-122"/>
                 <a:ea typeface="微软雅黑" panose="020B0503020204020204" pitchFamily="34" charset="-122"/>
               </a:rPr>
               <a:t>开发者服务器端使用数据库进行调试：</a:t>
             </a:r>
-            <a:endParaRPr lang="en-US" altLang="zh-CN" sz="2000" dirty="0" smtClean="0">
+            <a:endParaRPr lang="en-US" altLang="zh-CN" sz="2000" dirty="0">
               <a:latin typeface="微软雅黑" panose="020B0503020204020204" pitchFamily="34" charset="-122"/>
               <a:ea typeface="微软雅黑" panose="020B0503020204020204" pitchFamily="34" charset="-122"/>
             </a:endParaRPr>
@@ -19863,13 +19074,13 @@
               <a:buChar char="Ø"/>
             </a:pPr>
             <a:r>
-              <a:rPr lang="zh-CN" altLang="en-US" sz="2000" dirty="0" smtClean="0">
+              <a:rPr lang="zh-CN" altLang="en-US" sz="2000" dirty="0">
                 <a:latin typeface="微软雅黑" panose="020B0503020204020204" pitchFamily="34" charset="-122"/>
                 <a:ea typeface="微软雅黑" panose="020B0503020204020204" pitchFamily="34" charset="-122"/>
               </a:rPr>
               <a:t>创建一个用于记录错误信息的表</a:t>
             </a:r>
-            <a:endParaRPr lang="en-US" altLang="zh-CN" sz="2000" dirty="0" smtClean="0">
+            <a:endParaRPr lang="en-US" altLang="zh-CN" sz="2000" dirty="0">
               <a:latin typeface="微软雅黑" panose="020B0503020204020204" pitchFamily="34" charset="-122"/>
               <a:ea typeface="微软雅黑" panose="020B0503020204020204" pitchFamily="34" charset="-122"/>
             </a:endParaRPr>
@@ -19883,13 +19094,13 @@
               <a:buChar char="Ø"/>
             </a:pPr>
             <a:r>
-              <a:rPr lang="zh-CN" altLang="en-US" sz="2000" dirty="0" smtClean="0">
+              <a:rPr lang="zh-CN" altLang="en-US" sz="2000" dirty="0">
                 <a:latin typeface="微软雅黑" panose="020B0503020204020204" pitchFamily="34" charset="-122"/>
                 <a:ea typeface="微软雅黑" panose="020B0503020204020204" pitchFamily="34" charset="-122"/>
               </a:rPr>
               <a:t>每次请求都记录运行过程中的关键信息</a:t>
             </a:r>
-            <a:endParaRPr lang="en-US" altLang="zh-CN" sz="2000" dirty="0" smtClean="0">
+            <a:endParaRPr lang="en-US" altLang="zh-CN" sz="2000" dirty="0">
               <a:latin typeface="微软雅黑" panose="020B0503020204020204" pitchFamily="34" charset="-122"/>
               <a:ea typeface="微软雅黑" panose="020B0503020204020204" pitchFamily="34" charset="-122"/>
             </a:endParaRPr>
@@ -19903,13 +19114,13 @@
               <a:buChar char="Ø"/>
             </a:pPr>
             <a:r>
-              <a:rPr lang="zh-CN" altLang="en-US" sz="2000" dirty="0" smtClean="0">
+              <a:rPr lang="zh-CN" altLang="en-US" sz="2000" dirty="0">
                 <a:latin typeface="微软雅黑" panose="020B0503020204020204" pitchFamily="34" charset="-122"/>
                 <a:ea typeface="微软雅黑" panose="020B0503020204020204" pitchFamily="34" charset="-122"/>
               </a:rPr>
               <a:t>需要连接数据库写入错误信息</a:t>
             </a:r>
-            <a:endParaRPr lang="en-US" altLang="zh-CN" sz="2000" dirty="0" smtClean="0">
+            <a:endParaRPr lang="en-US" altLang="zh-CN" sz="2000" dirty="0">
               <a:latin typeface="微软雅黑" panose="020B0503020204020204" pitchFamily="34" charset="-122"/>
               <a:ea typeface="微软雅黑" panose="020B0503020204020204" pitchFamily="34" charset="-122"/>
             </a:endParaRPr>
@@ -19923,16 +19134,12 @@
               <a:buChar char="Ø"/>
             </a:pPr>
             <a:r>
-              <a:rPr lang="zh-CN" altLang="en-US" sz="2000" dirty="0" smtClean="0">
+              <a:rPr lang="zh-CN" altLang="en-US" sz="2000" dirty="0">
                 <a:latin typeface="微软雅黑" panose="020B0503020204020204" pitchFamily="34" charset="-122"/>
                 <a:ea typeface="微软雅黑" panose="020B0503020204020204" pitchFamily="34" charset="-122"/>
               </a:rPr>
               <a:t>查看数据库就可以找到错误信息</a:t>
             </a:r>
-            <a:endParaRPr lang="zh-CN" altLang="en-US" sz="2000" dirty="0">
-              <a:latin typeface="微软雅黑" panose="020B0503020204020204" pitchFamily="34" charset="-122"/>
-              <a:ea typeface="微软雅黑" panose="020B0503020204020204" pitchFamily="34" charset="-122"/>
-            </a:endParaRPr>
           </a:p>
         </p:txBody>
       </p:sp>
@@ -19988,17 +19195,12 @@
           <a:p>
             <a:r>
               <a:rPr lang="en-US" altLang="zh-CN" b="0" dirty="0"/>
-              <a:t>m</a:t>
-            </a:r>
-            <a:r>
-              <a:rPr lang="en-US" altLang="zh-CN" b="0" dirty="0" smtClean="0"/>
-              <a:t>onolog</a:t>
-            </a:r>
-            <a:r>
-              <a:rPr lang="zh-CN" altLang="en-US" b="0" dirty="0" smtClean="0"/>
+              <a:t>monolog</a:t>
+            </a:r>
+            <a:r>
+              <a:rPr lang="zh-CN" altLang="en-US" b="0" dirty="0"/>
               <a:t>日志进行调试</a:t>
             </a:r>
-            <a:endParaRPr lang="zh-CN" altLang="en-US" b="0" dirty="0"/>
           </a:p>
         </p:txBody>
       </p:sp>
@@ -20032,27 +19234,27 @@
               <a:buChar char="•"/>
             </a:pPr>
             <a:r>
-              <a:rPr lang="zh-CN" altLang="en-US" sz="2000" dirty="0" smtClean="0">
+              <a:rPr lang="zh-CN" altLang="en-US" sz="2000" dirty="0">
                 <a:latin typeface="微软雅黑" panose="020B0503020204020204" pitchFamily="34" charset="-122"/>
                 <a:ea typeface="微软雅黑" panose="020B0503020204020204" pitchFamily="34" charset="-122"/>
               </a:rPr>
               <a:t>什么是</a:t>
             </a:r>
             <a:r>
-              <a:rPr lang="en-US" altLang="zh-CN" sz="2000" dirty="0" smtClean="0">
+              <a:rPr lang="en-US" altLang="zh-CN" sz="2000" dirty="0">
                 <a:latin typeface="微软雅黑" panose="020B0503020204020204" pitchFamily="34" charset="-122"/>
                 <a:ea typeface="微软雅黑" panose="020B0503020204020204" pitchFamily="34" charset="-122"/>
               </a:rPr>
               <a:t>monolog</a:t>
             </a:r>
             <a:r>
-              <a:rPr lang="zh-CN" altLang="en-US" sz="2000" dirty="0" smtClean="0">
+              <a:rPr lang="zh-CN" altLang="en-US" sz="2000" dirty="0">
                 <a:latin typeface="微软雅黑" panose="020B0503020204020204" pitchFamily="34" charset="-122"/>
                 <a:ea typeface="微软雅黑" panose="020B0503020204020204" pitchFamily="34" charset="-122"/>
               </a:rPr>
               <a:t>？</a:t>
             </a:r>
-            <a:endParaRPr lang="en-US" altLang="zh-CN" sz="2000" dirty="0" smtClean="0">
+            <a:endParaRPr lang="en-US" altLang="zh-CN" sz="2000" dirty="0">
               <a:latin typeface="微软雅黑" panose="020B0503020204020204" pitchFamily="34" charset="-122"/>
               <a:ea typeface="微软雅黑" panose="020B0503020204020204" pitchFamily="34" charset="-122"/>
             </a:endParaRPr>
@@ -20066,20 +19268,20 @@
               <a:buChar char="Ø"/>
             </a:pPr>
             <a:r>
-              <a:rPr lang="en-US" altLang="zh-CN" sz="2000" dirty="0" smtClean="0">
+              <a:rPr lang="en-US" altLang="zh-CN" sz="2000" dirty="0">
                 <a:latin typeface="微软雅黑" panose="020B0503020204020204" pitchFamily="34" charset="-122"/>
                 <a:ea typeface="微软雅黑" panose="020B0503020204020204" pitchFamily="34" charset="-122"/>
               </a:rPr>
               <a:t>PHP</a:t>
             </a:r>
             <a:r>
-              <a:rPr lang="zh-CN" altLang="en-US" sz="2000" dirty="0" smtClean="0">
+              <a:rPr lang="zh-CN" altLang="en-US" sz="2000" dirty="0">
                 <a:latin typeface="微软雅黑" panose="020B0503020204020204" pitchFamily="34" charset="-122"/>
                 <a:ea typeface="微软雅黑" panose="020B0503020204020204" pitchFamily="34" charset="-122"/>
               </a:rPr>
               <a:t>的一个日志类库，用于记录程序运行过程中的关键信息</a:t>
             </a:r>
-            <a:endParaRPr lang="en-US" altLang="zh-CN" sz="2000" dirty="0" smtClean="0">
+            <a:endParaRPr lang="en-US" altLang="zh-CN" sz="2000" dirty="0">
               <a:latin typeface="微软雅黑" panose="020B0503020204020204" pitchFamily="34" charset="-122"/>
               <a:ea typeface="微软雅黑" panose="020B0503020204020204" pitchFamily="34" charset="-122"/>
             </a:endParaRPr>
@@ -20097,16 +19299,9 @@
                 <a:latin typeface="微软雅黑" panose="020B0503020204020204" pitchFamily="34" charset="-122"/>
                 <a:ea typeface="微软雅黑" panose="020B0503020204020204" pitchFamily="34" charset="-122"/>
               </a:rPr>
-              <a:t>可以</a:t>
-            </a:r>
-            <a:r>
-              <a:rPr lang="zh-CN" altLang="en-US" sz="2000" dirty="0" smtClean="0">
-                <a:latin typeface="微软雅黑" panose="020B0503020204020204" pitchFamily="34" charset="-122"/>
-                <a:ea typeface="微软雅黑" panose="020B0503020204020204" pitchFamily="34" charset="-122"/>
-              </a:rPr>
-              <a:t>把日志发送到文件，邮箱，数据库等</a:t>
-            </a:r>
-            <a:endParaRPr lang="en-US" altLang="zh-CN" sz="2000" dirty="0" smtClean="0">
+              <a:t>可以把日志发送到文件，邮箱，数据库等</a:t>
+            </a:r>
+            <a:endParaRPr lang="en-US" altLang="zh-CN" sz="2000" dirty="0">
               <a:latin typeface="微软雅黑" panose="020B0503020204020204" pitchFamily="34" charset="-122"/>
               <a:ea typeface="微软雅黑" panose="020B0503020204020204" pitchFamily="34" charset="-122"/>
             </a:endParaRPr>
@@ -20120,13 +19315,13 @@
               <a:buChar char="Ø"/>
             </a:pPr>
             <a:r>
-              <a:rPr lang="zh-CN" altLang="en-US" sz="2000" dirty="0" smtClean="0">
+              <a:rPr lang="zh-CN" altLang="en-US" sz="2000" dirty="0">
                 <a:latin typeface="微软雅黑" panose="020B0503020204020204" pitchFamily="34" charset="-122"/>
                 <a:ea typeface="微软雅黑" panose="020B0503020204020204" pitchFamily="34" charset="-122"/>
               </a:rPr>
               <a:t>能够很好的进行扩展</a:t>
             </a:r>
-            <a:endParaRPr lang="en-US" altLang="zh-CN" sz="2000" dirty="0" smtClean="0">
+            <a:endParaRPr lang="en-US" altLang="zh-CN" sz="2000" dirty="0">
               <a:latin typeface="微软雅黑" panose="020B0503020204020204" pitchFamily="34" charset="-122"/>
               <a:ea typeface="微软雅黑" panose="020B0503020204020204" pitchFamily="34" charset="-122"/>
             </a:endParaRPr>
@@ -20144,16 +19339,9 @@
                 <a:latin typeface="微软雅黑" panose="020B0503020204020204" pitchFamily="34" charset="-122"/>
                 <a:ea typeface="微软雅黑" panose="020B0503020204020204" pitchFamily="34" charset="-122"/>
               </a:rPr>
-              <a:t>环境</a:t>
-            </a:r>
-            <a:r>
-              <a:rPr lang="zh-CN" altLang="en-US" sz="2000" dirty="0" smtClean="0">
-                <a:latin typeface="微软雅黑" panose="020B0503020204020204" pitchFamily="34" charset="-122"/>
-                <a:ea typeface="微软雅黑" panose="020B0503020204020204" pitchFamily="34" charset="-122"/>
-              </a:rPr>
-              <a:t>要求</a:t>
-            </a:r>
-            <a:endParaRPr lang="en-US" altLang="zh-CN" sz="2000" dirty="0" smtClean="0">
+              <a:t>环境要求</a:t>
+            </a:r>
+            <a:endParaRPr lang="en-US" altLang="zh-CN" sz="2000" dirty="0">
               <a:latin typeface="微软雅黑" panose="020B0503020204020204" pitchFamily="34" charset="-122"/>
               <a:ea typeface="微软雅黑" panose="020B0503020204020204" pitchFamily="34" charset="-122"/>
             </a:endParaRPr>
@@ -20167,34 +19355,34 @@
               <a:buChar char="Ø"/>
             </a:pPr>
             <a:r>
-              <a:rPr lang="en-US" altLang="zh-CN" sz="2000" dirty="0" smtClean="0">
+              <a:rPr lang="en-US" altLang="zh-CN" sz="2000" dirty="0">
                 <a:latin typeface="微软雅黑" panose="020B0503020204020204" pitchFamily="34" charset="-122"/>
                 <a:ea typeface="微软雅黑" panose="020B0503020204020204" pitchFamily="34" charset="-122"/>
               </a:rPr>
               <a:t>PHP</a:t>
             </a:r>
             <a:r>
-              <a:rPr lang="zh-CN" altLang="en-US" sz="2000" dirty="0" smtClean="0">
+              <a:rPr lang="zh-CN" altLang="en-US" sz="2000" dirty="0">
                 <a:latin typeface="微软雅黑" panose="020B0503020204020204" pitchFamily="34" charset="-122"/>
                 <a:ea typeface="微软雅黑" panose="020B0503020204020204" pitchFamily="34" charset="-122"/>
               </a:rPr>
               <a:t>版本</a:t>
             </a:r>
             <a:r>
-              <a:rPr lang="en-US" altLang="zh-CN" sz="2000" dirty="0" smtClean="0">
+              <a:rPr lang="en-US" altLang="zh-CN" sz="2000" dirty="0">
                 <a:latin typeface="微软雅黑" panose="020B0503020204020204" pitchFamily="34" charset="-122"/>
                 <a:ea typeface="微软雅黑" panose="020B0503020204020204" pitchFamily="34" charset="-122"/>
               </a:rPr>
               <a:t>5.3</a:t>
             </a:r>
             <a:r>
-              <a:rPr lang="zh-CN" altLang="en-US" sz="2000" dirty="0" smtClean="0">
+              <a:rPr lang="zh-CN" altLang="en-US" sz="2000" dirty="0">
                 <a:latin typeface="微软雅黑" panose="020B0503020204020204" pitchFamily="34" charset="-122"/>
                 <a:ea typeface="微软雅黑" panose="020B0503020204020204" pitchFamily="34" charset="-122"/>
               </a:rPr>
               <a:t>以上</a:t>
             </a:r>
-            <a:endParaRPr lang="en-US" altLang="zh-CN" sz="2000" dirty="0" smtClean="0">
+            <a:endParaRPr lang="en-US" altLang="zh-CN" sz="2000" dirty="0">
               <a:latin typeface="微软雅黑" panose="020B0503020204020204" pitchFamily="34" charset="-122"/>
               <a:ea typeface="微软雅黑" panose="020B0503020204020204" pitchFamily="34" charset="-122"/>
             </a:endParaRPr>
@@ -20252,14 +19440,13 @@
           <a:lstStyle/>
           <a:p>
             <a:r>
-              <a:rPr lang="en-US" altLang="zh-CN" b="0" dirty="0" smtClean="0"/>
+              <a:rPr lang="en-US" altLang="zh-CN" b="0" dirty="0"/>
               <a:t>monolog</a:t>
             </a:r>
             <a:r>
-              <a:rPr lang="zh-CN" altLang="en-US" b="0" dirty="0" smtClean="0"/>
+              <a:rPr lang="zh-CN" altLang="en-US" b="0" dirty="0"/>
               <a:t>几个重要概念</a:t>
             </a:r>
-            <a:endParaRPr lang="zh-CN" altLang="en-US" b="0" dirty="0"/>
           </a:p>
         </p:txBody>
       </p:sp>
@@ -20293,104 +19480,83 @@
               <a:buChar char="•"/>
             </a:pPr>
             <a:r>
-              <a:rPr lang="en-US" altLang="zh-CN" sz="2000" b="1" dirty="0" smtClean="0">
+              <a:rPr lang="en-US" altLang="zh-CN" sz="2000" b="1" dirty="0">
                 <a:latin typeface="微软雅黑" panose="020B0503020204020204" pitchFamily="34" charset="-122"/>
                 <a:ea typeface="微软雅黑" panose="020B0503020204020204" pitchFamily="34" charset="-122"/>
               </a:rPr>
               <a:t>Handler</a:t>
             </a:r>
             <a:r>
-              <a:rPr lang="zh-CN" altLang="en-US" sz="2000" b="1" dirty="0" smtClean="0">
-                <a:latin typeface="微软雅黑" panose="020B0503020204020204" pitchFamily="34" charset="-122"/>
-                <a:ea typeface="微软雅黑" panose="020B0503020204020204" pitchFamily="34" charset="-122"/>
-              </a:rPr>
-              <a:t>日志管理器</a:t>
-            </a:r>
-            <a:r>
               <a:rPr lang="zh-CN" altLang="en-US" sz="2000" b="1" dirty="0">
                 <a:latin typeface="微软雅黑" panose="020B0503020204020204" pitchFamily="34" charset="-122"/>
                 <a:ea typeface="微软雅黑" panose="020B0503020204020204" pitchFamily="34" charset="-122"/>
               </a:rPr>
+              <a:t>日志管理器：</a:t>
+            </a:r>
+            <a:r>
+              <a:rPr lang="zh-CN" altLang="en-US" sz="2000" dirty="0">
+                <a:latin typeface="微软雅黑" panose="020B0503020204020204" pitchFamily="34" charset="-122"/>
+                <a:ea typeface="微软雅黑" panose="020B0503020204020204" pitchFamily="34" charset="-122"/>
+              </a:rPr>
+              <a:t>当实例化一个</a:t>
+            </a:r>
+            <a:r>
+              <a:rPr lang="en-US" altLang="zh-CN" sz="2000" dirty="0">
+                <a:latin typeface="微软雅黑" panose="020B0503020204020204" pitchFamily="34" charset="-122"/>
+                <a:ea typeface="微软雅黑" panose="020B0503020204020204" pitchFamily="34" charset="-122"/>
+              </a:rPr>
+              <a:t>Logger</a:t>
+            </a:r>
+            <a:r>
+              <a:rPr lang="zh-CN" altLang="en-US" sz="2000" dirty="0">
+                <a:latin typeface="微软雅黑" panose="020B0503020204020204" pitchFamily="34" charset="-122"/>
+                <a:ea typeface="微软雅黑" panose="020B0503020204020204" pitchFamily="34" charset="-122"/>
+              </a:rPr>
+              <a:t>的时候，需要有一个名称表示日志所处的空间或者说是域，而实例化以后，就需要去处理日志，那么进行日志处理的类就是日志管理器（</a:t>
+            </a:r>
+            <a:r>
+              <a:rPr lang="en-US" altLang="zh-CN" sz="2000" dirty="0">
+                <a:latin typeface="微软雅黑" panose="020B0503020204020204" pitchFamily="34" charset="-122"/>
+                <a:ea typeface="微软雅黑" panose="020B0503020204020204" pitchFamily="34" charset="-122"/>
+              </a:rPr>
+              <a:t>handler</a:t>
+            </a:r>
+            <a:r>
+              <a:rPr lang="zh-CN" altLang="en-US" sz="2000" dirty="0">
+                <a:latin typeface="微软雅黑" panose="020B0503020204020204" pitchFamily="34" charset="-122"/>
+                <a:ea typeface="微软雅黑" panose="020B0503020204020204" pitchFamily="34" charset="-122"/>
+              </a:rPr>
+              <a:t>），</a:t>
+            </a:r>
+            <a:r>
+              <a:rPr lang="en-US" altLang="zh-CN" sz="2000" dirty="0">
+                <a:latin typeface="微软雅黑" panose="020B0503020204020204" pitchFamily="34" charset="-122"/>
+                <a:ea typeface="微软雅黑" panose="020B0503020204020204" pitchFamily="34" charset="-122"/>
+              </a:rPr>
+              <a:t>monolog</a:t>
+            </a:r>
+            <a:r>
+              <a:rPr lang="zh-CN" altLang="en-US" sz="2000" dirty="0">
+                <a:latin typeface="微软雅黑" panose="020B0503020204020204" pitchFamily="34" charset="-122"/>
+                <a:ea typeface="微软雅黑" panose="020B0503020204020204" pitchFamily="34" charset="-122"/>
+              </a:rPr>
+              <a:t>已经内置了很多</a:t>
+            </a:r>
+            <a:r>
+              <a:rPr lang="en-US" altLang="zh-CN" sz="2000" dirty="0">
+                <a:latin typeface="微软雅黑" panose="020B0503020204020204" pitchFamily="34" charset="-122"/>
+                <a:ea typeface="微软雅黑" panose="020B0503020204020204" pitchFamily="34" charset="-122"/>
+              </a:rPr>
+              <a:t>handler</a:t>
+            </a:r>
+            <a:r>
+              <a:rPr lang="zh-CN" altLang="en-US" sz="2000" dirty="0">
+                <a:latin typeface="微软雅黑" panose="020B0503020204020204" pitchFamily="34" charset="-122"/>
+                <a:ea typeface="微软雅黑" panose="020B0503020204020204" pitchFamily="34" charset="-122"/>
+              </a:rPr>
               <a:t>：</a:t>
             </a:r>
-            <a:r>
-              <a:rPr lang="zh-CN" altLang="en-US" sz="2000" dirty="0" smtClean="0">
-                <a:latin typeface="微软雅黑" panose="020B0503020204020204" pitchFamily="34" charset="-122"/>
-                <a:ea typeface="微软雅黑" panose="020B0503020204020204" pitchFamily="34" charset="-122"/>
-              </a:rPr>
-              <a:t>当实例化一个</a:t>
-            </a:r>
-            <a:r>
-              <a:rPr lang="en-US" altLang="zh-CN" sz="2000" dirty="0" smtClean="0">
-                <a:latin typeface="微软雅黑" panose="020B0503020204020204" pitchFamily="34" charset="-122"/>
-                <a:ea typeface="微软雅黑" panose="020B0503020204020204" pitchFamily="34" charset="-122"/>
-              </a:rPr>
-              <a:t>Logger</a:t>
-            </a:r>
-            <a:r>
-              <a:rPr lang="zh-CN" altLang="en-US" sz="2000" dirty="0" smtClean="0">
-                <a:latin typeface="微软雅黑" panose="020B0503020204020204" pitchFamily="34" charset="-122"/>
-                <a:ea typeface="微软雅黑" panose="020B0503020204020204" pitchFamily="34" charset="-122"/>
-              </a:rPr>
-              <a:t>的时候，需要有一个名称表示日志所处的空间或者说是</a:t>
-            </a:r>
-            <a:r>
-              <a:rPr lang="zh-CN" altLang="en-US" sz="2000" dirty="0">
-                <a:latin typeface="微软雅黑" panose="020B0503020204020204" pitchFamily="34" charset="-122"/>
-                <a:ea typeface="微软雅黑" panose="020B0503020204020204" pitchFamily="34" charset="-122"/>
-              </a:rPr>
-              <a:t>域</a:t>
-            </a:r>
-            <a:r>
-              <a:rPr lang="zh-CN" altLang="en-US" sz="2000" dirty="0" smtClean="0">
-                <a:latin typeface="微软雅黑" panose="020B0503020204020204" pitchFamily="34" charset="-122"/>
-                <a:ea typeface="微软雅黑" panose="020B0503020204020204" pitchFamily="34" charset="-122"/>
-              </a:rPr>
-              <a:t>，而实例化以后，就需要去处理日志，那么进行日志处理的类就是日志管理器（</a:t>
-            </a:r>
-            <a:r>
-              <a:rPr lang="en-US" altLang="zh-CN" sz="2000" dirty="0" smtClean="0">
-                <a:latin typeface="微软雅黑" panose="020B0503020204020204" pitchFamily="34" charset="-122"/>
-                <a:ea typeface="微软雅黑" panose="020B0503020204020204" pitchFamily="34" charset="-122"/>
-              </a:rPr>
-              <a:t>handler</a:t>
-            </a:r>
-            <a:r>
-              <a:rPr lang="zh-CN" altLang="en-US" sz="2000" dirty="0" smtClean="0">
-                <a:latin typeface="微软雅黑" panose="020B0503020204020204" pitchFamily="34" charset="-122"/>
-                <a:ea typeface="微软雅黑" panose="020B0503020204020204" pitchFamily="34" charset="-122"/>
-              </a:rPr>
-              <a:t>），</a:t>
-            </a:r>
-            <a:r>
-              <a:rPr lang="en-US" altLang="zh-CN" sz="2000" dirty="0" smtClean="0">
-                <a:latin typeface="微软雅黑" panose="020B0503020204020204" pitchFamily="34" charset="-122"/>
-                <a:ea typeface="微软雅黑" panose="020B0503020204020204" pitchFamily="34" charset="-122"/>
-              </a:rPr>
-              <a:t>monolog</a:t>
-            </a:r>
-            <a:r>
-              <a:rPr lang="zh-CN" altLang="en-US" sz="2000" dirty="0" smtClean="0">
-                <a:latin typeface="微软雅黑" panose="020B0503020204020204" pitchFamily="34" charset="-122"/>
-                <a:ea typeface="微软雅黑" panose="020B0503020204020204" pitchFamily="34" charset="-122"/>
-              </a:rPr>
-              <a:t>已经内置了很多</a:t>
-            </a:r>
-            <a:r>
-              <a:rPr lang="en-US" altLang="zh-CN" sz="2000" dirty="0" smtClean="0">
-                <a:latin typeface="微软雅黑" panose="020B0503020204020204" pitchFamily="34" charset="-122"/>
-                <a:ea typeface="微软雅黑" panose="020B0503020204020204" pitchFamily="34" charset="-122"/>
-              </a:rPr>
-              <a:t>handler</a:t>
-            </a:r>
-            <a:r>
-              <a:rPr lang="zh-CN" altLang="en-US" sz="2000" dirty="0" smtClean="0">
-                <a:latin typeface="微软雅黑" panose="020B0503020204020204" pitchFamily="34" charset="-122"/>
-                <a:ea typeface="微软雅黑" panose="020B0503020204020204" pitchFamily="34" charset="-122"/>
-              </a:rPr>
-              <a:t>：</a:t>
-            </a:r>
-            <a:endParaRPr lang="en-US" altLang="zh-CN" sz="2000" dirty="0" smtClean="0">
+            <a:endParaRPr lang="en-US" altLang="zh-CN" sz="2000" dirty="0">
               <a:latin typeface="微软雅黑" panose="020B0503020204020204" pitchFamily="34" charset="-122"/>
               <a:ea typeface="微软雅黑" panose="020B0503020204020204" pitchFamily="34" charset="-122"/>
             </a:endParaRPr>
@@ -20402,34 +19568,34 @@
               </a:lnSpc>
             </a:pPr>
             <a:r>
-              <a:rPr lang="en-US" altLang="zh-CN" sz="2000" dirty="0" err="1" smtClean="0">
+              <a:rPr lang="en-US" altLang="zh-CN" sz="2000" dirty="0" err="1">
                 <a:latin typeface="微软雅黑" panose="020B0503020204020204" pitchFamily="34" charset="-122"/>
                 <a:ea typeface="微软雅黑" panose="020B0503020204020204" pitchFamily="34" charset="-122"/>
               </a:rPr>
               <a:t>StreamHandler</a:t>
             </a:r>
             <a:r>
-              <a:rPr lang="zh-CN" altLang="en-US" sz="2000" dirty="0" smtClean="0">
+              <a:rPr lang="zh-CN" altLang="en-US" sz="2000" dirty="0">
                 <a:latin typeface="微软雅黑" panose="020B0503020204020204" pitchFamily="34" charset="-122"/>
                 <a:ea typeface="微软雅黑" panose="020B0503020204020204" pitchFamily="34" charset="-122"/>
               </a:rPr>
               <a:t>：记录写入</a:t>
             </a:r>
             <a:r>
-              <a:rPr lang="en-US" altLang="zh-CN" sz="2000" dirty="0" smtClean="0">
+              <a:rPr lang="en-US" altLang="zh-CN" sz="2000" dirty="0">
                 <a:latin typeface="微软雅黑" panose="020B0503020204020204" pitchFamily="34" charset="-122"/>
                 <a:ea typeface="微软雅黑" panose="020B0503020204020204" pitchFamily="34" charset="-122"/>
               </a:rPr>
               <a:t>PHP</a:t>
             </a:r>
             <a:r>
-              <a:rPr lang="zh-CN" altLang="en-US" sz="2000" dirty="0" smtClean="0">
+              <a:rPr lang="zh-CN" altLang="en-US" sz="2000" dirty="0">
                 <a:latin typeface="微软雅黑" panose="020B0503020204020204" pitchFamily="34" charset="-122"/>
                 <a:ea typeface="微软雅黑" panose="020B0503020204020204" pitchFamily="34" charset="-122"/>
               </a:rPr>
               <a:t>流，用于写入文件</a:t>
             </a:r>
-            <a:endParaRPr lang="en-US" altLang="zh-CN" sz="2000" dirty="0" smtClean="0">
+            <a:endParaRPr lang="en-US" altLang="zh-CN" sz="2000" dirty="0">
               <a:latin typeface="微软雅黑" panose="020B0503020204020204" pitchFamily="34" charset="-122"/>
               <a:ea typeface="微软雅黑" panose="020B0503020204020204" pitchFamily="34" charset="-122"/>
             </a:endParaRPr>
@@ -20441,20 +19607,20 @@
               </a:lnSpc>
             </a:pPr>
             <a:r>
-              <a:rPr lang="en-US" altLang="zh-CN" sz="2000" dirty="0" err="1" smtClean="0">
+              <a:rPr lang="en-US" altLang="zh-CN" sz="2000" dirty="0" err="1">
                 <a:latin typeface="微软雅黑" panose="020B0503020204020204" pitchFamily="34" charset="-122"/>
                 <a:ea typeface="微软雅黑" panose="020B0503020204020204" pitchFamily="34" charset="-122"/>
               </a:rPr>
               <a:t>SyslogHandler</a:t>
             </a:r>
             <a:r>
-              <a:rPr lang="zh-CN" altLang="en-US" sz="2000" dirty="0" smtClean="0">
+              <a:rPr lang="zh-CN" altLang="en-US" sz="2000" dirty="0">
                 <a:latin typeface="微软雅黑" panose="020B0503020204020204" pitchFamily="34" charset="-122"/>
                 <a:ea typeface="微软雅黑" panose="020B0503020204020204" pitchFamily="34" charset="-122"/>
               </a:rPr>
               <a:t>：使用系统日志</a:t>
             </a:r>
-            <a:endParaRPr lang="en-US" altLang="zh-CN" sz="2000" dirty="0" smtClean="0">
+            <a:endParaRPr lang="en-US" altLang="zh-CN" sz="2000" dirty="0">
               <a:latin typeface="微软雅黑" panose="020B0503020204020204" pitchFamily="34" charset="-122"/>
               <a:ea typeface="微软雅黑" panose="020B0503020204020204" pitchFamily="34" charset="-122"/>
             </a:endParaRPr>
@@ -20466,34 +19632,34 @@
               </a:lnSpc>
             </a:pPr>
             <a:r>
-              <a:rPr lang="en-US" altLang="zh-CN" sz="2000" dirty="0" err="1" smtClean="0">
+              <a:rPr lang="en-US" altLang="zh-CN" sz="2000" dirty="0" err="1">
                 <a:latin typeface="微软雅黑" panose="020B0503020204020204" pitchFamily="34" charset="-122"/>
                 <a:ea typeface="微软雅黑" panose="020B0503020204020204" pitchFamily="34" charset="-122"/>
               </a:rPr>
               <a:t>ErrorlogHandler</a:t>
             </a:r>
             <a:r>
-              <a:rPr lang="zh-CN" altLang="en-US" sz="2000" dirty="0" smtClean="0">
+              <a:rPr lang="zh-CN" altLang="en-US" sz="2000" dirty="0">
                 <a:latin typeface="微软雅黑" panose="020B0503020204020204" pitchFamily="34" charset="-122"/>
                 <a:ea typeface="微软雅黑" panose="020B0503020204020204" pitchFamily="34" charset="-122"/>
               </a:rPr>
               <a:t>：使用</a:t>
             </a:r>
             <a:r>
-              <a:rPr lang="en-US" altLang="zh-CN" sz="2000" dirty="0" smtClean="0">
+              <a:rPr lang="en-US" altLang="zh-CN" sz="2000" dirty="0">
                 <a:latin typeface="微软雅黑" panose="020B0503020204020204" pitchFamily="34" charset="-122"/>
                 <a:ea typeface="微软雅黑" panose="020B0503020204020204" pitchFamily="34" charset="-122"/>
               </a:rPr>
               <a:t>PHP</a:t>
             </a:r>
             <a:r>
-              <a:rPr lang="zh-CN" altLang="en-US" sz="2000" dirty="0" smtClean="0">
+              <a:rPr lang="zh-CN" altLang="en-US" sz="2000" dirty="0">
                 <a:latin typeface="微软雅黑" panose="020B0503020204020204" pitchFamily="34" charset="-122"/>
                 <a:ea typeface="微软雅黑" panose="020B0503020204020204" pitchFamily="34" charset="-122"/>
               </a:rPr>
               <a:t>错误日志</a:t>
             </a:r>
-            <a:endParaRPr lang="en-US" altLang="zh-CN" sz="2000" dirty="0" smtClean="0">
+            <a:endParaRPr lang="en-US" altLang="zh-CN" sz="2000" dirty="0">
               <a:latin typeface="微软雅黑" panose="020B0503020204020204" pitchFamily="34" charset="-122"/>
               <a:ea typeface="微软雅黑" panose="020B0503020204020204" pitchFamily="34" charset="-122"/>
             </a:endParaRPr>
@@ -20505,20 +19671,20 @@
               </a:lnSpc>
             </a:pPr>
             <a:r>
-              <a:rPr lang="en-US" altLang="zh-CN" sz="2000" dirty="0" err="1" smtClean="0">
+              <a:rPr lang="en-US" altLang="zh-CN" sz="2000" dirty="0" err="1">
                 <a:latin typeface="微软雅黑" panose="020B0503020204020204" pitchFamily="34" charset="-122"/>
                 <a:ea typeface="微软雅黑" panose="020B0503020204020204" pitchFamily="34" charset="-122"/>
               </a:rPr>
               <a:t>NativeMailHandler</a:t>
             </a:r>
             <a:r>
-              <a:rPr lang="zh-CN" altLang="en-US" sz="2000" dirty="0" smtClean="0">
+              <a:rPr lang="zh-CN" altLang="en-US" sz="2000" dirty="0">
                 <a:latin typeface="微软雅黑" panose="020B0503020204020204" pitchFamily="34" charset="-122"/>
                 <a:ea typeface="微软雅黑" panose="020B0503020204020204" pitchFamily="34" charset="-122"/>
               </a:rPr>
               <a:t>：发送邮件</a:t>
             </a:r>
-            <a:endParaRPr lang="en-US" altLang="zh-CN" sz="2000" dirty="0" smtClean="0">
+            <a:endParaRPr lang="en-US" altLang="zh-CN" sz="2000" dirty="0">
               <a:latin typeface="微软雅黑" panose="020B0503020204020204" pitchFamily="34" charset="-122"/>
               <a:ea typeface="微软雅黑" panose="020B0503020204020204" pitchFamily="34" charset="-122"/>
             </a:endParaRPr>
@@ -20530,34 +19696,34 @@
               </a:lnSpc>
             </a:pPr>
             <a:r>
-              <a:rPr lang="en-US" altLang="zh-CN" sz="2000" dirty="0" err="1" smtClean="0">
+              <a:rPr lang="en-US" altLang="zh-CN" sz="2000" dirty="0" err="1">
                 <a:latin typeface="微软雅黑" panose="020B0503020204020204" pitchFamily="34" charset="-122"/>
                 <a:ea typeface="微软雅黑" panose="020B0503020204020204" pitchFamily="34" charset="-122"/>
               </a:rPr>
               <a:t>SocketHandler</a:t>
             </a:r>
             <a:r>
-              <a:rPr lang="zh-CN" altLang="en-US" sz="2000" dirty="0" smtClean="0">
+              <a:rPr lang="zh-CN" altLang="en-US" sz="2000" dirty="0">
                 <a:latin typeface="微软雅黑" panose="020B0503020204020204" pitchFamily="34" charset="-122"/>
                 <a:ea typeface="微软雅黑" panose="020B0503020204020204" pitchFamily="34" charset="-122"/>
               </a:rPr>
               <a:t>：使用</a:t>
             </a:r>
             <a:r>
-              <a:rPr lang="en-US" altLang="zh-CN" sz="2000" dirty="0" smtClean="0">
+              <a:rPr lang="en-US" altLang="zh-CN" sz="2000" dirty="0">
                 <a:latin typeface="微软雅黑" panose="020B0503020204020204" pitchFamily="34" charset="-122"/>
                 <a:ea typeface="微软雅黑" panose="020B0503020204020204" pitchFamily="34" charset="-122"/>
               </a:rPr>
               <a:t>socket</a:t>
             </a:r>
             <a:r>
-              <a:rPr lang="zh-CN" altLang="en-US" sz="2000" dirty="0" smtClean="0">
+              <a:rPr lang="zh-CN" altLang="en-US" sz="2000" dirty="0">
                 <a:latin typeface="微软雅黑" panose="020B0503020204020204" pitchFamily="34" charset="-122"/>
                 <a:ea typeface="微软雅黑" panose="020B0503020204020204" pitchFamily="34" charset="-122"/>
               </a:rPr>
               <a:t>传递日志记录</a:t>
             </a:r>
-            <a:endParaRPr lang="en-US" altLang="zh-CN" sz="2000" dirty="0" smtClean="0">
+            <a:endParaRPr lang="en-US" altLang="zh-CN" sz="2000" dirty="0">
               <a:latin typeface="微软雅黑" panose="020B0503020204020204" pitchFamily="34" charset="-122"/>
               <a:ea typeface="微软雅黑" panose="020B0503020204020204" pitchFamily="34" charset="-122"/>
             </a:endParaRPr>
@@ -20571,41 +19737,41 @@
               <a:buChar char="•"/>
             </a:pPr>
             <a:r>
-              <a:rPr lang="zh-CN" altLang="en-US" sz="2000" dirty="0" smtClean="0">
+              <a:rPr lang="zh-CN" altLang="en-US" sz="2000" dirty="0">
                 <a:latin typeface="微软雅黑" panose="020B0503020204020204" pitchFamily="34" charset="-122"/>
                 <a:ea typeface="微软雅黑" panose="020B0503020204020204" pitchFamily="34" charset="-122"/>
               </a:rPr>
               <a:t>这些日志管理器实际就是本地一个</a:t>
             </a:r>
             <a:r>
-              <a:rPr lang="en-US" altLang="zh-CN" sz="2000" dirty="0" err="1" smtClean="0">
+              <a:rPr lang="en-US" altLang="zh-CN" sz="2000" dirty="0" err="1">
                 <a:latin typeface="微软雅黑" panose="020B0503020204020204" pitchFamily="34" charset="-122"/>
                 <a:ea typeface="微软雅黑" panose="020B0503020204020204" pitchFamily="34" charset="-122"/>
               </a:rPr>
               <a:t>php</a:t>
             </a:r>
             <a:r>
-              <a:rPr lang="zh-CN" altLang="en-US" sz="2000" dirty="0" smtClean="0">
+              <a:rPr lang="zh-CN" altLang="en-US" sz="2000" dirty="0">
                 <a:latin typeface="微软雅黑" panose="020B0503020204020204" pitchFamily="34" charset="-122"/>
                 <a:ea typeface="微软雅黑" panose="020B0503020204020204" pitchFamily="34" charset="-122"/>
               </a:rPr>
               <a:t>文件实现了对应功能的一个类，比如</a:t>
             </a:r>
             <a:r>
-              <a:rPr lang="en-US" altLang="zh-CN" sz="2000" dirty="0" err="1" smtClean="0">
+              <a:rPr lang="en-US" altLang="zh-CN" sz="2000" dirty="0" err="1">
                 <a:latin typeface="微软雅黑" panose="020B0503020204020204" pitchFamily="34" charset="-122"/>
                 <a:ea typeface="微软雅黑" panose="020B0503020204020204" pitchFamily="34" charset="-122"/>
               </a:rPr>
               <a:t>StreamHandler</a:t>
             </a:r>
             <a:r>
-              <a:rPr lang="zh-CN" altLang="en-US" sz="2000" dirty="0" smtClean="0">
+              <a:rPr lang="zh-CN" altLang="en-US" sz="2000" dirty="0">
                 <a:latin typeface="微软雅黑" panose="020B0503020204020204" pitchFamily="34" charset="-122"/>
                 <a:ea typeface="微软雅黑" panose="020B0503020204020204" pitchFamily="34" charset="-122"/>
               </a:rPr>
               <a:t>就是类的名称。</a:t>
             </a:r>
-            <a:endParaRPr lang="en-US" altLang="zh-CN" sz="2000" dirty="0" smtClean="0">
+            <a:endParaRPr lang="en-US" altLang="zh-CN" sz="2000" dirty="0">
               <a:latin typeface="微软雅黑" panose="020B0503020204020204" pitchFamily="34" charset="-122"/>
               <a:ea typeface="微软雅黑" panose="020B0503020204020204" pitchFamily="34" charset="-122"/>
             </a:endParaRPr>
@@ -20714,40 +19880,29 @@
                 <a:latin typeface="微软雅黑" panose="020B0503020204020204" pitchFamily="34" charset="-122"/>
                 <a:ea typeface="微软雅黑" panose="020B0503020204020204" pitchFamily="34" charset="-122"/>
               </a:rPr>
-              <a:t>日志</a:t>
-            </a:r>
-            <a:r>
-              <a:rPr lang="zh-CN" altLang="en-US" sz="2000" dirty="0" smtClean="0">
-                <a:latin typeface="微软雅黑" panose="020B0503020204020204" pitchFamily="34" charset="-122"/>
-                <a:ea typeface="微软雅黑" panose="020B0503020204020204" pitchFamily="34" charset="-122"/>
-              </a:rPr>
-              <a:t>格式 ：</a:t>
-            </a:r>
-            <a:r>
-              <a:rPr lang="en-US" altLang="zh-CN" sz="2000" dirty="0" smtClean="0">
+              <a:t>日志格式 ：</a:t>
+            </a:r>
+            <a:r>
+              <a:rPr lang="en-US" altLang="zh-CN" sz="2000" dirty="0">
                 <a:latin typeface="微软雅黑" panose="020B0503020204020204" pitchFamily="34" charset="-122"/>
                 <a:ea typeface="微软雅黑" panose="020B0503020204020204" pitchFamily="34" charset="-122"/>
               </a:rPr>
               <a:t>monolog</a:t>
             </a:r>
             <a:r>
-              <a:rPr lang="zh-CN" altLang="en-US" sz="2000" dirty="0" smtClean="0">
+              <a:rPr lang="zh-CN" altLang="en-US" sz="2000" dirty="0">
                 <a:latin typeface="微软雅黑" panose="020B0503020204020204" pitchFamily="34" charset="-122"/>
                 <a:ea typeface="微软雅黑" panose="020B0503020204020204" pitchFamily="34" charset="-122"/>
               </a:rPr>
               <a:t>已经内置了很多格式化处理的</a:t>
             </a:r>
             <a:r>
-              <a:rPr lang="en-US" altLang="zh-CN" sz="2000" dirty="0" smtClean="0">
+              <a:rPr lang="en-US" altLang="zh-CN" sz="2000" dirty="0">
                 <a:latin typeface="微软雅黑" panose="020B0503020204020204" pitchFamily="34" charset="-122"/>
                 <a:ea typeface="微软雅黑" panose="020B0503020204020204" pitchFamily="34" charset="-122"/>
               </a:rPr>
               <a:t>formatter</a:t>
             </a:r>
-            <a:endParaRPr lang="en-US" altLang="zh-CN" sz="2000" dirty="0">
-              <a:latin typeface="微软雅黑" panose="020B0503020204020204" pitchFamily="34" charset="-122"/>
-              <a:ea typeface="微软雅黑" panose="020B0503020204020204" pitchFamily="34" charset="-122"/>
-            </a:endParaRPr>
           </a:p>
           <a:p>
             <a:pPr lvl="1">
@@ -21104,7 +20259,7 @@
               <a:buChar char="•"/>
             </a:pPr>
             <a:r>
-              <a:rPr lang="en-US" altLang="zh-CN" sz="2000" dirty="0" smtClean="0">
+              <a:rPr lang="en-US" altLang="zh-CN" sz="2000" dirty="0">
                 <a:latin typeface="微软雅黑" panose="020B0503020204020204" pitchFamily="34" charset="-122"/>
                 <a:ea typeface="微软雅黑" panose="020B0503020204020204" pitchFamily="34" charset="-122"/>
               </a:rPr>
@@ -21115,16 +20270,9 @@
                 <a:latin typeface="微软雅黑" panose="020B0503020204020204" pitchFamily="34" charset="-122"/>
                 <a:ea typeface="微软雅黑" panose="020B0503020204020204" pitchFamily="34" charset="-122"/>
               </a:rPr>
-              <a:t>为</a:t>
-            </a:r>
-            <a:r>
-              <a:rPr lang="zh-CN" altLang="en-US" sz="2000" dirty="0" smtClean="0">
-                <a:latin typeface="微软雅黑" panose="020B0503020204020204" pitchFamily="34" charset="-122"/>
-                <a:ea typeface="微软雅黑" panose="020B0503020204020204" pitchFamily="34" charset="-122"/>
-              </a:rPr>
-              <a:t>日志添加额外信息</a:t>
-            </a:r>
-            <a:endParaRPr lang="en-US" altLang="zh-CN" sz="2000" dirty="0" smtClean="0">
+              <a:t>为日志添加额外信息</a:t>
+            </a:r>
+            <a:endParaRPr lang="en-US" altLang="zh-CN" sz="2000" dirty="0">
               <a:latin typeface="微软雅黑" panose="020B0503020204020204" pitchFamily="34" charset="-122"/>
               <a:ea typeface="微软雅黑" panose="020B0503020204020204" pitchFamily="34" charset="-122"/>
             </a:endParaRPr>
@@ -21136,7 +20284,7 @@
               </a:lnSpc>
             </a:pPr>
             <a:r>
-              <a:rPr lang="en-US" altLang="zh-CN" sz="2000" dirty="0" smtClean="0">
+              <a:rPr lang="en-US" altLang="zh-CN" sz="2000" dirty="0">
                 <a:latin typeface="微软雅黑" panose="020B0503020204020204" pitchFamily="34" charset="-122"/>
                 <a:ea typeface="微软雅黑" panose="020B0503020204020204" pitchFamily="34" charset="-122"/>
               </a:rPr>
@@ -21294,19 +20442,8 @@
                 <a:latin typeface="微软雅黑" panose="020B0503020204020204" pitchFamily="34" charset="-122"/>
                 <a:ea typeface="微软雅黑" panose="020B0503020204020204" pitchFamily="34" charset="-122"/>
               </a:rPr>
-              <a:t>：增加内存使用高峰时的信息</a:t>
-            </a:r>
-            <a:r>
-              <a:rPr lang="zh-CN" altLang="en-US" sz="2000" dirty="0" smtClean="0">
-                <a:latin typeface="微软雅黑" panose="020B0503020204020204" pitchFamily="34" charset="-122"/>
-                <a:ea typeface="微软雅黑" panose="020B0503020204020204" pitchFamily="34" charset="-122"/>
-              </a:rPr>
-              <a:t>。</a:t>
-            </a:r>
-            <a:endParaRPr lang="zh-CN" altLang="en-US" sz="2000" dirty="0">
-              <a:latin typeface="微软雅黑" panose="020B0503020204020204" pitchFamily="34" charset="-122"/>
-              <a:ea typeface="微软雅黑" panose="020B0503020204020204" pitchFamily="34" charset="-122"/>
-            </a:endParaRPr>
+              <a:t>：增加内存使用高峰时的信息。</a:t>
+            </a:r>
           </a:p>
         </p:txBody>
       </p:sp>
@@ -21356,10 +20493,9 @@
           <a:lstStyle/>
           <a:p>
             <a:r>
-              <a:rPr lang="zh-CN" altLang="en-US" b="0" dirty="0" smtClean="0"/>
+              <a:rPr lang="zh-CN" altLang="en-US" b="0" dirty="0"/>
               <a:t>日志等级</a:t>
             </a:r>
-            <a:endParaRPr lang="zh-CN" altLang="en-US" b="0" dirty="0"/>
           </a:p>
         </p:txBody>
       </p:sp>
@@ -21393,13 +20529,13 @@
               <a:buChar char="•"/>
             </a:pPr>
             <a:r>
-              <a:rPr lang="zh-CN" altLang="en-US" sz="2000" dirty="0" smtClean="0">
+              <a:rPr lang="zh-CN" altLang="en-US" sz="2000" dirty="0">
                 <a:latin typeface="微软雅黑" panose="020B0503020204020204" pitchFamily="34" charset="-122"/>
                 <a:ea typeface="微软雅黑" panose="020B0503020204020204" pitchFamily="34" charset="-122"/>
               </a:rPr>
               <a:t>以下几个等级越往下错误等级越高</a:t>
             </a:r>
-            <a:endParaRPr lang="en-US" altLang="zh-CN" sz="2000" dirty="0" smtClean="0">
+            <a:endParaRPr lang="en-US" altLang="zh-CN" sz="2000" dirty="0">
               <a:latin typeface="微软雅黑" panose="020B0503020204020204" pitchFamily="34" charset="-122"/>
               <a:ea typeface="微软雅黑" panose="020B0503020204020204" pitchFamily="34" charset="-122"/>
             </a:endParaRPr>
@@ -21411,18 +20547,11 @@
               </a:lnSpc>
             </a:pPr>
             <a:r>
-              <a:rPr lang="en-US" altLang="zh-CN" sz="2000" dirty="0" smtClean="0">
-                <a:latin typeface="微软雅黑" panose="020B0503020204020204" pitchFamily="34" charset="-122"/>
-                <a:ea typeface="微软雅黑" panose="020B0503020204020204" pitchFamily="34" charset="-122"/>
-              </a:rPr>
-              <a:t>DEBUG </a:t>
-            </a:r>
-            <a:r>
               <a:rPr lang="en-US" altLang="zh-CN" sz="2000" dirty="0">
                 <a:latin typeface="微软雅黑" panose="020B0503020204020204" pitchFamily="34" charset="-122"/>
                 <a:ea typeface="微软雅黑" panose="020B0503020204020204" pitchFamily="34" charset="-122"/>
               </a:rPr>
-              <a:t>(100): </a:t>
+              <a:t>DEBUG (100): </a:t>
             </a:r>
             <a:r>
               <a:rPr lang="zh-CN" altLang="en-US" sz="2000" dirty="0">
@@ -21537,18 +20666,11 @@
               </a:lnSpc>
             </a:pPr>
             <a:r>
-              <a:rPr lang="en-US" altLang="zh-CN" sz="2000" dirty="0" smtClean="0">
-                <a:latin typeface="微软雅黑" panose="020B0503020204020204" pitchFamily="34" charset="-122"/>
-                <a:ea typeface="微软雅黑" panose="020B0503020204020204" pitchFamily="34" charset="-122"/>
-              </a:rPr>
-              <a:t>CRITICAL </a:t>
-            </a:r>
-            <a:r>
               <a:rPr lang="en-US" altLang="zh-CN" sz="2000" dirty="0">
                 <a:latin typeface="微软雅黑" panose="020B0503020204020204" pitchFamily="34" charset="-122"/>
                 <a:ea typeface="微软雅黑" panose="020B0503020204020204" pitchFamily="34" charset="-122"/>
               </a:rPr>
-              <a:t>(500): </a:t>
+              <a:t>CRITICAL (500): </a:t>
             </a:r>
             <a:r>
               <a:rPr lang="zh-CN" altLang="en-US" sz="2000" dirty="0">
@@ -21578,7 +20700,7 @@
               </a:rPr>
               <a:t>系统不可用。 </a:t>
             </a:r>
-            <a:endParaRPr lang="en-US" altLang="zh-CN" sz="2000" dirty="0" smtClean="0">
+            <a:endParaRPr lang="en-US" altLang="zh-CN" sz="2000" dirty="0">
               <a:latin typeface="微软雅黑" panose="020B0503020204020204" pitchFamily="34" charset="-122"/>
               <a:ea typeface="微软雅黑" panose="020B0503020204020204" pitchFamily="34" charset="-122"/>
             </a:endParaRPr>
@@ -21592,30 +20714,26 @@
               <a:buChar char="•"/>
             </a:pPr>
             <a:r>
-              <a:rPr lang="zh-CN" altLang="en-US" sz="2000" dirty="0" smtClean="0">
+              <a:rPr lang="zh-CN" altLang="en-US" sz="2000" dirty="0">
                 <a:latin typeface="微软雅黑" panose="020B0503020204020204" pitchFamily="34" charset="-122"/>
                 <a:ea typeface="微软雅黑" panose="020B0503020204020204" pitchFamily="34" charset="-122"/>
               </a:rPr>
               <a:t>在进行日志写入的时候，写入日志的等级如果低于初始化</a:t>
             </a:r>
             <a:r>
-              <a:rPr lang="en-US" altLang="zh-CN" sz="2000" dirty="0" smtClean="0">
+              <a:rPr lang="en-US" altLang="zh-CN" sz="2000" dirty="0">
                 <a:latin typeface="微软雅黑" panose="020B0503020204020204" pitchFamily="34" charset="-122"/>
                 <a:ea typeface="微软雅黑" panose="020B0503020204020204" pitchFamily="34" charset="-122"/>
               </a:rPr>
               <a:t>Handler</a:t>
             </a:r>
             <a:r>
-              <a:rPr lang="zh-CN" altLang="en-US" sz="2000" dirty="0" smtClean="0">
+              <a:rPr lang="zh-CN" altLang="en-US" sz="2000" dirty="0">
                 <a:latin typeface="微软雅黑" panose="020B0503020204020204" pitchFamily="34" charset="-122"/>
                 <a:ea typeface="微软雅黑" panose="020B0503020204020204" pitchFamily="34" charset="-122"/>
               </a:rPr>
               <a:t>时所设置的等级则不会被记录。</a:t>
             </a:r>
-            <a:endParaRPr lang="zh-CN" altLang="en-US" sz="2000" dirty="0">
-              <a:latin typeface="微软雅黑" panose="020B0503020204020204" pitchFamily="34" charset="-122"/>
-              <a:ea typeface="微软雅黑" panose="020B0503020204020204" pitchFamily="34" charset="-122"/>
-            </a:endParaRPr>
           </a:p>
           <a:p>
             <a:endParaRPr lang="zh-CN" altLang="en-US" dirty="0"/>
@@ -21673,10 +20791,9 @@
           <a:lstStyle/>
           <a:p>
             <a:r>
-              <a:rPr lang="zh-CN" altLang="en-US" b="0" dirty="0" smtClean="0"/>
+              <a:rPr lang="zh-CN" altLang="en-US" b="0" dirty="0"/>
               <a:t>通过实例代码来理解</a:t>
             </a:r>
-            <a:endParaRPr lang="zh-CN" altLang="en-US" b="0" dirty="0"/>
           </a:p>
         </p:txBody>
       </p:sp>
@@ -21731,15 +20848,7 @@
             </a:r>
             <a:r>
               <a:rPr lang="en-US" altLang="zh-CN" sz="2400" dirty="0"/>
-              <a:t>: </a:t>
-            </a:r>
-            <a:r>
-              <a:rPr lang="en-US" altLang="zh-CN" sz="2400" dirty="0" smtClean="0"/>
-              <a:t>test </a:t>
-            </a:r>
-            <a:r>
-              <a:rPr lang="en-US" altLang="zh-CN" sz="2400" dirty="0"/>
-              <a:t>[] []</a:t>
+              <a:t>: test [] []</a:t>
             </a:r>
             <a:endParaRPr lang="zh-CN" altLang="en-US" sz="2400" dirty="0"/>
           </a:p>
@@ -21863,21 +20972,17 @@
               <a:t>addCritical</a:t>
             </a:r>
             <a:r>
-              <a:rPr lang="en-US" altLang="zh-CN" sz="2400" dirty="0" smtClean="0"/>
-              <a:t>(‘test</a:t>
-            </a:r>
-            <a:r>
-              <a:rPr lang="en-US" altLang="zh-CN" sz="2400" dirty="0" smtClean="0"/>
-              <a:t>');</a:t>
-            </a:r>
-          </a:p>
-          <a:p>
-            <a:r>
-              <a:rPr lang="en-US" altLang="zh-CN" i="1" dirty="0" smtClean="0"/>
+              <a:rPr lang="en-US" altLang="zh-CN" sz="2400" dirty="0"/>
+              <a:t>(‘test');</a:t>
+            </a:r>
+          </a:p>
+          <a:p>
+            <a:r>
+              <a:rPr lang="en-US" altLang="zh-CN" i="1" dirty="0"/>
               <a:t>//warning</a:t>
             </a:r>
             <a:r>
-              <a:rPr lang="zh-CN" altLang="en-US" i="1" dirty="0" smtClean="0"/>
+              <a:rPr lang="zh-CN" altLang="en-US" i="1" dirty="0"/>
               <a:t>级别的不会被记录</a:t>
             </a:r>
             <a:endParaRPr lang="en-US" altLang="zh-CN" i="1" dirty="0"/>
@@ -22595,13 +21700,6 @@
   <p:clrMapOvr>
     <a:masterClrMapping/>
   </p:clrMapOvr>
-  <p:timing>
-    <p:tnLst>
-      <p:par>
-        <p:cTn id="1" dur="indefinite" restart="never" nodeType="tmRoot"/>
-      </p:par>
-    </p:tnLst>
-  </p:timing>
 </p:sld>
 </file>
 
@@ -22632,16 +21730,189 @@
             <p:ph sz="quarter" idx="13"/>
           </p:nvPr>
         </p:nvSpPr>
-        <p:spPr/>
+        <p:spPr>
+          <a:xfrm>
+            <a:off x="1054099" y="543636"/>
+            <a:ext cx="7704139" cy="685800"/>
+          </a:xfrm>
+        </p:spPr>
         <p:txBody>
           <a:bodyPr/>
           <a:lstStyle/>
           <a:p>
             <a:r>
-              <a:rPr lang="zh-CN" altLang="en-US" b="0" dirty="0" smtClean="0"/>
+              <a:rPr lang="zh-CN" altLang="en-US" b="0" dirty="0"/>
+              <a:t>第一节</a:t>
+            </a:r>
+          </a:p>
+        </p:txBody>
+      </p:sp>
+      <p:sp>
+        <p:nvSpPr>
+          <p:cNvPr id="5" name="文本框 4"/>
+          <p:cNvSpPr txBox="1"/>
+          <p:nvPr/>
+        </p:nvSpPr>
+        <p:spPr>
+          <a:xfrm>
+            <a:off x="4058444" y="2343152"/>
+            <a:ext cx="4699794" cy="2431435"/>
+          </a:xfrm>
+          <a:prstGeom prst="rect">
+            <a:avLst/>
+          </a:prstGeom>
+          <a:noFill/>
+        </p:spPr>
+        <p:txBody>
+          <a:bodyPr wrap="square" rtlCol="0">
+            <a:spAutoFit/>
+          </a:bodyPr>
+          <a:lstStyle/>
+          <a:p>
+            <a:pPr marL="514350" indent="-514350">
+              <a:lnSpc>
+                <a:spcPct val="200000"/>
+              </a:lnSpc>
+              <a:buFont typeface="+mj-ea"/>
+              <a:buAutoNum type="ea1JpnChsDbPeriod"/>
+            </a:pPr>
+            <a:r>
+              <a:rPr lang="zh-CN" altLang="en-US" sz="2800" dirty="0">
+                <a:solidFill>
+                  <a:schemeClr val="accent6">
+                    <a:lumMod val="75000"/>
+                  </a:schemeClr>
+                </a:solidFill>
+                <a:latin typeface="微软雅黑" panose="020B0503020204020204" pitchFamily="34" charset="-122"/>
+                <a:ea typeface="微软雅黑" panose="020B0503020204020204" pitchFamily="34" charset="-122"/>
+              </a:rPr>
+              <a:t>搭建微信开发环境</a:t>
+            </a:r>
+            <a:endParaRPr lang="en-US" altLang="zh-CN" sz="2800" dirty="0">
+              <a:solidFill>
+                <a:schemeClr val="accent6">
+                  <a:lumMod val="75000"/>
+                </a:schemeClr>
+              </a:solidFill>
+              <a:latin typeface="微软雅黑" panose="020B0503020204020204" pitchFamily="34" charset="-122"/>
+              <a:ea typeface="微软雅黑" panose="020B0503020204020204" pitchFamily="34" charset="-122"/>
+            </a:endParaRPr>
+          </a:p>
+          <a:p>
+            <a:pPr marL="514350" indent="-514350">
+              <a:lnSpc>
+                <a:spcPct val="200000"/>
+              </a:lnSpc>
+              <a:buFont typeface="+mj-ea"/>
+              <a:buAutoNum type="ea1JpnChsDbPeriod"/>
+            </a:pPr>
+            <a:r>
+              <a:rPr lang="zh-CN" altLang="en-US" sz="2400" dirty="0">
+                <a:solidFill>
+                  <a:schemeClr val="tx2">
+                    <a:lumMod val="60000"/>
+                    <a:lumOff val="40000"/>
+                  </a:schemeClr>
+                </a:solidFill>
+                <a:latin typeface="微软雅黑" panose="020B0503020204020204" pitchFamily="34" charset="-122"/>
+                <a:ea typeface="微软雅黑" panose="020B0503020204020204" pitchFamily="34" charset="-122"/>
+              </a:rPr>
+              <a:t>第一个微信应用程序</a:t>
+            </a:r>
+            <a:endParaRPr lang="en-US" altLang="zh-CN" sz="2400" dirty="0">
+              <a:solidFill>
+                <a:schemeClr val="tx2">
+                  <a:lumMod val="60000"/>
+                  <a:lumOff val="40000"/>
+                </a:schemeClr>
+              </a:solidFill>
+              <a:latin typeface="微软雅黑" panose="020B0503020204020204" pitchFamily="34" charset="-122"/>
+              <a:ea typeface="微软雅黑" panose="020B0503020204020204" pitchFamily="34" charset="-122"/>
+            </a:endParaRPr>
+          </a:p>
+          <a:p>
+            <a:pPr marL="514350" indent="-514350">
+              <a:lnSpc>
+                <a:spcPct val="200000"/>
+              </a:lnSpc>
+              <a:buFont typeface="+mj-ea"/>
+              <a:buAutoNum type="ea1JpnChsDbPeriod"/>
+            </a:pPr>
+            <a:r>
+              <a:rPr lang="zh-CN" altLang="en-US" sz="2400" dirty="0">
+                <a:solidFill>
+                  <a:schemeClr val="tx2">
+                    <a:lumMod val="60000"/>
+                    <a:lumOff val="40000"/>
+                  </a:schemeClr>
+                </a:solidFill>
+                <a:latin typeface="微软雅黑" panose="020B0503020204020204" pitchFamily="34" charset="-122"/>
+                <a:ea typeface="微软雅黑" panose="020B0503020204020204" pitchFamily="34" charset="-122"/>
+              </a:rPr>
+              <a:t>微信调试工具</a:t>
+            </a:r>
+            <a:endParaRPr lang="en-US" altLang="zh-CN" sz="2400" dirty="0">
+              <a:solidFill>
+                <a:schemeClr val="tx2">
+                  <a:lumMod val="60000"/>
+                  <a:lumOff val="40000"/>
+                </a:schemeClr>
+              </a:solidFill>
+              <a:latin typeface="微软雅黑" panose="020B0503020204020204" pitchFamily="34" charset="-122"/>
+              <a:ea typeface="微软雅黑" panose="020B0503020204020204" pitchFamily="34" charset="-122"/>
+            </a:endParaRPr>
+          </a:p>
+        </p:txBody>
+      </p:sp>
+    </p:spTree>
+    <p:extLst>
+      <p:ext uri="{BB962C8B-B14F-4D97-AF65-F5344CB8AC3E}">
+        <p14:creationId xmlns:p14="http://schemas.microsoft.com/office/powerpoint/2010/main" val="4219181144"/>
+      </p:ext>
+    </p:extLst>
+  </p:cSld>
+  <p:clrMapOvr>
+    <a:masterClrMapping/>
+  </p:clrMapOvr>
+</p:sld>
+</file>
+
+<file path=ppt/slides/slide5.xml><?xml version="1.0" encoding="utf-8"?>
+<p:sld xmlns:a="http://schemas.openxmlformats.org/drawingml/2006/main" xmlns:r="http://schemas.openxmlformats.org/officeDocument/2006/relationships" xmlns:p="http://schemas.openxmlformats.org/presentationml/2006/main">
+  <p:cSld>
+    <p:spTree>
+      <p:nvGrpSpPr>
+        <p:cNvPr id="1" name=""/>
+        <p:cNvGrpSpPr/>
+        <p:nvPr/>
+      </p:nvGrpSpPr>
+      <p:grpSpPr>
+        <a:xfrm>
+          <a:off x="0" y="0"/>
+          <a:ext cx="0" cy="0"/>
+          <a:chOff x="0" y="0"/>
+          <a:chExt cx="0" cy="0"/>
+        </a:xfrm>
+      </p:grpSpPr>
+      <p:sp>
+        <p:nvSpPr>
+          <p:cNvPr id="2" name="内容占位符 1"/>
+          <p:cNvSpPr>
+            <a:spLocks noGrp="1"/>
+          </p:cNvSpPr>
+          <p:nvPr>
+            <p:ph sz="quarter" idx="13"/>
+          </p:nvPr>
+        </p:nvSpPr>
+        <p:spPr/>
+        <p:txBody>
+          <a:bodyPr/>
+          <a:lstStyle/>
+          <a:p>
+            <a:r>
+              <a:rPr lang="zh-CN" altLang="en-US" b="0" dirty="0"/>
               <a:t>要实现的结果</a:t>
             </a:r>
-            <a:endParaRPr lang="zh-CN" altLang="en-US" b="0" dirty="0"/>
           </a:p>
         </p:txBody>
       </p:sp>
@@ -22673,16 +21944,12 @@
               </a:lnSpc>
             </a:pPr>
             <a:r>
-              <a:rPr lang="zh-CN" altLang="en-US" sz="2400" dirty="0" smtClean="0">
+              <a:rPr lang="zh-CN" altLang="en-US" sz="2400" dirty="0">
                 <a:latin typeface="微软雅黑" panose="020B0503020204020204" pitchFamily="34" charset="-122"/>
                 <a:ea typeface="微软雅黑" panose="020B0503020204020204" pitchFamily="34" charset="-122"/>
               </a:rPr>
               <a:t>发送一条文本消息，公众号返回同样的消息。</a:t>
             </a:r>
-            <a:endParaRPr lang="zh-CN" altLang="en-US" sz="2400" dirty="0">
-              <a:latin typeface="微软雅黑" panose="020B0503020204020204" pitchFamily="34" charset="-122"/>
-              <a:ea typeface="微软雅黑" panose="020B0503020204020204" pitchFamily="34" charset="-122"/>
-            </a:endParaRPr>
           </a:p>
         </p:txBody>
       </p:sp>
@@ -22726,244 +21993,6 @@
   <p:clrMapOvr>
     <a:masterClrMapping/>
   </p:clrMapOvr>
-  <p:timing>
-    <p:tnLst>
-      <p:par>
-        <p:cTn id="1" dur="indefinite" restart="never" nodeType="tmRoot"/>
-      </p:par>
-    </p:tnLst>
-  </p:timing>
-</p:sld>
-</file>
-
-<file path=ppt/slides/slide5.xml><?xml version="1.0" encoding="utf-8"?>
-<p:sld xmlns:a="http://schemas.openxmlformats.org/drawingml/2006/main" xmlns:r="http://schemas.openxmlformats.org/officeDocument/2006/relationships" xmlns:p="http://schemas.openxmlformats.org/presentationml/2006/main">
-  <p:cSld>
-    <p:spTree>
-      <p:nvGrpSpPr>
-        <p:cNvPr id="1" name=""/>
-        <p:cNvGrpSpPr/>
-        <p:nvPr/>
-      </p:nvGrpSpPr>
-      <p:grpSpPr>
-        <a:xfrm>
-          <a:off x="0" y="0"/>
-          <a:ext cx="0" cy="0"/>
-          <a:chOff x="0" y="0"/>
-          <a:chExt cx="0" cy="0"/>
-        </a:xfrm>
-      </p:grpSpPr>
-      <p:sp>
-        <p:nvSpPr>
-          <p:cNvPr id="2" name="内容占位符 1"/>
-          <p:cNvSpPr>
-            <a:spLocks noGrp="1"/>
-          </p:cNvSpPr>
-          <p:nvPr>
-            <p:ph sz="quarter" idx="13"/>
-          </p:nvPr>
-        </p:nvSpPr>
-        <p:spPr/>
-        <p:txBody>
-          <a:bodyPr/>
-          <a:lstStyle/>
-          <a:p>
-            <a:r>
-              <a:rPr lang="zh-CN" altLang="en-US" b="0" dirty="0" smtClean="0"/>
-              <a:t>流程</a:t>
-            </a:r>
-            <a:endParaRPr lang="zh-CN" altLang="en-US" b="0" dirty="0"/>
-          </a:p>
-        </p:txBody>
-      </p:sp>
-      <p:sp>
-        <p:nvSpPr>
-          <p:cNvPr id="4" name="文本框 3"/>
-          <p:cNvSpPr txBox="1"/>
-          <p:nvPr/>
-        </p:nvSpPr>
-        <p:spPr>
-          <a:xfrm>
-            <a:off x="1054100" y="1743075"/>
-            <a:ext cx="10690225" cy="3351046"/>
-          </a:xfrm>
-          <a:prstGeom prst="rect">
-            <a:avLst/>
-          </a:prstGeom>
-          <a:noFill/>
-        </p:spPr>
-        <p:txBody>
-          <a:bodyPr wrap="square" rtlCol="0">
-            <a:spAutoFit/>
-          </a:bodyPr>
-          <a:lstStyle/>
-          <a:p>
-            <a:pPr marL="285750" indent="-285750">
-              <a:lnSpc>
-                <a:spcPct val="150000"/>
-              </a:lnSpc>
-              <a:buFont typeface="Arial" panose="020B0604020202020204" pitchFamily="34" charset="0"/>
-              <a:buChar char="•"/>
-            </a:pPr>
-            <a:r>
-              <a:rPr lang="zh-CN" altLang="en-US" sz="2400" dirty="0" smtClean="0">
-                <a:latin typeface="微软雅黑" panose="020B0503020204020204" pitchFamily="34" charset="-122"/>
-                <a:ea typeface="微软雅黑" panose="020B0503020204020204" pitchFamily="34" charset="-122"/>
-              </a:rPr>
-              <a:t>要达到以上演示效果，需要几个流程：</a:t>
-            </a:r>
-            <a:endParaRPr lang="en-US" altLang="zh-CN" sz="2400" dirty="0" smtClean="0">
-              <a:latin typeface="微软雅黑" panose="020B0503020204020204" pitchFamily="34" charset="-122"/>
-              <a:ea typeface="微软雅黑" panose="020B0503020204020204" pitchFamily="34" charset="-122"/>
-            </a:endParaRPr>
-          </a:p>
-          <a:p>
-            <a:pPr marL="800100" lvl="1" indent="-342900">
-              <a:lnSpc>
-                <a:spcPct val="150000"/>
-              </a:lnSpc>
-              <a:buFont typeface="+mj-lt"/>
-              <a:buAutoNum type="arabicPeriod"/>
-            </a:pPr>
-            <a:r>
-              <a:rPr lang="zh-CN" altLang="en-US" sz="2400" dirty="0" smtClean="0">
-                <a:latin typeface="微软雅黑" panose="020B0503020204020204" pitchFamily="34" charset="-122"/>
-                <a:ea typeface="微软雅黑" panose="020B0503020204020204" pitchFamily="34" charset="-122"/>
-              </a:rPr>
-              <a:t>了解</a:t>
-            </a:r>
-            <a:r>
-              <a:rPr lang="en-US" altLang="zh-CN" sz="2400" dirty="0" smtClean="0">
-                <a:latin typeface="微软雅黑" panose="020B0503020204020204" pitchFamily="34" charset="-122"/>
-                <a:ea typeface="微软雅黑" panose="020B0503020204020204" pitchFamily="34" charset="-122"/>
-              </a:rPr>
-              <a:t>Web</a:t>
-            </a:r>
-            <a:r>
-              <a:rPr lang="zh-CN" altLang="en-US" sz="2400" dirty="0" smtClean="0">
-                <a:latin typeface="微软雅黑" panose="020B0503020204020204" pitchFamily="34" charset="-122"/>
-                <a:ea typeface="微软雅黑" panose="020B0503020204020204" pitchFamily="34" charset="-122"/>
-              </a:rPr>
-              <a:t>程序的执行流程</a:t>
-            </a:r>
-            <a:endParaRPr lang="en-US" altLang="zh-CN" sz="2400" dirty="0" smtClean="0">
-              <a:latin typeface="微软雅黑" panose="020B0503020204020204" pitchFamily="34" charset="-122"/>
-              <a:ea typeface="微软雅黑" panose="020B0503020204020204" pitchFamily="34" charset="-122"/>
-            </a:endParaRPr>
-          </a:p>
-          <a:p>
-            <a:pPr marL="800100" lvl="1" indent="-342900">
-              <a:lnSpc>
-                <a:spcPct val="150000"/>
-              </a:lnSpc>
-              <a:buFont typeface="+mj-lt"/>
-              <a:buAutoNum type="arabicPeriod"/>
-            </a:pPr>
-            <a:r>
-              <a:rPr lang="zh-CN" altLang="en-US" sz="2400" dirty="0" smtClean="0">
-                <a:latin typeface="微软雅黑" panose="020B0503020204020204" pitchFamily="34" charset="-122"/>
-                <a:ea typeface="微软雅黑" panose="020B0503020204020204" pitchFamily="34" charset="-122"/>
-              </a:rPr>
-              <a:t>明确微信服务器是如何与开发者服务器通信的</a:t>
-            </a:r>
-            <a:endParaRPr lang="en-US" altLang="zh-CN" sz="2400" dirty="0" smtClean="0">
-              <a:latin typeface="微软雅黑" panose="020B0503020204020204" pitchFamily="34" charset="-122"/>
-              <a:ea typeface="微软雅黑" panose="020B0503020204020204" pitchFamily="34" charset="-122"/>
-            </a:endParaRPr>
-          </a:p>
-          <a:p>
-            <a:pPr marL="800100" lvl="1" indent="-342900">
-              <a:lnSpc>
-                <a:spcPct val="150000"/>
-              </a:lnSpc>
-              <a:buFont typeface="+mj-lt"/>
-              <a:buAutoNum type="arabicPeriod"/>
-            </a:pPr>
-            <a:r>
-              <a:rPr lang="zh-CN" altLang="en-US" sz="2400" dirty="0" smtClean="0">
-                <a:latin typeface="微软雅黑" panose="020B0503020204020204" pitchFamily="34" charset="-122"/>
-                <a:ea typeface="微软雅黑" panose="020B0503020204020204" pitchFamily="34" charset="-122"/>
-              </a:rPr>
-              <a:t>配置微信公众号开启微信开发者模式</a:t>
-            </a:r>
-            <a:endParaRPr lang="en-US" altLang="zh-CN" sz="2400" dirty="0" smtClean="0">
-              <a:latin typeface="微软雅黑" panose="020B0503020204020204" pitchFamily="34" charset="-122"/>
-              <a:ea typeface="微软雅黑" panose="020B0503020204020204" pitchFamily="34" charset="-122"/>
-            </a:endParaRPr>
-          </a:p>
-          <a:p>
-            <a:pPr marL="800100" lvl="1" indent="-342900">
-              <a:lnSpc>
-                <a:spcPct val="150000"/>
-              </a:lnSpc>
-              <a:buFont typeface="+mj-lt"/>
-              <a:buAutoNum type="arabicPeriod"/>
-            </a:pPr>
-            <a:r>
-              <a:rPr lang="zh-CN" altLang="en-US" sz="2400" dirty="0" smtClean="0">
-                <a:latin typeface="微软雅黑" panose="020B0503020204020204" pitchFamily="34" charset="-122"/>
-                <a:ea typeface="微软雅黑" panose="020B0503020204020204" pitchFamily="34" charset="-122"/>
-              </a:rPr>
-              <a:t>进行</a:t>
-            </a:r>
-            <a:r>
-              <a:rPr lang="en-US" altLang="zh-CN" sz="2400" dirty="0" smtClean="0">
-                <a:latin typeface="微软雅黑" panose="020B0503020204020204" pitchFamily="34" charset="-122"/>
-                <a:ea typeface="微软雅黑" panose="020B0503020204020204" pitchFamily="34" charset="-122"/>
-              </a:rPr>
-              <a:t>URL</a:t>
-            </a:r>
-            <a:r>
-              <a:rPr lang="zh-CN" altLang="en-US" sz="2400" dirty="0" smtClean="0">
-                <a:latin typeface="微软雅黑" panose="020B0503020204020204" pitchFamily="34" charset="-122"/>
-                <a:ea typeface="微软雅黑" panose="020B0503020204020204" pitchFamily="34" charset="-122"/>
-              </a:rPr>
-              <a:t>验证</a:t>
-            </a:r>
-            <a:endParaRPr lang="en-US" altLang="zh-CN" sz="2400" dirty="0" smtClean="0">
-              <a:latin typeface="微软雅黑" panose="020B0503020204020204" pitchFamily="34" charset="-122"/>
-              <a:ea typeface="微软雅黑" panose="020B0503020204020204" pitchFamily="34" charset="-122"/>
-            </a:endParaRPr>
-          </a:p>
-          <a:p>
-            <a:pPr marL="800100" lvl="1" indent="-342900">
-              <a:lnSpc>
-                <a:spcPct val="150000"/>
-              </a:lnSpc>
-              <a:buFont typeface="+mj-lt"/>
-              <a:buAutoNum type="arabicPeriod"/>
-            </a:pPr>
-            <a:r>
-              <a:rPr lang="zh-CN" altLang="en-US" sz="2400" dirty="0" smtClean="0">
-                <a:latin typeface="微软雅黑" panose="020B0503020204020204" pitchFamily="34" charset="-122"/>
-                <a:ea typeface="微软雅黑" panose="020B0503020204020204" pitchFamily="34" charset="-122"/>
-              </a:rPr>
-              <a:t>进行编码实现以上功能</a:t>
-            </a:r>
-            <a:endParaRPr lang="zh-CN" altLang="en-US" sz="2400" dirty="0">
-              <a:latin typeface="微软雅黑" panose="020B0503020204020204" pitchFamily="34" charset="-122"/>
-              <a:ea typeface="微软雅黑" panose="020B0503020204020204" pitchFamily="34" charset="-122"/>
-            </a:endParaRPr>
-          </a:p>
-        </p:txBody>
-      </p:sp>
-    </p:spTree>
-    <p:extLst>
-      <p:ext uri="{BB962C8B-B14F-4D97-AF65-F5344CB8AC3E}">
-        <p14:creationId xmlns:p14="http://schemas.microsoft.com/office/powerpoint/2010/main" val="1759201730"/>
-      </p:ext>
-    </p:extLst>
-  </p:cSld>
-  <p:clrMapOvr>
-    <a:masterClrMapping/>
-  </p:clrMapOvr>
-  <p:timing>
-    <p:tnLst>
-      <p:par>
-        <p:cTn id="1" dur="indefinite" restart="never" nodeType="tmRoot"/>
-      </p:par>
-    </p:tnLst>
-  </p:timing>
 </p:sld>
 </file>
 
@@ -22994,6 +22023,225 @@
             <p:ph sz="quarter" idx="13"/>
           </p:nvPr>
         </p:nvSpPr>
+        <p:spPr/>
+        <p:txBody>
+          <a:bodyPr/>
+          <a:lstStyle/>
+          <a:p>
+            <a:r>
+              <a:rPr lang="zh-CN" altLang="en-US" b="0" dirty="0"/>
+              <a:t>流程</a:t>
+            </a:r>
+          </a:p>
+        </p:txBody>
+      </p:sp>
+      <p:sp>
+        <p:nvSpPr>
+          <p:cNvPr id="4" name="文本框 3"/>
+          <p:cNvSpPr txBox="1"/>
+          <p:nvPr/>
+        </p:nvSpPr>
+        <p:spPr>
+          <a:xfrm>
+            <a:off x="1054100" y="1743075"/>
+            <a:ext cx="10690225" cy="3351046"/>
+          </a:xfrm>
+          <a:prstGeom prst="rect">
+            <a:avLst/>
+          </a:prstGeom>
+          <a:noFill/>
+        </p:spPr>
+        <p:txBody>
+          <a:bodyPr wrap="square" rtlCol="0">
+            <a:spAutoFit/>
+          </a:bodyPr>
+          <a:lstStyle/>
+          <a:p>
+            <a:pPr marL="285750" indent="-285750">
+              <a:lnSpc>
+                <a:spcPct val="150000"/>
+              </a:lnSpc>
+              <a:buFont typeface="Arial" panose="020B0604020202020204" pitchFamily="34" charset="0"/>
+              <a:buChar char="•"/>
+            </a:pPr>
+            <a:r>
+              <a:rPr lang="zh-CN" altLang="en-US" sz="2400" dirty="0">
+                <a:latin typeface="微软雅黑" panose="020B0503020204020204" pitchFamily="34" charset="-122"/>
+                <a:ea typeface="微软雅黑" panose="020B0503020204020204" pitchFamily="34" charset="-122"/>
+              </a:rPr>
+              <a:t>要达到以上演示效果，需要几个流程：</a:t>
+            </a:r>
+            <a:endParaRPr lang="en-US" altLang="zh-CN" sz="2400" dirty="0">
+              <a:latin typeface="微软雅黑" panose="020B0503020204020204" pitchFamily="34" charset="-122"/>
+              <a:ea typeface="微软雅黑" panose="020B0503020204020204" pitchFamily="34" charset="-122"/>
+            </a:endParaRPr>
+          </a:p>
+          <a:p>
+            <a:pPr marL="800100" lvl="1" indent="-342900">
+              <a:lnSpc>
+                <a:spcPct val="150000"/>
+              </a:lnSpc>
+              <a:buFont typeface="+mj-lt"/>
+              <a:buAutoNum type="arabicPeriod"/>
+            </a:pPr>
+            <a:r>
+              <a:rPr lang="zh-CN" altLang="en-US" sz="2400" dirty="0">
+                <a:latin typeface="微软雅黑" panose="020B0503020204020204" pitchFamily="34" charset="-122"/>
+                <a:ea typeface="微软雅黑" panose="020B0503020204020204" pitchFamily="34" charset="-122"/>
+              </a:rPr>
+              <a:t>了解</a:t>
+            </a:r>
+            <a:r>
+              <a:rPr lang="en-US" altLang="zh-CN" sz="2400" dirty="0">
+                <a:latin typeface="微软雅黑" panose="020B0503020204020204" pitchFamily="34" charset="-122"/>
+                <a:ea typeface="微软雅黑" panose="020B0503020204020204" pitchFamily="34" charset="-122"/>
+              </a:rPr>
+              <a:t>Web</a:t>
+            </a:r>
+            <a:r>
+              <a:rPr lang="zh-CN" altLang="en-US" sz="2400" dirty="0">
+                <a:latin typeface="微软雅黑" panose="020B0503020204020204" pitchFamily="34" charset="-122"/>
+                <a:ea typeface="微软雅黑" panose="020B0503020204020204" pitchFamily="34" charset="-122"/>
+              </a:rPr>
+              <a:t>程序的执行流程</a:t>
+            </a:r>
+            <a:endParaRPr lang="en-US" altLang="zh-CN" sz="2400" dirty="0">
+              <a:latin typeface="微软雅黑" panose="020B0503020204020204" pitchFamily="34" charset="-122"/>
+              <a:ea typeface="微软雅黑" panose="020B0503020204020204" pitchFamily="34" charset="-122"/>
+            </a:endParaRPr>
+          </a:p>
+          <a:p>
+            <a:pPr marL="800100" lvl="1" indent="-342900">
+              <a:lnSpc>
+                <a:spcPct val="150000"/>
+              </a:lnSpc>
+              <a:buFont typeface="+mj-lt"/>
+              <a:buAutoNum type="arabicPeriod"/>
+            </a:pPr>
+            <a:r>
+              <a:rPr lang="zh-CN" altLang="en-US" sz="2400" dirty="0">
+                <a:latin typeface="微软雅黑" panose="020B0503020204020204" pitchFamily="34" charset="-122"/>
+                <a:ea typeface="微软雅黑" panose="020B0503020204020204" pitchFamily="34" charset="-122"/>
+              </a:rPr>
+              <a:t>明确微信服务器是如何与开发者服务器通信的</a:t>
+            </a:r>
+            <a:endParaRPr lang="en-US" altLang="zh-CN" sz="2400" dirty="0">
+              <a:latin typeface="微软雅黑" panose="020B0503020204020204" pitchFamily="34" charset="-122"/>
+              <a:ea typeface="微软雅黑" panose="020B0503020204020204" pitchFamily="34" charset="-122"/>
+            </a:endParaRPr>
+          </a:p>
+          <a:p>
+            <a:pPr marL="800100" lvl="1" indent="-342900">
+              <a:lnSpc>
+                <a:spcPct val="150000"/>
+              </a:lnSpc>
+              <a:buFont typeface="+mj-lt"/>
+              <a:buAutoNum type="arabicPeriod"/>
+            </a:pPr>
+            <a:r>
+              <a:rPr lang="zh-CN" altLang="en-US" sz="2400" dirty="0">
+                <a:latin typeface="微软雅黑" panose="020B0503020204020204" pitchFamily="34" charset="-122"/>
+                <a:ea typeface="微软雅黑" panose="020B0503020204020204" pitchFamily="34" charset="-122"/>
+              </a:rPr>
+              <a:t>配置微信公众号开启微信开发者模式</a:t>
+            </a:r>
+            <a:endParaRPr lang="en-US" altLang="zh-CN" sz="2400" dirty="0">
+              <a:latin typeface="微软雅黑" panose="020B0503020204020204" pitchFamily="34" charset="-122"/>
+              <a:ea typeface="微软雅黑" panose="020B0503020204020204" pitchFamily="34" charset="-122"/>
+            </a:endParaRPr>
+          </a:p>
+          <a:p>
+            <a:pPr marL="800100" lvl="1" indent="-342900">
+              <a:lnSpc>
+                <a:spcPct val="150000"/>
+              </a:lnSpc>
+              <a:buFont typeface="+mj-lt"/>
+              <a:buAutoNum type="arabicPeriod"/>
+            </a:pPr>
+            <a:r>
+              <a:rPr lang="zh-CN" altLang="en-US" sz="2400" dirty="0">
+                <a:latin typeface="微软雅黑" panose="020B0503020204020204" pitchFamily="34" charset="-122"/>
+                <a:ea typeface="微软雅黑" panose="020B0503020204020204" pitchFamily="34" charset="-122"/>
+              </a:rPr>
+              <a:t>进行</a:t>
+            </a:r>
+            <a:r>
+              <a:rPr lang="en-US" altLang="zh-CN" sz="2400" dirty="0">
+                <a:latin typeface="微软雅黑" panose="020B0503020204020204" pitchFamily="34" charset="-122"/>
+                <a:ea typeface="微软雅黑" panose="020B0503020204020204" pitchFamily="34" charset="-122"/>
+              </a:rPr>
+              <a:t>URL</a:t>
+            </a:r>
+            <a:r>
+              <a:rPr lang="zh-CN" altLang="en-US" sz="2400" dirty="0">
+                <a:latin typeface="微软雅黑" panose="020B0503020204020204" pitchFamily="34" charset="-122"/>
+                <a:ea typeface="微软雅黑" panose="020B0503020204020204" pitchFamily="34" charset="-122"/>
+              </a:rPr>
+              <a:t>验证</a:t>
+            </a:r>
+            <a:endParaRPr lang="en-US" altLang="zh-CN" sz="2400" dirty="0">
+              <a:latin typeface="微软雅黑" panose="020B0503020204020204" pitchFamily="34" charset="-122"/>
+              <a:ea typeface="微软雅黑" panose="020B0503020204020204" pitchFamily="34" charset="-122"/>
+            </a:endParaRPr>
+          </a:p>
+          <a:p>
+            <a:pPr marL="800100" lvl="1" indent="-342900">
+              <a:lnSpc>
+                <a:spcPct val="150000"/>
+              </a:lnSpc>
+              <a:buFont typeface="+mj-lt"/>
+              <a:buAutoNum type="arabicPeriod"/>
+            </a:pPr>
+            <a:r>
+              <a:rPr lang="zh-CN" altLang="en-US" sz="2400" dirty="0">
+                <a:latin typeface="微软雅黑" panose="020B0503020204020204" pitchFamily="34" charset="-122"/>
+                <a:ea typeface="微软雅黑" panose="020B0503020204020204" pitchFamily="34" charset="-122"/>
+              </a:rPr>
+              <a:t>进行编码实现以上功能</a:t>
+            </a:r>
+          </a:p>
+        </p:txBody>
+      </p:sp>
+    </p:spTree>
+    <p:extLst>
+      <p:ext uri="{BB962C8B-B14F-4D97-AF65-F5344CB8AC3E}">
+        <p14:creationId xmlns:p14="http://schemas.microsoft.com/office/powerpoint/2010/main" val="1759201730"/>
+      </p:ext>
+    </p:extLst>
+  </p:cSld>
+  <p:clrMapOvr>
+    <a:masterClrMapping/>
+  </p:clrMapOvr>
+</p:sld>
+</file>
+
+<file path=ppt/slides/slide7.xml><?xml version="1.0" encoding="utf-8"?>
+<p:sld xmlns:a="http://schemas.openxmlformats.org/drawingml/2006/main" xmlns:r="http://schemas.openxmlformats.org/officeDocument/2006/relationships" xmlns:p="http://schemas.openxmlformats.org/presentationml/2006/main">
+  <p:cSld>
+    <p:spTree>
+      <p:nvGrpSpPr>
+        <p:cNvPr id="1" name=""/>
+        <p:cNvGrpSpPr/>
+        <p:nvPr/>
+      </p:nvGrpSpPr>
+      <p:grpSpPr>
+        <a:xfrm>
+          <a:off x="0" y="0"/>
+          <a:ext cx="0" cy="0"/>
+          <a:chOff x="0" y="0"/>
+          <a:chExt cx="0" cy="0"/>
+        </a:xfrm>
+      </p:grpSpPr>
+      <p:sp>
+        <p:nvSpPr>
+          <p:cNvPr id="2" name="内容占位符 1"/>
+          <p:cNvSpPr>
+            <a:spLocks noGrp="1"/>
+          </p:cNvSpPr>
+          <p:nvPr>
+            <p:ph sz="quarter" idx="13"/>
+          </p:nvPr>
+        </p:nvSpPr>
         <p:spPr>
           <a:xfrm>
             <a:off x="1054100" y="543636"/>
@@ -23005,14 +22253,13 @@
           <a:lstStyle/>
           <a:p>
             <a:r>
-              <a:rPr lang="en-US" altLang="zh-CN" b="0" dirty="0" smtClean="0"/>
+              <a:rPr lang="en-US" altLang="zh-CN" b="0" dirty="0"/>
               <a:t>Web</a:t>
             </a:r>
             <a:r>
-              <a:rPr lang="zh-CN" altLang="en-US" b="0" dirty="0" smtClean="0"/>
+              <a:rPr lang="zh-CN" altLang="en-US" b="0" dirty="0"/>
               <a:t>程序的执行流程</a:t>
             </a:r>
-            <a:endParaRPr lang="zh-CN" altLang="en-US" b="0" dirty="0"/>
           </a:p>
         </p:txBody>
       </p:sp>
@@ -23092,7 +22339,7 @@
           <a:lstStyle/>
           <a:p>
             <a:r>
-              <a:rPr lang="zh-CN" altLang="en-US" sz="2400" dirty="0" smtClean="0">
+              <a:rPr lang="zh-CN" altLang="en-US" sz="2400" dirty="0">
                 <a:solidFill>
                   <a:schemeClr val="bg1"/>
                 </a:solidFill>
@@ -23101,13 +22348,6 @@
               </a:rPr>
               <a:t>服务器</a:t>
             </a:r>
-            <a:endParaRPr lang="zh-CN" altLang="en-US" sz="2400" dirty="0">
-              <a:solidFill>
-                <a:schemeClr val="bg1"/>
-              </a:solidFill>
-              <a:latin typeface="微软雅黑" panose="020B0503020204020204" pitchFamily="34" charset="-122"/>
-              <a:ea typeface="微软雅黑" panose="020B0503020204020204" pitchFamily="34" charset="-122"/>
-            </a:endParaRPr>
           </a:p>
         </p:txBody>
       </p:sp>
@@ -23134,37 +22374,33 @@
           <a:lstStyle/>
           <a:p>
             <a:r>
-              <a:rPr lang="en-US" altLang="zh-CN" sz="2400" dirty="0" smtClean="0">
+              <a:rPr lang="en-US" altLang="zh-CN" sz="2400" dirty="0">
                 <a:latin typeface="微软雅黑" panose="020B0503020204020204" pitchFamily="34" charset="-122"/>
                 <a:ea typeface="微软雅黑" panose="020B0503020204020204" pitchFamily="34" charset="-122"/>
               </a:rPr>
               <a:t>Web</a:t>
             </a:r>
             <a:r>
-              <a:rPr lang="zh-CN" altLang="en-US" sz="2400" dirty="0" smtClean="0">
+              <a:rPr lang="zh-CN" altLang="en-US" sz="2400" dirty="0">
                 <a:latin typeface="微软雅黑" panose="020B0503020204020204" pitchFamily="34" charset="-122"/>
                 <a:ea typeface="微软雅黑" panose="020B0503020204020204" pitchFamily="34" charset="-122"/>
               </a:rPr>
               <a:t>服务器软件监听</a:t>
             </a:r>
             <a:r>
-              <a:rPr lang="en-US" altLang="zh-CN" sz="2400" dirty="0" smtClean="0">
+              <a:rPr lang="en-US" altLang="zh-CN" sz="2400" dirty="0">
                 <a:latin typeface="微软雅黑" panose="020B0503020204020204" pitchFamily="34" charset="-122"/>
                 <a:ea typeface="微软雅黑" panose="020B0503020204020204" pitchFamily="34" charset="-122"/>
               </a:rPr>
               <a:t>80</a:t>
             </a:r>
             <a:r>
-              <a:rPr lang="zh-CN" altLang="en-US" sz="2400" dirty="0" smtClean="0">
+              <a:rPr lang="zh-CN" altLang="en-US" sz="2400" dirty="0">
                 <a:latin typeface="微软雅黑" panose="020B0503020204020204" pitchFamily="34" charset="-122"/>
                 <a:ea typeface="微软雅黑" panose="020B0503020204020204" pitchFamily="34" charset="-122"/>
               </a:rPr>
               <a:t>端口</a:t>
             </a:r>
-            <a:endParaRPr lang="zh-CN" altLang="en-US" sz="2400" dirty="0">
-              <a:latin typeface="微软雅黑" panose="020B0503020204020204" pitchFamily="34" charset="-122"/>
-              <a:ea typeface="微软雅黑" panose="020B0503020204020204" pitchFamily="34" charset="-122"/>
-            </a:endParaRPr>
           </a:p>
         </p:txBody>
       </p:sp>
@@ -23196,16 +22432,12 @@
           <a:lstStyle/>
           <a:p>
             <a:r>
-              <a:rPr lang="en-US" altLang="zh-CN" sz="2400" dirty="0" smtClean="0">
+              <a:rPr lang="en-US" altLang="zh-CN" sz="2400" dirty="0">
                 <a:latin typeface="微软雅黑" panose="020B0503020204020204" pitchFamily="34" charset="-122"/>
                 <a:ea typeface="微软雅黑" panose="020B0503020204020204" pitchFamily="34" charset="-122"/>
               </a:rPr>
               <a:t>PHP</a:t>
             </a:r>
-            <a:endParaRPr lang="en-US" altLang="zh-CN" sz="2400" dirty="0">
-              <a:latin typeface="微软雅黑" panose="020B0503020204020204" pitchFamily="34" charset="-122"/>
-              <a:ea typeface="微软雅黑" panose="020B0503020204020204" pitchFamily="34" charset="-122"/>
-            </a:endParaRPr>
           </a:p>
         </p:txBody>
       </p:sp>
@@ -23339,23 +22571,19 @@
           <a:lstStyle/>
           <a:p>
             <a:r>
-              <a:rPr lang="en-US" altLang="zh-CN" sz="2000" dirty="0" smtClean="0">
+              <a:rPr lang="en-US" altLang="zh-CN" sz="2000" dirty="0">
                 <a:latin typeface="微软雅黑" panose="020B0503020204020204" pitchFamily="34" charset="-122"/>
                 <a:ea typeface="微软雅黑" panose="020B0503020204020204" pitchFamily="34" charset="-122"/>
               </a:rPr>
               <a:t>http</a:t>
             </a:r>
             <a:r>
-              <a:rPr lang="zh-CN" altLang="en-US" sz="2000" dirty="0" smtClean="0">
+              <a:rPr lang="zh-CN" altLang="en-US" sz="2000" dirty="0">
                 <a:latin typeface="微软雅黑" panose="020B0503020204020204" pitchFamily="34" charset="-122"/>
                 <a:ea typeface="微软雅黑" panose="020B0503020204020204" pitchFamily="34" charset="-122"/>
               </a:rPr>
               <a:t>请求</a:t>
             </a:r>
-            <a:endParaRPr lang="zh-CN" altLang="en-US" sz="2000" dirty="0">
-              <a:latin typeface="微软雅黑" panose="020B0503020204020204" pitchFamily="34" charset="-122"/>
-              <a:ea typeface="微软雅黑" panose="020B0503020204020204" pitchFamily="34" charset="-122"/>
-            </a:endParaRPr>
           </a:p>
         </p:txBody>
       </p:sp>
@@ -23382,16 +22610,12 @@
           <a:lstStyle/>
           <a:p>
             <a:r>
-              <a:rPr lang="zh-CN" altLang="en-US" sz="2000" dirty="0" smtClean="0">
+              <a:rPr lang="zh-CN" altLang="en-US" sz="2000" dirty="0">
                 <a:latin typeface="微软雅黑" panose="020B0503020204020204" pitchFamily="34" charset="-122"/>
                 <a:ea typeface="微软雅黑" panose="020B0503020204020204" pitchFamily="34" charset="-122"/>
               </a:rPr>
               <a:t>返回数据</a:t>
             </a:r>
-            <a:endParaRPr lang="zh-CN" altLang="en-US" sz="2000" dirty="0">
-              <a:latin typeface="微软雅黑" panose="020B0503020204020204" pitchFamily="34" charset="-122"/>
-              <a:ea typeface="微软雅黑" panose="020B0503020204020204" pitchFamily="34" charset="-122"/>
-            </a:endParaRPr>
           </a:p>
         </p:txBody>
       </p:sp>
@@ -23461,7 +22685,7 @@
               </a:lnSpc>
             </a:pPr>
             <a:r>
-              <a:rPr lang="zh-CN" altLang="en-US" sz="2000" dirty="0" smtClean="0">
+              <a:rPr lang="zh-CN" altLang="en-US" sz="2000" dirty="0">
                 <a:solidFill>
                   <a:schemeClr val="bg1"/>
                 </a:solidFill>
@@ -23471,7 +22695,7 @@
               <a:t>发起请求的可以是浏览器，也可以是支持</a:t>
             </a:r>
             <a:r>
-              <a:rPr lang="en-US" altLang="zh-CN" sz="2000" dirty="0" smtClean="0">
+              <a:rPr lang="en-US" altLang="zh-CN" sz="2000" dirty="0">
                 <a:solidFill>
                   <a:schemeClr val="bg1"/>
                 </a:solidFill>
@@ -23481,7 +22705,7 @@
               <a:t>http</a:t>
             </a:r>
             <a:r>
-              <a:rPr lang="zh-CN" altLang="en-US" sz="2000" dirty="0" smtClean="0">
+              <a:rPr lang="zh-CN" altLang="en-US" sz="2000" dirty="0">
                 <a:solidFill>
                   <a:schemeClr val="bg1"/>
                 </a:solidFill>
@@ -23490,13 +22714,6 @@
               </a:rPr>
               <a:t>协议的其他程序。</a:t>
             </a:r>
-            <a:endParaRPr lang="zh-CN" altLang="en-US" sz="2000" dirty="0">
-              <a:solidFill>
-                <a:schemeClr val="bg1"/>
-              </a:solidFill>
-              <a:latin typeface="微软雅黑" panose="020B0503020204020204" pitchFamily="34" charset="-122"/>
-              <a:ea typeface="微软雅黑" panose="020B0503020204020204" pitchFamily="34" charset="-122"/>
-            </a:endParaRPr>
           </a:p>
         </p:txBody>
       </p:sp>
@@ -23569,7 +22786,7 @@
               <a:buChar char="•"/>
             </a:pPr>
             <a:r>
-              <a:rPr lang="zh-CN" altLang="en-US" sz="2000" dirty="0" smtClean="0">
+              <a:rPr lang="zh-CN" altLang="en-US" sz="2000" dirty="0">
                 <a:solidFill>
                   <a:schemeClr val="tx1">
                     <a:lumMod val="95000"/>
@@ -23582,7 +22799,7 @@
               <a:t>返回的是文本数据。</a:t>
             </a:r>
             <a:r>
-              <a:rPr lang="en-US" altLang="zh-CN" sz="2000" dirty="0" smtClean="0">
+              <a:rPr lang="en-US" altLang="zh-CN" sz="2000" dirty="0">
                 <a:solidFill>
                   <a:schemeClr val="tx1">
                     <a:lumMod val="95000"/>
@@ -23595,7 +22812,7 @@
               <a:t>HTML</a:t>
             </a:r>
             <a:r>
-              <a:rPr lang="zh-CN" altLang="en-US" sz="2000" dirty="0" smtClean="0">
+              <a:rPr lang="zh-CN" altLang="en-US" sz="2000" dirty="0">
                 <a:solidFill>
                   <a:schemeClr val="tx1">
                     <a:lumMod val="95000"/>
@@ -23608,7 +22825,7 @@
               <a:t>，</a:t>
             </a:r>
             <a:r>
-              <a:rPr lang="en-US" altLang="zh-CN" sz="2000" dirty="0" smtClean="0">
+              <a:rPr lang="en-US" altLang="zh-CN" sz="2000" dirty="0">
                 <a:solidFill>
                   <a:schemeClr val="tx1">
                     <a:lumMod val="95000"/>
@@ -23621,7 +22838,7 @@
               <a:t>CSS</a:t>
             </a:r>
             <a:r>
-              <a:rPr lang="zh-CN" altLang="en-US" sz="2000" dirty="0" smtClean="0">
+              <a:rPr lang="zh-CN" altLang="en-US" sz="2000" dirty="0">
                 <a:solidFill>
                   <a:schemeClr val="tx1">
                     <a:lumMod val="95000"/>
@@ -23634,7 +22851,7 @@
               <a:t>，</a:t>
             </a:r>
             <a:r>
-              <a:rPr lang="en-US" altLang="zh-CN" sz="2000" dirty="0" smtClean="0">
+              <a:rPr lang="en-US" altLang="zh-CN" sz="2000" dirty="0">
                 <a:solidFill>
                   <a:schemeClr val="tx1">
                     <a:lumMod val="95000"/>
@@ -23647,7 +22864,7 @@
               <a:t>JS</a:t>
             </a:r>
             <a:r>
-              <a:rPr lang="zh-CN" altLang="en-US" sz="2000" dirty="0" smtClean="0">
+              <a:rPr lang="zh-CN" altLang="en-US" sz="2000" dirty="0">
                 <a:solidFill>
                   <a:schemeClr val="tx1">
                     <a:lumMod val="95000"/>
@@ -23659,7 +22876,7 @@
               </a:rPr>
               <a:t>对于后台来说也是文本，这些是在浏览器端识别并执行的。</a:t>
             </a:r>
-            <a:endParaRPr lang="en-US" altLang="zh-CN" sz="2000" dirty="0" smtClean="0">
+            <a:endParaRPr lang="en-US" altLang="zh-CN" sz="2000" dirty="0">
               <a:solidFill>
                 <a:schemeClr val="tx1">
                   <a:lumMod val="95000"/>
@@ -23689,10 +22906,10 @@
                 <a:latin typeface="微软雅黑" panose="020B0503020204020204" pitchFamily="34" charset="-122"/>
                 <a:ea typeface="微软雅黑" panose="020B0503020204020204" pitchFamily="34" charset="-122"/>
               </a:rPr>
-              <a:t>也可以</a:t>
-            </a:r>
-            <a:r>
-              <a:rPr lang="zh-CN" altLang="en-US" sz="2000" dirty="0" smtClean="0">
+              <a:t>也可以是其他格式的文本：</a:t>
+            </a:r>
+            <a:r>
+              <a:rPr lang="en-US" altLang="zh-CN" sz="2000" dirty="0">
                 <a:solidFill>
                   <a:schemeClr val="tx1">
                     <a:lumMod val="95000"/>
@@ -23702,10 +22919,10 @@
                 <a:latin typeface="微软雅黑" panose="020B0503020204020204" pitchFamily="34" charset="-122"/>
                 <a:ea typeface="微软雅黑" panose="020B0503020204020204" pitchFamily="34" charset="-122"/>
               </a:rPr>
-              <a:t>是其他格式的文本：</a:t>
-            </a:r>
-            <a:r>
-              <a:rPr lang="en-US" altLang="zh-CN" sz="2000" dirty="0" smtClean="0">
+              <a:t>XML</a:t>
+            </a:r>
+            <a:r>
+              <a:rPr lang="zh-CN" altLang="en-US" sz="2000" dirty="0">
                 <a:solidFill>
                   <a:schemeClr val="tx1">
                     <a:lumMod val="95000"/>
@@ -23715,10 +22932,10 @@
                 <a:latin typeface="微软雅黑" panose="020B0503020204020204" pitchFamily="34" charset="-122"/>
                 <a:ea typeface="微软雅黑" panose="020B0503020204020204" pitchFamily="34" charset="-122"/>
               </a:rPr>
-              <a:t>XML</a:t>
-            </a:r>
-            <a:r>
-              <a:rPr lang="zh-CN" altLang="en-US" sz="2000" dirty="0" smtClean="0">
+              <a:t>，</a:t>
+            </a:r>
+            <a:r>
+              <a:rPr lang="en-US" altLang="zh-CN" sz="2000" dirty="0">
                 <a:solidFill>
                   <a:schemeClr val="tx1">
                     <a:lumMod val="95000"/>
@@ -23728,10 +22945,10 @@
                 <a:latin typeface="微软雅黑" panose="020B0503020204020204" pitchFamily="34" charset="-122"/>
                 <a:ea typeface="微软雅黑" panose="020B0503020204020204" pitchFamily="34" charset="-122"/>
               </a:rPr>
-              <a:t>，</a:t>
-            </a:r>
-            <a:r>
-              <a:rPr lang="en-US" altLang="zh-CN" sz="2000" dirty="0" smtClean="0">
+              <a:t>JSON</a:t>
+            </a:r>
+            <a:r>
+              <a:rPr lang="zh-CN" altLang="en-US" sz="2000" dirty="0">
                 <a:solidFill>
                   <a:schemeClr val="tx1">
                     <a:lumMod val="95000"/>
@@ -23741,31 +22958,8 @@
                 <a:latin typeface="微软雅黑" panose="020B0503020204020204" pitchFamily="34" charset="-122"/>
                 <a:ea typeface="微软雅黑" panose="020B0503020204020204" pitchFamily="34" charset="-122"/>
               </a:rPr>
-              <a:t>JSON</a:t>
-            </a:r>
-            <a:r>
-              <a:rPr lang="zh-CN" altLang="en-US" sz="2000" dirty="0" smtClean="0">
-                <a:solidFill>
-                  <a:schemeClr val="tx1">
-                    <a:lumMod val="95000"/>
-                    <a:lumOff val="5000"/>
-                  </a:schemeClr>
-                </a:solidFill>
-                <a:latin typeface="微软雅黑" panose="020B0503020204020204" pitchFamily="34" charset="-122"/>
-                <a:ea typeface="微软雅黑" panose="020B0503020204020204" pitchFamily="34" charset="-122"/>
-              </a:rPr>
               <a:t>。</a:t>
             </a:r>
-            <a:endParaRPr lang="zh-CN" altLang="en-US" sz="2000" dirty="0">
-              <a:solidFill>
-                <a:schemeClr val="tx1">
-                  <a:lumMod val="95000"/>
-                  <a:lumOff val="5000"/>
-                </a:schemeClr>
-              </a:solidFill>
-              <a:latin typeface="微软雅黑" panose="020B0503020204020204" pitchFamily="34" charset="-122"/>
-              <a:ea typeface="微软雅黑" panose="020B0503020204020204" pitchFamily="34" charset="-122"/>
-            </a:endParaRPr>
           </a:p>
         </p:txBody>
       </p:sp>
@@ -23779,114 +22973,6 @@
   <p:clrMapOvr>
     <a:masterClrMapping/>
   </p:clrMapOvr>
-  <p:timing>
-    <p:tnLst>
-      <p:par>
-        <p:cTn id="1" dur="indefinite" restart="never" nodeType="tmRoot"/>
-      </p:par>
-    </p:tnLst>
-  </p:timing>
-</p:sld>
-</file>
-
-<file path=ppt/slides/slide7.xml><?xml version="1.0" encoding="utf-8"?>
-<p:sld xmlns:a="http://schemas.openxmlformats.org/drawingml/2006/main" xmlns:r="http://schemas.openxmlformats.org/officeDocument/2006/relationships" xmlns:p="http://schemas.openxmlformats.org/presentationml/2006/main">
-  <p:cSld>
-    <p:spTree>
-      <p:nvGrpSpPr>
-        <p:cNvPr id="1" name=""/>
-        <p:cNvGrpSpPr/>
-        <p:nvPr/>
-      </p:nvGrpSpPr>
-      <p:grpSpPr>
-        <a:xfrm>
-          <a:off x="0" y="0"/>
-          <a:ext cx="0" cy="0"/>
-          <a:chOff x="0" y="0"/>
-          <a:chExt cx="0" cy="0"/>
-        </a:xfrm>
-      </p:grpSpPr>
-      <p:sp>
-        <p:nvSpPr>
-          <p:cNvPr id="2" name="内容占位符 1"/>
-          <p:cNvSpPr>
-            <a:spLocks noGrp="1"/>
-          </p:cNvSpPr>
-          <p:nvPr>
-            <p:ph sz="quarter" idx="13"/>
-          </p:nvPr>
-        </p:nvSpPr>
-        <p:spPr/>
-        <p:txBody>
-          <a:bodyPr/>
-          <a:lstStyle/>
-          <a:p>
-            <a:r>
-              <a:rPr lang="zh-CN" altLang="en-US" b="0" dirty="0" smtClean="0"/>
-              <a:t>你看到的不是一切</a:t>
-            </a:r>
-            <a:endParaRPr lang="zh-CN" altLang="en-US" b="0" dirty="0"/>
-          </a:p>
-        </p:txBody>
-      </p:sp>
-      <p:sp>
-        <p:nvSpPr>
-          <p:cNvPr id="4" name="文本框 3"/>
-          <p:cNvSpPr txBox="1"/>
-          <p:nvPr/>
-        </p:nvSpPr>
-        <p:spPr>
-          <a:xfrm>
-            <a:off x="2514602" y="3186113"/>
-            <a:ext cx="6515100" cy="738664"/>
-          </a:xfrm>
-          <a:prstGeom prst="rect">
-            <a:avLst/>
-          </a:prstGeom>
-          <a:noFill/>
-        </p:spPr>
-        <p:txBody>
-          <a:bodyPr wrap="square" rtlCol="0">
-            <a:spAutoFit/>
-          </a:bodyPr>
-          <a:lstStyle/>
-          <a:p>
-            <a:pPr>
-              <a:lnSpc>
-                <a:spcPct val="150000"/>
-              </a:lnSpc>
-            </a:pPr>
-            <a:r>
-              <a:rPr lang="zh-CN" altLang="en-US" sz="2800" dirty="0" smtClean="0">
-                <a:latin typeface="微软雅黑" panose="020B0503020204020204" pitchFamily="34" charset="-122"/>
-                <a:ea typeface="微软雅黑" panose="020B0503020204020204" pitchFamily="34" charset="-122"/>
-              </a:rPr>
-              <a:t>人们往往只看到了舞台，却忽略了幕后。</a:t>
-            </a:r>
-            <a:endParaRPr lang="en-US" altLang="zh-CN" sz="2800" dirty="0" smtClean="0">
-              <a:latin typeface="微软雅黑" panose="020B0503020204020204" pitchFamily="34" charset="-122"/>
-              <a:ea typeface="微软雅黑" panose="020B0503020204020204" pitchFamily="34" charset="-122"/>
-            </a:endParaRPr>
-          </a:p>
-        </p:txBody>
-      </p:sp>
-    </p:spTree>
-    <p:extLst>
-      <p:ext uri="{BB962C8B-B14F-4D97-AF65-F5344CB8AC3E}">
-        <p14:creationId xmlns:p14="http://schemas.microsoft.com/office/powerpoint/2010/main" val="3262822210"/>
-      </p:ext>
-    </p:extLst>
-  </p:cSld>
-  <p:clrMapOvr>
-    <a:masterClrMapping/>
-  </p:clrMapOvr>
-  <p:timing>
-    <p:tnLst>
-      <p:par>
-        <p:cTn id="1" dur="indefinite" restart="never" nodeType="tmRoot"/>
-      </p:par>
-    </p:tnLst>
-  </p:timing>
 </p:sld>
 </file>
 
@@ -23974,10 +23060,9 @@
           <a:lstStyle/>
           <a:p>
             <a:r>
-              <a:rPr lang="zh-CN" altLang="en-US" b="0" dirty="0" smtClean="0"/>
+              <a:rPr lang="zh-CN" altLang="en-US" b="0" dirty="0"/>
               <a:t>被动回复消息执行过程</a:t>
             </a:r>
-            <a:endParaRPr lang="zh-CN" altLang="en-US" b="0" dirty="0"/>
           </a:p>
         </p:txBody>
       </p:sp>
@@ -24045,16 +23130,12 @@
           <a:lstStyle/>
           <a:p>
             <a:r>
-              <a:rPr lang="zh-CN" altLang="en-US" sz="2000" dirty="0" smtClean="0">
+              <a:rPr lang="zh-CN" altLang="en-US" sz="2000" dirty="0">
                 <a:latin typeface="微软雅黑" panose="020B0503020204020204" pitchFamily="34" charset="-122"/>
                 <a:ea typeface="微软雅黑" panose="020B0503020204020204" pitchFamily="34" charset="-122"/>
               </a:rPr>
               <a:t>微信服务器</a:t>
             </a:r>
-            <a:endParaRPr lang="zh-CN" altLang="en-US" sz="2000" dirty="0">
-              <a:latin typeface="微软雅黑" panose="020B0503020204020204" pitchFamily="34" charset="-122"/>
-              <a:ea typeface="微软雅黑" panose="020B0503020204020204" pitchFamily="34" charset="-122"/>
-            </a:endParaRPr>
           </a:p>
         </p:txBody>
       </p:sp>
@@ -24128,19 +23209,8 @@
                 <a:latin typeface="微软雅黑" panose="020B0503020204020204" pitchFamily="34" charset="-122"/>
                 <a:ea typeface="微软雅黑" panose="020B0503020204020204" pitchFamily="34" charset="-122"/>
               </a:rPr>
-              <a:t>微</a:t>
-            </a:r>
-            <a:r>
-              <a:rPr lang="zh-CN" altLang="en-US" sz="2000" dirty="0" smtClean="0">
-                <a:latin typeface="微软雅黑" panose="020B0503020204020204" pitchFamily="34" charset="-122"/>
-                <a:ea typeface="微软雅黑" panose="020B0503020204020204" pitchFamily="34" charset="-122"/>
-              </a:rPr>
-              <a:t>信</a:t>
-            </a:r>
-            <a:endParaRPr lang="zh-CN" altLang="en-US" sz="2000" dirty="0">
-              <a:latin typeface="微软雅黑" panose="020B0503020204020204" pitchFamily="34" charset="-122"/>
-              <a:ea typeface="微软雅黑" panose="020B0503020204020204" pitchFamily="34" charset="-122"/>
-            </a:endParaRPr>
+              <a:t>微信</a:t>
+            </a:r>
           </a:p>
         </p:txBody>
       </p:sp>
@@ -24217,19 +23287,8 @@
                 <a:latin typeface="微软雅黑" panose="020B0503020204020204" pitchFamily="34" charset="-122"/>
                 <a:ea typeface="微软雅黑" panose="020B0503020204020204" pitchFamily="34" charset="-122"/>
               </a:rPr>
-              <a:t>开发者</a:t>
-            </a:r>
-            <a:r>
-              <a:rPr lang="zh-CN" altLang="en-US" sz="2000" dirty="0" smtClean="0">
-                <a:latin typeface="微软雅黑" panose="020B0503020204020204" pitchFamily="34" charset="-122"/>
-                <a:ea typeface="微软雅黑" panose="020B0503020204020204" pitchFamily="34" charset="-122"/>
-              </a:rPr>
-              <a:t>服务器</a:t>
-            </a:r>
-            <a:endParaRPr lang="zh-CN" altLang="en-US" sz="2000" dirty="0">
-              <a:latin typeface="微软雅黑" panose="020B0503020204020204" pitchFamily="34" charset="-122"/>
-              <a:ea typeface="微软雅黑" panose="020B0503020204020204" pitchFamily="34" charset="-122"/>
-            </a:endParaRPr>
+              <a:t>开发者服务器</a:t>
+            </a:r>
           </a:p>
         </p:txBody>
       </p:sp>
@@ -24401,86 +23460,54 @@
               </a:lnSpc>
             </a:pPr>
             <a:r>
-              <a:rPr lang="zh-CN" altLang="en-US" sz="2000" dirty="0" smtClean="0">
-                <a:latin typeface="微软雅黑" panose="020B0503020204020204" pitchFamily="34" charset="-122"/>
-                <a:ea typeface="微软雅黑" panose="020B0503020204020204" pitchFamily="34" charset="-122"/>
-              </a:rPr>
-              <a:t>当微</a:t>
-            </a:r>
-            <a:r>
               <a:rPr lang="zh-CN" altLang="en-US" sz="2000" dirty="0">
                 <a:latin typeface="微软雅黑" panose="020B0503020204020204" pitchFamily="34" charset="-122"/>
                 <a:ea typeface="微软雅黑" panose="020B0503020204020204" pitchFamily="34" charset="-122"/>
               </a:rPr>
-              <a:t>信用户向公众账号发消息时，微信服务器</a:t>
-            </a:r>
-            <a:r>
-              <a:rPr lang="zh-CN" altLang="en-US" sz="2000" dirty="0" smtClean="0">
-                <a:latin typeface="微软雅黑" panose="020B0503020204020204" pitchFamily="34" charset="-122"/>
-                <a:ea typeface="微软雅黑" panose="020B0503020204020204" pitchFamily="34" charset="-122"/>
-              </a:rPr>
-              <a:t>将</a:t>
-            </a:r>
-            <a:r>
-              <a:rPr lang="en-US" altLang="zh-CN" sz="2000" dirty="0" smtClean="0">
+              <a:t>当微信用户向公众账号发消息时，微信服务器将</a:t>
+            </a:r>
+            <a:r>
+              <a:rPr lang="en-US" altLang="zh-CN" sz="2000" dirty="0">
                 <a:latin typeface="微软雅黑" panose="020B0503020204020204" pitchFamily="34" charset="-122"/>
                 <a:ea typeface="微软雅黑" panose="020B0503020204020204" pitchFamily="34" charset="-122"/>
               </a:rPr>
               <a:t>XML</a:t>
             </a:r>
             <a:r>
-              <a:rPr lang="zh-CN" altLang="en-US" sz="2000" dirty="0" smtClean="0">
+              <a:rPr lang="zh-CN" altLang="en-US" sz="2000" dirty="0">
                 <a:latin typeface="微软雅黑" panose="020B0503020204020204" pitchFamily="34" charset="-122"/>
                 <a:ea typeface="微软雅黑" panose="020B0503020204020204" pitchFamily="34" charset="-122"/>
               </a:rPr>
               <a:t>数据包以</a:t>
             </a:r>
             <a:r>
-              <a:rPr lang="en-US" altLang="zh-CN" sz="2000" dirty="0" smtClean="0">
+              <a:rPr lang="en-US" altLang="zh-CN" sz="2000" dirty="0">
                 <a:latin typeface="微软雅黑" panose="020B0503020204020204" pitchFamily="34" charset="-122"/>
                 <a:ea typeface="微软雅黑" panose="020B0503020204020204" pitchFamily="34" charset="-122"/>
               </a:rPr>
               <a:t>POST</a:t>
             </a:r>
             <a:r>
-              <a:rPr lang="zh-CN" altLang="en-US" sz="2000" dirty="0" smtClean="0">
-                <a:latin typeface="微软雅黑" panose="020B0503020204020204" pitchFamily="34" charset="-122"/>
-                <a:ea typeface="微软雅黑" panose="020B0503020204020204" pitchFamily="34" charset="-122"/>
-              </a:rPr>
-              <a:t>消息形式发送到</a:t>
-            </a:r>
-            <a:r>
               <a:rPr lang="zh-CN" altLang="en-US" sz="2000" dirty="0">
                 <a:latin typeface="微软雅黑" panose="020B0503020204020204" pitchFamily="34" charset="-122"/>
                 <a:ea typeface="微软雅黑" panose="020B0503020204020204" pitchFamily="34" charset="-122"/>
               </a:rPr>
-              <a:t>开发</a:t>
-            </a:r>
-            <a:r>
-              <a:rPr lang="zh-CN" altLang="en-US" sz="2000" dirty="0" smtClean="0">
-                <a:latin typeface="微软雅黑" panose="020B0503020204020204" pitchFamily="34" charset="-122"/>
-                <a:ea typeface="微软雅黑" panose="020B0503020204020204" pitchFamily="34" charset="-122"/>
-              </a:rPr>
-              <a:t>者服务器；开发者服务器处理后把</a:t>
-            </a:r>
-            <a:r>
-              <a:rPr lang="en-US" altLang="zh-CN" sz="2000" dirty="0" smtClean="0">
+              <a:t>消息形式发送到开发者服务器；开发者服务器处理后把</a:t>
+            </a:r>
+            <a:r>
+              <a:rPr lang="en-US" altLang="zh-CN" sz="2000" dirty="0">
                 <a:latin typeface="微软雅黑" panose="020B0503020204020204" pitchFamily="34" charset="-122"/>
                 <a:ea typeface="微软雅黑" panose="020B0503020204020204" pitchFamily="34" charset="-122"/>
               </a:rPr>
               <a:t>XML</a:t>
             </a:r>
             <a:r>
-              <a:rPr lang="zh-CN" altLang="en-US" sz="2000" dirty="0" smtClean="0">
+              <a:rPr lang="zh-CN" altLang="en-US" sz="2000" dirty="0">
                 <a:latin typeface="微软雅黑" panose="020B0503020204020204" pitchFamily="34" charset="-122"/>
                 <a:ea typeface="微软雅黑" panose="020B0503020204020204" pitchFamily="34" charset="-122"/>
               </a:rPr>
               <a:t>格式响应消息返回给微信服务器，微信服务器发送消息到微信用户。</a:t>
             </a:r>
-            <a:endParaRPr lang="zh-CN" altLang="en-US" sz="2000" dirty="0">
-              <a:latin typeface="微软雅黑" panose="020B0503020204020204" pitchFamily="34" charset="-122"/>
-              <a:ea typeface="微软雅黑" panose="020B0503020204020204" pitchFamily="34" charset="-122"/>
-            </a:endParaRPr>
           </a:p>
         </p:txBody>
       </p:sp>
@@ -24507,16 +23534,12 @@
           <a:lstStyle/>
           <a:p>
             <a:r>
-              <a:rPr lang="zh-CN" altLang="en-US" dirty="0" smtClean="0">
+              <a:rPr lang="zh-CN" altLang="en-US" dirty="0">
                 <a:latin typeface="微软雅黑" panose="020B0503020204020204" pitchFamily="34" charset="-122"/>
                 <a:ea typeface="微软雅黑" panose="020B0503020204020204" pitchFamily="34" charset="-122"/>
               </a:rPr>
               <a:t>微信消息</a:t>
             </a:r>
-            <a:endParaRPr lang="zh-CN" altLang="en-US" dirty="0">
-              <a:latin typeface="微软雅黑" panose="020B0503020204020204" pitchFamily="34" charset="-122"/>
-              <a:ea typeface="微软雅黑" panose="020B0503020204020204" pitchFamily="34" charset="-122"/>
-            </a:endParaRPr>
           </a:p>
         </p:txBody>
       </p:sp>
@@ -24543,23 +23566,19 @@
           <a:lstStyle/>
           <a:p>
             <a:r>
-              <a:rPr lang="en-US" altLang="zh-CN" dirty="0" smtClean="0">
+              <a:rPr lang="en-US" altLang="zh-CN" dirty="0">
                 <a:latin typeface="微软雅黑" panose="020B0503020204020204" pitchFamily="34" charset="-122"/>
                 <a:ea typeface="微软雅黑" panose="020B0503020204020204" pitchFamily="34" charset="-122"/>
               </a:rPr>
               <a:t>XML</a:t>
             </a:r>
             <a:r>
-              <a:rPr lang="zh-CN" altLang="en-US" dirty="0" smtClean="0">
+              <a:rPr lang="zh-CN" altLang="en-US" dirty="0">
                 <a:latin typeface="微软雅黑" panose="020B0503020204020204" pitchFamily="34" charset="-122"/>
                 <a:ea typeface="微软雅黑" panose="020B0503020204020204" pitchFamily="34" charset="-122"/>
               </a:rPr>
               <a:t>格式响应消息</a:t>
             </a:r>
-            <a:endParaRPr lang="zh-CN" altLang="en-US" dirty="0">
-              <a:latin typeface="微软雅黑" panose="020B0503020204020204" pitchFamily="34" charset="-122"/>
-              <a:ea typeface="微软雅黑" panose="020B0503020204020204" pitchFamily="34" charset="-122"/>
-            </a:endParaRPr>
           </a:p>
         </p:txBody>
       </p:sp>
@@ -24586,16 +23605,12 @@
           <a:lstStyle/>
           <a:p>
             <a:r>
-              <a:rPr lang="zh-CN" altLang="en-US" dirty="0" smtClean="0">
+              <a:rPr lang="zh-CN" altLang="en-US" dirty="0">
                 <a:latin typeface="微软雅黑" panose="020B0503020204020204" pitchFamily="34" charset="-122"/>
                 <a:ea typeface="微软雅黑" panose="020B0503020204020204" pitchFamily="34" charset="-122"/>
               </a:rPr>
               <a:t>发送响应消息</a:t>
             </a:r>
-            <a:endParaRPr lang="zh-CN" altLang="en-US" dirty="0">
-              <a:latin typeface="微软雅黑" panose="020B0503020204020204" pitchFamily="34" charset="-122"/>
-              <a:ea typeface="微软雅黑" panose="020B0503020204020204" pitchFamily="34" charset="-122"/>
-            </a:endParaRPr>
           </a:p>
         </p:txBody>
       </p:sp>
@@ -24622,30 +23637,26 @@
           <a:lstStyle/>
           <a:p>
             <a:r>
-              <a:rPr lang="zh-CN" altLang="en-US" dirty="0" smtClean="0">
+              <a:rPr lang="zh-CN" altLang="en-US" dirty="0">
                 <a:latin typeface="微软雅黑" panose="020B0503020204020204" pitchFamily="34" charset="-122"/>
                 <a:ea typeface="微软雅黑" panose="020B0503020204020204" pitchFamily="34" charset="-122"/>
               </a:rPr>
               <a:t>转发</a:t>
             </a:r>
             <a:r>
-              <a:rPr lang="en-US" altLang="zh-CN" dirty="0" smtClean="0">
+              <a:rPr lang="en-US" altLang="zh-CN" dirty="0">
                 <a:latin typeface="微软雅黑" panose="020B0503020204020204" pitchFamily="34" charset="-122"/>
                 <a:ea typeface="微软雅黑" panose="020B0503020204020204" pitchFamily="34" charset="-122"/>
               </a:rPr>
               <a:t>XML</a:t>
             </a:r>
             <a:r>
-              <a:rPr lang="zh-CN" altLang="en-US" dirty="0" smtClean="0">
+              <a:rPr lang="zh-CN" altLang="en-US" dirty="0">
                 <a:latin typeface="微软雅黑" panose="020B0503020204020204" pitchFamily="34" charset="-122"/>
                 <a:ea typeface="微软雅黑" panose="020B0503020204020204" pitchFamily="34" charset="-122"/>
               </a:rPr>
               <a:t>格式消息</a:t>
             </a:r>
-            <a:endParaRPr lang="zh-CN" altLang="en-US" dirty="0">
-              <a:latin typeface="微软雅黑" panose="020B0503020204020204" pitchFamily="34" charset="-122"/>
-              <a:ea typeface="微软雅黑" panose="020B0503020204020204" pitchFamily="34" charset="-122"/>
-            </a:endParaRPr>
           </a:p>
         </p:txBody>
       </p:sp>
@@ -24659,13 +23670,6 @@
   <p:clrMapOvr>
     <a:masterClrMapping/>
   </p:clrMapOvr>
-  <p:timing>
-    <p:tnLst>
-      <p:par>
-        <p:cTn id="1" dur="indefinite" restart="never" nodeType="tmRoot"/>
-      </p:par>
-    </p:tnLst>
-  </p:timing>
 </p:sld>
 </file>
 
@@ -24707,10 +23711,9 @@
           <a:lstStyle/>
           <a:p>
             <a:r>
-              <a:rPr lang="zh-CN" altLang="en-US" b="0" dirty="0" smtClean="0"/>
+              <a:rPr lang="zh-CN" altLang="en-US" b="0" dirty="0"/>
               <a:t>开启微信开发者模式</a:t>
             </a:r>
-            <a:endParaRPr lang="zh-CN" altLang="en-US" b="0" dirty="0"/>
           </a:p>
         </p:txBody>
       </p:sp>
@@ -24744,13 +23747,13 @@
               <a:buChar char="•"/>
             </a:pPr>
             <a:r>
-              <a:rPr lang="zh-CN" altLang="en-US" sz="2000" dirty="0" smtClean="0">
+              <a:rPr lang="zh-CN" altLang="en-US" sz="2000" dirty="0">
                 <a:latin typeface="微软雅黑" panose="020B0503020204020204" pitchFamily="34" charset="-122"/>
                 <a:ea typeface="微软雅黑" panose="020B0503020204020204" pitchFamily="34" charset="-122"/>
               </a:rPr>
               <a:t>开发之前先配置，配置就要进行验证。</a:t>
             </a:r>
-            <a:endParaRPr lang="en-US" altLang="zh-CN" sz="2000" dirty="0" smtClean="0">
+            <a:endParaRPr lang="en-US" altLang="zh-CN" sz="2000" dirty="0">
               <a:latin typeface="微软雅黑" panose="020B0503020204020204" pitchFamily="34" charset="-122"/>
               <a:ea typeface="微软雅黑" panose="020B0503020204020204" pitchFamily="34" charset="-122"/>
             </a:endParaRPr>
@@ -24764,13 +23767,13 @@
               <a:buChar char="•"/>
             </a:pPr>
             <a:r>
-              <a:rPr lang="zh-CN" altLang="en-US" sz="2000" dirty="0" smtClean="0">
+              <a:rPr lang="zh-CN" altLang="en-US" sz="2000" dirty="0">
                 <a:latin typeface="微软雅黑" panose="020B0503020204020204" pitchFamily="34" charset="-122"/>
                 <a:ea typeface="微软雅黑" panose="020B0503020204020204" pitchFamily="34" charset="-122"/>
               </a:rPr>
               <a:t>打开微信公众平台的基本配置，页面上有‘服务器配置’。</a:t>
             </a:r>
-            <a:endParaRPr lang="en-US" altLang="zh-CN" sz="2000" dirty="0" smtClean="0">
+            <a:endParaRPr lang="en-US" altLang="zh-CN" sz="2000" dirty="0">
               <a:latin typeface="微软雅黑" panose="020B0503020204020204" pitchFamily="34" charset="-122"/>
               <a:ea typeface="微软雅黑" panose="020B0503020204020204" pitchFamily="34" charset="-122"/>
             </a:endParaRPr>
@@ -24788,16 +23791,9 @@
                 <a:latin typeface="微软雅黑" panose="020B0503020204020204" pitchFamily="34" charset="-122"/>
                 <a:ea typeface="微软雅黑" panose="020B0503020204020204" pitchFamily="34" charset="-122"/>
               </a:rPr>
-              <a:t>要配置</a:t>
-            </a:r>
-            <a:r>
-              <a:rPr lang="zh-CN" altLang="en-US" sz="2000" dirty="0" smtClean="0">
-                <a:latin typeface="微软雅黑" panose="020B0503020204020204" pitchFamily="34" charset="-122"/>
-                <a:ea typeface="微软雅黑" panose="020B0503020204020204" pitchFamily="34" charset="-122"/>
-              </a:rPr>
-              <a:t>好微信服务器与开发者服务器通信有四个选项：</a:t>
-            </a:r>
-            <a:endParaRPr lang="en-US" altLang="zh-CN" sz="2000" dirty="0" smtClean="0">
+              <a:t>要配置好微信服务器与开发者服务器通信有四个选项：</a:t>
+            </a:r>
+            <a:endParaRPr lang="en-US" altLang="zh-CN" sz="2000" dirty="0">
               <a:latin typeface="微软雅黑" panose="020B0503020204020204" pitchFamily="34" charset="-122"/>
               <a:ea typeface="微软雅黑" panose="020B0503020204020204" pitchFamily="34" charset="-122"/>
             </a:endParaRPr>
@@ -24811,20 +23807,20 @@
               <a:buAutoNum type="arabicPeriod"/>
             </a:pPr>
             <a:r>
-              <a:rPr lang="en-US" altLang="zh-CN" sz="2000" dirty="0" smtClean="0">
+              <a:rPr lang="en-US" altLang="zh-CN" sz="2000" dirty="0">
                 <a:latin typeface="微软雅黑" panose="020B0503020204020204" pitchFamily="34" charset="-122"/>
                 <a:ea typeface="微软雅黑" panose="020B0503020204020204" pitchFamily="34" charset="-122"/>
               </a:rPr>
               <a:t>URL</a:t>
             </a:r>
             <a:r>
-              <a:rPr lang="zh-CN" altLang="en-US" sz="2000" dirty="0" smtClean="0">
+              <a:rPr lang="zh-CN" altLang="en-US" sz="2000" dirty="0">
                 <a:latin typeface="微软雅黑" panose="020B0503020204020204" pitchFamily="34" charset="-122"/>
                 <a:ea typeface="微软雅黑" panose="020B0503020204020204" pitchFamily="34" charset="-122"/>
               </a:rPr>
               <a:t>：开发者服务器上处理微信消息的链接</a:t>
             </a:r>
-            <a:endParaRPr lang="en-US" altLang="zh-CN" sz="2000" dirty="0" smtClean="0">
+            <a:endParaRPr lang="en-US" altLang="zh-CN" sz="2000" dirty="0">
               <a:latin typeface="微软雅黑" panose="020B0503020204020204" pitchFamily="34" charset="-122"/>
               <a:ea typeface="微软雅黑" panose="020B0503020204020204" pitchFamily="34" charset="-122"/>
             </a:endParaRPr>
@@ -24838,20 +23834,20 @@
               <a:buAutoNum type="arabicPeriod"/>
             </a:pPr>
             <a:r>
-              <a:rPr lang="en-US" altLang="zh-CN" sz="2000" dirty="0" smtClean="0">
+              <a:rPr lang="en-US" altLang="zh-CN" sz="2000" dirty="0">
                 <a:latin typeface="微软雅黑" panose="020B0503020204020204" pitchFamily="34" charset="-122"/>
                 <a:ea typeface="微软雅黑" panose="020B0503020204020204" pitchFamily="34" charset="-122"/>
               </a:rPr>
               <a:t>Token</a:t>
             </a:r>
             <a:r>
-              <a:rPr lang="zh-CN" altLang="en-US" sz="2000" dirty="0" smtClean="0">
+              <a:rPr lang="zh-CN" altLang="en-US" sz="2000" dirty="0">
                 <a:latin typeface="微软雅黑" panose="020B0503020204020204" pitchFamily="34" charset="-122"/>
                 <a:ea typeface="微软雅黑" panose="020B0503020204020204" pitchFamily="34" charset="-122"/>
               </a:rPr>
               <a:t>：自己设置</a:t>
             </a:r>
-            <a:endParaRPr lang="en-US" altLang="zh-CN" sz="2000" dirty="0" smtClean="0">
+            <a:endParaRPr lang="en-US" altLang="zh-CN" sz="2000" dirty="0">
               <a:latin typeface="微软雅黑" panose="020B0503020204020204" pitchFamily="34" charset="-122"/>
               <a:ea typeface="微软雅黑" panose="020B0503020204020204" pitchFamily="34" charset="-122"/>
             </a:endParaRPr>
@@ -24865,27 +23861,27 @@
               <a:buAutoNum type="arabicPeriod"/>
             </a:pPr>
             <a:r>
-              <a:rPr lang="zh-CN" altLang="en-US" sz="2000" dirty="0" smtClean="0">
+              <a:rPr lang="zh-CN" altLang="en-US" sz="2000" dirty="0">
                 <a:latin typeface="微软雅黑" panose="020B0503020204020204" pitchFamily="34" charset="-122"/>
                 <a:ea typeface="微软雅黑" panose="020B0503020204020204" pitchFamily="34" charset="-122"/>
               </a:rPr>
               <a:t>消息加解密密钥（</a:t>
             </a:r>
             <a:r>
-              <a:rPr lang="en-US" altLang="zh-CN" sz="2000" dirty="0" err="1" smtClean="0">
+              <a:rPr lang="en-US" altLang="zh-CN" sz="2000" dirty="0" err="1">
                 <a:latin typeface="微软雅黑" panose="020B0503020204020204" pitchFamily="34" charset="-122"/>
                 <a:ea typeface="微软雅黑" panose="020B0503020204020204" pitchFamily="34" charset="-122"/>
               </a:rPr>
               <a:t>EncodingAESKey</a:t>
             </a:r>
             <a:r>
-              <a:rPr lang="zh-CN" altLang="en-US" sz="2000" dirty="0" smtClean="0">
+              <a:rPr lang="zh-CN" altLang="en-US" sz="2000" dirty="0">
                 <a:latin typeface="微软雅黑" panose="020B0503020204020204" pitchFamily="34" charset="-122"/>
                 <a:ea typeface="微软雅黑" panose="020B0503020204020204" pitchFamily="34" charset="-122"/>
               </a:rPr>
               <a:t>）</a:t>
             </a:r>
-            <a:endParaRPr lang="en-US" altLang="zh-CN" sz="2000" dirty="0" smtClean="0">
+            <a:endParaRPr lang="en-US" altLang="zh-CN" sz="2000" dirty="0">
               <a:latin typeface="微软雅黑" panose="020B0503020204020204" pitchFamily="34" charset="-122"/>
               <a:ea typeface="微软雅黑" panose="020B0503020204020204" pitchFamily="34" charset="-122"/>
             </a:endParaRPr>
@@ -24899,7 +23895,7 @@
               <a:buAutoNum type="arabicPeriod"/>
             </a:pPr>
             <a:r>
-              <a:rPr lang="zh-CN" altLang="en-US" sz="2000" dirty="0" smtClean="0">
+              <a:rPr lang="zh-CN" altLang="en-US" sz="2000" dirty="0">
                 <a:latin typeface="微软雅黑" panose="020B0503020204020204" pitchFamily="34" charset="-122"/>
                 <a:ea typeface="微软雅黑" panose="020B0503020204020204" pitchFamily="34" charset="-122"/>
               </a:rPr>
@@ -24921,30 +23917,23 @@
                 <a:latin typeface="微软雅黑" panose="020B0503020204020204" pitchFamily="34" charset="-122"/>
                 <a:ea typeface="微软雅黑" panose="020B0503020204020204" pitchFamily="34" charset="-122"/>
               </a:rPr>
-              <a:t>要配置</a:t>
-            </a:r>
-            <a:r>
-              <a:rPr lang="zh-CN" altLang="en-US" sz="2000" dirty="0" smtClean="0">
-                <a:latin typeface="微软雅黑" panose="020B0503020204020204" pitchFamily="34" charset="-122"/>
-                <a:ea typeface="微软雅黑" panose="020B0503020204020204" pitchFamily="34" charset="-122"/>
-              </a:rPr>
-              <a:t>好</a:t>
-            </a:r>
-            <a:r>
-              <a:rPr lang="en-US" altLang="zh-CN" sz="2000" dirty="0" smtClean="0">
+              <a:t>要配置好</a:t>
+            </a:r>
+            <a:r>
+              <a:rPr lang="en-US" altLang="zh-CN" sz="2000" dirty="0">
                 <a:latin typeface="微软雅黑" panose="020B0503020204020204" pitchFamily="34" charset="-122"/>
                 <a:ea typeface="微软雅黑" panose="020B0503020204020204" pitchFamily="34" charset="-122"/>
               </a:rPr>
               <a:t>URL</a:t>
             </a:r>
             <a:r>
-              <a:rPr lang="zh-CN" altLang="en-US" sz="2000" dirty="0" smtClean="0">
+              <a:rPr lang="zh-CN" altLang="en-US" sz="2000" dirty="0">
                 <a:latin typeface="微软雅黑" panose="020B0503020204020204" pitchFamily="34" charset="-122"/>
                 <a:ea typeface="微软雅黑" panose="020B0503020204020204" pitchFamily="34" charset="-122"/>
               </a:rPr>
               <a:t>就需要微信服务器与开发者服务器进行相互验证，确定双方可信。</a:t>
             </a:r>
-            <a:endParaRPr lang="en-US" altLang="zh-CN" sz="2000" dirty="0" smtClean="0">
+            <a:endParaRPr lang="en-US" altLang="zh-CN" sz="2000" dirty="0">
               <a:latin typeface="微软雅黑" panose="020B0503020204020204" pitchFamily="34" charset="-122"/>
               <a:ea typeface="微软雅黑" panose="020B0503020204020204" pitchFamily="34" charset="-122"/>
             </a:endParaRPr>
@@ -24961,13 +23950,6 @@
   <p:clrMapOvr>
     <a:masterClrMapping/>
   </p:clrMapOvr>
-  <p:timing>
-    <p:tnLst>
-      <p:par>
-        <p:cTn id="1" dur="indefinite" restart="never" nodeType="tmRoot"/>
-      </p:par>
-    </p:tnLst>
-  </p:timing>
 </p:sld>
 </file>
 

--- a/meterials/slides/ch03-wechat-dev-env-and-debug tools.pptx
+++ b/meterials/slides/ch03-wechat-dev-env-and-debug tools.pptx
@@ -13050,8 +13050,8 @@
         </p:nvSpPr>
         <p:spPr>
           <a:xfrm>
-            <a:off x="1054100" y="1885950"/>
-            <a:ext cx="10375900" cy="3323987"/>
+            <a:off x="1054100" y="1748299"/>
+            <a:ext cx="10375900" cy="3785652"/>
           </a:xfrm>
           <a:prstGeom prst="rect">
             <a:avLst/>
@@ -13156,13 +13156,27 @@
                 <a:latin typeface="微软雅黑" panose="020B0503020204020204" pitchFamily="34" charset="-122"/>
                 <a:ea typeface="微软雅黑" panose="020B0503020204020204" pitchFamily="34" charset="-122"/>
               </a:rPr>
-              <a:t>这里所使用的就像是双方约定好的一个暗号，微信服务器使用暗号</a:t>
+              <a:t>这里所使用的就像是双方约定好的一个暗号，微信服务器使用</a:t>
             </a:r>
             <a:r>
               <a:rPr lang="en-US" altLang="zh-CN" sz="2000" dirty="0">
                 <a:latin typeface="微软雅黑" panose="020B0503020204020204" pitchFamily="34" charset="-122"/>
                 <a:ea typeface="微软雅黑" panose="020B0503020204020204" pitchFamily="34" charset="-122"/>
               </a:rPr>
+              <a:t>Token+</a:t>
+            </a:r>
+            <a:r>
+              <a:rPr lang="zh-CN" altLang="en-US" sz="2000" dirty="0">
+                <a:latin typeface="微软雅黑" panose="020B0503020204020204" pitchFamily="34" charset="-122"/>
+                <a:ea typeface="微软雅黑" panose="020B0503020204020204" pitchFamily="34" charset="-122"/>
+              </a:rPr>
+              <a:t>时间值</a:t>
+            </a:r>
+            <a:r>
+              <a:rPr lang="en-US" altLang="zh-CN" sz="2000" dirty="0">
+                <a:latin typeface="微软雅黑" panose="020B0503020204020204" pitchFamily="34" charset="-122"/>
+                <a:ea typeface="微软雅黑" panose="020B0503020204020204" pitchFamily="34" charset="-122"/>
+              </a:rPr>
               <a:t>+</a:t>
             </a:r>
             <a:r>
@@ -13170,21 +13184,28 @@
                 <a:latin typeface="微软雅黑" panose="020B0503020204020204" pitchFamily="34" charset="-122"/>
                 <a:ea typeface="微软雅黑" panose="020B0503020204020204" pitchFamily="34" charset="-122"/>
               </a:rPr>
-              <a:t>时间值</a:t>
-            </a:r>
-            <a:r>
-              <a:rPr lang="en-US" altLang="zh-CN" sz="2000" dirty="0">
-                <a:latin typeface="微软雅黑" panose="020B0503020204020204" pitchFamily="34" charset="-122"/>
-                <a:ea typeface="微软雅黑" panose="020B0503020204020204" pitchFamily="34" charset="-122"/>
-              </a:rPr>
-              <a:t>+</a:t>
+              <a:t>随机数进行加密后传输，开发者服务器也使用暗号加上传递过来的时间值与随机数参数进行加密，对比加密后的结果即可进行验证。加密方式相同，只有</a:t>
+            </a:r>
+            <a:r>
+              <a:rPr lang="en-US" altLang="zh-CN" sz="2000">
+                <a:latin typeface="微软雅黑" panose="020B0503020204020204" pitchFamily="34" charset="-122"/>
+                <a:ea typeface="微软雅黑" panose="020B0503020204020204" pitchFamily="34" charset="-122"/>
+              </a:rPr>
+              <a:t>Token</a:t>
+            </a:r>
+            <a:r>
+              <a:rPr lang="zh-CN" altLang="en-US" sz="2000">
+                <a:latin typeface="微软雅黑" panose="020B0503020204020204" pitchFamily="34" charset="-122"/>
+                <a:ea typeface="微软雅黑" panose="020B0503020204020204" pitchFamily="34" charset="-122"/>
+              </a:rPr>
+              <a:t>相同</a:t>
             </a:r>
             <a:r>
               <a:rPr lang="zh-CN" altLang="en-US" sz="2000" dirty="0">
                 <a:latin typeface="微软雅黑" panose="020B0503020204020204" pitchFamily="34" charset="-122"/>
                 <a:ea typeface="微软雅黑" panose="020B0503020204020204" pitchFamily="34" charset="-122"/>
               </a:rPr>
-              <a:t>随机数进行加密后传输，开发者服务器也使用暗号加上传递过来的时间值与随机数参数进行加密，对比加密后的结果即可进行验证。加密方式相同，只有暗号相同才会保证加密结果相同。</a:t>
+              <a:t>才会保证加密结果相同。</a:t>
             </a:r>
           </a:p>
         </p:txBody>
@@ -18897,7 +18918,7 @@
         <p:spPr>
           <a:xfrm>
             <a:off x="1317523" y="1789471"/>
-            <a:ext cx="8554064" cy="1289905"/>
+            <a:ext cx="8554064" cy="1422954"/>
           </a:xfrm>
           <a:prstGeom prst="rect">
             <a:avLst/>
@@ -18918,13 +18939,13 @@
               <a:buChar char="•"/>
             </a:pPr>
             <a:r>
-              <a:rPr lang="zh-CN" altLang="en-US" dirty="0">
+              <a:rPr lang="zh-CN" altLang="en-US" sz="2000" dirty="0">
                 <a:latin typeface="微软雅黑" panose="020B0503020204020204" pitchFamily="34" charset="-122"/>
                 <a:ea typeface="微软雅黑" panose="020B0503020204020204" pitchFamily="34" charset="-122"/>
               </a:rPr>
               <a:t>如何搭建微信开发环境</a:t>
             </a:r>
-            <a:endParaRPr lang="en-US" altLang="zh-CN" dirty="0">
+            <a:endParaRPr lang="en-US" altLang="zh-CN" sz="2000" dirty="0">
               <a:latin typeface="微软雅黑" panose="020B0503020204020204" pitchFamily="34" charset="-122"/>
               <a:ea typeface="微软雅黑" panose="020B0503020204020204" pitchFamily="34" charset="-122"/>
             </a:endParaRPr>
@@ -18938,13 +18959,13 @@
               <a:buChar char="•"/>
             </a:pPr>
             <a:r>
-              <a:rPr lang="zh-CN" altLang="en-US" dirty="0">
+              <a:rPr lang="zh-CN" altLang="en-US" sz="2000" dirty="0">
                 <a:latin typeface="微软雅黑" panose="020B0503020204020204" pitchFamily="34" charset="-122"/>
                 <a:ea typeface="微软雅黑" panose="020B0503020204020204" pitchFamily="34" charset="-122"/>
               </a:rPr>
               <a:t>完成第一个简单的应用程序：回复文本消息</a:t>
             </a:r>
-            <a:endParaRPr lang="en-US" altLang="zh-CN" dirty="0">
+            <a:endParaRPr lang="en-US" altLang="zh-CN" sz="2000" dirty="0">
               <a:latin typeface="微软雅黑" panose="020B0503020204020204" pitchFamily="34" charset="-122"/>
               <a:ea typeface="微软雅黑" panose="020B0503020204020204" pitchFamily="34" charset="-122"/>
             </a:endParaRPr>
@@ -18958,7 +18979,7 @@
               <a:buChar char="•"/>
             </a:pPr>
             <a:r>
-              <a:rPr lang="zh-CN" altLang="en-US" dirty="0">
+              <a:rPr lang="zh-CN" altLang="en-US" sz="2000" dirty="0">
                 <a:latin typeface="微软雅黑" panose="020B0503020204020204" pitchFamily="34" charset="-122"/>
                 <a:ea typeface="微软雅黑" panose="020B0503020204020204" pitchFamily="34" charset="-122"/>
               </a:rPr>

--- a/meterials/slides/ch03-wechat-dev-env-and-debug tools.pptx
+++ b/meterials/slides/ch03-wechat-dev-env-and-debug tools.pptx
@@ -288,7 +288,7 @@
           <a:p>
             <a:fld id="{2B71C804-97F5-4B36-A7AC-EEEC7F44F6C2}" type="datetimeFigureOut">
               <a:rPr lang="zh-CN" altLang="en-US" smtClean="0"/>
-              <a:t>2017/9/7</a:t>
+              <a:t>2017/9/10</a:t>
             </a:fld>
             <a:endParaRPr lang="zh-CN" altLang="en-US"/>
           </a:p>
@@ -454,7 +454,7 @@
           <a:p>
             <a:fld id="{0568D9C6-D8DC-4CC3-8480-E0C4DBA1CC07}" type="datetimeFigureOut">
               <a:rPr lang="zh-CN" altLang="en-US" smtClean="0"/>
-              <a:t>2017/9/7</a:t>
+              <a:t>2017/9/10</a:t>
             </a:fld>
             <a:endParaRPr lang="zh-CN" altLang="en-US"/>
           </a:p>
@@ -1235,7 +1235,7 @@
           <a:p>
             <a:fld id="{DB9D664F-4C68-42D2-B189-678958EFAFDA}" type="datetime1">
               <a:rPr lang="zh-CN" altLang="en-US" smtClean="0"/>
-              <a:t>2017/9/7</a:t>
+              <a:t>2017/9/10</a:t>
             </a:fld>
             <a:endParaRPr lang="zh-CN" altLang="en-US"/>
           </a:p>
@@ -2217,7 +2217,7 @@
           <a:p>
             <a:fld id="{ED5513C8-E3A4-4D78-B249-887659A958FF}" type="datetime1">
               <a:rPr lang="en-US" altLang="zh-CN" smtClean="0"/>
-              <a:t>9/7/2017</a:t>
+              <a:t>9/10/2017</a:t>
             </a:fld>
             <a:endParaRPr lang="en-US"/>
           </a:p>
@@ -2395,7 +2395,7 @@
           <a:p>
             <a:fld id="{EBEDA52C-3EEE-4289-818C-901C0A7814FE}" type="datetime1">
               <a:rPr lang="en-US" altLang="zh-CN" smtClean="0"/>
-              <a:t>9/7/2017</a:t>
+              <a:t>9/10/2017</a:t>
             </a:fld>
             <a:endParaRPr lang="en-US"/>
           </a:p>
@@ -2649,7 +2649,7 @@
           <a:p>
             <a:fld id="{09EF5D7F-EA15-485C-85DD-8FDC010A62D4}" type="datetime1">
               <a:rPr lang="en-US" altLang="zh-CN" smtClean="0"/>
-              <a:t>9/7/2017</a:t>
+              <a:t>9/10/2017</a:t>
             </a:fld>
             <a:endParaRPr lang="en-US"/>
           </a:p>
@@ -2889,7 +2889,7 @@
           <a:p>
             <a:fld id="{9541C2B2-0BAB-4CD4-83EE-25F1A7138896}" type="datetime1">
               <a:rPr lang="en-US" altLang="zh-CN" smtClean="0"/>
-              <a:t>9/7/2017</a:t>
+              <a:t>9/10/2017</a:t>
             </a:fld>
             <a:endParaRPr lang="en-US"/>
           </a:p>
@@ -3264,7 +3264,7 @@
           <a:p>
             <a:fld id="{7DEA23E7-D0FC-41DC-8745-BE6FC447B182}" type="datetime1">
               <a:rPr lang="en-US" altLang="zh-CN" smtClean="0"/>
-              <a:t>9/7/2017</a:t>
+              <a:t>9/10/2017</a:t>
             </a:fld>
             <a:endParaRPr lang="en-US"/>
           </a:p>
@@ -4049,7 +4049,7 @@
           <a:p>
             <a:fld id="{5DEA8378-5F33-490B-8120-8DE6B7EE2781}" type="datetime1">
               <a:rPr lang="en-US" altLang="zh-CN" smtClean="0"/>
-              <a:t>9/7/2017</a:t>
+              <a:t>9/10/2017</a:t>
             </a:fld>
             <a:endParaRPr lang="en-US"/>
           </a:p>
@@ -4303,7 +4303,7 @@
           <a:p>
             <a:fld id="{38DD30CF-78A7-4C73-91B4-38D3E3317745}" type="datetime1">
               <a:rPr lang="en-US" altLang="zh-CN" smtClean="0"/>
-              <a:t>9/7/2017</a:t>
+              <a:t>9/10/2017</a:t>
             </a:fld>
             <a:endParaRPr lang="en-US"/>
           </a:p>
@@ -4406,7 +4406,7 @@
           <a:p>
             <a:fld id="{A1BE0A72-8501-4974-A7B7-5BD248ABBAFC}" type="datetime1">
               <a:rPr lang="zh-CN" altLang="en-US" smtClean="0"/>
-              <a:t>2017/9/7</a:t>
+              <a:t>2017/9/10</a:t>
             </a:fld>
             <a:endParaRPr lang="zh-CN" altLang="en-US"/>
           </a:p>
@@ -4667,7 +4667,7 @@
           <a:p>
             <a:fld id="{0B7E01DD-16D0-4DBA-9C1A-51468BA0B73A}" type="datetime1">
               <a:rPr lang="en-US" altLang="zh-CN" smtClean="0"/>
-              <a:t>9/7/2017</a:t>
+              <a:t>9/10/2017</a:t>
             </a:fld>
             <a:endParaRPr lang="en-US"/>
           </a:p>
@@ -4845,7 +4845,7 @@
           <a:p>
             <a:fld id="{B587E63F-0E62-4A50-901F-E071D77F7634}" type="datetime1">
               <a:rPr lang="en-US" altLang="zh-CN" smtClean="0"/>
-              <a:t>9/7/2017</a:t>
+              <a:t>9/10/2017</a:t>
             </a:fld>
             <a:endParaRPr lang="en-US"/>
           </a:p>
@@ -5033,7 +5033,7 @@
           <a:p>
             <a:fld id="{BD8521E8-9297-400B-AD8C-0A4D05699D33}" type="datetime1">
               <a:rPr lang="en-US" altLang="zh-CN" smtClean="0"/>
-              <a:t>9/7/2017</a:t>
+              <a:t>9/10/2017</a:t>
             </a:fld>
             <a:endParaRPr lang="en-US"/>
           </a:p>
@@ -5264,7 +5264,7 @@
           <a:p>
             <a:fld id="{ED5513C8-E3A4-4D78-B249-887659A958FF}" type="datetime1">
               <a:rPr lang="en-US" altLang="zh-CN" smtClean="0"/>
-              <a:t>9/7/2017</a:t>
+              <a:t>9/10/2017</a:t>
             </a:fld>
             <a:endParaRPr lang="en-US"/>
           </a:p>
@@ -5442,7 +5442,7 @@
           <a:p>
             <a:fld id="{EBEDA52C-3EEE-4289-818C-901C0A7814FE}" type="datetime1">
               <a:rPr lang="en-US" altLang="zh-CN" smtClean="0"/>
-              <a:t>9/7/2017</a:t>
+              <a:t>9/10/2017</a:t>
             </a:fld>
             <a:endParaRPr lang="en-US"/>
           </a:p>
@@ -5696,7 +5696,7 @@
           <a:p>
             <a:fld id="{09EF5D7F-EA15-485C-85DD-8FDC010A62D4}" type="datetime1">
               <a:rPr lang="en-US" altLang="zh-CN" smtClean="0"/>
-              <a:t>9/7/2017</a:t>
+              <a:t>9/10/2017</a:t>
             </a:fld>
             <a:endParaRPr lang="en-US"/>
           </a:p>
@@ -5936,7 +5936,7 @@
           <a:p>
             <a:fld id="{9541C2B2-0BAB-4CD4-83EE-25F1A7138896}" type="datetime1">
               <a:rPr lang="en-US" altLang="zh-CN" smtClean="0"/>
-              <a:t>9/7/2017</a:t>
+              <a:t>9/10/2017</a:t>
             </a:fld>
             <a:endParaRPr lang="en-US"/>
           </a:p>
@@ -6311,7 +6311,7 @@
           <a:p>
             <a:fld id="{7DEA23E7-D0FC-41DC-8745-BE6FC447B182}" type="datetime1">
               <a:rPr lang="en-US" altLang="zh-CN" smtClean="0"/>
-              <a:t>9/7/2017</a:t>
+              <a:t>9/10/2017</a:t>
             </a:fld>
             <a:endParaRPr lang="en-US"/>
           </a:p>
@@ -7096,7 +7096,7 @@
           <a:p>
             <a:fld id="{A1BE0A72-8501-4974-A7B7-5BD248ABBAFC}" type="datetime1">
               <a:rPr lang="zh-CN" altLang="en-US" smtClean="0"/>
-              <a:t>2017/9/7</a:t>
+              <a:t>2017/9/10</a:t>
             </a:fld>
             <a:endParaRPr lang="zh-CN" altLang="en-US"/>
           </a:p>
@@ -7149,7 +7149,7 @@
           <a:p>
             <a:fld id="{5DEA8378-5F33-490B-8120-8DE6B7EE2781}" type="datetime1">
               <a:rPr lang="en-US" altLang="zh-CN" smtClean="0"/>
-              <a:t>9/7/2017</a:t>
+              <a:t>9/10/2017</a:t>
             </a:fld>
             <a:endParaRPr lang="en-US"/>
           </a:p>
@@ -7403,7 +7403,7 @@
           <a:p>
             <a:fld id="{38DD30CF-78A7-4C73-91B4-38D3E3317745}" type="datetime1">
               <a:rPr lang="en-US" altLang="zh-CN" smtClean="0"/>
-              <a:t>9/7/2017</a:t>
+              <a:t>9/10/2017</a:t>
             </a:fld>
             <a:endParaRPr lang="en-US"/>
           </a:p>
@@ -7668,7 +7668,7 @@
           <a:p>
             <a:fld id="{0B7E01DD-16D0-4DBA-9C1A-51468BA0B73A}" type="datetime1">
               <a:rPr lang="en-US" altLang="zh-CN" smtClean="0"/>
-              <a:t>9/7/2017</a:t>
+              <a:t>9/10/2017</a:t>
             </a:fld>
             <a:endParaRPr lang="en-US"/>
           </a:p>
@@ -7846,7 +7846,7 @@
           <a:p>
             <a:fld id="{B587E63F-0E62-4A50-901F-E071D77F7634}" type="datetime1">
               <a:rPr lang="en-US" altLang="zh-CN" smtClean="0"/>
-              <a:t>9/7/2017</a:t>
+              <a:t>9/10/2017</a:t>
             </a:fld>
             <a:endParaRPr lang="en-US"/>
           </a:p>
@@ -8034,7 +8034,7 @@
           <a:p>
             <a:fld id="{BD8521E8-9297-400B-AD8C-0A4D05699D33}" type="datetime1">
               <a:rPr lang="en-US" altLang="zh-CN" smtClean="0"/>
-              <a:t>9/7/2017</a:t>
+              <a:t>9/10/2017</a:t>
             </a:fld>
             <a:endParaRPr lang="en-US"/>
           </a:p>
@@ -8137,7 +8137,7 @@
           <a:p>
             <a:fld id="{EF452D9C-F9EB-4417-9C3A-C876C2AF9415}" type="datetime1">
               <a:rPr lang="zh-CN" altLang="en-US" smtClean="0"/>
-              <a:t>2017/9/7</a:t>
+              <a:t>2017/9/10</a:t>
             </a:fld>
             <a:endParaRPr lang="zh-CN" altLang="en-US"/>
           </a:p>
@@ -8323,7 +8323,7 @@
           <a:p>
             <a:fld id="{2F2E9289-9B4C-49AE-BDDA-70D6EDC89D17}" type="datetime1">
               <a:rPr lang="zh-CN" altLang="en-US" smtClean="0"/>
-              <a:t>2017/9/7</a:t>
+              <a:t>2017/9/10</a:t>
             </a:fld>
             <a:endParaRPr lang="zh-CN" altLang="en-US"/>
           </a:p>
@@ -8493,7 +8493,7 @@
           <a:p>
             <a:fld id="{2F2E9289-9B4C-49AE-BDDA-70D6EDC89D17}" type="datetime1">
               <a:rPr lang="zh-CN" altLang="en-US" smtClean="0"/>
-              <a:t>2017/9/7</a:t>
+              <a:t>2017/9/10</a:t>
             </a:fld>
             <a:endParaRPr lang="zh-CN" altLang="en-US"/>
           </a:p>
@@ -8729,7 +8729,7 @@
           <a:p>
             <a:fld id="{8C5BA751-A251-47D6-8494-C134D9EBED5F}" type="datetime1">
               <a:rPr lang="zh-CN" altLang="en-US" smtClean="0"/>
-              <a:t>2017/9/7</a:t>
+              <a:t>2017/9/10</a:t>
             </a:fld>
             <a:endParaRPr lang="zh-CN" altLang="en-US"/>
           </a:p>
@@ -9085,7 +9085,7 @@
           <a:p>
             <a:fld id="{C46E2078-F302-4651-A2A2-2FC6C4E1A3F1}" type="datetime1">
               <a:rPr lang="zh-CN" altLang="en-US" smtClean="0"/>
-              <a:t>2017/9/7</a:t>
+              <a:t>2017/9/10</a:t>
             </a:fld>
             <a:endParaRPr lang="zh-CN" altLang="en-US"/>
           </a:p>
@@ -9207,7 +9207,7 @@
               <a:pPr>
                 <a:defRPr/>
               </a:pPr>
-              <a:t>2017/9/7</a:t>
+              <a:t>2017/9/10</a:t>
             </a:fld>
             <a:endParaRPr lang="zh-CN" altLang="en-US"/>
           </a:p>
@@ -9355,7 +9355,7 @@
           <a:p>
             <a:fld id="{A1BE0A72-8501-4974-A7B7-5BD248ABBAFC}" type="datetime1">
               <a:rPr lang="zh-CN" altLang="en-US" smtClean="0"/>
-              <a:t>2017/9/7</a:t>
+              <a:t>2017/9/10</a:t>
             </a:fld>
             <a:endParaRPr lang="zh-CN" altLang="en-US"/>
           </a:p>
@@ -9869,7 +9869,7 @@
           <a:p>
             <a:fld id="{A1BE0A72-8501-4974-A7B7-5BD248ABBAFC}" type="datetime1">
               <a:rPr lang="zh-CN" altLang="en-US" smtClean="0"/>
-              <a:t>2017/9/7</a:t>
+              <a:t>2017/9/10</a:t>
             </a:fld>
             <a:endParaRPr lang="zh-CN" altLang="en-US"/>
           </a:p>
@@ -10475,7 +10475,7 @@
           <a:p>
             <a:fld id="{7A78726F-0AD2-4A20-BC72-263D2D3F3A2F}" type="datetime1">
               <a:rPr lang="en-US" altLang="zh-CN" smtClean="0"/>
-              <a:t>9/7/2017</a:t>
+              <a:t>9/10/2017</a:t>
             </a:fld>
             <a:endParaRPr lang="en-US"/>
           </a:p>
@@ -11456,7 +11456,7 @@
           <a:p>
             <a:fld id="{A1BE0A72-8501-4974-A7B7-5BD248ABBAFC}" type="datetime1">
               <a:rPr lang="zh-CN" altLang="en-US" smtClean="0"/>
-              <a:t>2017/9/7</a:t>
+              <a:t>2017/9/10</a:t>
             </a:fld>
             <a:endParaRPr lang="zh-CN" altLang="en-US"/>
           </a:p>
@@ -12062,7 +12062,7 @@
           <a:p>
             <a:fld id="{7A78726F-0AD2-4A20-BC72-263D2D3F3A2F}" type="datetime1">
               <a:rPr lang="en-US" altLang="zh-CN" smtClean="0"/>
-              <a:t>9/7/2017</a:t>
+              <a:t>9/10/2017</a:t>
             </a:fld>
             <a:endParaRPr lang="en-US"/>
           </a:p>
@@ -15564,7 +15564,7 @@
         <p:spPr>
           <a:xfrm>
             <a:off x="4058444" y="2085977"/>
-            <a:ext cx="4699794" cy="2431435"/>
+            <a:ext cx="4699794" cy="2062103"/>
           </a:xfrm>
           <a:prstGeom prst="rect">
             <a:avLst/>
@@ -15585,7 +15585,7 @@
               <a:buAutoNum type="ea1JpnChsDbPeriod"/>
             </a:pPr>
             <a:r>
-              <a:rPr lang="zh-CN" altLang="en-US" sz="2400" dirty="0">
+              <a:rPr lang="zh-CN" altLang="en-US" sz="2000" dirty="0">
                 <a:solidFill>
                   <a:schemeClr val="tx2">
                     <a:lumMod val="60000"/>
@@ -15597,7 +15597,7 @@
               </a:rPr>
               <a:t>搭建微信开发环境</a:t>
             </a:r>
-            <a:endParaRPr lang="en-US" altLang="zh-CN" sz="2400" dirty="0">
+            <a:endParaRPr lang="en-US" altLang="zh-CN" sz="2000" dirty="0">
               <a:solidFill>
                 <a:schemeClr val="tx2">
                   <a:lumMod val="60000"/>
@@ -15617,7 +15617,7 @@
               <a:buAutoNum type="ea1JpnChsDbPeriod"/>
             </a:pPr>
             <a:r>
-              <a:rPr lang="zh-CN" altLang="en-US" sz="2800" dirty="0">
+              <a:rPr lang="zh-CN" altLang="en-US" sz="2400" dirty="0">
                 <a:solidFill>
                   <a:schemeClr val="accent6">
                     <a:lumMod val="75000"/>
@@ -15628,7 +15628,7 @@
               </a:rPr>
               <a:t>第一个微信应用程序</a:t>
             </a:r>
-            <a:endParaRPr lang="en-US" altLang="zh-CN" sz="2800" dirty="0">
+            <a:endParaRPr lang="en-US" altLang="zh-CN" sz="2400" dirty="0">
               <a:solidFill>
                 <a:schemeClr val="accent6">
                   <a:lumMod val="75000"/>
@@ -15647,7 +15647,7 @@
               <a:buAutoNum type="ea1JpnChsDbPeriod"/>
             </a:pPr>
             <a:r>
-              <a:rPr lang="zh-CN" altLang="en-US" sz="2400" dirty="0">
+              <a:rPr lang="zh-CN" altLang="en-US" sz="2000" dirty="0">
                 <a:solidFill>
                   <a:schemeClr val="tx2">
                     <a:lumMod val="60000"/>
@@ -15659,7 +15659,7 @@
               </a:rPr>
               <a:t>微信调试工具</a:t>
             </a:r>
-            <a:endParaRPr lang="en-US" altLang="zh-CN" sz="2400" dirty="0">
+            <a:endParaRPr lang="en-US" altLang="zh-CN" sz="2000" dirty="0">
               <a:solidFill>
                 <a:schemeClr val="tx2">
                   <a:lumMod val="60000"/>
@@ -16213,7 +16213,7 @@
         <p:spPr>
           <a:xfrm>
             <a:off x="4058444" y="2085977"/>
-            <a:ext cx="4699794" cy="2677656"/>
+            <a:ext cx="4699794" cy="2308324"/>
           </a:xfrm>
           <a:prstGeom prst="rect">
             <a:avLst/>
@@ -16234,7 +16234,7 @@
               <a:buAutoNum type="ea1JpnChsDbPeriod"/>
             </a:pPr>
             <a:r>
-              <a:rPr lang="zh-CN" altLang="en-US" sz="2800" dirty="0">
+              <a:rPr lang="zh-CN" altLang="en-US" sz="2400" dirty="0">
                 <a:solidFill>
                   <a:schemeClr val="bg2">
                     <a:lumMod val="25000"/>
@@ -16245,7 +16245,7 @@
               </a:rPr>
               <a:t>搭建微信开发环境</a:t>
             </a:r>
-            <a:endParaRPr lang="en-US" altLang="zh-CN" sz="2800" dirty="0">
+            <a:endParaRPr lang="en-US" altLang="zh-CN" sz="2400" dirty="0">
               <a:solidFill>
                 <a:schemeClr val="bg2">
                   <a:lumMod val="25000"/>
@@ -16264,7 +16264,7 @@
               <a:buAutoNum type="ea1JpnChsDbPeriod"/>
             </a:pPr>
             <a:r>
-              <a:rPr lang="zh-CN" altLang="en-US" sz="2800" dirty="0">
+              <a:rPr lang="zh-CN" altLang="en-US" sz="2400" dirty="0">
                 <a:solidFill>
                   <a:schemeClr val="bg2">
                     <a:lumMod val="25000"/>
@@ -16275,7 +16275,7 @@
               </a:rPr>
               <a:t>第一个微信应用程序</a:t>
             </a:r>
-            <a:endParaRPr lang="en-US" altLang="zh-CN" sz="2800" dirty="0">
+            <a:endParaRPr lang="en-US" altLang="zh-CN" sz="2400" dirty="0">
               <a:solidFill>
                 <a:schemeClr val="bg2">
                   <a:lumMod val="25000"/>
@@ -16294,7 +16294,7 @@
               <a:buAutoNum type="ea1JpnChsDbPeriod"/>
             </a:pPr>
             <a:r>
-              <a:rPr lang="zh-CN" altLang="en-US" sz="2800" dirty="0">
+              <a:rPr lang="zh-CN" altLang="en-US" sz="2400" dirty="0">
                 <a:solidFill>
                   <a:schemeClr val="bg2">
                     <a:lumMod val="25000"/>
@@ -16305,7 +16305,7 @@
               </a:rPr>
               <a:t>微信调试工具</a:t>
             </a:r>
-            <a:endParaRPr lang="en-US" altLang="zh-CN" sz="2800" dirty="0">
+            <a:endParaRPr lang="en-US" altLang="zh-CN" sz="2400" dirty="0">
               <a:solidFill>
                 <a:schemeClr val="bg2">
                   <a:lumMod val="25000"/>
@@ -17806,7 +17806,7 @@
         <p:spPr>
           <a:xfrm>
             <a:off x="4058444" y="2085977"/>
-            <a:ext cx="4699794" cy="2431435"/>
+            <a:ext cx="4699794" cy="2062103"/>
           </a:xfrm>
           <a:prstGeom prst="rect">
             <a:avLst/>
@@ -17827,7 +17827,7 @@
               <a:buAutoNum type="ea1JpnChsDbPeriod"/>
             </a:pPr>
             <a:r>
-              <a:rPr lang="zh-CN" altLang="en-US" sz="2400" dirty="0">
+              <a:rPr lang="zh-CN" altLang="en-US" sz="2000" dirty="0">
                 <a:solidFill>
                   <a:schemeClr val="tx2">
                     <a:lumMod val="60000"/>
@@ -17839,7 +17839,7 @@
               </a:rPr>
               <a:t>搭建微信开发环境</a:t>
             </a:r>
-            <a:endParaRPr lang="en-US" altLang="zh-CN" sz="2400" dirty="0">
+            <a:endParaRPr lang="en-US" altLang="zh-CN" sz="2000" dirty="0">
               <a:solidFill>
                 <a:schemeClr val="tx2">
                   <a:lumMod val="60000"/>
@@ -17859,7 +17859,7 @@
               <a:buAutoNum type="ea1JpnChsDbPeriod"/>
             </a:pPr>
             <a:r>
-              <a:rPr lang="zh-CN" altLang="en-US" sz="2400" dirty="0">
+              <a:rPr lang="zh-CN" altLang="en-US" sz="2000" dirty="0">
                 <a:solidFill>
                   <a:schemeClr val="tx2">
                     <a:lumMod val="60000"/>
@@ -17871,7 +17871,7 @@
               </a:rPr>
               <a:t>第一个微信应用程序</a:t>
             </a:r>
-            <a:endParaRPr lang="en-US" altLang="zh-CN" sz="2400" dirty="0">
+            <a:endParaRPr lang="en-US" altLang="zh-CN" sz="2000" dirty="0">
               <a:solidFill>
                 <a:schemeClr val="tx2">
                   <a:lumMod val="60000"/>
@@ -17891,7 +17891,7 @@
               <a:buAutoNum type="ea1JpnChsDbPeriod"/>
             </a:pPr>
             <a:r>
-              <a:rPr lang="zh-CN" altLang="en-US" sz="2800" dirty="0">
+              <a:rPr lang="zh-CN" altLang="en-US" sz="2400" dirty="0">
                 <a:solidFill>
                   <a:schemeClr val="accent6">
                     <a:lumMod val="75000"/>
@@ -17902,7 +17902,7 @@
               </a:rPr>
               <a:t>微信调试工具</a:t>
             </a:r>
-            <a:endParaRPr lang="en-US" altLang="zh-CN" sz="2800" dirty="0">
+            <a:endParaRPr lang="en-US" altLang="zh-CN" sz="2400" dirty="0">
               <a:solidFill>
                 <a:schemeClr val="accent6">
                   <a:lumMod val="75000"/>
@@ -22255,7 +22255,7 @@
         <p:spPr>
           <a:xfrm>
             <a:off x="4058444" y="2343152"/>
-            <a:ext cx="4699794" cy="2431435"/>
+            <a:ext cx="4699794" cy="2062103"/>
           </a:xfrm>
           <a:prstGeom prst="rect">
             <a:avLst/>
@@ -22276,7 +22276,7 @@
               <a:buAutoNum type="ea1JpnChsDbPeriod"/>
             </a:pPr>
             <a:r>
-              <a:rPr lang="zh-CN" altLang="en-US" sz="2800" dirty="0">
+              <a:rPr lang="zh-CN" altLang="en-US" sz="2400" dirty="0">
                 <a:solidFill>
                   <a:schemeClr val="accent6">
                     <a:lumMod val="75000"/>
@@ -22287,7 +22287,7 @@
               </a:rPr>
               <a:t>搭建微信开发环境</a:t>
             </a:r>
-            <a:endParaRPr lang="en-US" altLang="zh-CN" sz="2800" dirty="0">
+            <a:endParaRPr lang="en-US" altLang="zh-CN" sz="2400" dirty="0">
               <a:solidFill>
                 <a:schemeClr val="accent6">
                   <a:lumMod val="75000"/>
@@ -22306,7 +22306,7 @@
               <a:buAutoNum type="ea1JpnChsDbPeriod"/>
             </a:pPr>
             <a:r>
-              <a:rPr lang="zh-CN" altLang="en-US" sz="2400" dirty="0">
+              <a:rPr lang="zh-CN" altLang="en-US" sz="2000" dirty="0">
                 <a:solidFill>
                   <a:schemeClr val="tx2">
                     <a:lumMod val="60000"/>
@@ -22318,7 +22318,7 @@
               </a:rPr>
               <a:t>第一个微信应用程序</a:t>
             </a:r>
-            <a:endParaRPr lang="en-US" altLang="zh-CN" sz="2400" dirty="0">
+            <a:endParaRPr lang="en-US" altLang="zh-CN" sz="2000" dirty="0">
               <a:solidFill>
                 <a:schemeClr val="tx2">
                   <a:lumMod val="60000"/>
@@ -22338,7 +22338,7 @@
               <a:buAutoNum type="ea1JpnChsDbPeriod"/>
             </a:pPr>
             <a:r>
-              <a:rPr lang="zh-CN" altLang="en-US" sz="2400" dirty="0">
+              <a:rPr lang="zh-CN" altLang="en-US" sz="2000" dirty="0">
                 <a:solidFill>
                   <a:schemeClr val="tx2">
                     <a:lumMod val="60000"/>
@@ -22350,7 +22350,7 @@
               </a:rPr>
               <a:t>微信调试工具</a:t>
             </a:r>
-            <a:endParaRPr lang="en-US" altLang="zh-CN" sz="2400" dirty="0">
+            <a:endParaRPr lang="en-US" altLang="zh-CN" sz="2000" dirty="0">
               <a:solidFill>
                 <a:schemeClr val="tx2">
                   <a:lumMod val="60000"/>

--- a/meterials/slides/ch03-wechat-dev-env-and-debug tools.pptx
+++ b/meterials/slides/ch03-wechat-dev-env-and-debug tools.pptx
@@ -288,7 +288,7 @@
           <a:p>
             <a:fld id="{2B71C804-97F5-4B36-A7AC-EEEC7F44F6C2}" type="datetimeFigureOut">
               <a:rPr lang="zh-CN" altLang="en-US" smtClean="0"/>
-              <a:t>2017/9/10</a:t>
+              <a:t>2017/10/17</a:t>
             </a:fld>
             <a:endParaRPr lang="zh-CN" altLang="en-US"/>
           </a:p>
@@ -454,7 +454,7 @@
           <a:p>
             <a:fld id="{0568D9C6-D8DC-4CC3-8480-E0C4DBA1CC07}" type="datetimeFigureOut">
               <a:rPr lang="zh-CN" altLang="en-US" smtClean="0"/>
-              <a:t>2017/9/10</a:t>
+              <a:t>2017/10/17</a:t>
             </a:fld>
             <a:endParaRPr lang="zh-CN" altLang="en-US"/>
           </a:p>
@@ -1235,7 +1235,7 @@
           <a:p>
             <a:fld id="{DB9D664F-4C68-42D2-B189-678958EFAFDA}" type="datetime1">
               <a:rPr lang="zh-CN" altLang="en-US" smtClean="0"/>
-              <a:t>2017/9/10</a:t>
+              <a:t>2017/10/17</a:t>
             </a:fld>
             <a:endParaRPr lang="zh-CN" altLang="en-US"/>
           </a:p>
@@ -2217,7 +2217,7 @@
           <a:p>
             <a:fld id="{ED5513C8-E3A4-4D78-B249-887659A958FF}" type="datetime1">
               <a:rPr lang="en-US" altLang="zh-CN" smtClean="0"/>
-              <a:t>9/10/2017</a:t>
+              <a:t>10/17/2017</a:t>
             </a:fld>
             <a:endParaRPr lang="en-US"/>
           </a:p>
@@ -2395,7 +2395,7 @@
           <a:p>
             <a:fld id="{EBEDA52C-3EEE-4289-818C-901C0A7814FE}" type="datetime1">
               <a:rPr lang="en-US" altLang="zh-CN" smtClean="0"/>
-              <a:t>9/10/2017</a:t>
+              <a:t>10/17/2017</a:t>
             </a:fld>
             <a:endParaRPr lang="en-US"/>
           </a:p>
@@ -2649,7 +2649,7 @@
           <a:p>
             <a:fld id="{09EF5D7F-EA15-485C-85DD-8FDC010A62D4}" type="datetime1">
               <a:rPr lang="en-US" altLang="zh-CN" smtClean="0"/>
-              <a:t>9/10/2017</a:t>
+              <a:t>10/17/2017</a:t>
             </a:fld>
             <a:endParaRPr lang="en-US"/>
           </a:p>
@@ -2889,7 +2889,7 @@
           <a:p>
             <a:fld id="{9541C2B2-0BAB-4CD4-83EE-25F1A7138896}" type="datetime1">
               <a:rPr lang="en-US" altLang="zh-CN" smtClean="0"/>
-              <a:t>9/10/2017</a:t>
+              <a:t>10/17/2017</a:t>
             </a:fld>
             <a:endParaRPr lang="en-US"/>
           </a:p>
@@ -3264,7 +3264,7 @@
           <a:p>
             <a:fld id="{7DEA23E7-D0FC-41DC-8745-BE6FC447B182}" type="datetime1">
               <a:rPr lang="en-US" altLang="zh-CN" smtClean="0"/>
-              <a:t>9/10/2017</a:t>
+              <a:t>10/17/2017</a:t>
             </a:fld>
             <a:endParaRPr lang="en-US"/>
           </a:p>
@@ -4049,7 +4049,7 @@
           <a:p>
             <a:fld id="{5DEA8378-5F33-490B-8120-8DE6B7EE2781}" type="datetime1">
               <a:rPr lang="en-US" altLang="zh-CN" smtClean="0"/>
-              <a:t>9/10/2017</a:t>
+              <a:t>10/17/2017</a:t>
             </a:fld>
             <a:endParaRPr lang="en-US"/>
           </a:p>
@@ -4303,7 +4303,7 @@
           <a:p>
             <a:fld id="{38DD30CF-78A7-4C73-91B4-38D3E3317745}" type="datetime1">
               <a:rPr lang="en-US" altLang="zh-CN" smtClean="0"/>
-              <a:t>9/10/2017</a:t>
+              <a:t>10/17/2017</a:t>
             </a:fld>
             <a:endParaRPr lang="en-US"/>
           </a:p>
@@ -4406,7 +4406,7 @@
           <a:p>
             <a:fld id="{A1BE0A72-8501-4974-A7B7-5BD248ABBAFC}" type="datetime1">
               <a:rPr lang="zh-CN" altLang="en-US" smtClean="0"/>
-              <a:t>2017/9/10</a:t>
+              <a:t>2017/10/17</a:t>
             </a:fld>
             <a:endParaRPr lang="zh-CN" altLang="en-US"/>
           </a:p>
@@ -4667,7 +4667,7 @@
           <a:p>
             <a:fld id="{0B7E01DD-16D0-4DBA-9C1A-51468BA0B73A}" type="datetime1">
               <a:rPr lang="en-US" altLang="zh-CN" smtClean="0"/>
-              <a:t>9/10/2017</a:t>
+              <a:t>10/17/2017</a:t>
             </a:fld>
             <a:endParaRPr lang="en-US"/>
           </a:p>
@@ -4845,7 +4845,7 @@
           <a:p>
             <a:fld id="{B587E63F-0E62-4A50-901F-E071D77F7634}" type="datetime1">
               <a:rPr lang="en-US" altLang="zh-CN" smtClean="0"/>
-              <a:t>9/10/2017</a:t>
+              <a:t>10/17/2017</a:t>
             </a:fld>
             <a:endParaRPr lang="en-US"/>
           </a:p>
@@ -5033,7 +5033,7 @@
           <a:p>
             <a:fld id="{BD8521E8-9297-400B-AD8C-0A4D05699D33}" type="datetime1">
               <a:rPr lang="en-US" altLang="zh-CN" smtClean="0"/>
-              <a:t>9/10/2017</a:t>
+              <a:t>10/17/2017</a:t>
             </a:fld>
             <a:endParaRPr lang="en-US"/>
           </a:p>
@@ -5264,7 +5264,7 @@
           <a:p>
             <a:fld id="{ED5513C8-E3A4-4D78-B249-887659A958FF}" type="datetime1">
               <a:rPr lang="en-US" altLang="zh-CN" smtClean="0"/>
-              <a:t>9/10/2017</a:t>
+              <a:t>10/17/2017</a:t>
             </a:fld>
             <a:endParaRPr lang="en-US"/>
           </a:p>
@@ -5442,7 +5442,7 @@
           <a:p>
             <a:fld id="{EBEDA52C-3EEE-4289-818C-901C0A7814FE}" type="datetime1">
               <a:rPr lang="en-US" altLang="zh-CN" smtClean="0"/>
-              <a:t>9/10/2017</a:t>
+              <a:t>10/17/2017</a:t>
             </a:fld>
             <a:endParaRPr lang="en-US"/>
           </a:p>
@@ -5696,7 +5696,7 @@
           <a:p>
             <a:fld id="{09EF5D7F-EA15-485C-85DD-8FDC010A62D4}" type="datetime1">
               <a:rPr lang="en-US" altLang="zh-CN" smtClean="0"/>
-              <a:t>9/10/2017</a:t>
+              <a:t>10/17/2017</a:t>
             </a:fld>
             <a:endParaRPr lang="en-US"/>
           </a:p>
@@ -5936,7 +5936,7 @@
           <a:p>
             <a:fld id="{9541C2B2-0BAB-4CD4-83EE-25F1A7138896}" type="datetime1">
               <a:rPr lang="en-US" altLang="zh-CN" smtClean="0"/>
-              <a:t>9/10/2017</a:t>
+              <a:t>10/17/2017</a:t>
             </a:fld>
             <a:endParaRPr lang="en-US"/>
           </a:p>
@@ -6311,7 +6311,7 @@
           <a:p>
             <a:fld id="{7DEA23E7-D0FC-41DC-8745-BE6FC447B182}" type="datetime1">
               <a:rPr lang="en-US" altLang="zh-CN" smtClean="0"/>
-              <a:t>9/10/2017</a:t>
+              <a:t>10/17/2017</a:t>
             </a:fld>
             <a:endParaRPr lang="en-US"/>
           </a:p>
@@ -7096,7 +7096,7 @@
           <a:p>
             <a:fld id="{A1BE0A72-8501-4974-A7B7-5BD248ABBAFC}" type="datetime1">
               <a:rPr lang="zh-CN" altLang="en-US" smtClean="0"/>
-              <a:t>2017/9/10</a:t>
+              <a:t>2017/10/17</a:t>
             </a:fld>
             <a:endParaRPr lang="zh-CN" altLang="en-US"/>
           </a:p>
@@ -7149,7 +7149,7 @@
           <a:p>
             <a:fld id="{5DEA8378-5F33-490B-8120-8DE6B7EE2781}" type="datetime1">
               <a:rPr lang="en-US" altLang="zh-CN" smtClean="0"/>
-              <a:t>9/10/2017</a:t>
+              <a:t>10/17/2017</a:t>
             </a:fld>
             <a:endParaRPr lang="en-US"/>
           </a:p>
@@ -7403,7 +7403,7 @@
           <a:p>
             <a:fld id="{38DD30CF-78A7-4C73-91B4-38D3E3317745}" type="datetime1">
               <a:rPr lang="en-US" altLang="zh-CN" smtClean="0"/>
-              <a:t>9/10/2017</a:t>
+              <a:t>10/17/2017</a:t>
             </a:fld>
             <a:endParaRPr lang="en-US"/>
           </a:p>
@@ -7668,7 +7668,7 @@
           <a:p>
             <a:fld id="{0B7E01DD-16D0-4DBA-9C1A-51468BA0B73A}" type="datetime1">
               <a:rPr lang="en-US" altLang="zh-CN" smtClean="0"/>
-              <a:t>9/10/2017</a:t>
+              <a:t>10/17/2017</a:t>
             </a:fld>
             <a:endParaRPr lang="en-US"/>
           </a:p>
@@ -7846,7 +7846,7 @@
           <a:p>
             <a:fld id="{B587E63F-0E62-4A50-901F-E071D77F7634}" type="datetime1">
               <a:rPr lang="en-US" altLang="zh-CN" smtClean="0"/>
-              <a:t>9/10/2017</a:t>
+              <a:t>10/17/2017</a:t>
             </a:fld>
             <a:endParaRPr lang="en-US"/>
           </a:p>
@@ -8034,7 +8034,7 @@
           <a:p>
             <a:fld id="{BD8521E8-9297-400B-AD8C-0A4D05699D33}" type="datetime1">
               <a:rPr lang="en-US" altLang="zh-CN" smtClean="0"/>
-              <a:t>9/10/2017</a:t>
+              <a:t>10/17/2017</a:t>
             </a:fld>
             <a:endParaRPr lang="en-US"/>
           </a:p>
@@ -8137,7 +8137,7 @@
           <a:p>
             <a:fld id="{EF452D9C-F9EB-4417-9C3A-C876C2AF9415}" type="datetime1">
               <a:rPr lang="zh-CN" altLang="en-US" smtClean="0"/>
-              <a:t>2017/9/10</a:t>
+              <a:t>2017/10/17</a:t>
             </a:fld>
             <a:endParaRPr lang="zh-CN" altLang="en-US"/>
           </a:p>
@@ -8323,7 +8323,7 @@
           <a:p>
             <a:fld id="{2F2E9289-9B4C-49AE-BDDA-70D6EDC89D17}" type="datetime1">
               <a:rPr lang="zh-CN" altLang="en-US" smtClean="0"/>
-              <a:t>2017/9/10</a:t>
+              <a:t>2017/10/17</a:t>
             </a:fld>
             <a:endParaRPr lang="zh-CN" altLang="en-US"/>
           </a:p>
@@ -8493,7 +8493,7 @@
           <a:p>
             <a:fld id="{2F2E9289-9B4C-49AE-BDDA-70D6EDC89D17}" type="datetime1">
               <a:rPr lang="zh-CN" altLang="en-US" smtClean="0"/>
-              <a:t>2017/9/10</a:t>
+              <a:t>2017/10/17</a:t>
             </a:fld>
             <a:endParaRPr lang="zh-CN" altLang="en-US"/>
           </a:p>
@@ -8729,7 +8729,7 @@
           <a:p>
             <a:fld id="{8C5BA751-A251-47D6-8494-C134D9EBED5F}" type="datetime1">
               <a:rPr lang="zh-CN" altLang="en-US" smtClean="0"/>
-              <a:t>2017/9/10</a:t>
+              <a:t>2017/10/17</a:t>
             </a:fld>
             <a:endParaRPr lang="zh-CN" altLang="en-US"/>
           </a:p>
@@ -9085,7 +9085,7 @@
           <a:p>
             <a:fld id="{C46E2078-F302-4651-A2A2-2FC6C4E1A3F1}" type="datetime1">
               <a:rPr lang="zh-CN" altLang="en-US" smtClean="0"/>
-              <a:t>2017/9/10</a:t>
+              <a:t>2017/10/17</a:t>
             </a:fld>
             <a:endParaRPr lang="zh-CN" altLang="en-US"/>
           </a:p>
@@ -9207,7 +9207,7 @@
               <a:pPr>
                 <a:defRPr/>
               </a:pPr>
-              <a:t>2017/9/10</a:t>
+              <a:t>2017/10/17</a:t>
             </a:fld>
             <a:endParaRPr lang="zh-CN" altLang="en-US"/>
           </a:p>
@@ -9355,7 +9355,7 @@
           <a:p>
             <a:fld id="{A1BE0A72-8501-4974-A7B7-5BD248ABBAFC}" type="datetime1">
               <a:rPr lang="zh-CN" altLang="en-US" smtClean="0"/>
-              <a:t>2017/9/10</a:t>
+              <a:t>2017/10/17</a:t>
             </a:fld>
             <a:endParaRPr lang="zh-CN" altLang="en-US"/>
           </a:p>
@@ -9869,7 +9869,7 @@
           <a:p>
             <a:fld id="{A1BE0A72-8501-4974-A7B7-5BD248ABBAFC}" type="datetime1">
               <a:rPr lang="zh-CN" altLang="en-US" smtClean="0"/>
-              <a:t>2017/9/10</a:t>
+              <a:t>2017/10/17</a:t>
             </a:fld>
             <a:endParaRPr lang="zh-CN" altLang="en-US"/>
           </a:p>
@@ -10475,7 +10475,7 @@
           <a:p>
             <a:fld id="{7A78726F-0AD2-4A20-BC72-263D2D3F3A2F}" type="datetime1">
               <a:rPr lang="en-US" altLang="zh-CN" smtClean="0"/>
-              <a:t>9/10/2017</a:t>
+              <a:t>10/17/2017</a:t>
             </a:fld>
             <a:endParaRPr lang="en-US"/>
           </a:p>
@@ -11456,7 +11456,7 @@
           <a:p>
             <a:fld id="{A1BE0A72-8501-4974-A7B7-5BD248ABBAFC}" type="datetime1">
               <a:rPr lang="zh-CN" altLang="en-US" smtClean="0"/>
-              <a:t>2017/9/10</a:t>
+              <a:t>2017/10/17</a:t>
             </a:fld>
             <a:endParaRPr lang="zh-CN" altLang="en-US"/>
           </a:p>
@@ -12062,7 +12062,7 @@
           <a:p>
             <a:fld id="{7A78726F-0AD2-4A20-BC72-263D2D3F3A2F}" type="datetime1">
               <a:rPr lang="en-US" altLang="zh-CN" smtClean="0"/>
-              <a:t>9/10/2017</a:t>
+              <a:t>10/17/2017</a:t>
             </a:fld>
             <a:endParaRPr lang="en-US"/>
           </a:p>
@@ -13052,7 +13052,7 @@
         <p:spPr>
           <a:xfrm>
             <a:off x="1054100" y="1748299"/>
-            <a:ext cx="10375900" cy="3785652"/>
+            <a:ext cx="10375900" cy="3323987"/>
           </a:xfrm>
           <a:prstGeom prst="rect">
             <a:avLst/>
@@ -13117,7 +13117,35 @@
                 <a:latin typeface="微软雅黑" panose="020B0503020204020204" pitchFamily="34" charset="-122"/>
                 <a:ea typeface="微软雅黑" panose="020B0503020204020204" pitchFamily="34" charset="-122"/>
               </a:rPr>
-              <a:t>更通俗的解释：暗号。</a:t>
+              <a:t>这里所使用的就像是双方约定好的一个暗号，微信服务器使用</a:t>
+            </a:r>
+            <a:r>
+              <a:rPr lang="en-US" altLang="zh-CN" sz="2000" dirty="0">
+                <a:latin typeface="微软雅黑" panose="020B0503020204020204" pitchFamily="34" charset="-122"/>
+                <a:ea typeface="微软雅黑" panose="020B0503020204020204" pitchFamily="34" charset="-122"/>
+              </a:rPr>
+              <a:t>Token+</a:t>
+            </a:r>
+            <a:r>
+              <a:rPr lang="zh-CN" altLang="en-US" sz="2000" dirty="0">
+                <a:latin typeface="微软雅黑" panose="020B0503020204020204" pitchFamily="34" charset="-122"/>
+                <a:ea typeface="微软雅黑" panose="020B0503020204020204" pitchFamily="34" charset="-122"/>
+              </a:rPr>
+              <a:t>时间值</a:t>
+            </a:r>
+            <a:r>
+              <a:rPr lang="en-US" altLang="zh-CN" sz="2000" dirty="0">
+                <a:latin typeface="微软雅黑" panose="020B0503020204020204" pitchFamily="34" charset="-122"/>
+                <a:ea typeface="微软雅黑" panose="020B0503020204020204" pitchFamily="34" charset="-122"/>
+              </a:rPr>
+              <a:t>+</a:t>
+            </a:r>
+            <a:r>
+              <a:rPr lang="zh-CN" altLang="en-US" sz="2000" dirty="0">
+                <a:latin typeface="微软雅黑" panose="020B0503020204020204" pitchFamily="34" charset="-122"/>
+                <a:ea typeface="微软雅黑" panose="020B0503020204020204" pitchFamily="34" charset="-122"/>
+              </a:rPr>
+              <a:t>随机数进行加密后传输，开发者服务器也使用暗号加上传递过来的时间值与随机数参数进行加密，对比加密后的结果即可进行验证。</a:t>
             </a:r>
             <a:endParaRPr lang="en-US" altLang="zh-CN" sz="2000" dirty="0">
               <a:latin typeface="微软雅黑" panose="020B0503020204020204" pitchFamily="34" charset="-122"/>
@@ -13137,70 +13165,33 @@
                 <a:latin typeface="微软雅黑" panose="020B0503020204020204" pitchFamily="34" charset="-122"/>
                 <a:ea typeface="微软雅黑" panose="020B0503020204020204" pitchFamily="34" charset="-122"/>
               </a:rPr>
-              <a:t>使用的方式与模式有很多种。</a:t>
-            </a:r>
-            <a:endParaRPr lang="en-US" altLang="zh-CN" sz="2000" dirty="0">
+              <a:t>因为加密方式相同，而且</a:t>
+            </a:r>
+            <a:r>
+              <a:rPr lang="en-US" altLang="zh-CN" sz="2000" dirty="0">
+                <a:latin typeface="微软雅黑" panose="020B0503020204020204" pitchFamily="34" charset="-122"/>
+                <a:ea typeface="微软雅黑" panose="020B0503020204020204" pitchFamily="34" charset="-122"/>
+              </a:rPr>
+              <a:t>Token</a:t>
+            </a:r>
+            <a:r>
+              <a:rPr lang="zh-CN" altLang="en-US" sz="2000" dirty="0">
+                <a:latin typeface="微软雅黑" panose="020B0503020204020204" pitchFamily="34" charset="-122"/>
+                <a:ea typeface="微软雅黑" panose="020B0503020204020204" pitchFamily="34" charset="-122"/>
+              </a:rPr>
+              <a:t>只有微信服务器和开发者服务器</a:t>
+            </a:r>
+            <a:r>
+              <a:rPr lang="zh-CN" altLang="en-US" sz="2000">
+                <a:latin typeface="微软雅黑" panose="020B0503020204020204" pitchFamily="34" charset="-122"/>
+                <a:ea typeface="微软雅黑" panose="020B0503020204020204" pitchFamily="34" charset="-122"/>
+              </a:rPr>
+              <a:t>知道，所以加密结果相同即可验证双方可信。</a:t>
+            </a:r>
+            <a:endParaRPr lang="zh-CN" altLang="en-US" sz="2000" dirty="0">
               <a:latin typeface="微软雅黑" panose="020B0503020204020204" pitchFamily="34" charset="-122"/>
               <a:ea typeface="微软雅黑" panose="020B0503020204020204" pitchFamily="34" charset="-122"/>
             </a:endParaRPr>
-          </a:p>
-          <a:p>
-            <a:pPr marL="342900" indent="-342900">
-              <a:lnSpc>
-                <a:spcPct val="150000"/>
-              </a:lnSpc>
-              <a:buFont typeface="Arial" panose="020B0604020202020204" pitchFamily="34" charset="0"/>
-              <a:buChar char="•"/>
-            </a:pPr>
-            <a:r>
-              <a:rPr lang="zh-CN" altLang="en-US" sz="2000" dirty="0">
-                <a:latin typeface="微软雅黑" panose="020B0503020204020204" pitchFamily="34" charset="-122"/>
-                <a:ea typeface="微软雅黑" panose="020B0503020204020204" pitchFamily="34" charset="-122"/>
-              </a:rPr>
-              <a:t>这里所使用的就像是双方约定好的一个暗号，微信服务器使用</a:t>
-            </a:r>
-            <a:r>
-              <a:rPr lang="en-US" altLang="zh-CN" sz="2000" dirty="0">
-                <a:latin typeface="微软雅黑" panose="020B0503020204020204" pitchFamily="34" charset="-122"/>
-                <a:ea typeface="微软雅黑" panose="020B0503020204020204" pitchFamily="34" charset="-122"/>
-              </a:rPr>
-              <a:t>Token+</a:t>
-            </a:r>
-            <a:r>
-              <a:rPr lang="zh-CN" altLang="en-US" sz="2000" dirty="0">
-                <a:latin typeface="微软雅黑" panose="020B0503020204020204" pitchFamily="34" charset="-122"/>
-                <a:ea typeface="微软雅黑" panose="020B0503020204020204" pitchFamily="34" charset="-122"/>
-              </a:rPr>
-              <a:t>时间值</a:t>
-            </a:r>
-            <a:r>
-              <a:rPr lang="en-US" altLang="zh-CN" sz="2000" dirty="0">
-                <a:latin typeface="微软雅黑" panose="020B0503020204020204" pitchFamily="34" charset="-122"/>
-                <a:ea typeface="微软雅黑" panose="020B0503020204020204" pitchFamily="34" charset="-122"/>
-              </a:rPr>
-              <a:t>+</a:t>
-            </a:r>
-            <a:r>
-              <a:rPr lang="zh-CN" altLang="en-US" sz="2000" dirty="0">
-                <a:latin typeface="微软雅黑" panose="020B0503020204020204" pitchFamily="34" charset="-122"/>
-                <a:ea typeface="微软雅黑" panose="020B0503020204020204" pitchFamily="34" charset="-122"/>
-              </a:rPr>
-              <a:t>随机数进行加密后传输，开发者服务器也使用暗号加上传递过来的时间值与随机数参数进行加密，对比加密后的结果即可进行验证。加密方式相同，只有</a:t>
-            </a:r>
-            <a:r>
-              <a:rPr lang="en-US" altLang="zh-CN" sz="2000" dirty="0">
-                <a:latin typeface="微软雅黑" panose="020B0503020204020204" pitchFamily="34" charset="-122"/>
-                <a:ea typeface="微软雅黑" panose="020B0503020204020204" pitchFamily="34" charset="-122"/>
-              </a:rPr>
-              <a:t>Token</a:t>
-            </a:r>
-            <a:r>
-              <a:rPr lang="zh-CN" altLang="en-US" sz="2000" dirty="0">
-                <a:latin typeface="微软雅黑" panose="020B0503020204020204" pitchFamily="34" charset="-122"/>
-                <a:ea typeface="微软雅黑" panose="020B0503020204020204" pitchFamily="34" charset="-122"/>
-              </a:rPr>
-              <a:t>相同才会保证加密结果相同。</a:t>
-            </a:r>
           </a:p>
         </p:txBody>
       </p:sp>
